--- a/強勢股vs.pptx
+++ b/強勢股vs.pptx
@@ -146,7 +146,7 @@
 </file>
 
 <file path=ppt/charts/chart1.xml><?xml version="1.0" encoding="utf-8"?>
-<c:chartSpace xmlns:c="http://schemas.openxmlformats.org/drawingml/2006/chart" xmlns:a="http://schemas.openxmlformats.org/drawingml/2006/main" xmlns:r="http://schemas.openxmlformats.org/officeDocument/2006/relationships" xmlns:c16r2="http://schemas.microsoft.com/office/drawing/2015/06/chart">
+<c:chartSpace xmlns:c="http://schemas.openxmlformats.org/drawingml/2006/chart" xmlns:a="http://schemas.openxmlformats.org/drawingml/2006/main" xmlns:r="http://schemas.openxmlformats.org/officeDocument/2006/relationships">
   <c:date1904 val="0"/>
   <c:lang val="zh-TW"/>
   <c:roundedCorners val="0"/>
@@ -645,7 +645,7 @@
             </c:numRef>
           </c:val>
           <c:smooth val="0"/>
-          <c:extLst>
+          <c:extLst xmlns:c16r2="http://schemas.microsoft.com/office/drawing/2015/06/chart">
             <c:ext xmlns:c16="http://schemas.microsoft.com/office/drawing/2014/chart" uri="{C3380CC4-5D6E-409C-BE32-E72D297353CC}">
               <c16:uniqueId val="{00000000-E190-4378-BCB7-9480F93CA210}"/>
             </c:ext>
@@ -660,11 +660,11 @@
           <c:showBubbleSize val="0"/>
         </c:dLbls>
         <c:smooth val="0"/>
-        <c:axId val="188154240"/>
-        <c:axId val="188155776"/>
+        <c:axId val="428682616"/>
+        <c:axId val="428683008"/>
       </c:lineChart>
       <c:catAx>
-        <c:axId val="188154240"/>
+        <c:axId val="428682616"/>
         <c:scaling>
           <c:orientation val="minMax"/>
         </c:scaling>
@@ -674,7 +674,7 @@
         <c:majorTickMark val="out"/>
         <c:minorTickMark val="none"/>
         <c:tickLblPos val="nextTo"/>
-        <c:crossAx val="188155776"/>
+        <c:crossAx val="428683008"/>
         <c:crosses val="autoZero"/>
         <c:auto val="1"/>
         <c:lblAlgn val="ctr"/>
@@ -682,7 +682,7 @@
         <c:noMultiLvlLbl val="0"/>
       </c:catAx>
       <c:valAx>
-        <c:axId val="188155776"/>
+        <c:axId val="428683008"/>
         <c:scaling>
           <c:orientation val="minMax"/>
         </c:scaling>
@@ -693,7 +693,7 @@
         <c:majorTickMark val="out"/>
         <c:minorTickMark val="none"/>
         <c:tickLblPos val="nextTo"/>
-        <c:crossAx val="188154240"/>
+        <c:crossAx val="428682616"/>
         <c:crosses val="autoZero"/>
         <c:crossBetween val="between"/>
       </c:valAx>
@@ -715,7 +715,7 @@
 </file>
 
 <file path=ppt/charts/chart10.xml><?xml version="1.0" encoding="utf-8"?>
-<c:chartSpace xmlns:c="http://schemas.openxmlformats.org/drawingml/2006/chart" xmlns:a="http://schemas.openxmlformats.org/drawingml/2006/main" xmlns:r="http://schemas.openxmlformats.org/officeDocument/2006/relationships" xmlns:c16r2="http://schemas.microsoft.com/office/drawing/2015/06/chart">
+<c:chartSpace xmlns:c="http://schemas.openxmlformats.org/drawingml/2006/chart" xmlns:a="http://schemas.openxmlformats.org/drawingml/2006/main" xmlns:r="http://schemas.openxmlformats.org/officeDocument/2006/relationships">
   <c:date1904 val="0"/>
   <c:lang val="zh-TW"/>
   <c:roundedCorners val="0"/>
@@ -1062,7 +1062,7 @@
             </c:numRef>
           </c:val>
           <c:smooth val="0"/>
-          <c:extLst>
+          <c:extLst xmlns:c16r2="http://schemas.microsoft.com/office/drawing/2015/06/chart">
             <c:ext xmlns:c16="http://schemas.microsoft.com/office/drawing/2014/chart" uri="{C3380CC4-5D6E-409C-BE32-E72D297353CC}">
               <c16:uniqueId val="{00000000-6604-4CFC-979D-0FA171EF4062}"/>
             </c:ext>
@@ -1077,11 +1077,11 @@
           <c:showBubbleSize val="0"/>
         </c:dLbls>
         <c:smooth val="0"/>
-        <c:axId val="185182080"/>
-        <c:axId val="185183616"/>
+        <c:axId val="363576328"/>
+        <c:axId val="363576720"/>
       </c:lineChart>
       <c:catAx>
-        <c:axId val="185182080"/>
+        <c:axId val="363576328"/>
         <c:scaling>
           <c:orientation val="minMax"/>
         </c:scaling>
@@ -1091,7 +1091,7 @@
         <c:majorTickMark val="out"/>
         <c:minorTickMark val="none"/>
         <c:tickLblPos val="nextTo"/>
-        <c:crossAx val="185183616"/>
+        <c:crossAx val="363576720"/>
         <c:crosses val="autoZero"/>
         <c:auto val="1"/>
         <c:lblAlgn val="ctr"/>
@@ -1099,7 +1099,7 @@
         <c:noMultiLvlLbl val="0"/>
       </c:catAx>
       <c:valAx>
-        <c:axId val="185183616"/>
+        <c:axId val="363576720"/>
         <c:scaling>
           <c:orientation val="minMax"/>
         </c:scaling>
@@ -1110,7 +1110,7 @@
         <c:majorTickMark val="out"/>
         <c:minorTickMark val="none"/>
         <c:tickLblPos val="nextTo"/>
-        <c:crossAx val="185182080"/>
+        <c:crossAx val="363576328"/>
         <c:crosses val="autoZero"/>
         <c:crossBetween val="between"/>
       </c:valAx>
@@ -1132,7 +1132,7 @@
 </file>
 
 <file path=ppt/charts/chart11.xml><?xml version="1.0" encoding="utf-8"?>
-<c:chartSpace xmlns:c="http://schemas.openxmlformats.org/drawingml/2006/chart" xmlns:a="http://schemas.openxmlformats.org/drawingml/2006/main" xmlns:r="http://schemas.openxmlformats.org/officeDocument/2006/relationships" xmlns:c16r2="http://schemas.microsoft.com/office/drawing/2015/06/chart">
+<c:chartSpace xmlns:c="http://schemas.openxmlformats.org/drawingml/2006/chart" xmlns:a="http://schemas.openxmlformats.org/drawingml/2006/main" xmlns:r="http://schemas.openxmlformats.org/officeDocument/2006/relationships">
   <c:date1904 val="0"/>
   <c:lang val="zh-TW"/>
   <c:roundedCorners val="0"/>
@@ -1266,7 +1266,7 @@
               </c:numCache>
             </c:numRef>
           </c:val>
-          <c:extLst>
+          <c:extLst xmlns:c16r2="http://schemas.microsoft.com/office/drawing/2015/06/chart">
             <c:ext xmlns:c16="http://schemas.microsoft.com/office/drawing/2014/chart" uri="{C3380CC4-5D6E-409C-BE32-E72D297353CC}">
               <c16:uniqueId val="{00000000-B724-4309-818F-A22C54F48C6F}"/>
             </c:ext>
@@ -1282,11 +1282,11 @@
         </c:dLbls>
         <c:gapWidth val="150"/>
         <c:overlap val="100"/>
-        <c:axId val="188200448"/>
-        <c:axId val="188201984"/>
+        <c:axId val="363577504"/>
+        <c:axId val="363577896"/>
       </c:barChart>
       <c:catAx>
-        <c:axId val="188200448"/>
+        <c:axId val="363577504"/>
         <c:scaling>
           <c:orientation val="minMax"/>
         </c:scaling>
@@ -1325,7 +1325,7 @@
             <a:endParaRPr lang="zh-TW"/>
           </a:p>
         </c:txPr>
-        <c:crossAx val="188201984"/>
+        <c:crossAx val="363577896"/>
         <c:crosses val="autoZero"/>
         <c:auto val="1"/>
         <c:lblAlgn val="ctr"/>
@@ -1333,7 +1333,7 @@
         <c:noMultiLvlLbl val="0"/>
       </c:catAx>
       <c:valAx>
-        <c:axId val="188201984"/>
+        <c:axId val="363577896"/>
         <c:scaling>
           <c:orientation val="minMax"/>
         </c:scaling>
@@ -1387,7 +1387,7 @@
             <a:endParaRPr lang="zh-TW"/>
           </a:p>
         </c:txPr>
-        <c:crossAx val="188200448"/>
+        <c:crossAx val="363577504"/>
         <c:crosses val="autoZero"/>
         <c:crossBetween val="between"/>
       </c:valAx>
@@ -1478,7 +1478,7 @@
 </file>
 
 <file path=ppt/charts/chart12.xml><?xml version="1.0" encoding="utf-8"?>
-<c:chartSpace xmlns:c="http://schemas.openxmlformats.org/drawingml/2006/chart" xmlns:a="http://schemas.openxmlformats.org/drawingml/2006/main" xmlns:r="http://schemas.openxmlformats.org/officeDocument/2006/relationships" xmlns:c16r2="http://schemas.microsoft.com/office/drawing/2015/06/chart">
+<c:chartSpace xmlns:c="http://schemas.openxmlformats.org/drawingml/2006/chart" xmlns:a="http://schemas.openxmlformats.org/drawingml/2006/main" xmlns:r="http://schemas.openxmlformats.org/officeDocument/2006/relationships">
   <c:date1904 val="0"/>
   <c:lang val="zh-TW"/>
   <c:roundedCorners val="0"/>
@@ -1572,7 +1572,7 @@
               </c:numCache>
             </c:numRef>
           </c:val>
-          <c:extLst>
+          <c:extLst xmlns:c16r2="http://schemas.microsoft.com/office/drawing/2015/06/chart">
             <c:ext xmlns:c16="http://schemas.microsoft.com/office/drawing/2014/chart" uri="{C3380CC4-5D6E-409C-BE32-E72D297353CC}">
               <c16:uniqueId val="{00000000-B35C-4826-A200-96E07EE8C97E}"/>
             </c:ext>
@@ -1588,11 +1588,11 @@
         </c:dLbls>
         <c:gapWidth val="150"/>
         <c:overlap val="100"/>
-        <c:axId val="210861056"/>
-        <c:axId val="210866944"/>
+        <c:axId val="363578680"/>
+        <c:axId val="363579072"/>
       </c:barChart>
       <c:catAx>
-        <c:axId val="210861056"/>
+        <c:axId val="363578680"/>
         <c:scaling>
           <c:orientation val="minMax"/>
         </c:scaling>
@@ -1601,7 +1601,7 @@
         <c:majorTickMark val="out"/>
         <c:minorTickMark val="none"/>
         <c:tickLblPos val="nextTo"/>
-        <c:crossAx val="210866944"/>
+        <c:crossAx val="363579072"/>
         <c:crosses val="autoZero"/>
         <c:auto val="1"/>
         <c:lblAlgn val="ctr"/>
@@ -1609,7 +1609,7 @@
         <c:noMultiLvlLbl val="0"/>
       </c:catAx>
       <c:valAx>
-        <c:axId val="210866944"/>
+        <c:axId val="363579072"/>
         <c:scaling>
           <c:orientation val="minMax"/>
         </c:scaling>
@@ -1620,7 +1620,7 @@
         <c:majorTickMark val="out"/>
         <c:minorTickMark val="none"/>
         <c:tickLblPos val="nextTo"/>
-        <c:crossAx val="210861056"/>
+        <c:crossAx val="363578680"/>
         <c:crosses val="autoZero"/>
         <c:crossBetween val="between"/>
       </c:valAx>
@@ -1654,7 +1654,7 @@
 </file>
 
 <file path=ppt/charts/chart13.xml><?xml version="1.0" encoding="utf-8"?>
-<c:chartSpace xmlns:c="http://schemas.openxmlformats.org/drawingml/2006/chart" xmlns:a="http://schemas.openxmlformats.org/drawingml/2006/main" xmlns:r="http://schemas.openxmlformats.org/officeDocument/2006/relationships" xmlns:c16r2="http://schemas.microsoft.com/office/drawing/2015/06/chart">
+<c:chartSpace xmlns:c="http://schemas.openxmlformats.org/drawingml/2006/chart" xmlns:a="http://schemas.openxmlformats.org/drawingml/2006/main" xmlns:r="http://schemas.openxmlformats.org/officeDocument/2006/relationships">
   <c:date1904 val="0"/>
   <c:lang val="zh-TW"/>
   <c:roundedCorners val="0"/>
@@ -1808,7 +1808,7 @@
             <c:showPercent val="0"/>
             <c:showBubbleSize val="0"/>
             <c:showLeaderLines val="0"/>
-            <c:extLst>
+            <c:extLst xmlns:c16r2="http://schemas.microsoft.com/office/drawing/2015/06/chart">
               <c:ext xmlns:c15="http://schemas.microsoft.com/office/drawing/2012/chart" uri="{CE6537A1-D6FC-4f65-9D91-7224C49458BB}">
                 <c15:layout/>
                 <c15:showLeaderLines val="1"/>
@@ -1869,7 +1869,7 @@
               </c:numCache>
             </c:numRef>
           </c:val>
-          <c:extLst>
+          <c:extLst xmlns:c16r2="http://schemas.microsoft.com/office/drawing/2015/06/chart">
             <c:ext xmlns:c16="http://schemas.microsoft.com/office/drawing/2014/chart" uri="{C3380CC4-5D6E-409C-BE32-E72D297353CC}">
               <c16:uniqueId val="{00000000-1F73-40BF-91FE-AC8748456EC0}"/>
             </c:ext>
@@ -1885,11 +1885,11 @@
         </c:dLbls>
         <c:gapWidth val="100"/>
         <c:overlap val="-24"/>
-        <c:axId val="185156352"/>
-        <c:axId val="185158272"/>
+        <c:axId val="363579856"/>
+        <c:axId val="364770856"/>
       </c:barChart>
       <c:catAx>
-        <c:axId val="185156352"/>
+        <c:axId val="363579856"/>
         <c:scaling>
           <c:orientation val="minMax"/>
         </c:scaling>
@@ -1980,7 +1980,7 @@
             <a:endParaRPr lang="zh-TW"/>
           </a:p>
         </c:txPr>
-        <c:crossAx val="185158272"/>
+        <c:crossAx val="364770856"/>
         <c:crosses val="autoZero"/>
         <c:auto val="1"/>
         <c:lblAlgn val="ctr"/>
@@ -1988,7 +1988,7 @@
         <c:noMultiLvlLbl val="0"/>
       </c:catAx>
       <c:valAx>
-        <c:axId val="185158272"/>
+        <c:axId val="364770856"/>
         <c:scaling>
           <c:orientation val="minMax"/>
         </c:scaling>
@@ -2087,7 +2087,7 @@
             <a:endParaRPr lang="zh-TW"/>
           </a:p>
         </c:txPr>
-        <c:crossAx val="185156352"/>
+        <c:crossAx val="363579856"/>
         <c:crosses val="autoZero"/>
         <c:crossBetween val="between"/>
       </c:valAx>
@@ -2127,7 +2127,7 @@
 </file>
 
 <file path=ppt/charts/chart14.xml><?xml version="1.0" encoding="utf-8"?>
-<c:chartSpace xmlns:c="http://schemas.openxmlformats.org/drawingml/2006/chart" xmlns:a="http://schemas.openxmlformats.org/drawingml/2006/main" xmlns:r="http://schemas.openxmlformats.org/officeDocument/2006/relationships" xmlns:c16r2="http://schemas.microsoft.com/office/drawing/2015/06/chart">
+<c:chartSpace xmlns:c="http://schemas.openxmlformats.org/drawingml/2006/chart" xmlns:a="http://schemas.openxmlformats.org/drawingml/2006/main" xmlns:r="http://schemas.openxmlformats.org/officeDocument/2006/relationships">
   <c:date1904 val="0"/>
   <c:lang val="zh-TW"/>
   <c:roundedCorners val="0"/>
@@ -2281,7 +2281,7 @@
             <c:showPercent val="0"/>
             <c:showBubbleSize val="0"/>
             <c:showLeaderLines val="0"/>
-            <c:extLst>
+            <c:extLst xmlns:c16r2="http://schemas.microsoft.com/office/drawing/2015/06/chart">
               <c:ext xmlns:c15="http://schemas.microsoft.com/office/drawing/2012/chart" uri="{CE6537A1-D6FC-4f65-9D91-7224C49458BB}">
                 <c15:layout/>
                 <c15:showLeaderLines val="1"/>
@@ -2342,7 +2342,7 @@
               </c:numCache>
             </c:numRef>
           </c:val>
-          <c:extLst>
+          <c:extLst xmlns:c16r2="http://schemas.microsoft.com/office/drawing/2015/06/chart">
             <c:ext xmlns:c16="http://schemas.microsoft.com/office/drawing/2014/chart" uri="{C3380CC4-5D6E-409C-BE32-E72D297353CC}">
               <c16:uniqueId val="{00000000-E51F-4419-A387-391B44A07A85}"/>
             </c:ext>
@@ -2358,11 +2358,11 @@
         </c:dLbls>
         <c:gapWidth val="100"/>
         <c:overlap val="-24"/>
-        <c:axId val="185156352"/>
-        <c:axId val="185158272"/>
+        <c:axId val="364771640"/>
+        <c:axId val="364772032"/>
       </c:barChart>
       <c:catAx>
-        <c:axId val="185156352"/>
+        <c:axId val="364771640"/>
         <c:scaling>
           <c:orientation val="minMax"/>
         </c:scaling>
@@ -2453,7 +2453,7 @@
             <a:endParaRPr lang="zh-TW"/>
           </a:p>
         </c:txPr>
-        <c:crossAx val="185158272"/>
+        <c:crossAx val="364772032"/>
         <c:crosses val="autoZero"/>
         <c:auto val="1"/>
         <c:lblAlgn val="ctr"/>
@@ -2461,7 +2461,7 @@
         <c:noMultiLvlLbl val="0"/>
       </c:catAx>
       <c:valAx>
-        <c:axId val="185158272"/>
+        <c:axId val="364772032"/>
         <c:scaling>
           <c:orientation val="minMax"/>
         </c:scaling>
@@ -2560,7 +2560,7 @@
             <a:endParaRPr lang="zh-TW"/>
           </a:p>
         </c:txPr>
-        <c:crossAx val="185156352"/>
+        <c:crossAx val="364771640"/>
         <c:crosses val="autoZero"/>
         <c:crossBetween val="between"/>
       </c:valAx>
@@ -2600,7 +2600,7 @@
 </file>
 
 <file path=ppt/charts/chart15.xml><?xml version="1.0" encoding="utf-8"?>
-<c:chartSpace xmlns:c="http://schemas.openxmlformats.org/drawingml/2006/chart" xmlns:a="http://schemas.openxmlformats.org/drawingml/2006/main" xmlns:r="http://schemas.openxmlformats.org/officeDocument/2006/relationships" xmlns:c16r2="http://schemas.microsoft.com/office/drawing/2015/06/chart">
+<c:chartSpace xmlns:c="http://schemas.openxmlformats.org/drawingml/2006/chart" xmlns:a="http://schemas.openxmlformats.org/drawingml/2006/main" xmlns:r="http://schemas.openxmlformats.org/officeDocument/2006/relationships">
   <c:date1904 val="0"/>
   <c:lang val="zh-TW"/>
   <c:roundedCorners val="0"/>
@@ -2761,7 +2761,7 @@
             <c:showPercent val="0"/>
             <c:showBubbleSize val="0"/>
             <c:showLeaderLines val="0"/>
-            <c:extLst>
+            <c:extLst xmlns:c16r2="http://schemas.microsoft.com/office/drawing/2015/06/chart">
               <c:ext xmlns:c15="http://schemas.microsoft.com/office/drawing/2012/chart" uri="{CE6537A1-D6FC-4f65-9D91-7224C49458BB}">
                 <c15:layout/>
                 <c15:showLeaderLines val="1"/>
@@ -2822,7 +2822,7 @@
               </c:numCache>
             </c:numRef>
           </c:val>
-          <c:extLst>
+          <c:extLst xmlns:c16r2="http://schemas.microsoft.com/office/drawing/2015/06/chart">
             <c:ext xmlns:c16="http://schemas.microsoft.com/office/drawing/2014/chart" uri="{C3380CC4-5D6E-409C-BE32-E72D297353CC}">
               <c16:uniqueId val="{00000000-B5A3-4F39-A3B7-3209F8C72453}"/>
             </c:ext>
@@ -2838,11 +2838,11 @@
         </c:dLbls>
         <c:gapWidth val="100"/>
         <c:overlap val="-24"/>
-        <c:axId val="185156352"/>
-        <c:axId val="185158272"/>
+        <c:axId val="364772816"/>
+        <c:axId val="364773208"/>
       </c:barChart>
       <c:catAx>
-        <c:axId val="185156352"/>
+        <c:axId val="364772816"/>
         <c:scaling>
           <c:orientation val="minMax"/>
         </c:scaling>
@@ -2940,7 +2940,7 @@
             <a:endParaRPr lang="zh-TW"/>
           </a:p>
         </c:txPr>
-        <c:crossAx val="185158272"/>
+        <c:crossAx val="364773208"/>
         <c:crosses val="autoZero"/>
         <c:auto val="1"/>
         <c:lblAlgn val="ctr"/>
@@ -2948,7 +2948,7 @@
         <c:noMultiLvlLbl val="0"/>
       </c:catAx>
       <c:valAx>
-        <c:axId val="185158272"/>
+        <c:axId val="364773208"/>
         <c:scaling>
           <c:orientation val="minMax"/>
         </c:scaling>
@@ -3047,7 +3047,7 @@
             <a:endParaRPr lang="zh-TW"/>
           </a:p>
         </c:txPr>
-        <c:crossAx val="185156352"/>
+        <c:crossAx val="364772816"/>
         <c:crosses val="autoZero"/>
         <c:crossBetween val="between"/>
       </c:valAx>
@@ -3087,7 +3087,7 @@
 </file>
 
 <file path=ppt/charts/chart16.xml><?xml version="1.0" encoding="utf-8"?>
-<c:chartSpace xmlns:c="http://schemas.openxmlformats.org/drawingml/2006/chart" xmlns:a="http://schemas.openxmlformats.org/drawingml/2006/main" xmlns:r="http://schemas.openxmlformats.org/officeDocument/2006/relationships" xmlns:c16r2="http://schemas.microsoft.com/office/drawing/2015/06/chart">
+<c:chartSpace xmlns:c="http://schemas.openxmlformats.org/drawingml/2006/chart" xmlns:a="http://schemas.openxmlformats.org/drawingml/2006/main" xmlns:r="http://schemas.openxmlformats.org/officeDocument/2006/relationships">
   <c:date1904 val="0"/>
   <c:lang val="zh-TW"/>
   <c:roundedCorners val="0"/>
@@ -3248,7 +3248,7 @@
             <c:showPercent val="0"/>
             <c:showBubbleSize val="0"/>
             <c:showLeaderLines val="0"/>
-            <c:extLst>
+            <c:extLst xmlns:c16r2="http://schemas.microsoft.com/office/drawing/2015/06/chart">
               <c:ext xmlns:c15="http://schemas.microsoft.com/office/drawing/2012/chart" uri="{CE6537A1-D6FC-4f65-9D91-7224C49458BB}">
                 <c15:layout/>
                 <c15:showLeaderLines val="1"/>
@@ -3309,7 +3309,7 @@
               </c:numCache>
             </c:numRef>
           </c:val>
-          <c:extLst>
+          <c:extLst xmlns:c16r2="http://schemas.microsoft.com/office/drawing/2015/06/chart">
             <c:ext xmlns:c16="http://schemas.microsoft.com/office/drawing/2014/chart" uri="{C3380CC4-5D6E-409C-BE32-E72D297353CC}">
               <c16:uniqueId val="{00000000-2724-41BF-880A-72F23A4F0283}"/>
             </c:ext>
@@ -3325,11 +3325,11 @@
         </c:dLbls>
         <c:gapWidth val="100"/>
         <c:overlap val="-24"/>
-        <c:axId val="185156352"/>
-        <c:axId val="185158272"/>
+        <c:axId val="364773992"/>
+        <c:axId val="364774384"/>
       </c:barChart>
       <c:catAx>
-        <c:axId val="185156352"/>
+        <c:axId val="364773992"/>
         <c:scaling>
           <c:orientation val="minMax"/>
         </c:scaling>
@@ -3420,7 +3420,7 @@
             <a:endParaRPr lang="zh-TW"/>
           </a:p>
         </c:txPr>
-        <c:crossAx val="185158272"/>
+        <c:crossAx val="364774384"/>
         <c:crosses val="autoZero"/>
         <c:auto val="1"/>
         <c:lblAlgn val="ctr"/>
@@ -3428,7 +3428,7 @@
         <c:noMultiLvlLbl val="0"/>
       </c:catAx>
       <c:valAx>
-        <c:axId val="185158272"/>
+        <c:axId val="364774384"/>
         <c:scaling>
           <c:orientation val="minMax"/>
         </c:scaling>
@@ -3527,7 +3527,7 @@
             <a:endParaRPr lang="zh-TW"/>
           </a:p>
         </c:txPr>
-        <c:crossAx val="185156352"/>
+        <c:crossAx val="364773992"/>
         <c:crosses val="autoZero"/>
         <c:crossBetween val="between"/>
       </c:valAx>
@@ -3567,7 +3567,7 @@
 </file>
 
 <file path=ppt/charts/chart17.xml><?xml version="1.0" encoding="utf-8"?>
-<c:chartSpace xmlns:c="http://schemas.openxmlformats.org/drawingml/2006/chart" xmlns:a="http://schemas.openxmlformats.org/drawingml/2006/main" xmlns:r="http://schemas.openxmlformats.org/officeDocument/2006/relationships" xmlns:c16r2="http://schemas.microsoft.com/office/drawing/2015/06/chart">
+<c:chartSpace xmlns:c="http://schemas.openxmlformats.org/drawingml/2006/chart" xmlns:a="http://schemas.openxmlformats.org/drawingml/2006/main" xmlns:r="http://schemas.openxmlformats.org/officeDocument/2006/relationships">
   <c:date1904 val="0"/>
   <c:lang val="zh-TW"/>
   <c:roundedCorners val="0"/>
@@ -3673,12 +3673,12 @@
               <c:showSerName val="0"/>
               <c:showPercent val="0"/>
               <c:showBubbleSize val="0"/>
-              <c:extLst>
+              <c:extLst xmlns:c16r2="http://schemas.microsoft.com/office/drawing/2015/06/chart">
+                <c:ext xmlns:c16="http://schemas.microsoft.com/office/drawing/2014/chart" uri="{C3380CC4-5D6E-409C-BE32-E72D297353CC}">
+                  <c16:uniqueId val="{00000000-52C2-4CB5-8FD9-ED98B62B5470}"/>
+                </c:ext>
                 <c:ext xmlns:c15="http://schemas.microsoft.com/office/drawing/2012/chart" uri="{CE6537A1-D6FC-4f65-9D91-7224C49458BB}">
                   <c15:layout/>
-                </c:ext>
-                <c:ext xmlns:c16="http://schemas.microsoft.com/office/drawing/2014/chart" uri="{C3380CC4-5D6E-409C-BE32-E72D297353CC}">
-                  <c16:uniqueId val="{00000000-52C2-4CB5-8FD9-ED98B62B5470}"/>
                 </c:ext>
               </c:extLst>
             </c:dLbl>
@@ -3697,12 +3697,12 @@
               <c:showSerName val="0"/>
               <c:showPercent val="0"/>
               <c:showBubbleSize val="0"/>
-              <c:extLst>
+              <c:extLst xmlns:c16r2="http://schemas.microsoft.com/office/drawing/2015/06/chart">
+                <c:ext xmlns:c16="http://schemas.microsoft.com/office/drawing/2014/chart" uri="{C3380CC4-5D6E-409C-BE32-E72D297353CC}">
+                  <c16:uniqueId val="{00000001-52C2-4CB5-8FD9-ED98B62B5470}"/>
+                </c:ext>
                 <c:ext xmlns:c15="http://schemas.microsoft.com/office/drawing/2012/chart" uri="{CE6537A1-D6FC-4f65-9D91-7224C49458BB}">
                   <c15:layout/>
-                </c:ext>
-                <c:ext xmlns:c16="http://schemas.microsoft.com/office/drawing/2014/chart" uri="{C3380CC4-5D6E-409C-BE32-E72D297353CC}">
-                  <c16:uniqueId val="{00000001-52C2-4CB5-8FD9-ED98B62B5470}"/>
                 </c:ext>
               </c:extLst>
             </c:dLbl>
@@ -3721,12 +3721,12 @@
               <c:showSerName val="0"/>
               <c:showPercent val="0"/>
               <c:showBubbleSize val="0"/>
-              <c:extLst>
+              <c:extLst xmlns:c16r2="http://schemas.microsoft.com/office/drawing/2015/06/chart">
+                <c:ext xmlns:c16="http://schemas.microsoft.com/office/drawing/2014/chart" uri="{C3380CC4-5D6E-409C-BE32-E72D297353CC}">
+                  <c16:uniqueId val="{00000002-52C2-4CB5-8FD9-ED98B62B5470}"/>
+                </c:ext>
                 <c:ext xmlns:c15="http://schemas.microsoft.com/office/drawing/2012/chart" uri="{CE6537A1-D6FC-4f65-9D91-7224C49458BB}">
                   <c15:layout/>
-                </c:ext>
-                <c:ext xmlns:c16="http://schemas.microsoft.com/office/drawing/2014/chart" uri="{C3380CC4-5D6E-409C-BE32-E72D297353CC}">
-                  <c16:uniqueId val="{00000002-52C2-4CB5-8FD9-ED98B62B5470}"/>
                 </c:ext>
               </c:extLst>
             </c:dLbl>
@@ -3745,12 +3745,12 @@
               <c:showSerName val="0"/>
               <c:showPercent val="0"/>
               <c:showBubbleSize val="0"/>
-              <c:extLst>
+              <c:extLst xmlns:c16r2="http://schemas.microsoft.com/office/drawing/2015/06/chart">
+                <c:ext xmlns:c16="http://schemas.microsoft.com/office/drawing/2014/chart" uri="{C3380CC4-5D6E-409C-BE32-E72D297353CC}">
+                  <c16:uniqueId val="{00000003-52C2-4CB5-8FD9-ED98B62B5470}"/>
+                </c:ext>
                 <c:ext xmlns:c15="http://schemas.microsoft.com/office/drawing/2012/chart" uri="{CE6537A1-D6FC-4f65-9D91-7224C49458BB}">
                   <c15:layout/>
-                </c:ext>
-                <c:ext xmlns:c16="http://schemas.microsoft.com/office/drawing/2014/chart" uri="{C3380CC4-5D6E-409C-BE32-E72D297353CC}">
-                  <c16:uniqueId val="{00000003-52C2-4CB5-8FD9-ED98B62B5470}"/>
                 </c:ext>
               </c:extLst>
             </c:dLbl>
@@ -3769,12 +3769,12 @@
               <c:showSerName val="0"/>
               <c:showPercent val="0"/>
               <c:showBubbleSize val="0"/>
-              <c:extLst>
+              <c:extLst xmlns:c16r2="http://schemas.microsoft.com/office/drawing/2015/06/chart">
+                <c:ext xmlns:c16="http://schemas.microsoft.com/office/drawing/2014/chart" uri="{C3380CC4-5D6E-409C-BE32-E72D297353CC}">
+                  <c16:uniqueId val="{00000004-52C2-4CB5-8FD9-ED98B62B5470}"/>
+                </c:ext>
                 <c:ext xmlns:c15="http://schemas.microsoft.com/office/drawing/2012/chart" uri="{CE6537A1-D6FC-4f65-9D91-7224C49458BB}">
                   <c15:layout/>
-                </c:ext>
-                <c:ext xmlns:c16="http://schemas.microsoft.com/office/drawing/2014/chart" uri="{C3380CC4-5D6E-409C-BE32-E72D297353CC}">
-                  <c16:uniqueId val="{00000004-52C2-4CB5-8FD9-ED98B62B5470}"/>
                 </c:ext>
               </c:extLst>
             </c:dLbl>
@@ -3793,12 +3793,12 @@
               <c:showSerName val="0"/>
               <c:showPercent val="0"/>
               <c:showBubbleSize val="0"/>
-              <c:extLst>
+              <c:extLst xmlns:c16r2="http://schemas.microsoft.com/office/drawing/2015/06/chart">
+                <c:ext xmlns:c16="http://schemas.microsoft.com/office/drawing/2014/chart" uri="{C3380CC4-5D6E-409C-BE32-E72D297353CC}">
+                  <c16:uniqueId val="{00000005-52C2-4CB5-8FD9-ED98B62B5470}"/>
+                </c:ext>
                 <c:ext xmlns:c15="http://schemas.microsoft.com/office/drawing/2012/chart" uri="{CE6537A1-D6FC-4f65-9D91-7224C49458BB}">
                   <c15:layout/>
-                </c:ext>
-                <c:ext xmlns:c16="http://schemas.microsoft.com/office/drawing/2014/chart" uri="{C3380CC4-5D6E-409C-BE32-E72D297353CC}">
-                  <c16:uniqueId val="{00000005-52C2-4CB5-8FD9-ED98B62B5470}"/>
                 </c:ext>
               </c:extLst>
             </c:dLbl>
@@ -3817,7 +3817,7 @@
             <c:showPercent val="0"/>
             <c:showBubbleSize val="0"/>
             <c:showLeaderLines val="0"/>
-            <c:extLst>
+            <c:extLst xmlns:c16r2="http://schemas.microsoft.com/office/drawing/2015/06/chart">
               <c:ext xmlns:c15="http://schemas.microsoft.com/office/drawing/2012/chart" uri="{CE6537A1-D6FC-4f65-9D91-7224C49458BB}">
                 <c15:showLeaderLines val="0"/>
               </c:ext>
@@ -3850,7 +3850,7 @@
               </c:numCache>
             </c:numRef>
           </c:val>
-          <c:extLst>
+          <c:extLst xmlns:c16r2="http://schemas.microsoft.com/office/drawing/2015/06/chart">
             <c:ext xmlns:c16="http://schemas.microsoft.com/office/drawing/2014/chart" uri="{C3380CC4-5D6E-409C-BE32-E72D297353CC}">
               <c16:uniqueId val="{00000006-52C2-4CB5-8FD9-ED98B62B5470}"/>
             </c:ext>
@@ -3866,11 +3866,11 @@
         </c:dLbls>
         <c:gapWidth val="100"/>
         <c:overlap val="100"/>
-        <c:axId val="186174464"/>
-        <c:axId val="186254464"/>
+        <c:axId val="365363528"/>
+        <c:axId val="365363920"/>
       </c:barChart>
       <c:catAx>
-        <c:axId val="186174464"/>
+        <c:axId val="365363528"/>
         <c:scaling>
           <c:orientation val="minMax"/>
         </c:scaling>
@@ -3944,7 +3944,7 @@
             <a:endParaRPr lang="zh-TW"/>
           </a:p>
         </c:txPr>
-        <c:crossAx val="186254464"/>
+        <c:crossAx val="365363920"/>
         <c:crosses val="autoZero"/>
         <c:auto val="1"/>
         <c:lblAlgn val="ctr"/>
@@ -3952,7 +3952,7 @@
         <c:noMultiLvlLbl val="0"/>
       </c:catAx>
       <c:valAx>
-        <c:axId val="186254464"/>
+        <c:axId val="365363920"/>
         <c:scaling>
           <c:orientation val="minMax"/>
         </c:scaling>
@@ -4034,7 +4034,7 @@
             <a:endParaRPr lang="zh-TW"/>
           </a:p>
         </c:txPr>
-        <c:crossAx val="186174464"/>
+        <c:crossAx val="365363528"/>
         <c:crosses val="autoZero"/>
         <c:crossBetween val="between"/>
       </c:valAx>
@@ -4083,7 +4083,7 @@
 </file>
 
 <file path=ppt/charts/chart18.xml><?xml version="1.0" encoding="utf-8"?>
-<c:chartSpace xmlns:c="http://schemas.openxmlformats.org/drawingml/2006/chart" xmlns:a="http://schemas.openxmlformats.org/drawingml/2006/main" xmlns:r="http://schemas.openxmlformats.org/officeDocument/2006/relationships" xmlns:c16r2="http://schemas.microsoft.com/office/drawing/2015/06/chart">
+<c:chartSpace xmlns:c="http://schemas.openxmlformats.org/drawingml/2006/chart" xmlns:a="http://schemas.openxmlformats.org/drawingml/2006/main" xmlns:r="http://schemas.openxmlformats.org/officeDocument/2006/relationships">
   <c:date1904 val="0"/>
   <c:lang val="zh-TW"/>
   <c:roundedCorners val="0"/>
@@ -4189,12 +4189,12 @@
               <c:showSerName val="0"/>
               <c:showPercent val="0"/>
               <c:showBubbleSize val="0"/>
-              <c:extLst>
+              <c:extLst xmlns:c16r2="http://schemas.microsoft.com/office/drawing/2015/06/chart">
+                <c:ext xmlns:c16="http://schemas.microsoft.com/office/drawing/2014/chart" uri="{C3380CC4-5D6E-409C-BE32-E72D297353CC}">
+                  <c16:uniqueId val="{00000000-412D-40B0-8427-3211AC67C3D5}"/>
+                </c:ext>
                 <c:ext xmlns:c15="http://schemas.microsoft.com/office/drawing/2012/chart" uri="{CE6537A1-D6FC-4f65-9D91-7224C49458BB}">
                   <c15:layout/>
-                </c:ext>
-                <c:ext xmlns:c16="http://schemas.microsoft.com/office/drawing/2014/chart" uri="{C3380CC4-5D6E-409C-BE32-E72D297353CC}">
-                  <c16:uniqueId val="{00000000-412D-40B0-8427-3211AC67C3D5}"/>
                 </c:ext>
               </c:extLst>
             </c:dLbl>
@@ -4213,12 +4213,12 @@
               <c:showSerName val="0"/>
               <c:showPercent val="0"/>
               <c:showBubbleSize val="0"/>
-              <c:extLst>
+              <c:extLst xmlns:c16r2="http://schemas.microsoft.com/office/drawing/2015/06/chart">
+                <c:ext xmlns:c16="http://schemas.microsoft.com/office/drawing/2014/chart" uri="{C3380CC4-5D6E-409C-BE32-E72D297353CC}">
+                  <c16:uniqueId val="{00000001-412D-40B0-8427-3211AC67C3D5}"/>
+                </c:ext>
                 <c:ext xmlns:c15="http://schemas.microsoft.com/office/drawing/2012/chart" uri="{CE6537A1-D6FC-4f65-9D91-7224C49458BB}">
                   <c15:layout/>
-                </c:ext>
-                <c:ext xmlns:c16="http://schemas.microsoft.com/office/drawing/2014/chart" uri="{C3380CC4-5D6E-409C-BE32-E72D297353CC}">
-                  <c16:uniqueId val="{00000001-412D-40B0-8427-3211AC67C3D5}"/>
                 </c:ext>
               </c:extLst>
             </c:dLbl>
@@ -4237,12 +4237,12 @@
               <c:showSerName val="0"/>
               <c:showPercent val="0"/>
               <c:showBubbleSize val="0"/>
-              <c:extLst>
+              <c:extLst xmlns:c16r2="http://schemas.microsoft.com/office/drawing/2015/06/chart">
+                <c:ext xmlns:c16="http://schemas.microsoft.com/office/drawing/2014/chart" uri="{C3380CC4-5D6E-409C-BE32-E72D297353CC}">
+                  <c16:uniqueId val="{00000002-412D-40B0-8427-3211AC67C3D5}"/>
+                </c:ext>
                 <c:ext xmlns:c15="http://schemas.microsoft.com/office/drawing/2012/chart" uri="{CE6537A1-D6FC-4f65-9D91-7224C49458BB}">
                   <c15:layout/>
-                </c:ext>
-                <c:ext xmlns:c16="http://schemas.microsoft.com/office/drawing/2014/chart" uri="{C3380CC4-5D6E-409C-BE32-E72D297353CC}">
-                  <c16:uniqueId val="{00000002-412D-40B0-8427-3211AC67C3D5}"/>
                 </c:ext>
               </c:extLst>
             </c:dLbl>
@@ -4261,12 +4261,12 @@
               <c:showSerName val="0"/>
               <c:showPercent val="0"/>
               <c:showBubbleSize val="0"/>
-              <c:extLst>
+              <c:extLst xmlns:c16r2="http://schemas.microsoft.com/office/drawing/2015/06/chart">
+                <c:ext xmlns:c16="http://schemas.microsoft.com/office/drawing/2014/chart" uri="{C3380CC4-5D6E-409C-BE32-E72D297353CC}">
+                  <c16:uniqueId val="{00000003-412D-40B0-8427-3211AC67C3D5}"/>
+                </c:ext>
                 <c:ext xmlns:c15="http://schemas.microsoft.com/office/drawing/2012/chart" uri="{CE6537A1-D6FC-4f65-9D91-7224C49458BB}">
                   <c15:layout/>
-                </c:ext>
-                <c:ext xmlns:c16="http://schemas.microsoft.com/office/drawing/2014/chart" uri="{C3380CC4-5D6E-409C-BE32-E72D297353CC}">
-                  <c16:uniqueId val="{00000003-412D-40B0-8427-3211AC67C3D5}"/>
                 </c:ext>
               </c:extLst>
             </c:dLbl>
@@ -4285,12 +4285,12 @@
               <c:showSerName val="0"/>
               <c:showPercent val="0"/>
               <c:showBubbleSize val="0"/>
-              <c:extLst>
+              <c:extLst xmlns:c16r2="http://schemas.microsoft.com/office/drawing/2015/06/chart">
+                <c:ext xmlns:c16="http://schemas.microsoft.com/office/drawing/2014/chart" uri="{C3380CC4-5D6E-409C-BE32-E72D297353CC}">
+                  <c16:uniqueId val="{00000004-412D-40B0-8427-3211AC67C3D5}"/>
+                </c:ext>
                 <c:ext xmlns:c15="http://schemas.microsoft.com/office/drawing/2012/chart" uri="{CE6537A1-D6FC-4f65-9D91-7224C49458BB}">
                   <c15:layout/>
-                </c:ext>
-                <c:ext xmlns:c16="http://schemas.microsoft.com/office/drawing/2014/chart" uri="{C3380CC4-5D6E-409C-BE32-E72D297353CC}">
-                  <c16:uniqueId val="{00000004-412D-40B0-8427-3211AC67C3D5}"/>
                 </c:ext>
               </c:extLst>
             </c:dLbl>
@@ -4309,12 +4309,12 @@
               <c:showSerName val="0"/>
               <c:showPercent val="0"/>
               <c:showBubbleSize val="0"/>
-              <c:extLst>
+              <c:extLst xmlns:c16r2="http://schemas.microsoft.com/office/drawing/2015/06/chart">
+                <c:ext xmlns:c16="http://schemas.microsoft.com/office/drawing/2014/chart" uri="{C3380CC4-5D6E-409C-BE32-E72D297353CC}">
+                  <c16:uniqueId val="{00000005-412D-40B0-8427-3211AC67C3D5}"/>
+                </c:ext>
                 <c:ext xmlns:c15="http://schemas.microsoft.com/office/drawing/2012/chart" uri="{CE6537A1-D6FC-4f65-9D91-7224C49458BB}">
                   <c15:layout/>
-                </c:ext>
-                <c:ext xmlns:c16="http://schemas.microsoft.com/office/drawing/2014/chart" uri="{C3380CC4-5D6E-409C-BE32-E72D297353CC}">
-                  <c16:uniqueId val="{00000005-412D-40B0-8427-3211AC67C3D5}"/>
                 </c:ext>
               </c:extLst>
             </c:dLbl>
@@ -4333,7 +4333,7 @@
             <c:showPercent val="0"/>
             <c:showBubbleSize val="0"/>
             <c:showLeaderLines val="0"/>
-            <c:extLst>
+            <c:extLst xmlns:c16r2="http://schemas.microsoft.com/office/drawing/2015/06/chart">
               <c:ext xmlns:c15="http://schemas.microsoft.com/office/drawing/2012/chart" uri="{CE6537A1-D6FC-4f65-9D91-7224C49458BB}">
                 <c15:showLeaderLines val="0"/>
               </c:ext>
@@ -4366,7 +4366,7 @@
               </c:numCache>
             </c:numRef>
           </c:val>
-          <c:extLst>
+          <c:extLst xmlns:c16r2="http://schemas.microsoft.com/office/drawing/2015/06/chart">
             <c:ext xmlns:c16="http://schemas.microsoft.com/office/drawing/2014/chart" uri="{C3380CC4-5D6E-409C-BE32-E72D297353CC}">
               <c16:uniqueId val="{00000006-412D-40B0-8427-3211AC67C3D5}"/>
             </c:ext>
@@ -4382,11 +4382,11 @@
         </c:dLbls>
         <c:gapWidth val="100"/>
         <c:overlap val="100"/>
-        <c:axId val="188096512"/>
-        <c:axId val="188098432"/>
+        <c:axId val="365364704"/>
+        <c:axId val="365365096"/>
       </c:barChart>
       <c:catAx>
-        <c:axId val="188096512"/>
+        <c:axId val="365364704"/>
         <c:scaling>
           <c:orientation val="minMax"/>
         </c:scaling>
@@ -4460,7 +4460,7 @@
             <a:endParaRPr lang="zh-TW"/>
           </a:p>
         </c:txPr>
-        <c:crossAx val="188098432"/>
+        <c:crossAx val="365365096"/>
         <c:crosses val="autoZero"/>
         <c:auto val="1"/>
         <c:lblAlgn val="ctr"/>
@@ -4468,7 +4468,7 @@
         <c:noMultiLvlLbl val="0"/>
       </c:catAx>
       <c:valAx>
-        <c:axId val="188098432"/>
+        <c:axId val="365365096"/>
         <c:scaling>
           <c:orientation val="minMax"/>
         </c:scaling>
@@ -4550,7 +4550,7 @@
             <a:endParaRPr lang="zh-TW"/>
           </a:p>
         </c:txPr>
-        <c:crossAx val="188096512"/>
+        <c:crossAx val="365364704"/>
         <c:crosses val="autoZero"/>
         <c:crossBetween val="between"/>
       </c:valAx>
@@ -4598,7 +4598,7 @@
 </file>
 
 <file path=ppt/charts/chart19.xml><?xml version="1.0" encoding="utf-8"?>
-<c:chartSpace xmlns:c="http://schemas.openxmlformats.org/drawingml/2006/chart" xmlns:a="http://schemas.openxmlformats.org/drawingml/2006/main" xmlns:r="http://schemas.openxmlformats.org/officeDocument/2006/relationships" xmlns:c16r2="http://schemas.microsoft.com/office/drawing/2015/06/chart">
+<c:chartSpace xmlns:c="http://schemas.openxmlformats.org/drawingml/2006/chart" xmlns:a="http://schemas.openxmlformats.org/drawingml/2006/main" xmlns:r="http://schemas.openxmlformats.org/officeDocument/2006/relationships">
   <c:date1904 val="0"/>
   <c:lang val="zh-TW"/>
   <c:roundedCorners val="0"/>
@@ -4740,7 +4740,7 @@
             <c:showPercent val="0"/>
             <c:showBubbleSize val="0"/>
             <c:showLeaderLines val="0"/>
-            <c:extLst>
+            <c:extLst xmlns:c16r2="http://schemas.microsoft.com/office/drawing/2015/06/chart">
               <c:ext xmlns:c15="http://schemas.microsoft.com/office/drawing/2012/chart" uri="{CE6537A1-D6FC-4f65-9D91-7224C49458BB}">
                 <c15:layout/>
                 <c15:showLeaderLines val="1"/>
@@ -4814,7 +4814,7 @@
               </c:numCache>
             </c:numRef>
           </c:val>
-          <c:extLst>
+          <c:extLst xmlns:c16r2="http://schemas.microsoft.com/office/drawing/2015/06/chart">
             <c:ext xmlns:c16="http://schemas.microsoft.com/office/drawing/2014/chart" uri="{C3380CC4-5D6E-409C-BE32-E72D297353CC}">
               <c16:uniqueId val="{00000000-7B8D-4DB8-A604-CED664D6908B}"/>
             </c:ext>
@@ -4830,11 +4830,11 @@
         </c:dLbls>
         <c:gapWidth val="100"/>
         <c:overlap val="-24"/>
-        <c:axId val="157162880"/>
-        <c:axId val="157177344"/>
+        <c:axId val="365365880"/>
+        <c:axId val="365366272"/>
       </c:barChart>
       <c:catAx>
-        <c:axId val="157162880"/>
+        <c:axId val="365365880"/>
         <c:scaling>
           <c:orientation val="minMax"/>
         </c:scaling>
@@ -4925,7 +4925,7 @@
             <a:endParaRPr lang="zh-TW"/>
           </a:p>
         </c:txPr>
-        <c:crossAx val="157177344"/>
+        <c:crossAx val="365366272"/>
         <c:crosses val="autoZero"/>
         <c:auto val="1"/>
         <c:lblAlgn val="ctr"/>
@@ -4933,7 +4933,7 @@
         <c:noMultiLvlLbl val="0"/>
       </c:catAx>
       <c:valAx>
-        <c:axId val="157177344"/>
+        <c:axId val="365366272"/>
         <c:scaling>
           <c:orientation val="minMax"/>
         </c:scaling>
@@ -5032,7 +5032,7 @@
             <a:endParaRPr lang="zh-TW"/>
           </a:p>
         </c:txPr>
-        <c:crossAx val="157162880"/>
+        <c:crossAx val="365365880"/>
         <c:crosses val="autoZero"/>
         <c:crossBetween val="between"/>
       </c:valAx>
@@ -5072,7 +5072,7 @@
 </file>
 
 <file path=ppt/charts/chart2.xml><?xml version="1.0" encoding="utf-8"?>
-<c:chartSpace xmlns:c="http://schemas.openxmlformats.org/drawingml/2006/chart" xmlns:a="http://schemas.openxmlformats.org/drawingml/2006/main" xmlns:r="http://schemas.openxmlformats.org/officeDocument/2006/relationships" xmlns:c16r2="http://schemas.microsoft.com/office/drawing/2015/06/chart">
+<c:chartSpace xmlns:c="http://schemas.openxmlformats.org/drawingml/2006/chart" xmlns:a="http://schemas.openxmlformats.org/drawingml/2006/main" xmlns:r="http://schemas.openxmlformats.org/officeDocument/2006/relationships">
   <c:date1904 val="0"/>
   <c:lang val="zh-TW"/>
   <c:roundedCorners val="0"/>
@@ -5166,7 +5166,7 @@
               </c:numCache>
             </c:numRef>
           </c:val>
-          <c:extLst>
+          <c:extLst xmlns:c16r2="http://schemas.microsoft.com/office/drawing/2015/06/chart">
             <c:ext xmlns:c16="http://schemas.microsoft.com/office/drawing/2014/chart" uri="{C3380CC4-5D6E-409C-BE32-E72D297353CC}">
               <c16:uniqueId val="{00000000-0409-4D9D-83D0-D051350736E3}"/>
             </c:ext>
@@ -5182,11 +5182,11 @@
         </c:dLbls>
         <c:gapWidth val="150"/>
         <c:overlap val="100"/>
-        <c:axId val="584384736"/>
-        <c:axId val="254921648"/>
+        <c:axId val="363738272"/>
+        <c:axId val="363738656"/>
       </c:barChart>
       <c:catAx>
-        <c:axId val="584384736"/>
+        <c:axId val="363738272"/>
         <c:scaling>
           <c:orientation val="minMax"/>
         </c:scaling>
@@ -5195,7 +5195,7 @@
         <c:majorTickMark val="out"/>
         <c:minorTickMark val="none"/>
         <c:tickLblPos val="nextTo"/>
-        <c:crossAx val="254921648"/>
+        <c:crossAx val="363738656"/>
         <c:crosses val="autoZero"/>
         <c:auto val="1"/>
         <c:lblAlgn val="ctr"/>
@@ -5203,7 +5203,7 @@
         <c:noMultiLvlLbl val="0"/>
       </c:catAx>
       <c:valAx>
-        <c:axId val="254921648"/>
+        <c:axId val="363738656"/>
         <c:scaling>
           <c:orientation val="minMax"/>
         </c:scaling>
@@ -5214,7 +5214,7 @@
         <c:majorTickMark val="out"/>
         <c:minorTickMark val="none"/>
         <c:tickLblPos val="nextTo"/>
-        <c:crossAx val="584384736"/>
+        <c:crossAx val="363738272"/>
         <c:crosses val="autoZero"/>
         <c:crossBetween val="between"/>
       </c:valAx>
@@ -5235,7 +5235,7 @@
 </file>
 
 <file path=ppt/charts/chart20.xml><?xml version="1.0" encoding="utf-8"?>
-<c:chartSpace xmlns:c="http://schemas.openxmlformats.org/drawingml/2006/chart" xmlns:a="http://schemas.openxmlformats.org/drawingml/2006/main" xmlns:r="http://schemas.openxmlformats.org/officeDocument/2006/relationships" xmlns:c16r2="http://schemas.microsoft.com/office/drawing/2015/06/chart">
+<c:chartSpace xmlns:c="http://schemas.openxmlformats.org/drawingml/2006/chart" xmlns:a="http://schemas.openxmlformats.org/drawingml/2006/main" xmlns:r="http://schemas.openxmlformats.org/officeDocument/2006/relationships">
   <c:date1904 val="0"/>
   <c:lang val="zh-TW"/>
   <c:roundedCorners val="0"/>
@@ -5377,7 +5377,7 @@
             <c:showPercent val="0"/>
             <c:showBubbleSize val="0"/>
             <c:showLeaderLines val="0"/>
-            <c:extLst>
+            <c:extLst xmlns:c16r2="http://schemas.microsoft.com/office/drawing/2015/06/chart">
               <c:ext xmlns:c15="http://schemas.microsoft.com/office/drawing/2012/chart" uri="{CE6537A1-D6FC-4f65-9D91-7224C49458BB}">
                 <c15:layout/>
                 <c15:showLeaderLines val="1"/>
@@ -5451,7 +5451,7 @@
               </c:numCache>
             </c:numRef>
           </c:val>
-          <c:extLst>
+          <c:extLst xmlns:c16r2="http://schemas.microsoft.com/office/drawing/2015/06/chart">
             <c:ext xmlns:c16="http://schemas.microsoft.com/office/drawing/2014/chart" uri="{C3380CC4-5D6E-409C-BE32-E72D297353CC}">
               <c16:uniqueId val="{00000000-7ACF-48F1-AA0C-110CBA613232}"/>
             </c:ext>
@@ -5467,11 +5467,11 @@
         </c:dLbls>
         <c:gapWidth val="100"/>
         <c:overlap val="-24"/>
-        <c:axId val="185156352"/>
-        <c:axId val="185158272"/>
+        <c:axId val="365295000"/>
+        <c:axId val="365295392"/>
       </c:barChart>
       <c:catAx>
-        <c:axId val="185156352"/>
+        <c:axId val="365295000"/>
         <c:scaling>
           <c:orientation val="minMax"/>
         </c:scaling>
@@ -5562,7 +5562,7 @@
             <a:endParaRPr lang="zh-TW"/>
           </a:p>
         </c:txPr>
-        <c:crossAx val="185158272"/>
+        <c:crossAx val="365295392"/>
         <c:crosses val="autoZero"/>
         <c:auto val="1"/>
         <c:lblAlgn val="ctr"/>
@@ -5570,7 +5570,7 @@
         <c:noMultiLvlLbl val="0"/>
       </c:catAx>
       <c:valAx>
-        <c:axId val="185158272"/>
+        <c:axId val="365295392"/>
         <c:scaling>
           <c:orientation val="minMax"/>
         </c:scaling>
@@ -5669,7 +5669,7 @@
             <a:endParaRPr lang="zh-TW"/>
           </a:p>
         </c:txPr>
-        <c:crossAx val="185156352"/>
+        <c:crossAx val="365295000"/>
         <c:crosses val="autoZero"/>
         <c:crossBetween val="between"/>
       </c:valAx>
@@ -5710,7 +5710,7 @@
 </file>
 
 <file path=ppt/charts/chart21.xml><?xml version="1.0" encoding="utf-8"?>
-<c:chartSpace xmlns:c="http://schemas.openxmlformats.org/drawingml/2006/chart" xmlns:a="http://schemas.openxmlformats.org/drawingml/2006/main" xmlns:r="http://schemas.openxmlformats.org/officeDocument/2006/relationships" xmlns:c16r2="http://schemas.microsoft.com/office/drawing/2015/06/chart">
+<c:chartSpace xmlns:c="http://schemas.openxmlformats.org/drawingml/2006/chart" xmlns:a="http://schemas.openxmlformats.org/drawingml/2006/main" xmlns:r="http://schemas.openxmlformats.org/officeDocument/2006/relationships">
   <c:date1904 val="0"/>
   <c:lang val="zh-TW"/>
   <c:roundedCorners val="0"/>
@@ -5816,12 +5816,12 @@
               <c:showSerName val="0"/>
               <c:showPercent val="0"/>
               <c:showBubbleSize val="0"/>
-              <c:extLst>
+              <c:extLst xmlns:c16r2="http://schemas.microsoft.com/office/drawing/2015/06/chart">
+                <c:ext xmlns:c16="http://schemas.microsoft.com/office/drawing/2014/chart" uri="{C3380CC4-5D6E-409C-BE32-E72D297353CC}">
+                  <c16:uniqueId val="{00000000-EFB4-4361-9559-AFEF68B5E1F5}"/>
+                </c:ext>
                 <c:ext xmlns:c15="http://schemas.microsoft.com/office/drawing/2012/chart" uri="{CE6537A1-D6FC-4f65-9D91-7224C49458BB}">
                   <c15:layout/>
-                </c:ext>
-                <c:ext xmlns:c16="http://schemas.microsoft.com/office/drawing/2014/chart" uri="{C3380CC4-5D6E-409C-BE32-E72D297353CC}">
-                  <c16:uniqueId val="{00000000-EFB4-4361-9559-AFEF68B5E1F5}"/>
                 </c:ext>
               </c:extLst>
             </c:dLbl>
@@ -5840,12 +5840,12 @@
               <c:showSerName val="0"/>
               <c:showPercent val="0"/>
               <c:showBubbleSize val="0"/>
-              <c:extLst>
+              <c:extLst xmlns:c16r2="http://schemas.microsoft.com/office/drawing/2015/06/chart">
+                <c:ext xmlns:c16="http://schemas.microsoft.com/office/drawing/2014/chart" uri="{C3380CC4-5D6E-409C-BE32-E72D297353CC}">
+                  <c16:uniqueId val="{00000001-EFB4-4361-9559-AFEF68B5E1F5}"/>
+                </c:ext>
                 <c:ext xmlns:c15="http://schemas.microsoft.com/office/drawing/2012/chart" uri="{CE6537A1-D6FC-4f65-9D91-7224C49458BB}">
                   <c15:layout/>
-                </c:ext>
-                <c:ext xmlns:c16="http://schemas.microsoft.com/office/drawing/2014/chart" uri="{C3380CC4-5D6E-409C-BE32-E72D297353CC}">
-                  <c16:uniqueId val="{00000001-EFB4-4361-9559-AFEF68B5E1F5}"/>
                 </c:ext>
               </c:extLst>
             </c:dLbl>
@@ -5864,12 +5864,12 @@
               <c:showSerName val="0"/>
               <c:showPercent val="0"/>
               <c:showBubbleSize val="0"/>
-              <c:extLst>
+              <c:extLst xmlns:c16r2="http://schemas.microsoft.com/office/drawing/2015/06/chart">
+                <c:ext xmlns:c16="http://schemas.microsoft.com/office/drawing/2014/chart" uri="{C3380CC4-5D6E-409C-BE32-E72D297353CC}">
+                  <c16:uniqueId val="{00000002-EFB4-4361-9559-AFEF68B5E1F5}"/>
+                </c:ext>
                 <c:ext xmlns:c15="http://schemas.microsoft.com/office/drawing/2012/chart" uri="{CE6537A1-D6FC-4f65-9D91-7224C49458BB}">
                   <c15:layout/>
-                </c:ext>
-                <c:ext xmlns:c16="http://schemas.microsoft.com/office/drawing/2014/chart" uri="{C3380CC4-5D6E-409C-BE32-E72D297353CC}">
-                  <c16:uniqueId val="{00000002-EFB4-4361-9559-AFEF68B5E1F5}"/>
                 </c:ext>
               </c:extLst>
             </c:dLbl>
@@ -5888,12 +5888,12 @@
               <c:showSerName val="0"/>
               <c:showPercent val="0"/>
               <c:showBubbleSize val="0"/>
-              <c:extLst>
+              <c:extLst xmlns:c16r2="http://schemas.microsoft.com/office/drawing/2015/06/chart">
+                <c:ext xmlns:c16="http://schemas.microsoft.com/office/drawing/2014/chart" uri="{C3380CC4-5D6E-409C-BE32-E72D297353CC}">
+                  <c16:uniqueId val="{00000003-EFB4-4361-9559-AFEF68B5E1F5}"/>
+                </c:ext>
                 <c:ext xmlns:c15="http://schemas.microsoft.com/office/drawing/2012/chart" uri="{CE6537A1-D6FC-4f65-9D91-7224C49458BB}">
                   <c15:layout/>
-                </c:ext>
-                <c:ext xmlns:c16="http://schemas.microsoft.com/office/drawing/2014/chart" uri="{C3380CC4-5D6E-409C-BE32-E72D297353CC}">
-                  <c16:uniqueId val="{00000003-EFB4-4361-9559-AFEF68B5E1F5}"/>
                 </c:ext>
               </c:extLst>
             </c:dLbl>
@@ -5912,12 +5912,12 @@
               <c:showSerName val="0"/>
               <c:showPercent val="0"/>
               <c:showBubbleSize val="0"/>
-              <c:extLst>
+              <c:extLst xmlns:c16r2="http://schemas.microsoft.com/office/drawing/2015/06/chart">
+                <c:ext xmlns:c16="http://schemas.microsoft.com/office/drawing/2014/chart" uri="{C3380CC4-5D6E-409C-BE32-E72D297353CC}">
+                  <c16:uniqueId val="{00000004-EFB4-4361-9559-AFEF68B5E1F5}"/>
+                </c:ext>
                 <c:ext xmlns:c15="http://schemas.microsoft.com/office/drawing/2012/chart" uri="{CE6537A1-D6FC-4f65-9D91-7224C49458BB}">
                   <c15:layout/>
-                </c:ext>
-                <c:ext xmlns:c16="http://schemas.microsoft.com/office/drawing/2014/chart" uri="{C3380CC4-5D6E-409C-BE32-E72D297353CC}">
-                  <c16:uniqueId val="{00000004-EFB4-4361-9559-AFEF68B5E1F5}"/>
                 </c:ext>
               </c:extLst>
             </c:dLbl>
@@ -5936,12 +5936,12 @@
               <c:showSerName val="0"/>
               <c:showPercent val="0"/>
               <c:showBubbleSize val="0"/>
-              <c:extLst>
+              <c:extLst xmlns:c16r2="http://schemas.microsoft.com/office/drawing/2015/06/chart">
+                <c:ext xmlns:c16="http://schemas.microsoft.com/office/drawing/2014/chart" uri="{C3380CC4-5D6E-409C-BE32-E72D297353CC}">
+                  <c16:uniqueId val="{00000005-EFB4-4361-9559-AFEF68B5E1F5}"/>
+                </c:ext>
                 <c:ext xmlns:c15="http://schemas.microsoft.com/office/drawing/2012/chart" uri="{CE6537A1-D6FC-4f65-9D91-7224C49458BB}">
                   <c15:layout/>
-                </c:ext>
-                <c:ext xmlns:c16="http://schemas.microsoft.com/office/drawing/2014/chart" uri="{C3380CC4-5D6E-409C-BE32-E72D297353CC}">
-                  <c16:uniqueId val="{00000005-EFB4-4361-9559-AFEF68B5E1F5}"/>
                 </c:ext>
               </c:extLst>
             </c:dLbl>
@@ -5960,7 +5960,7 @@
             <c:showPercent val="0"/>
             <c:showBubbleSize val="0"/>
             <c:showLeaderLines val="0"/>
-            <c:extLst>
+            <c:extLst xmlns:c16r2="http://schemas.microsoft.com/office/drawing/2015/06/chart">
               <c:ext xmlns:c15="http://schemas.microsoft.com/office/drawing/2012/chart" uri="{CE6537A1-D6FC-4f65-9D91-7224C49458BB}">
                 <c15:showLeaderLines val="0"/>
               </c:ext>
@@ -5993,7 +5993,7 @@
               </c:numCache>
             </c:numRef>
           </c:val>
-          <c:extLst>
+          <c:extLst xmlns:c16r2="http://schemas.microsoft.com/office/drawing/2015/06/chart">
             <c:ext xmlns:c16="http://schemas.microsoft.com/office/drawing/2014/chart" uri="{C3380CC4-5D6E-409C-BE32-E72D297353CC}">
               <c16:uniqueId val="{00000006-EFB4-4361-9559-AFEF68B5E1F5}"/>
             </c:ext>
@@ -6009,11 +6009,11 @@
         </c:dLbls>
         <c:gapWidth val="100"/>
         <c:overlap val="100"/>
-        <c:axId val="186174464"/>
-        <c:axId val="186254464"/>
+        <c:axId val="365296176"/>
+        <c:axId val="365296568"/>
       </c:barChart>
       <c:catAx>
-        <c:axId val="186174464"/>
+        <c:axId val="365296176"/>
         <c:scaling>
           <c:orientation val="minMax"/>
         </c:scaling>
@@ -6087,7 +6087,7 @@
             <a:endParaRPr lang="zh-TW"/>
           </a:p>
         </c:txPr>
-        <c:crossAx val="186254464"/>
+        <c:crossAx val="365296568"/>
         <c:crosses val="autoZero"/>
         <c:auto val="1"/>
         <c:lblAlgn val="ctr"/>
@@ -6095,7 +6095,7 @@
         <c:noMultiLvlLbl val="0"/>
       </c:catAx>
       <c:valAx>
-        <c:axId val="186254464"/>
+        <c:axId val="365296568"/>
         <c:scaling>
           <c:orientation val="minMax"/>
         </c:scaling>
@@ -6177,7 +6177,7 @@
             <a:endParaRPr lang="zh-TW"/>
           </a:p>
         </c:txPr>
-        <c:crossAx val="186174464"/>
+        <c:crossAx val="365296176"/>
         <c:crosses val="autoZero"/>
         <c:crossBetween val="between"/>
       </c:valAx>
@@ -6226,7 +6226,7 @@
 </file>
 
 <file path=ppt/charts/chart22.xml><?xml version="1.0" encoding="utf-8"?>
-<c:chartSpace xmlns:c="http://schemas.openxmlformats.org/drawingml/2006/chart" xmlns:a="http://schemas.openxmlformats.org/drawingml/2006/main" xmlns:r="http://schemas.openxmlformats.org/officeDocument/2006/relationships" xmlns:c16r2="http://schemas.microsoft.com/office/drawing/2015/06/chart">
+<c:chartSpace xmlns:c="http://schemas.openxmlformats.org/drawingml/2006/chart" xmlns:a="http://schemas.openxmlformats.org/drawingml/2006/main" xmlns:r="http://schemas.openxmlformats.org/officeDocument/2006/relationships">
   <c:date1904 val="0"/>
   <c:lang val="zh-TW"/>
   <c:roundedCorners val="0"/>
@@ -6332,12 +6332,12 @@
               <c:showSerName val="0"/>
               <c:showPercent val="0"/>
               <c:showBubbleSize val="0"/>
-              <c:extLst>
+              <c:extLst xmlns:c16r2="http://schemas.microsoft.com/office/drawing/2015/06/chart">
+                <c:ext xmlns:c16="http://schemas.microsoft.com/office/drawing/2014/chart" uri="{C3380CC4-5D6E-409C-BE32-E72D297353CC}">
+                  <c16:uniqueId val="{00000000-E962-44C7-B5F5-9F434010160E}"/>
+                </c:ext>
                 <c:ext xmlns:c15="http://schemas.microsoft.com/office/drawing/2012/chart" uri="{CE6537A1-D6FC-4f65-9D91-7224C49458BB}">
                   <c15:layout/>
-                </c:ext>
-                <c:ext xmlns:c16="http://schemas.microsoft.com/office/drawing/2014/chart" uri="{C3380CC4-5D6E-409C-BE32-E72D297353CC}">
-                  <c16:uniqueId val="{00000000-E962-44C7-B5F5-9F434010160E}"/>
                 </c:ext>
               </c:extLst>
             </c:dLbl>
@@ -6356,12 +6356,12 @@
               <c:showSerName val="0"/>
               <c:showPercent val="0"/>
               <c:showBubbleSize val="0"/>
-              <c:extLst>
+              <c:extLst xmlns:c16r2="http://schemas.microsoft.com/office/drawing/2015/06/chart">
+                <c:ext xmlns:c16="http://schemas.microsoft.com/office/drawing/2014/chart" uri="{C3380CC4-5D6E-409C-BE32-E72D297353CC}">
+                  <c16:uniqueId val="{00000001-E962-44C7-B5F5-9F434010160E}"/>
+                </c:ext>
                 <c:ext xmlns:c15="http://schemas.microsoft.com/office/drawing/2012/chart" uri="{CE6537A1-D6FC-4f65-9D91-7224C49458BB}">
                   <c15:layout/>
-                </c:ext>
-                <c:ext xmlns:c16="http://schemas.microsoft.com/office/drawing/2014/chart" uri="{C3380CC4-5D6E-409C-BE32-E72D297353CC}">
-                  <c16:uniqueId val="{00000001-E962-44C7-B5F5-9F434010160E}"/>
                 </c:ext>
               </c:extLst>
             </c:dLbl>
@@ -6380,12 +6380,12 @@
               <c:showSerName val="0"/>
               <c:showPercent val="0"/>
               <c:showBubbleSize val="0"/>
-              <c:extLst>
+              <c:extLst xmlns:c16r2="http://schemas.microsoft.com/office/drawing/2015/06/chart">
+                <c:ext xmlns:c16="http://schemas.microsoft.com/office/drawing/2014/chart" uri="{C3380CC4-5D6E-409C-BE32-E72D297353CC}">
+                  <c16:uniqueId val="{00000002-E962-44C7-B5F5-9F434010160E}"/>
+                </c:ext>
                 <c:ext xmlns:c15="http://schemas.microsoft.com/office/drawing/2012/chart" uri="{CE6537A1-D6FC-4f65-9D91-7224C49458BB}">
                   <c15:layout/>
-                </c:ext>
-                <c:ext xmlns:c16="http://schemas.microsoft.com/office/drawing/2014/chart" uri="{C3380CC4-5D6E-409C-BE32-E72D297353CC}">
-                  <c16:uniqueId val="{00000002-E962-44C7-B5F5-9F434010160E}"/>
                 </c:ext>
               </c:extLst>
             </c:dLbl>
@@ -6404,12 +6404,12 @@
               <c:showSerName val="0"/>
               <c:showPercent val="0"/>
               <c:showBubbleSize val="0"/>
-              <c:extLst>
+              <c:extLst xmlns:c16r2="http://schemas.microsoft.com/office/drawing/2015/06/chart">
+                <c:ext xmlns:c16="http://schemas.microsoft.com/office/drawing/2014/chart" uri="{C3380CC4-5D6E-409C-BE32-E72D297353CC}">
+                  <c16:uniqueId val="{00000003-E962-44C7-B5F5-9F434010160E}"/>
+                </c:ext>
                 <c:ext xmlns:c15="http://schemas.microsoft.com/office/drawing/2012/chart" uri="{CE6537A1-D6FC-4f65-9D91-7224C49458BB}">
                   <c15:layout/>
-                </c:ext>
-                <c:ext xmlns:c16="http://schemas.microsoft.com/office/drawing/2014/chart" uri="{C3380CC4-5D6E-409C-BE32-E72D297353CC}">
-                  <c16:uniqueId val="{00000003-E962-44C7-B5F5-9F434010160E}"/>
                 </c:ext>
               </c:extLst>
             </c:dLbl>
@@ -6428,12 +6428,12 @@
               <c:showSerName val="0"/>
               <c:showPercent val="0"/>
               <c:showBubbleSize val="0"/>
-              <c:extLst>
+              <c:extLst xmlns:c16r2="http://schemas.microsoft.com/office/drawing/2015/06/chart">
+                <c:ext xmlns:c16="http://schemas.microsoft.com/office/drawing/2014/chart" uri="{C3380CC4-5D6E-409C-BE32-E72D297353CC}">
+                  <c16:uniqueId val="{00000004-E962-44C7-B5F5-9F434010160E}"/>
+                </c:ext>
                 <c:ext xmlns:c15="http://schemas.microsoft.com/office/drawing/2012/chart" uri="{CE6537A1-D6FC-4f65-9D91-7224C49458BB}">
                   <c15:layout/>
-                </c:ext>
-                <c:ext xmlns:c16="http://schemas.microsoft.com/office/drawing/2014/chart" uri="{C3380CC4-5D6E-409C-BE32-E72D297353CC}">
-                  <c16:uniqueId val="{00000004-E962-44C7-B5F5-9F434010160E}"/>
                 </c:ext>
               </c:extLst>
             </c:dLbl>
@@ -6452,12 +6452,12 @@
               <c:showSerName val="0"/>
               <c:showPercent val="0"/>
               <c:showBubbleSize val="0"/>
-              <c:extLst>
+              <c:extLst xmlns:c16r2="http://schemas.microsoft.com/office/drawing/2015/06/chart">
+                <c:ext xmlns:c16="http://schemas.microsoft.com/office/drawing/2014/chart" uri="{C3380CC4-5D6E-409C-BE32-E72D297353CC}">
+                  <c16:uniqueId val="{00000005-E962-44C7-B5F5-9F434010160E}"/>
+                </c:ext>
                 <c:ext xmlns:c15="http://schemas.microsoft.com/office/drawing/2012/chart" uri="{CE6537A1-D6FC-4f65-9D91-7224C49458BB}">
                   <c15:layout/>
-                </c:ext>
-                <c:ext xmlns:c16="http://schemas.microsoft.com/office/drawing/2014/chart" uri="{C3380CC4-5D6E-409C-BE32-E72D297353CC}">
-                  <c16:uniqueId val="{00000005-E962-44C7-B5F5-9F434010160E}"/>
                 </c:ext>
               </c:extLst>
             </c:dLbl>
@@ -6476,7 +6476,7 @@
             <c:showPercent val="0"/>
             <c:showBubbleSize val="0"/>
             <c:showLeaderLines val="0"/>
-            <c:extLst>
+            <c:extLst xmlns:c16r2="http://schemas.microsoft.com/office/drawing/2015/06/chart">
               <c:ext xmlns:c15="http://schemas.microsoft.com/office/drawing/2012/chart" uri="{CE6537A1-D6FC-4f65-9D91-7224C49458BB}">
                 <c15:showLeaderLines val="0"/>
               </c:ext>
@@ -6509,7 +6509,7 @@
               </c:numCache>
             </c:numRef>
           </c:val>
-          <c:extLst>
+          <c:extLst xmlns:c16r2="http://schemas.microsoft.com/office/drawing/2015/06/chart">
             <c:ext xmlns:c16="http://schemas.microsoft.com/office/drawing/2014/chart" uri="{C3380CC4-5D6E-409C-BE32-E72D297353CC}">
               <c16:uniqueId val="{00000006-E962-44C7-B5F5-9F434010160E}"/>
             </c:ext>
@@ -6525,11 +6525,11 @@
         </c:dLbls>
         <c:gapWidth val="100"/>
         <c:overlap val="100"/>
-        <c:axId val="188096512"/>
-        <c:axId val="188098432"/>
+        <c:axId val="365297352"/>
+        <c:axId val="365297744"/>
       </c:barChart>
       <c:catAx>
-        <c:axId val="188096512"/>
+        <c:axId val="365297352"/>
         <c:scaling>
           <c:orientation val="minMax"/>
         </c:scaling>
@@ -6603,7 +6603,7 @@
             <a:endParaRPr lang="zh-TW"/>
           </a:p>
         </c:txPr>
-        <c:crossAx val="188098432"/>
+        <c:crossAx val="365297744"/>
         <c:crosses val="autoZero"/>
         <c:auto val="1"/>
         <c:lblAlgn val="ctr"/>
@@ -6611,7 +6611,7 @@
         <c:noMultiLvlLbl val="0"/>
       </c:catAx>
       <c:valAx>
-        <c:axId val="188098432"/>
+        <c:axId val="365297744"/>
         <c:scaling>
           <c:orientation val="minMax"/>
         </c:scaling>
@@ -6693,7 +6693,7 @@
             <a:endParaRPr lang="zh-TW"/>
           </a:p>
         </c:txPr>
-        <c:crossAx val="188096512"/>
+        <c:crossAx val="365297352"/>
         <c:crosses val="autoZero"/>
         <c:crossBetween val="between"/>
       </c:valAx>
@@ -6741,7 +6741,7 @@
 </file>
 
 <file path=ppt/charts/chart23.xml><?xml version="1.0" encoding="utf-8"?>
-<c:chartSpace xmlns:c="http://schemas.openxmlformats.org/drawingml/2006/chart" xmlns:a="http://schemas.openxmlformats.org/drawingml/2006/main" xmlns:r="http://schemas.openxmlformats.org/officeDocument/2006/relationships" xmlns:c16r2="http://schemas.microsoft.com/office/drawing/2015/06/chart">
+<c:chartSpace xmlns:c="http://schemas.openxmlformats.org/drawingml/2006/chart" xmlns:a="http://schemas.openxmlformats.org/drawingml/2006/main" xmlns:r="http://schemas.openxmlformats.org/officeDocument/2006/relationships">
   <c:date1904 val="0"/>
   <c:lang val="zh-TW"/>
   <c:roundedCorners val="0"/>
@@ -6883,7 +6883,7 @@
             <c:showPercent val="0"/>
             <c:showBubbleSize val="0"/>
             <c:showLeaderLines val="0"/>
-            <c:extLst>
+            <c:extLst xmlns:c16r2="http://schemas.microsoft.com/office/drawing/2015/06/chart">
               <c:ext xmlns:c15="http://schemas.microsoft.com/office/drawing/2012/chart" uri="{CE6537A1-D6FC-4f65-9D91-7224C49458BB}">
                 <c15:layout/>
                 <c15:showLeaderLines val="1"/>
@@ -6957,7 +6957,7 @@
               </c:numCache>
             </c:numRef>
           </c:val>
-          <c:extLst>
+          <c:extLst xmlns:c16r2="http://schemas.microsoft.com/office/drawing/2015/06/chart">
             <c:ext xmlns:c16="http://schemas.microsoft.com/office/drawing/2014/chart" uri="{C3380CC4-5D6E-409C-BE32-E72D297353CC}">
               <c16:uniqueId val="{00000000-48C8-4828-B8A0-27CBBA50D966}"/>
             </c:ext>
@@ -6973,11 +6973,11 @@
         </c:dLbls>
         <c:gapWidth val="100"/>
         <c:overlap val="-24"/>
-        <c:axId val="157162880"/>
-        <c:axId val="157177344"/>
+        <c:axId val="365298528"/>
+        <c:axId val="365824360"/>
       </c:barChart>
       <c:catAx>
-        <c:axId val="157162880"/>
+        <c:axId val="365298528"/>
         <c:scaling>
           <c:orientation val="minMax"/>
         </c:scaling>
@@ -7068,7 +7068,7 @@
             <a:endParaRPr lang="zh-TW"/>
           </a:p>
         </c:txPr>
-        <c:crossAx val="157177344"/>
+        <c:crossAx val="365824360"/>
         <c:crosses val="autoZero"/>
         <c:auto val="1"/>
         <c:lblAlgn val="ctr"/>
@@ -7076,7 +7076,7 @@
         <c:noMultiLvlLbl val="0"/>
       </c:catAx>
       <c:valAx>
-        <c:axId val="157177344"/>
+        <c:axId val="365824360"/>
         <c:scaling>
           <c:orientation val="minMax"/>
         </c:scaling>
@@ -7175,7 +7175,7 @@
             <a:endParaRPr lang="zh-TW"/>
           </a:p>
         </c:txPr>
-        <c:crossAx val="157162880"/>
+        <c:crossAx val="365298528"/>
         <c:crosses val="autoZero"/>
         <c:crossBetween val="between"/>
       </c:valAx>
@@ -7215,7 +7215,7 @@
 </file>
 
 <file path=ppt/charts/chart24.xml><?xml version="1.0" encoding="utf-8"?>
-<c:chartSpace xmlns:c="http://schemas.openxmlformats.org/drawingml/2006/chart" xmlns:a="http://schemas.openxmlformats.org/drawingml/2006/main" xmlns:r="http://schemas.openxmlformats.org/officeDocument/2006/relationships" xmlns:c16r2="http://schemas.microsoft.com/office/drawing/2015/06/chart">
+<c:chartSpace xmlns:c="http://schemas.openxmlformats.org/drawingml/2006/chart" xmlns:a="http://schemas.openxmlformats.org/drawingml/2006/main" xmlns:r="http://schemas.openxmlformats.org/officeDocument/2006/relationships">
   <c:date1904 val="0"/>
   <c:lang val="zh-TW"/>
   <c:roundedCorners val="0"/>
@@ -7357,7 +7357,7 @@
             <c:showPercent val="0"/>
             <c:showBubbleSize val="0"/>
             <c:showLeaderLines val="0"/>
-            <c:extLst>
+            <c:extLst xmlns:c16r2="http://schemas.microsoft.com/office/drawing/2015/06/chart">
               <c:ext xmlns:c15="http://schemas.microsoft.com/office/drawing/2012/chart" uri="{CE6537A1-D6FC-4f65-9D91-7224C49458BB}">
                 <c15:layout/>
                 <c15:showLeaderLines val="1"/>
@@ -7431,7 +7431,7 @@
               </c:numCache>
             </c:numRef>
           </c:val>
-          <c:extLst>
+          <c:extLst xmlns:c16r2="http://schemas.microsoft.com/office/drawing/2015/06/chart">
             <c:ext xmlns:c16="http://schemas.microsoft.com/office/drawing/2014/chart" uri="{C3380CC4-5D6E-409C-BE32-E72D297353CC}">
               <c16:uniqueId val="{00000000-A20F-43E2-9DB6-DBF38C12B918}"/>
             </c:ext>
@@ -7447,11 +7447,11 @@
         </c:dLbls>
         <c:gapWidth val="100"/>
         <c:overlap val="-24"/>
-        <c:axId val="185156352"/>
-        <c:axId val="185158272"/>
+        <c:axId val="365825144"/>
+        <c:axId val="365825536"/>
       </c:barChart>
       <c:catAx>
-        <c:axId val="185156352"/>
+        <c:axId val="365825144"/>
         <c:scaling>
           <c:orientation val="minMax"/>
         </c:scaling>
@@ -7542,7 +7542,7 @@
             <a:endParaRPr lang="zh-TW"/>
           </a:p>
         </c:txPr>
-        <c:crossAx val="185158272"/>
+        <c:crossAx val="365825536"/>
         <c:crosses val="autoZero"/>
         <c:auto val="1"/>
         <c:lblAlgn val="ctr"/>
@@ -7550,7 +7550,7 @@
         <c:noMultiLvlLbl val="0"/>
       </c:catAx>
       <c:valAx>
-        <c:axId val="185158272"/>
+        <c:axId val="365825536"/>
         <c:scaling>
           <c:orientation val="minMax"/>
         </c:scaling>
@@ -7649,7 +7649,7 @@
             <a:endParaRPr lang="zh-TW"/>
           </a:p>
         </c:txPr>
-        <c:crossAx val="185156352"/>
+        <c:crossAx val="365825144"/>
         <c:crosses val="autoZero"/>
         <c:crossBetween val="between"/>
       </c:valAx>
@@ -7689,7 +7689,7 @@
 </file>
 
 <file path=ppt/charts/chart3.xml><?xml version="1.0" encoding="utf-8"?>
-<c:chartSpace xmlns:c="http://schemas.openxmlformats.org/drawingml/2006/chart" xmlns:a="http://schemas.openxmlformats.org/drawingml/2006/main" xmlns:r="http://schemas.openxmlformats.org/officeDocument/2006/relationships" xmlns:c16r2="http://schemas.microsoft.com/office/drawing/2015/06/chart">
+<c:chartSpace xmlns:c="http://schemas.openxmlformats.org/drawingml/2006/chart" xmlns:a="http://schemas.openxmlformats.org/drawingml/2006/main" xmlns:r="http://schemas.openxmlformats.org/officeDocument/2006/relationships">
   <c:date1904 val="0"/>
   <c:lang val="zh-TW"/>
   <c:roundedCorners val="0"/>
@@ -7823,7 +7823,7 @@
               </c:numCache>
             </c:numRef>
           </c:val>
-          <c:extLst>
+          <c:extLst xmlns:c16r2="http://schemas.microsoft.com/office/drawing/2015/06/chart">
             <c:ext xmlns:c16="http://schemas.microsoft.com/office/drawing/2014/chart" uri="{C3380CC4-5D6E-409C-BE32-E72D297353CC}">
               <c16:uniqueId val="{00000000-15A0-46DC-BD9A-A0AC7DEC9FDD}"/>
             </c:ext>
@@ -7839,11 +7839,11 @@
         </c:dLbls>
         <c:gapWidth val="150"/>
         <c:overlap val="100"/>
-        <c:axId val="581937744"/>
-        <c:axId val="255070744"/>
+        <c:axId val="364080600"/>
+        <c:axId val="364080984"/>
       </c:barChart>
       <c:catAx>
-        <c:axId val="581937744"/>
+        <c:axId val="364080600"/>
         <c:scaling>
           <c:orientation val="minMax"/>
         </c:scaling>
@@ -7882,7 +7882,7 @@
             <a:endParaRPr lang="zh-TW"/>
           </a:p>
         </c:txPr>
-        <c:crossAx val="255070744"/>
+        <c:crossAx val="364080984"/>
         <c:crosses val="autoZero"/>
         <c:auto val="1"/>
         <c:lblAlgn val="ctr"/>
@@ -7890,7 +7890,7 @@
         <c:noMultiLvlLbl val="0"/>
       </c:catAx>
       <c:valAx>
-        <c:axId val="255070744"/>
+        <c:axId val="364080984"/>
         <c:scaling>
           <c:orientation val="minMax"/>
         </c:scaling>
@@ -7944,7 +7944,7 @@
             <a:endParaRPr lang="zh-TW"/>
           </a:p>
         </c:txPr>
-        <c:crossAx val="581937744"/>
+        <c:crossAx val="364080600"/>
         <c:crosses val="autoZero"/>
         <c:crossBetween val="between"/>
       </c:valAx>
@@ -8015,7 +8015,7 @@
 </file>
 
 <file path=ppt/charts/chart4.xml><?xml version="1.0" encoding="utf-8"?>
-<c:chartSpace xmlns:c="http://schemas.openxmlformats.org/drawingml/2006/chart" xmlns:a="http://schemas.openxmlformats.org/drawingml/2006/main" xmlns:r="http://schemas.openxmlformats.org/officeDocument/2006/relationships" xmlns:c16r2="http://schemas.microsoft.com/office/drawing/2015/06/chart">
+<c:chartSpace xmlns:c="http://schemas.openxmlformats.org/drawingml/2006/chart" xmlns:a="http://schemas.openxmlformats.org/drawingml/2006/main" xmlns:r="http://schemas.openxmlformats.org/officeDocument/2006/relationships">
   <c:date1904 val="0"/>
   <c:lang val="zh-TW"/>
   <c:roundedCorners val="0"/>
@@ -8362,7 +8362,7 @@
             </c:numRef>
           </c:val>
           <c:smooth val="0"/>
-          <c:extLst>
+          <c:extLst xmlns:c16r2="http://schemas.microsoft.com/office/drawing/2015/06/chart">
             <c:ext xmlns:c16="http://schemas.microsoft.com/office/drawing/2014/chart" uri="{C3380CC4-5D6E-409C-BE32-E72D297353CC}">
               <c16:uniqueId val="{00000000-707F-4B13-9C0C-DCC67BA2F99F}"/>
             </c:ext>
@@ -8377,11 +8377,11 @@
           <c:showBubbleSize val="0"/>
         </c:dLbls>
         <c:smooth val="0"/>
-        <c:axId val="185182080"/>
-        <c:axId val="185183616"/>
+        <c:axId val="428111424"/>
+        <c:axId val="430918400"/>
       </c:lineChart>
       <c:catAx>
-        <c:axId val="185182080"/>
+        <c:axId val="428111424"/>
         <c:scaling>
           <c:orientation val="minMax"/>
         </c:scaling>
@@ -8391,7 +8391,7 @@
         <c:majorTickMark val="out"/>
         <c:minorTickMark val="none"/>
         <c:tickLblPos val="nextTo"/>
-        <c:crossAx val="185183616"/>
+        <c:crossAx val="430918400"/>
         <c:crosses val="autoZero"/>
         <c:auto val="1"/>
         <c:lblAlgn val="ctr"/>
@@ -8399,7 +8399,7 @@
         <c:noMultiLvlLbl val="0"/>
       </c:catAx>
       <c:valAx>
-        <c:axId val="185183616"/>
+        <c:axId val="430918400"/>
         <c:scaling>
           <c:orientation val="minMax"/>
         </c:scaling>
@@ -8410,7 +8410,7 @@
         <c:majorTickMark val="out"/>
         <c:minorTickMark val="none"/>
         <c:tickLblPos val="nextTo"/>
-        <c:crossAx val="185182080"/>
+        <c:crossAx val="428111424"/>
         <c:crosses val="autoZero"/>
         <c:crossBetween val="between"/>
       </c:valAx>
@@ -8432,7 +8432,7 @@
 </file>
 
 <file path=ppt/charts/chart5.xml><?xml version="1.0" encoding="utf-8"?>
-<c:chartSpace xmlns:c="http://schemas.openxmlformats.org/drawingml/2006/chart" xmlns:a="http://schemas.openxmlformats.org/drawingml/2006/main" xmlns:r="http://schemas.openxmlformats.org/officeDocument/2006/relationships" xmlns:c16r2="http://schemas.microsoft.com/office/drawing/2015/06/chart">
+<c:chartSpace xmlns:c="http://schemas.openxmlformats.org/drawingml/2006/chart" xmlns:a="http://schemas.openxmlformats.org/drawingml/2006/main" xmlns:r="http://schemas.openxmlformats.org/officeDocument/2006/relationships">
   <c:date1904 val="0"/>
   <c:lang val="zh-TW"/>
   <c:roundedCorners val="0"/>
@@ -8526,7 +8526,7 @@
               </c:numCache>
             </c:numRef>
           </c:val>
-          <c:extLst>
+          <c:extLst xmlns:c16r2="http://schemas.microsoft.com/office/drawing/2015/06/chart">
             <c:ext xmlns:c16="http://schemas.microsoft.com/office/drawing/2014/chart" uri="{C3380CC4-5D6E-409C-BE32-E72D297353CC}">
               <c16:uniqueId val="{00000000-59E1-46BB-8F15-501F873580CF}"/>
             </c:ext>
@@ -8542,11 +8542,11 @@
         </c:dLbls>
         <c:gapWidth val="150"/>
         <c:overlap val="100"/>
-        <c:axId val="426930072"/>
-        <c:axId val="426684336"/>
+        <c:axId val="363195680"/>
+        <c:axId val="363196072"/>
       </c:barChart>
       <c:catAx>
-        <c:axId val="426930072"/>
+        <c:axId val="363195680"/>
         <c:scaling>
           <c:orientation val="minMax"/>
         </c:scaling>
@@ -8555,7 +8555,7 @@
         <c:majorTickMark val="out"/>
         <c:minorTickMark val="none"/>
         <c:tickLblPos val="nextTo"/>
-        <c:crossAx val="426684336"/>
+        <c:crossAx val="363196072"/>
         <c:crosses val="autoZero"/>
         <c:auto val="1"/>
         <c:lblAlgn val="ctr"/>
@@ -8563,7 +8563,7 @@
         <c:noMultiLvlLbl val="0"/>
       </c:catAx>
       <c:valAx>
-        <c:axId val="426684336"/>
+        <c:axId val="363196072"/>
         <c:scaling>
           <c:orientation val="minMax"/>
         </c:scaling>
@@ -8574,7 +8574,7 @@
         <c:majorTickMark val="out"/>
         <c:minorTickMark val="none"/>
         <c:tickLblPos val="nextTo"/>
-        <c:crossAx val="426930072"/>
+        <c:crossAx val="363195680"/>
         <c:crosses val="autoZero"/>
         <c:crossBetween val="between"/>
       </c:valAx>
@@ -8595,7 +8595,7 @@
 </file>
 
 <file path=ppt/charts/chart6.xml><?xml version="1.0" encoding="utf-8"?>
-<c:chartSpace xmlns:c="http://schemas.openxmlformats.org/drawingml/2006/chart" xmlns:a="http://schemas.openxmlformats.org/drawingml/2006/main" xmlns:r="http://schemas.openxmlformats.org/officeDocument/2006/relationships" xmlns:c16r2="http://schemas.microsoft.com/office/drawing/2015/06/chart">
+<c:chartSpace xmlns:c="http://schemas.openxmlformats.org/drawingml/2006/chart" xmlns:a="http://schemas.openxmlformats.org/drawingml/2006/main" xmlns:r="http://schemas.openxmlformats.org/officeDocument/2006/relationships">
   <c:date1904 val="0"/>
   <c:lang val="zh-TW"/>
   <c:roundedCorners val="0"/>
@@ -8729,7 +8729,7 @@
               </c:numCache>
             </c:numRef>
           </c:val>
-          <c:extLst>
+          <c:extLst xmlns:c16r2="http://schemas.microsoft.com/office/drawing/2015/06/chart">
             <c:ext xmlns:c16="http://schemas.microsoft.com/office/drawing/2014/chart" uri="{C3380CC4-5D6E-409C-BE32-E72D297353CC}">
               <c16:uniqueId val="{00000000-6C69-4273-BAC2-5935A300FB63}"/>
             </c:ext>
@@ -8745,11 +8745,11 @@
         </c:dLbls>
         <c:gapWidth val="150"/>
         <c:overlap val="100"/>
-        <c:axId val="588230096"/>
-        <c:axId val="588230488"/>
+        <c:axId val="363196856"/>
+        <c:axId val="363197248"/>
       </c:barChart>
       <c:catAx>
-        <c:axId val="588230096"/>
+        <c:axId val="363196856"/>
         <c:scaling>
           <c:orientation val="minMax"/>
         </c:scaling>
@@ -8788,7 +8788,7 @@
             <a:endParaRPr lang="zh-TW"/>
           </a:p>
         </c:txPr>
-        <c:crossAx val="588230488"/>
+        <c:crossAx val="363197248"/>
         <c:crosses val="autoZero"/>
         <c:auto val="1"/>
         <c:lblAlgn val="ctr"/>
@@ -8796,7 +8796,7 @@
         <c:noMultiLvlLbl val="0"/>
       </c:catAx>
       <c:valAx>
-        <c:axId val="588230488"/>
+        <c:axId val="363197248"/>
         <c:scaling>
           <c:orientation val="minMax"/>
         </c:scaling>
@@ -8850,7 +8850,7 @@
             <a:endParaRPr lang="zh-TW"/>
           </a:p>
         </c:txPr>
-        <c:crossAx val="588230096"/>
+        <c:crossAx val="363196856"/>
         <c:crosses val="autoZero"/>
         <c:crossBetween val="between"/>
       </c:valAx>
@@ -8921,7 +8921,7 @@
 </file>
 
 <file path=ppt/charts/chart7.xml><?xml version="1.0" encoding="utf-8"?>
-<c:chartSpace xmlns:c="http://schemas.openxmlformats.org/drawingml/2006/chart" xmlns:a="http://schemas.openxmlformats.org/drawingml/2006/main" xmlns:r="http://schemas.openxmlformats.org/officeDocument/2006/relationships" xmlns:c16r2="http://schemas.microsoft.com/office/drawing/2015/06/chart">
+<c:chartSpace xmlns:c="http://schemas.openxmlformats.org/drawingml/2006/chart" xmlns:a="http://schemas.openxmlformats.org/drawingml/2006/main" xmlns:r="http://schemas.openxmlformats.org/officeDocument/2006/relationships">
   <c:date1904 val="0"/>
   <c:lang val="zh-TW"/>
   <c:roundedCorners val="0"/>
@@ -9420,7 +9420,7 @@
             </c:numRef>
           </c:val>
           <c:smooth val="0"/>
-          <c:extLst>
+          <c:extLst xmlns:c16r2="http://schemas.microsoft.com/office/drawing/2015/06/chart">
             <c:ext xmlns:c16="http://schemas.microsoft.com/office/drawing/2014/chart" uri="{C3380CC4-5D6E-409C-BE32-E72D297353CC}">
               <c16:uniqueId val="{00000000-75AE-4693-86FF-A28DDF213B9B}"/>
             </c:ext>
@@ -9435,11 +9435,11 @@
           <c:showBubbleSize val="0"/>
         </c:dLbls>
         <c:smooth val="0"/>
-        <c:axId val="188154240"/>
-        <c:axId val="188155776"/>
+        <c:axId val="430919576"/>
+        <c:axId val="430919968"/>
       </c:lineChart>
       <c:catAx>
-        <c:axId val="188154240"/>
+        <c:axId val="430919576"/>
         <c:scaling>
           <c:orientation val="minMax"/>
         </c:scaling>
@@ -9449,7 +9449,7 @@
         <c:majorTickMark val="out"/>
         <c:minorTickMark val="none"/>
         <c:tickLblPos val="nextTo"/>
-        <c:crossAx val="188155776"/>
+        <c:crossAx val="430919968"/>
         <c:crosses val="autoZero"/>
         <c:auto val="1"/>
         <c:lblAlgn val="ctr"/>
@@ -9457,7 +9457,7 @@
         <c:noMultiLvlLbl val="0"/>
       </c:catAx>
       <c:valAx>
-        <c:axId val="188155776"/>
+        <c:axId val="430919968"/>
         <c:scaling>
           <c:orientation val="minMax"/>
         </c:scaling>
@@ -9468,7 +9468,7 @@
         <c:majorTickMark val="out"/>
         <c:minorTickMark val="none"/>
         <c:tickLblPos val="nextTo"/>
-        <c:crossAx val="188154240"/>
+        <c:crossAx val="430919576"/>
         <c:crosses val="autoZero"/>
         <c:crossBetween val="between"/>
       </c:valAx>
@@ -9490,7 +9490,7 @@
 </file>
 
 <file path=ppt/charts/chart8.xml><?xml version="1.0" encoding="utf-8"?>
-<c:chartSpace xmlns:c="http://schemas.openxmlformats.org/drawingml/2006/chart" xmlns:a="http://schemas.openxmlformats.org/drawingml/2006/main" xmlns:r="http://schemas.openxmlformats.org/officeDocument/2006/relationships" xmlns:c16r2="http://schemas.microsoft.com/office/drawing/2015/06/chart">
+<c:chartSpace xmlns:c="http://schemas.openxmlformats.org/drawingml/2006/chart" xmlns:a="http://schemas.openxmlformats.org/drawingml/2006/main" xmlns:r="http://schemas.openxmlformats.org/officeDocument/2006/relationships">
   <c:date1904 val="0"/>
   <c:lang val="zh-TW"/>
   <c:roundedCorners val="0"/>
@@ -9624,7 +9624,7 @@
               </c:numCache>
             </c:numRef>
           </c:val>
-          <c:extLst>
+          <c:extLst xmlns:c16r2="http://schemas.microsoft.com/office/drawing/2015/06/chart">
             <c:ext xmlns:c16="http://schemas.microsoft.com/office/drawing/2014/chart" uri="{C3380CC4-5D6E-409C-BE32-E72D297353CC}">
               <c16:uniqueId val="{00000000-181A-430D-8AFE-44D786336372}"/>
             </c:ext>
@@ -9640,11 +9640,11 @@
         </c:dLbls>
         <c:gapWidth val="150"/>
         <c:overlap val="100"/>
-        <c:axId val="188200448"/>
-        <c:axId val="188201984"/>
+        <c:axId val="430920752"/>
+        <c:axId val="430921144"/>
       </c:barChart>
       <c:catAx>
-        <c:axId val="188200448"/>
+        <c:axId val="430920752"/>
         <c:scaling>
           <c:orientation val="minMax"/>
         </c:scaling>
@@ -9683,7 +9683,7 @@
             <a:endParaRPr lang="zh-TW"/>
           </a:p>
         </c:txPr>
-        <c:crossAx val="188201984"/>
+        <c:crossAx val="430921144"/>
         <c:crosses val="autoZero"/>
         <c:auto val="1"/>
         <c:lblAlgn val="ctr"/>
@@ -9691,7 +9691,7 @@
         <c:noMultiLvlLbl val="0"/>
       </c:catAx>
       <c:valAx>
-        <c:axId val="188201984"/>
+        <c:axId val="430921144"/>
         <c:scaling>
           <c:orientation val="minMax"/>
         </c:scaling>
@@ -9745,7 +9745,7 @@
             <a:endParaRPr lang="zh-TW"/>
           </a:p>
         </c:txPr>
-        <c:crossAx val="188200448"/>
+        <c:crossAx val="430920752"/>
         <c:crosses val="autoZero"/>
         <c:crossBetween val="between"/>
       </c:valAx>
@@ -9836,7 +9836,7 @@
 </file>
 
 <file path=ppt/charts/chart9.xml><?xml version="1.0" encoding="utf-8"?>
-<c:chartSpace xmlns:c="http://schemas.openxmlformats.org/drawingml/2006/chart" xmlns:a="http://schemas.openxmlformats.org/drawingml/2006/main" xmlns:r="http://schemas.openxmlformats.org/officeDocument/2006/relationships" xmlns:c16r2="http://schemas.microsoft.com/office/drawing/2015/06/chart">
+<c:chartSpace xmlns:c="http://schemas.openxmlformats.org/drawingml/2006/chart" xmlns:a="http://schemas.openxmlformats.org/drawingml/2006/main" xmlns:r="http://schemas.openxmlformats.org/officeDocument/2006/relationships">
   <c:date1904 val="0"/>
   <c:lang val="zh-TW"/>
   <c:roundedCorners val="0"/>
@@ -9930,7 +9930,7 @@
               </c:numCache>
             </c:numRef>
           </c:val>
-          <c:extLst>
+          <c:extLst xmlns:c16r2="http://schemas.microsoft.com/office/drawing/2015/06/chart">
             <c:ext xmlns:c16="http://schemas.microsoft.com/office/drawing/2014/chart" uri="{C3380CC4-5D6E-409C-BE32-E72D297353CC}">
               <c16:uniqueId val="{00000000-98DF-4CAD-9E68-2F5CABDA08C5}"/>
             </c:ext>
@@ -9946,11 +9946,11 @@
         </c:dLbls>
         <c:gapWidth val="150"/>
         <c:overlap val="100"/>
-        <c:axId val="210861056"/>
-        <c:axId val="210866944"/>
+        <c:axId val="430921928"/>
+        <c:axId val="432765352"/>
       </c:barChart>
       <c:catAx>
-        <c:axId val="210861056"/>
+        <c:axId val="430921928"/>
         <c:scaling>
           <c:orientation val="minMax"/>
         </c:scaling>
@@ -9959,7 +9959,7 @@
         <c:majorTickMark val="out"/>
         <c:minorTickMark val="none"/>
         <c:tickLblPos val="nextTo"/>
-        <c:crossAx val="210866944"/>
+        <c:crossAx val="432765352"/>
         <c:crosses val="autoZero"/>
         <c:auto val="1"/>
         <c:lblAlgn val="ctr"/>
@@ -9967,7 +9967,7 @@
         <c:noMultiLvlLbl val="0"/>
       </c:catAx>
       <c:valAx>
-        <c:axId val="210866944"/>
+        <c:axId val="432765352"/>
         <c:scaling>
           <c:orientation val="minMax"/>
         </c:scaling>
@@ -9978,7 +9978,7 @@
         <c:majorTickMark val="out"/>
         <c:minorTickMark val="none"/>
         <c:tickLblPos val="nextTo"/>
-        <c:crossAx val="210861056"/>
+        <c:crossAx val="430921928"/>
         <c:crosses val="autoZero"/>
         <c:crossBetween val="between"/>
       </c:valAx>
@@ -17390,7 +17390,7 @@
           <a:p>
             <a:fld id="{E243AB4B-C002-4A57-A121-23696A289C89}" type="datetimeFigureOut">
               <a:rPr lang="zh-TW" altLang="en-US" smtClean="0"/>
-              <a:t>2018/7/8</a:t>
+              <a:t>2018/7/9</a:t>
             </a:fld>
             <a:endParaRPr lang="zh-TW" altLang="en-US"/>
           </a:p>
@@ -17789,7 +17789,7 @@
           <a:p>
             <a:fld id="{D7305CD7-4FAB-4D77-944A-0FC8E0CEA242}" type="datetimeFigureOut">
               <a:rPr lang="zh-TW" altLang="en-US" smtClean="0"/>
-              <a:t>2018/7/8</a:t>
+              <a:t>2018/7/9</a:t>
             </a:fld>
             <a:endParaRPr lang="zh-TW" altLang="en-US"/>
           </a:p>
@@ -17959,7 +17959,7 @@
           <a:p>
             <a:fld id="{D7305CD7-4FAB-4D77-944A-0FC8E0CEA242}" type="datetimeFigureOut">
               <a:rPr lang="zh-TW" altLang="en-US" smtClean="0"/>
-              <a:t>2018/7/8</a:t>
+              <a:t>2018/7/9</a:t>
             </a:fld>
             <a:endParaRPr lang="zh-TW" altLang="en-US"/>
           </a:p>
@@ -18139,7 +18139,7 @@
           <a:p>
             <a:fld id="{D7305CD7-4FAB-4D77-944A-0FC8E0CEA242}" type="datetimeFigureOut">
               <a:rPr lang="zh-TW" altLang="en-US" smtClean="0"/>
-              <a:t>2018/7/8</a:t>
+              <a:t>2018/7/9</a:t>
             </a:fld>
             <a:endParaRPr lang="zh-TW" altLang="en-US"/>
           </a:p>
@@ -18309,7 +18309,7 @@
           <a:p>
             <a:fld id="{D7305CD7-4FAB-4D77-944A-0FC8E0CEA242}" type="datetimeFigureOut">
               <a:rPr lang="zh-TW" altLang="en-US" smtClean="0"/>
-              <a:t>2018/7/8</a:t>
+              <a:t>2018/7/9</a:t>
             </a:fld>
             <a:endParaRPr lang="zh-TW" altLang="en-US"/>
           </a:p>
@@ -18555,7 +18555,7 @@
           <a:p>
             <a:fld id="{D7305CD7-4FAB-4D77-944A-0FC8E0CEA242}" type="datetimeFigureOut">
               <a:rPr lang="zh-TW" altLang="en-US" smtClean="0"/>
-              <a:t>2018/7/8</a:t>
+              <a:t>2018/7/9</a:t>
             </a:fld>
             <a:endParaRPr lang="zh-TW" altLang="en-US"/>
           </a:p>
@@ -18787,7 +18787,7 @@
           <a:p>
             <a:fld id="{D7305CD7-4FAB-4D77-944A-0FC8E0CEA242}" type="datetimeFigureOut">
               <a:rPr lang="zh-TW" altLang="en-US" smtClean="0"/>
-              <a:t>2018/7/8</a:t>
+              <a:t>2018/7/9</a:t>
             </a:fld>
             <a:endParaRPr lang="zh-TW" altLang="en-US"/>
           </a:p>
@@ -19154,7 +19154,7 @@
           <a:p>
             <a:fld id="{D7305CD7-4FAB-4D77-944A-0FC8E0CEA242}" type="datetimeFigureOut">
               <a:rPr lang="zh-TW" altLang="en-US" smtClean="0"/>
-              <a:t>2018/7/8</a:t>
+              <a:t>2018/7/9</a:t>
             </a:fld>
             <a:endParaRPr lang="zh-TW" altLang="en-US"/>
           </a:p>
@@ -19272,7 +19272,7 @@
           <a:p>
             <a:fld id="{D7305CD7-4FAB-4D77-944A-0FC8E0CEA242}" type="datetimeFigureOut">
               <a:rPr lang="zh-TW" altLang="en-US" smtClean="0"/>
-              <a:t>2018/7/8</a:t>
+              <a:t>2018/7/9</a:t>
             </a:fld>
             <a:endParaRPr lang="zh-TW" altLang="en-US"/>
           </a:p>
@@ -19367,7 +19367,7 @@
           <a:p>
             <a:fld id="{D7305CD7-4FAB-4D77-944A-0FC8E0CEA242}" type="datetimeFigureOut">
               <a:rPr lang="zh-TW" altLang="en-US" smtClean="0"/>
-              <a:t>2018/7/8</a:t>
+              <a:t>2018/7/9</a:t>
             </a:fld>
             <a:endParaRPr lang="zh-TW" altLang="en-US"/>
           </a:p>
@@ -19644,7 +19644,7 @@
           <a:p>
             <a:fld id="{D7305CD7-4FAB-4D77-944A-0FC8E0CEA242}" type="datetimeFigureOut">
               <a:rPr lang="zh-TW" altLang="en-US" smtClean="0"/>
-              <a:t>2018/7/8</a:t>
+              <a:t>2018/7/9</a:t>
             </a:fld>
             <a:endParaRPr lang="zh-TW" altLang="en-US"/>
           </a:p>
@@ -19897,7 +19897,7 @@
           <a:p>
             <a:fld id="{D7305CD7-4FAB-4D77-944A-0FC8E0CEA242}" type="datetimeFigureOut">
               <a:rPr lang="zh-TW" altLang="en-US" smtClean="0"/>
-              <a:t>2018/7/8</a:t>
+              <a:t>2018/7/9</a:t>
             </a:fld>
             <a:endParaRPr lang="zh-TW" altLang="en-US"/>
           </a:p>
@@ -20110,7 +20110,7 @@
           <a:p>
             <a:fld id="{D7305CD7-4FAB-4D77-944A-0FC8E0CEA242}" type="datetimeFigureOut">
               <a:rPr lang="zh-TW" altLang="en-US" smtClean="0"/>
-              <a:t>2018/7/8</a:t>
+              <a:t>2018/7/9</a:t>
             </a:fld>
             <a:endParaRPr lang="zh-TW" altLang="en-US"/>
           </a:p>
@@ -20978,28 +20978,28 @@
                 <a:gridCol w="846161">
                   <a:extLst>
                     <a:ext uri="{9D8B030D-6E8A-4147-A177-3AD203B41FA5}">
-                      <a16:colId xmlns:a16="http://schemas.microsoft.com/office/drawing/2014/main" val="3908055891"/>
+                      <a16:colId xmlns:a16="http://schemas.microsoft.com/office/drawing/2014/main" xmlns="" val="3908055891"/>
                     </a:ext>
                   </a:extLst>
                 </a:gridCol>
                 <a:gridCol w="1867982">
                   <a:extLst>
                     <a:ext uri="{9D8B030D-6E8A-4147-A177-3AD203B41FA5}">
-                      <a16:colId xmlns:a16="http://schemas.microsoft.com/office/drawing/2014/main" val="206535301"/>
+                      <a16:colId xmlns:a16="http://schemas.microsoft.com/office/drawing/2014/main" xmlns="" val="206535301"/>
                     </a:ext>
                   </a:extLst>
                 </a:gridCol>
                 <a:gridCol w="1447544">
                   <a:extLst>
                     <a:ext uri="{9D8B030D-6E8A-4147-A177-3AD203B41FA5}">
-                      <a16:colId xmlns:a16="http://schemas.microsoft.com/office/drawing/2014/main" val="3145146282"/>
+                      <a16:colId xmlns:a16="http://schemas.microsoft.com/office/drawing/2014/main" xmlns="" val="3145146282"/>
                     </a:ext>
                   </a:extLst>
                 </a:gridCol>
                 <a:gridCol w="1447544">
                   <a:extLst>
                     <a:ext uri="{9D8B030D-6E8A-4147-A177-3AD203B41FA5}">
-                      <a16:colId xmlns:a16="http://schemas.microsoft.com/office/drawing/2014/main" val="3111837773"/>
+                      <a16:colId xmlns:a16="http://schemas.microsoft.com/office/drawing/2014/main" xmlns="" val="3111837773"/>
                     </a:ext>
                   </a:extLst>
                 </a:gridCol>
@@ -21103,7 +21103,7 @@
                 </a:tc>
                 <a:extLst>
                   <a:ext uri="{0D108BD9-81ED-4DB2-BD59-A6C34878D82A}">
-                    <a16:rowId xmlns:a16="http://schemas.microsoft.com/office/drawing/2014/main" val="3225729227"/>
+                    <a16:rowId xmlns:a16="http://schemas.microsoft.com/office/drawing/2014/main" xmlns="" val="3225729227"/>
                   </a:ext>
                 </a:extLst>
               </a:tr>
@@ -21206,7 +21206,7 @@
                 </a:tc>
                 <a:extLst>
                   <a:ext uri="{0D108BD9-81ED-4DB2-BD59-A6C34878D82A}">
-                    <a16:rowId xmlns:a16="http://schemas.microsoft.com/office/drawing/2014/main" val="931046079"/>
+                    <a16:rowId xmlns:a16="http://schemas.microsoft.com/office/drawing/2014/main" xmlns="" val="931046079"/>
                   </a:ext>
                 </a:extLst>
               </a:tr>
@@ -21309,7 +21309,7 @@
                 </a:tc>
                 <a:extLst>
                   <a:ext uri="{0D108BD9-81ED-4DB2-BD59-A6C34878D82A}">
-                    <a16:rowId xmlns:a16="http://schemas.microsoft.com/office/drawing/2014/main" val="2324298029"/>
+                    <a16:rowId xmlns:a16="http://schemas.microsoft.com/office/drawing/2014/main" xmlns="" val="2324298029"/>
                   </a:ext>
                 </a:extLst>
               </a:tr>
@@ -21412,7 +21412,7 @@
                 </a:tc>
                 <a:extLst>
                   <a:ext uri="{0D108BD9-81ED-4DB2-BD59-A6C34878D82A}">
-                    <a16:rowId xmlns:a16="http://schemas.microsoft.com/office/drawing/2014/main" val="3218504096"/>
+                    <a16:rowId xmlns:a16="http://schemas.microsoft.com/office/drawing/2014/main" xmlns="" val="3218504096"/>
                   </a:ext>
                 </a:extLst>
               </a:tr>
@@ -21515,7 +21515,7 @@
                 </a:tc>
                 <a:extLst>
                   <a:ext uri="{0D108BD9-81ED-4DB2-BD59-A6C34878D82A}">
-                    <a16:rowId xmlns:a16="http://schemas.microsoft.com/office/drawing/2014/main" val="1086652510"/>
+                    <a16:rowId xmlns:a16="http://schemas.microsoft.com/office/drawing/2014/main" xmlns="" val="1086652510"/>
                   </a:ext>
                 </a:extLst>
               </a:tr>
@@ -21618,7 +21618,7 @@
                 </a:tc>
                 <a:extLst>
                   <a:ext uri="{0D108BD9-81ED-4DB2-BD59-A6C34878D82A}">
-                    <a16:rowId xmlns:a16="http://schemas.microsoft.com/office/drawing/2014/main" val="3789800555"/>
+                    <a16:rowId xmlns:a16="http://schemas.microsoft.com/office/drawing/2014/main" xmlns="" val="3789800555"/>
                   </a:ext>
                 </a:extLst>
               </a:tr>
@@ -21721,7 +21721,7 @@
                 </a:tc>
                 <a:extLst>
                   <a:ext uri="{0D108BD9-81ED-4DB2-BD59-A6C34878D82A}">
-                    <a16:rowId xmlns:a16="http://schemas.microsoft.com/office/drawing/2014/main" val="1970985695"/>
+                    <a16:rowId xmlns:a16="http://schemas.microsoft.com/office/drawing/2014/main" xmlns="" val="1970985695"/>
                   </a:ext>
                 </a:extLst>
               </a:tr>
@@ -21757,28 +21757,28 @@
                 <a:gridCol w="859808">
                   <a:extLst>
                     <a:ext uri="{9D8B030D-6E8A-4147-A177-3AD203B41FA5}">
-                      <a16:colId xmlns:a16="http://schemas.microsoft.com/office/drawing/2014/main" val="1888037183"/>
+                      <a16:colId xmlns:a16="http://schemas.microsoft.com/office/drawing/2014/main" xmlns="" val="1888037183"/>
                     </a:ext>
                   </a:extLst>
                 </a:gridCol>
                 <a:gridCol w="1854336">
                   <a:extLst>
                     <a:ext uri="{9D8B030D-6E8A-4147-A177-3AD203B41FA5}">
-                      <a16:colId xmlns:a16="http://schemas.microsoft.com/office/drawing/2014/main" val="2394711862"/>
+                      <a16:colId xmlns:a16="http://schemas.microsoft.com/office/drawing/2014/main" xmlns="" val="2394711862"/>
                     </a:ext>
                   </a:extLst>
                 </a:gridCol>
                 <a:gridCol w="1447543">
                   <a:extLst>
                     <a:ext uri="{9D8B030D-6E8A-4147-A177-3AD203B41FA5}">
-                      <a16:colId xmlns:a16="http://schemas.microsoft.com/office/drawing/2014/main" val="2184169689"/>
+                      <a16:colId xmlns:a16="http://schemas.microsoft.com/office/drawing/2014/main" xmlns="" val="2184169689"/>
                     </a:ext>
                   </a:extLst>
                 </a:gridCol>
                 <a:gridCol w="1447543">
                   <a:extLst>
                     <a:ext uri="{9D8B030D-6E8A-4147-A177-3AD203B41FA5}">
-                      <a16:colId xmlns:a16="http://schemas.microsoft.com/office/drawing/2014/main" val="1835597278"/>
+                      <a16:colId xmlns:a16="http://schemas.microsoft.com/office/drawing/2014/main" xmlns="" val="1835597278"/>
                     </a:ext>
                   </a:extLst>
                 </a:gridCol>
@@ -21882,7 +21882,7 @@
                 </a:tc>
                 <a:extLst>
                   <a:ext uri="{0D108BD9-81ED-4DB2-BD59-A6C34878D82A}">
-                    <a16:rowId xmlns:a16="http://schemas.microsoft.com/office/drawing/2014/main" val="227494321"/>
+                    <a16:rowId xmlns:a16="http://schemas.microsoft.com/office/drawing/2014/main" xmlns="" val="227494321"/>
                   </a:ext>
                 </a:extLst>
               </a:tr>
@@ -21985,7 +21985,7 @@
                 </a:tc>
                 <a:extLst>
                   <a:ext uri="{0D108BD9-81ED-4DB2-BD59-A6C34878D82A}">
-                    <a16:rowId xmlns:a16="http://schemas.microsoft.com/office/drawing/2014/main" val="178013904"/>
+                    <a16:rowId xmlns:a16="http://schemas.microsoft.com/office/drawing/2014/main" xmlns="" val="178013904"/>
                   </a:ext>
                 </a:extLst>
               </a:tr>
@@ -22088,7 +22088,7 @@
                 </a:tc>
                 <a:extLst>
                   <a:ext uri="{0D108BD9-81ED-4DB2-BD59-A6C34878D82A}">
-                    <a16:rowId xmlns:a16="http://schemas.microsoft.com/office/drawing/2014/main" val="885210616"/>
+                    <a16:rowId xmlns:a16="http://schemas.microsoft.com/office/drawing/2014/main" xmlns="" val="885210616"/>
                   </a:ext>
                 </a:extLst>
               </a:tr>
@@ -22191,7 +22191,7 @@
                 </a:tc>
                 <a:extLst>
                   <a:ext uri="{0D108BD9-81ED-4DB2-BD59-A6C34878D82A}">
-                    <a16:rowId xmlns:a16="http://schemas.microsoft.com/office/drawing/2014/main" val="3853489847"/>
+                    <a16:rowId xmlns:a16="http://schemas.microsoft.com/office/drawing/2014/main" xmlns="" val="3853489847"/>
                   </a:ext>
                 </a:extLst>
               </a:tr>
@@ -22294,7 +22294,7 @@
                 </a:tc>
                 <a:extLst>
                   <a:ext uri="{0D108BD9-81ED-4DB2-BD59-A6C34878D82A}">
-                    <a16:rowId xmlns:a16="http://schemas.microsoft.com/office/drawing/2014/main" val="2705185472"/>
+                    <a16:rowId xmlns:a16="http://schemas.microsoft.com/office/drawing/2014/main" xmlns="" val="2705185472"/>
                   </a:ext>
                 </a:extLst>
               </a:tr>
@@ -22397,7 +22397,7 @@
                 </a:tc>
                 <a:extLst>
                   <a:ext uri="{0D108BD9-81ED-4DB2-BD59-A6C34878D82A}">
-                    <a16:rowId xmlns:a16="http://schemas.microsoft.com/office/drawing/2014/main" val="3807339643"/>
+                    <a16:rowId xmlns:a16="http://schemas.microsoft.com/office/drawing/2014/main" xmlns="" val="3807339643"/>
                   </a:ext>
                 </a:extLst>
               </a:tr>
@@ -22500,7 +22500,7 @@
                 </a:tc>
                 <a:extLst>
                   <a:ext uri="{0D108BD9-81ED-4DB2-BD59-A6C34878D82A}">
-                    <a16:rowId xmlns:a16="http://schemas.microsoft.com/office/drawing/2014/main" val="1899626398"/>
+                    <a16:rowId xmlns:a16="http://schemas.microsoft.com/office/drawing/2014/main" xmlns="" val="1899626398"/>
                   </a:ext>
                 </a:extLst>
               </a:tr>
@@ -22536,28 +22536,28 @@
                 <a:gridCol w="852891">
                   <a:extLst>
                     <a:ext uri="{9D8B030D-6E8A-4147-A177-3AD203B41FA5}">
-                      <a16:colId xmlns:a16="http://schemas.microsoft.com/office/drawing/2014/main" val="2415816988"/>
+                      <a16:colId xmlns:a16="http://schemas.microsoft.com/office/drawing/2014/main" xmlns="" val="2415816988"/>
                     </a:ext>
                   </a:extLst>
                 </a:gridCol>
                 <a:gridCol w="1910734">
                   <a:extLst>
                     <a:ext uri="{9D8B030D-6E8A-4147-A177-3AD203B41FA5}">
-                      <a16:colId xmlns:a16="http://schemas.microsoft.com/office/drawing/2014/main" val="1951874993"/>
+                      <a16:colId xmlns:a16="http://schemas.microsoft.com/office/drawing/2014/main" xmlns="" val="1951874993"/>
                     </a:ext>
                   </a:extLst>
                 </a:gridCol>
                 <a:gridCol w="1473934">
                   <a:extLst>
                     <a:ext uri="{9D8B030D-6E8A-4147-A177-3AD203B41FA5}">
-                      <a16:colId xmlns:a16="http://schemas.microsoft.com/office/drawing/2014/main" val="723790218"/>
+                      <a16:colId xmlns:a16="http://schemas.microsoft.com/office/drawing/2014/main" xmlns="" val="723790218"/>
                     </a:ext>
                   </a:extLst>
                 </a:gridCol>
                 <a:gridCol w="1473934">
                   <a:extLst>
                     <a:ext uri="{9D8B030D-6E8A-4147-A177-3AD203B41FA5}">
-                      <a16:colId xmlns:a16="http://schemas.microsoft.com/office/drawing/2014/main" val="776132826"/>
+                      <a16:colId xmlns:a16="http://schemas.microsoft.com/office/drawing/2014/main" xmlns="" val="776132826"/>
                     </a:ext>
                   </a:extLst>
                 </a:gridCol>
@@ -22661,7 +22661,7 @@
                 </a:tc>
                 <a:extLst>
                   <a:ext uri="{0D108BD9-81ED-4DB2-BD59-A6C34878D82A}">
-                    <a16:rowId xmlns:a16="http://schemas.microsoft.com/office/drawing/2014/main" val="896298176"/>
+                    <a16:rowId xmlns:a16="http://schemas.microsoft.com/office/drawing/2014/main" xmlns="" val="896298176"/>
                   </a:ext>
                 </a:extLst>
               </a:tr>
@@ -22764,7 +22764,7 @@
                 </a:tc>
                 <a:extLst>
                   <a:ext uri="{0D108BD9-81ED-4DB2-BD59-A6C34878D82A}">
-                    <a16:rowId xmlns:a16="http://schemas.microsoft.com/office/drawing/2014/main" val="93657621"/>
+                    <a16:rowId xmlns:a16="http://schemas.microsoft.com/office/drawing/2014/main" xmlns="" val="93657621"/>
                   </a:ext>
                 </a:extLst>
               </a:tr>
@@ -22867,7 +22867,7 @@
                 </a:tc>
                 <a:extLst>
                   <a:ext uri="{0D108BD9-81ED-4DB2-BD59-A6C34878D82A}">
-                    <a16:rowId xmlns:a16="http://schemas.microsoft.com/office/drawing/2014/main" val="2226186151"/>
+                    <a16:rowId xmlns:a16="http://schemas.microsoft.com/office/drawing/2014/main" xmlns="" val="2226186151"/>
                   </a:ext>
                 </a:extLst>
               </a:tr>
@@ -22970,7 +22970,7 @@
                 </a:tc>
                 <a:extLst>
                   <a:ext uri="{0D108BD9-81ED-4DB2-BD59-A6C34878D82A}">
-                    <a16:rowId xmlns:a16="http://schemas.microsoft.com/office/drawing/2014/main" val="262573146"/>
+                    <a16:rowId xmlns:a16="http://schemas.microsoft.com/office/drawing/2014/main" xmlns="" val="262573146"/>
                   </a:ext>
                 </a:extLst>
               </a:tr>
@@ -23073,7 +23073,7 @@
                 </a:tc>
                 <a:extLst>
                   <a:ext uri="{0D108BD9-81ED-4DB2-BD59-A6C34878D82A}">
-                    <a16:rowId xmlns:a16="http://schemas.microsoft.com/office/drawing/2014/main" val="3323147282"/>
+                    <a16:rowId xmlns:a16="http://schemas.microsoft.com/office/drawing/2014/main" xmlns="" val="3323147282"/>
                   </a:ext>
                 </a:extLst>
               </a:tr>
@@ -23176,7 +23176,7 @@
                 </a:tc>
                 <a:extLst>
                   <a:ext uri="{0D108BD9-81ED-4DB2-BD59-A6C34878D82A}">
-                    <a16:rowId xmlns:a16="http://schemas.microsoft.com/office/drawing/2014/main" val="631755839"/>
+                    <a16:rowId xmlns:a16="http://schemas.microsoft.com/office/drawing/2014/main" xmlns="" val="631755839"/>
                   </a:ext>
                 </a:extLst>
               </a:tr>
@@ -23279,7 +23279,7 @@
                 </a:tc>
                 <a:extLst>
                   <a:ext uri="{0D108BD9-81ED-4DB2-BD59-A6C34878D82A}">
-                    <a16:rowId xmlns:a16="http://schemas.microsoft.com/office/drawing/2014/main" val="1818447293"/>
+                    <a16:rowId xmlns:a16="http://schemas.microsoft.com/office/drawing/2014/main" xmlns="" val="1818447293"/>
                   </a:ext>
                 </a:extLst>
               </a:tr>
@@ -23315,28 +23315,28 @@
                 <a:gridCol w="852891">
                   <a:extLst>
                     <a:ext uri="{9D8B030D-6E8A-4147-A177-3AD203B41FA5}">
-                      <a16:colId xmlns:a16="http://schemas.microsoft.com/office/drawing/2014/main" val="3086676789"/>
+                      <a16:colId xmlns:a16="http://schemas.microsoft.com/office/drawing/2014/main" xmlns="" val="3086676789"/>
                     </a:ext>
                   </a:extLst>
                 </a:gridCol>
                 <a:gridCol w="1910735">
                   <a:extLst>
                     <a:ext uri="{9D8B030D-6E8A-4147-A177-3AD203B41FA5}">
-                      <a16:colId xmlns:a16="http://schemas.microsoft.com/office/drawing/2014/main" val="3286496496"/>
+                      <a16:colId xmlns:a16="http://schemas.microsoft.com/office/drawing/2014/main" xmlns="" val="3286496496"/>
                     </a:ext>
                   </a:extLst>
                 </a:gridCol>
                 <a:gridCol w="1473934">
                   <a:extLst>
                     <a:ext uri="{9D8B030D-6E8A-4147-A177-3AD203B41FA5}">
-                      <a16:colId xmlns:a16="http://schemas.microsoft.com/office/drawing/2014/main" val="2328386466"/>
+                      <a16:colId xmlns:a16="http://schemas.microsoft.com/office/drawing/2014/main" xmlns="" val="2328386466"/>
                     </a:ext>
                   </a:extLst>
                 </a:gridCol>
                 <a:gridCol w="1473934">
                   <a:extLst>
                     <a:ext uri="{9D8B030D-6E8A-4147-A177-3AD203B41FA5}">
-                      <a16:colId xmlns:a16="http://schemas.microsoft.com/office/drawing/2014/main" val="3560455161"/>
+                      <a16:colId xmlns:a16="http://schemas.microsoft.com/office/drawing/2014/main" xmlns="" val="3560455161"/>
                     </a:ext>
                   </a:extLst>
                 </a:gridCol>
@@ -23440,7 +23440,7 @@
                 </a:tc>
                 <a:extLst>
                   <a:ext uri="{0D108BD9-81ED-4DB2-BD59-A6C34878D82A}">
-                    <a16:rowId xmlns:a16="http://schemas.microsoft.com/office/drawing/2014/main" val="3009685609"/>
+                    <a16:rowId xmlns:a16="http://schemas.microsoft.com/office/drawing/2014/main" xmlns="" val="3009685609"/>
                   </a:ext>
                 </a:extLst>
               </a:tr>
@@ -23543,7 +23543,7 @@
                 </a:tc>
                 <a:extLst>
                   <a:ext uri="{0D108BD9-81ED-4DB2-BD59-A6C34878D82A}">
-                    <a16:rowId xmlns:a16="http://schemas.microsoft.com/office/drawing/2014/main" val="452812577"/>
+                    <a16:rowId xmlns:a16="http://schemas.microsoft.com/office/drawing/2014/main" xmlns="" val="452812577"/>
                   </a:ext>
                 </a:extLst>
               </a:tr>
@@ -23646,7 +23646,7 @@
                 </a:tc>
                 <a:extLst>
                   <a:ext uri="{0D108BD9-81ED-4DB2-BD59-A6C34878D82A}">
-                    <a16:rowId xmlns:a16="http://schemas.microsoft.com/office/drawing/2014/main" val="1903660180"/>
+                    <a16:rowId xmlns:a16="http://schemas.microsoft.com/office/drawing/2014/main" xmlns="" val="1903660180"/>
                   </a:ext>
                 </a:extLst>
               </a:tr>
@@ -23749,7 +23749,7 @@
                 </a:tc>
                 <a:extLst>
                   <a:ext uri="{0D108BD9-81ED-4DB2-BD59-A6C34878D82A}">
-                    <a16:rowId xmlns:a16="http://schemas.microsoft.com/office/drawing/2014/main" val="3997584255"/>
+                    <a16:rowId xmlns:a16="http://schemas.microsoft.com/office/drawing/2014/main" xmlns="" val="3997584255"/>
                   </a:ext>
                 </a:extLst>
               </a:tr>
@@ -23852,7 +23852,7 @@
                 </a:tc>
                 <a:extLst>
                   <a:ext uri="{0D108BD9-81ED-4DB2-BD59-A6C34878D82A}">
-                    <a16:rowId xmlns:a16="http://schemas.microsoft.com/office/drawing/2014/main" val="4130059379"/>
+                    <a16:rowId xmlns:a16="http://schemas.microsoft.com/office/drawing/2014/main" xmlns="" val="4130059379"/>
                   </a:ext>
                 </a:extLst>
               </a:tr>
@@ -23955,7 +23955,7 @@
                 </a:tc>
                 <a:extLst>
                   <a:ext uri="{0D108BD9-81ED-4DB2-BD59-A6C34878D82A}">
-                    <a16:rowId xmlns:a16="http://schemas.microsoft.com/office/drawing/2014/main" val="1219916940"/>
+                    <a16:rowId xmlns:a16="http://schemas.microsoft.com/office/drawing/2014/main" xmlns="" val="1219916940"/>
                   </a:ext>
                 </a:extLst>
               </a:tr>
@@ -24058,7 +24058,7 @@
                 </a:tc>
                 <a:extLst>
                   <a:ext uri="{0D108BD9-81ED-4DB2-BD59-A6C34878D82A}">
-                    <a16:rowId xmlns:a16="http://schemas.microsoft.com/office/drawing/2014/main" val="597544964"/>
+                    <a16:rowId xmlns:a16="http://schemas.microsoft.com/office/drawing/2014/main" xmlns="" val="597544964"/>
                   </a:ext>
                 </a:extLst>
               </a:tr>
@@ -26372,14 +26372,7 @@
                 <a:latin typeface="Book Antiqua" panose="02040602050305030304" pitchFamily="18" charset="0"/>
                 <a:ea typeface="標楷體" panose="03000509000000000000" pitchFamily="65" charset="-120"/>
               </a:rPr>
-              <a:t>最差，持有期間不論長短皆為負</a:t>
-            </a:r>
-            <a:r>
-              <a:rPr lang="zh-TW" altLang="en-US" dirty="0" smtClean="0">
-                <a:latin typeface="Book Antiqua" panose="02040602050305030304" pitchFamily="18" charset="0"/>
-                <a:ea typeface="標楷體" panose="03000509000000000000" pitchFamily="65" charset="-120"/>
-              </a:rPr>
-              <a:t>報酬。</a:t>
+              <a:t>最差，持有期間不論長短皆為負報酬。</a:t>
             </a:r>
             <a:endParaRPr lang="en-US" altLang="zh-TW" dirty="0" smtClean="0">
               <a:latin typeface="Book Antiqua" panose="02040602050305030304" pitchFamily="18" charset="0"/>
@@ -26811,28 +26804,28 @@
                 <a:gridCol w="736948">
                   <a:extLst>
                     <a:ext uri="{9D8B030D-6E8A-4147-A177-3AD203B41FA5}">
-                      <a16:colId xmlns:a16="http://schemas.microsoft.com/office/drawing/2014/main" val="1566779113"/>
+                      <a16:colId xmlns:a16="http://schemas.microsoft.com/office/drawing/2014/main" xmlns="" val="1566779113"/>
                     </a:ext>
                   </a:extLst>
                 </a:gridCol>
                 <a:gridCol w="1361034">
                   <a:extLst>
                     <a:ext uri="{9D8B030D-6E8A-4147-A177-3AD203B41FA5}">
-                      <a16:colId xmlns:a16="http://schemas.microsoft.com/office/drawing/2014/main" val="1361483255"/>
+                      <a16:colId xmlns:a16="http://schemas.microsoft.com/office/drawing/2014/main" xmlns="" val="1361483255"/>
                     </a:ext>
                   </a:extLst>
                 </a:gridCol>
                 <a:gridCol w="1665503">
                   <a:extLst>
                     <a:ext uri="{9D8B030D-6E8A-4147-A177-3AD203B41FA5}">
-                      <a16:colId xmlns:a16="http://schemas.microsoft.com/office/drawing/2014/main" val="2331088464"/>
+                      <a16:colId xmlns:a16="http://schemas.microsoft.com/office/drawing/2014/main" xmlns="" val="2331088464"/>
                     </a:ext>
                   </a:extLst>
                 </a:gridCol>
                 <a:gridCol w="1665503">
                   <a:extLst>
                     <a:ext uri="{9D8B030D-6E8A-4147-A177-3AD203B41FA5}">
-                      <a16:colId xmlns:a16="http://schemas.microsoft.com/office/drawing/2014/main" val="400509397"/>
+                      <a16:colId xmlns:a16="http://schemas.microsoft.com/office/drawing/2014/main" xmlns="" val="400509397"/>
                     </a:ext>
                   </a:extLst>
                 </a:gridCol>
@@ -26936,7 +26929,7 @@
                 </a:tc>
                 <a:extLst>
                   <a:ext uri="{0D108BD9-81ED-4DB2-BD59-A6C34878D82A}">
-                    <a16:rowId xmlns:a16="http://schemas.microsoft.com/office/drawing/2014/main" val="3083642062"/>
+                    <a16:rowId xmlns:a16="http://schemas.microsoft.com/office/drawing/2014/main" xmlns="" val="3083642062"/>
                   </a:ext>
                 </a:extLst>
               </a:tr>
@@ -27039,7 +27032,7 @@
                 </a:tc>
                 <a:extLst>
                   <a:ext uri="{0D108BD9-81ED-4DB2-BD59-A6C34878D82A}">
-                    <a16:rowId xmlns:a16="http://schemas.microsoft.com/office/drawing/2014/main" val="437582834"/>
+                    <a16:rowId xmlns:a16="http://schemas.microsoft.com/office/drawing/2014/main" xmlns="" val="437582834"/>
                   </a:ext>
                 </a:extLst>
               </a:tr>
@@ -27142,7 +27135,7 @@
                 </a:tc>
                 <a:extLst>
                   <a:ext uri="{0D108BD9-81ED-4DB2-BD59-A6C34878D82A}">
-                    <a16:rowId xmlns:a16="http://schemas.microsoft.com/office/drawing/2014/main" val="4083898570"/>
+                    <a16:rowId xmlns:a16="http://schemas.microsoft.com/office/drawing/2014/main" xmlns="" val="4083898570"/>
                   </a:ext>
                 </a:extLst>
               </a:tr>
@@ -27245,7 +27238,7 @@
                 </a:tc>
                 <a:extLst>
                   <a:ext uri="{0D108BD9-81ED-4DB2-BD59-A6C34878D82A}">
-                    <a16:rowId xmlns:a16="http://schemas.microsoft.com/office/drawing/2014/main" val="3747906298"/>
+                    <a16:rowId xmlns:a16="http://schemas.microsoft.com/office/drawing/2014/main" xmlns="" val="3747906298"/>
                   </a:ext>
                 </a:extLst>
               </a:tr>
@@ -27348,7 +27341,7 @@
                 </a:tc>
                 <a:extLst>
                   <a:ext uri="{0D108BD9-81ED-4DB2-BD59-A6C34878D82A}">
-                    <a16:rowId xmlns:a16="http://schemas.microsoft.com/office/drawing/2014/main" val="1641924754"/>
+                    <a16:rowId xmlns:a16="http://schemas.microsoft.com/office/drawing/2014/main" xmlns="" val="1641924754"/>
                   </a:ext>
                 </a:extLst>
               </a:tr>
@@ -27451,7 +27444,7 @@
                 </a:tc>
                 <a:extLst>
                   <a:ext uri="{0D108BD9-81ED-4DB2-BD59-A6C34878D82A}">
-                    <a16:rowId xmlns:a16="http://schemas.microsoft.com/office/drawing/2014/main" val="2870552492"/>
+                    <a16:rowId xmlns:a16="http://schemas.microsoft.com/office/drawing/2014/main" xmlns="" val="2870552492"/>
                   </a:ext>
                 </a:extLst>
               </a:tr>
@@ -27554,7 +27547,7 @@
                 </a:tc>
                 <a:extLst>
                   <a:ext uri="{0D108BD9-81ED-4DB2-BD59-A6C34878D82A}">
-                    <a16:rowId xmlns:a16="http://schemas.microsoft.com/office/drawing/2014/main" val="3491432878"/>
+                    <a16:rowId xmlns:a16="http://schemas.microsoft.com/office/drawing/2014/main" xmlns="" val="3491432878"/>
                   </a:ext>
                 </a:extLst>
               </a:tr>
@@ -27590,28 +27583,28 @@
                 <a:gridCol w="736948">
                   <a:extLst>
                     <a:ext uri="{9D8B030D-6E8A-4147-A177-3AD203B41FA5}">
-                      <a16:colId xmlns:a16="http://schemas.microsoft.com/office/drawing/2014/main" val="4264518737"/>
+                      <a16:colId xmlns:a16="http://schemas.microsoft.com/office/drawing/2014/main" xmlns="" val="4264518737"/>
                     </a:ext>
                   </a:extLst>
                 </a:gridCol>
                 <a:gridCol w="1377863">
                   <a:extLst>
                     <a:ext uri="{9D8B030D-6E8A-4147-A177-3AD203B41FA5}">
-                      <a16:colId xmlns:a16="http://schemas.microsoft.com/office/drawing/2014/main" val="417320934"/>
+                      <a16:colId xmlns:a16="http://schemas.microsoft.com/office/drawing/2014/main" xmlns="" val="417320934"/>
                     </a:ext>
                   </a:extLst>
                 </a:gridCol>
                 <a:gridCol w="1678488">
                   <a:extLst>
                     <a:ext uri="{9D8B030D-6E8A-4147-A177-3AD203B41FA5}">
-                      <a16:colId xmlns:a16="http://schemas.microsoft.com/office/drawing/2014/main" val="211988347"/>
+                      <a16:colId xmlns:a16="http://schemas.microsoft.com/office/drawing/2014/main" xmlns="" val="211988347"/>
                     </a:ext>
                   </a:extLst>
                 </a:gridCol>
                 <a:gridCol w="1635689">
                   <a:extLst>
                     <a:ext uri="{9D8B030D-6E8A-4147-A177-3AD203B41FA5}">
-                      <a16:colId xmlns:a16="http://schemas.microsoft.com/office/drawing/2014/main" val="3553808772"/>
+                      <a16:colId xmlns:a16="http://schemas.microsoft.com/office/drawing/2014/main" xmlns="" val="3553808772"/>
                     </a:ext>
                   </a:extLst>
                 </a:gridCol>
@@ -27715,7 +27708,7 @@
                 </a:tc>
                 <a:extLst>
                   <a:ext uri="{0D108BD9-81ED-4DB2-BD59-A6C34878D82A}">
-                    <a16:rowId xmlns:a16="http://schemas.microsoft.com/office/drawing/2014/main" val="1495233619"/>
+                    <a16:rowId xmlns:a16="http://schemas.microsoft.com/office/drawing/2014/main" xmlns="" val="1495233619"/>
                   </a:ext>
                 </a:extLst>
               </a:tr>
@@ -27818,7 +27811,7 @@
                 </a:tc>
                 <a:extLst>
                   <a:ext uri="{0D108BD9-81ED-4DB2-BD59-A6C34878D82A}">
-                    <a16:rowId xmlns:a16="http://schemas.microsoft.com/office/drawing/2014/main" val="3193569931"/>
+                    <a16:rowId xmlns:a16="http://schemas.microsoft.com/office/drawing/2014/main" xmlns="" val="3193569931"/>
                   </a:ext>
                 </a:extLst>
               </a:tr>
@@ -27921,7 +27914,7 @@
                 </a:tc>
                 <a:extLst>
                   <a:ext uri="{0D108BD9-81ED-4DB2-BD59-A6C34878D82A}">
-                    <a16:rowId xmlns:a16="http://schemas.microsoft.com/office/drawing/2014/main" val="2519745106"/>
+                    <a16:rowId xmlns:a16="http://schemas.microsoft.com/office/drawing/2014/main" xmlns="" val="2519745106"/>
                   </a:ext>
                 </a:extLst>
               </a:tr>
@@ -28024,7 +28017,7 @@
                 </a:tc>
                 <a:extLst>
                   <a:ext uri="{0D108BD9-81ED-4DB2-BD59-A6C34878D82A}">
-                    <a16:rowId xmlns:a16="http://schemas.microsoft.com/office/drawing/2014/main" val="850835728"/>
+                    <a16:rowId xmlns:a16="http://schemas.microsoft.com/office/drawing/2014/main" xmlns="" val="850835728"/>
                   </a:ext>
                 </a:extLst>
               </a:tr>
@@ -28127,7 +28120,7 @@
                 </a:tc>
                 <a:extLst>
                   <a:ext uri="{0D108BD9-81ED-4DB2-BD59-A6C34878D82A}">
-                    <a16:rowId xmlns:a16="http://schemas.microsoft.com/office/drawing/2014/main" val="1557938797"/>
+                    <a16:rowId xmlns:a16="http://schemas.microsoft.com/office/drawing/2014/main" xmlns="" val="1557938797"/>
                   </a:ext>
                 </a:extLst>
               </a:tr>
@@ -28230,7 +28223,7 @@
                 </a:tc>
                 <a:extLst>
                   <a:ext uri="{0D108BD9-81ED-4DB2-BD59-A6C34878D82A}">
-                    <a16:rowId xmlns:a16="http://schemas.microsoft.com/office/drawing/2014/main" val="3321629860"/>
+                    <a16:rowId xmlns:a16="http://schemas.microsoft.com/office/drawing/2014/main" xmlns="" val="3321629860"/>
                   </a:ext>
                 </a:extLst>
               </a:tr>
@@ -28333,7 +28326,7 @@
                 </a:tc>
                 <a:extLst>
                   <a:ext uri="{0D108BD9-81ED-4DB2-BD59-A6C34878D82A}">
-                    <a16:rowId xmlns:a16="http://schemas.microsoft.com/office/drawing/2014/main" val="390569538"/>
+                    <a16:rowId xmlns:a16="http://schemas.microsoft.com/office/drawing/2014/main" xmlns="" val="390569538"/>
                   </a:ext>
                 </a:extLst>
               </a:tr>
@@ -28369,28 +28362,28 @@
                 <a:gridCol w="762001">
                   <a:extLst>
                     <a:ext uri="{9D8B030D-6E8A-4147-A177-3AD203B41FA5}">
-                      <a16:colId xmlns:a16="http://schemas.microsoft.com/office/drawing/2014/main" val="1689517758"/>
+                      <a16:colId xmlns:a16="http://schemas.microsoft.com/office/drawing/2014/main" xmlns="" val="1689517758"/>
                     </a:ext>
                   </a:extLst>
                 </a:gridCol>
                 <a:gridCol w="2086626">
                   <a:extLst>
                     <a:ext uri="{9D8B030D-6E8A-4147-A177-3AD203B41FA5}">
-                      <a16:colId xmlns:a16="http://schemas.microsoft.com/office/drawing/2014/main" val="3817093601"/>
+                      <a16:colId xmlns:a16="http://schemas.microsoft.com/office/drawing/2014/main" xmlns="" val="3817093601"/>
                     </a:ext>
                   </a:extLst>
                 </a:gridCol>
                 <a:gridCol w="1424314">
                   <a:extLst>
                     <a:ext uri="{9D8B030D-6E8A-4147-A177-3AD203B41FA5}">
-                      <a16:colId xmlns:a16="http://schemas.microsoft.com/office/drawing/2014/main" val="598238925"/>
+                      <a16:colId xmlns:a16="http://schemas.microsoft.com/office/drawing/2014/main" xmlns="" val="598238925"/>
                     </a:ext>
                   </a:extLst>
                 </a:gridCol>
                 <a:gridCol w="1424314">
                   <a:extLst>
                     <a:ext uri="{9D8B030D-6E8A-4147-A177-3AD203B41FA5}">
-                      <a16:colId xmlns:a16="http://schemas.microsoft.com/office/drawing/2014/main" val="3557936418"/>
+                      <a16:colId xmlns:a16="http://schemas.microsoft.com/office/drawing/2014/main" xmlns="" val="3557936418"/>
                     </a:ext>
                   </a:extLst>
                 </a:gridCol>
@@ -28494,7 +28487,7 @@
                 </a:tc>
                 <a:extLst>
                   <a:ext uri="{0D108BD9-81ED-4DB2-BD59-A6C34878D82A}">
-                    <a16:rowId xmlns:a16="http://schemas.microsoft.com/office/drawing/2014/main" val="2142428080"/>
+                    <a16:rowId xmlns:a16="http://schemas.microsoft.com/office/drawing/2014/main" xmlns="" val="2142428080"/>
                   </a:ext>
                 </a:extLst>
               </a:tr>
@@ -28597,7 +28590,7 @@
                 </a:tc>
                 <a:extLst>
                   <a:ext uri="{0D108BD9-81ED-4DB2-BD59-A6C34878D82A}">
-                    <a16:rowId xmlns:a16="http://schemas.microsoft.com/office/drawing/2014/main" val="3319284310"/>
+                    <a16:rowId xmlns:a16="http://schemas.microsoft.com/office/drawing/2014/main" xmlns="" val="3319284310"/>
                   </a:ext>
                 </a:extLst>
               </a:tr>
@@ -28700,7 +28693,7 @@
                 </a:tc>
                 <a:extLst>
                   <a:ext uri="{0D108BD9-81ED-4DB2-BD59-A6C34878D82A}">
-                    <a16:rowId xmlns:a16="http://schemas.microsoft.com/office/drawing/2014/main" val="302323178"/>
+                    <a16:rowId xmlns:a16="http://schemas.microsoft.com/office/drawing/2014/main" xmlns="" val="302323178"/>
                   </a:ext>
                 </a:extLst>
               </a:tr>
@@ -28803,7 +28796,7 @@
                 </a:tc>
                 <a:extLst>
                   <a:ext uri="{0D108BD9-81ED-4DB2-BD59-A6C34878D82A}">
-                    <a16:rowId xmlns:a16="http://schemas.microsoft.com/office/drawing/2014/main" val="139626380"/>
+                    <a16:rowId xmlns:a16="http://schemas.microsoft.com/office/drawing/2014/main" xmlns="" val="139626380"/>
                   </a:ext>
                 </a:extLst>
               </a:tr>
@@ -28906,7 +28899,7 @@
                 </a:tc>
                 <a:extLst>
                   <a:ext uri="{0D108BD9-81ED-4DB2-BD59-A6C34878D82A}">
-                    <a16:rowId xmlns:a16="http://schemas.microsoft.com/office/drawing/2014/main" val="3373125816"/>
+                    <a16:rowId xmlns:a16="http://schemas.microsoft.com/office/drawing/2014/main" xmlns="" val="3373125816"/>
                   </a:ext>
                 </a:extLst>
               </a:tr>
@@ -29009,7 +29002,7 @@
                 </a:tc>
                 <a:extLst>
                   <a:ext uri="{0D108BD9-81ED-4DB2-BD59-A6C34878D82A}">
-                    <a16:rowId xmlns:a16="http://schemas.microsoft.com/office/drawing/2014/main" val="3921264198"/>
+                    <a16:rowId xmlns:a16="http://schemas.microsoft.com/office/drawing/2014/main" xmlns="" val="3921264198"/>
                   </a:ext>
                 </a:extLst>
               </a:tr>
@@ -29112,7 +29105,7 @@
                 </a:tc>
                 <a:extLst>
                   <a:ext uri="{0D108BD9-81ED-4DB2-BD59-A6C34878D82A}">
-                    <a16:rowId xmlns:a16="http://schemas.microsoft.com/office/drawing/2014/main" val="4004877180"/>
+                    <a16:rowId xmlns:a16="http://schemas.microsoft.com/office/drawing/2014/main" xmlns="" val="4004877180"/>
                   </a:ext>
                 </a:extLst>
               </a:tr>
@@ -29148,28 +29141,28 @@
                 <a:gridCol w="799582">
                   <a:extLst>
                     <a:ext uri="{9D8B030D-6E8A-4147-A177-3AD203B41FA5}">
-                      <a16:colId xmlns:a16="http://schemas.microsoft.com/office/drawing/2014/main" val="3228640564"/>
+                      <a16:colId xmlns:a16="http://schemas.microsoft.com/office/drawing/2014/main" xmlns="" val="3228640564"/>
                     </a:ext>
                   </a:extLst>
                 </a:gridCol>
                 <a:gridCol w="2049046">
                   <a:extLst>
                     <a:ext uri="{9D8B030D-6E8A-4147-A177-3AD203B41FA5}">
-                      <a16:colId xmlns:a16="http://schemas.microsoft.com/office/drawing/2014/main" val="2937437018"/>
+                      <a16:colId xmlns:a16="http://schemas.microsoft.com/office/drawing/2014/main" xmlns="" val="2937437018"/>
                     </a:ext>
                   </a:extLst>
                 </a:gridCol>
                 <a:gridCol w="1424314">
                   <a:extLst>
                     <a:ext uri="{9D8B030D-6E8A-4147-A177-3AD203B41FA5}">
-                      <a16:colId xmlns:a16="http://schemas.microsoft.com/office/drawing/2014/main" val="2366682717"/>
+                      <a16:colId xmlns:a16="http://schemas.microsoft.com/office/drawing/2014/main" xmlns="" val="2366682717"/>
                     </a:ext>
                   </a:extLst>
                 </a:gridCol>
                 <a:gridCol w="1424314">
                   <a:extLst>
                     <a:ext uri="{9D8B030D-6E8A-4147-A177-3AD203B41FA5}">
-                      <a16:colId xmlns:a16="http://schemas.microsoft.com/office/drawing/2014/main" val="729240223"/>
+                      <a16:colId xmlns:a16="http://schemas.microsoft.com/office/drawing/2014/main" xmlns="" val="729240223"/>
                     </a:ext>
                   </a:extLst>
                 </a:gridCol>
@@ -29273,7 +29266,7 @@
                 </a:tc>
                 <a:extLst>
                   <a:ext uri="{0D108BD9-81ED-4DB2-BD59-A6C34878D82A}">
-                    <a16:rowId xmlns:a16="http://schemas.microsoft.com/office/drawing/2014/main" val="2346809453"/>
+                    <a16:rowId xmlns:a16="http://schemas.microsoft.com/office/drawing/2014/main" xmlns="" val="2346809453"/>
                   </a:ext>
                 </a:extLst>
               </a:tr>
@@ -29376,7 +29369,7 @@
                 </a:tc>
                 <a:extLst>
                   <a:ext uri="{0D108BD9-81ED-4DB2-BD59-A6C34878D82A}">
-                    <a16:rowId xmlns:a16="http://schemas.microsoft.com/office/drawing/2014/main" val="1867306570"/>
+                    <a16:rowId xmlns:a16="http://schemas.microsoft.com/office/drawing/2014/main" xmlns="" val="1867306570"/>
                   </a:ext>
                 </a:extLst>
               </a:tr>
@@ -29479,7 +29472,7 @@
                 </a:tc>
                 <a:extLst>
                   <a:ext uri="{0D108BD9-81ED-4DB2-BD59-A6C34878D82A}">
-                    <a16:rowId xmlns:a16="http://schemas.microsoft.com/office/drawing/2014/main" val="3388028145"/>
+                    <a16:rowId xmlns:a16="http://schemas.microsoft.com/office/drawing/2014/main" xmlns="" val="3388028145"/>
                   </a:ext>
                 </a:extLst>
               </a:tr>
@@ -29582,7 +29575,7 @@
                 </a:tc>
                 <a:extLst>
                   <a:ext uri="{0D108BD9-81ED-4DB2-BD59-A6C34878D82A}">
-                    <a16:rowId xmlns:a16="http://schemas.microsoft.com/office/drawing/2014/main" val="1396848958"/>
+                    <a16:rowId xmlns:a16="http://schemas.microsoft.com/office/drawing/2014/main" xmlns="" val="1396848958"/>
                   </a:ext>
                 </a:extLst>
               </a:tr>
@@ -29685,7 +29678,7 @@
                 </a:tc>
                 <a:extLst>
                   <a:ext uri="{0D108BD9-81ED-4DB2-BD59-A6C34878D82A}">
-                    <a16:rowId xmlns:a16="http://schemas.microsoft.com/office/drawing/2014/main" val="107940758"/>
+                    <a16:rowId xmlns:a16="http://schemas.microsoft.com/office/drawing/2014/main" xmlns="" val="107940758"/>
                   </a:ext>
                 </a:extLst>
               </a:tr>
@@ -29788,7 +29781,7 @@
                 </a:tc>
                 <a:extLst>
                   <a:ext uri="{0D108BD9-81ED-4DB2-BD59-A6C34878D82A}">
-                    <a16:rowId xmlns:a16="http://schemas.microsoft.com/office/drawing/2014/main" val="1626190536"/>
+                    <a16:rowId xmlns:a16="http://schemas.microsoft.com/office/drawing/2014/main" xmlns="" val="1626190536"/>
                   </a:ext>
                 </a:extLst>
               </a:tr>
@@ -29891,7 +29884,7 @@
                 </a:tc>
                 <a:extLst>
                   <a:ext uri="{0D108BD9-81ED-4DB2-BD59-A6C34878D82A}">
-                    <a16:rowId xmlns:a16="http://schemas.microsoft.com/office/drawing/2014/main" val="3503796845"/>
+                    <a16:rowId xmlns:a16="http://schemas.microsoft.com/office/drawing/2014/main" xmlns="" val="3503796845"/>
                   </a:ext>
                 </a:extLst>
               </a:tr>
@@ -31438,28 +31431,28 @@
                 <a:gridCol w="711896">
                   <a:extLst>
                     <a:ext uri="{9D8B030D-6E8A-4147-A177-3AD203B41FA5}">
-                      <a16:colId xmlns:a16="http://schemas.microsoft.com/office/drawing/2014/main" val="3560839808"/>
+                      <a16:colId xmlns:a16="http://schemas.microsoft.com/office/drawing/2014/main" xmlns="" val="3560839808"/>
                     </a:ext>
                   </a:extLst>
                 </a:gridCol>
                 <a:gridCol w="1493260">
                   <a:extLst>
                     <a:ext uri="{9D8B030D-6E8A-4147-A177-3AD203B41FA5}">
-                      <a16:colId xmlns:a16="http://schemas.microsoft.com/office/drawing/2014/main" val="1110065860"/>
+                      <a16:colId xmlns:a16="http://schemas.microsoft.com/office/drawing/2014/main" xmlns="" val="1110065860"/>
                     </a:ext>
                   </a:extLst>
                 </a:gridCol>
                 <a:gridCol w="1752313">
                   <a:extLst>
                     <a:ext uri="{9D8B030D-6E8A-4147-A177-3AD203B41FA5}">
-                      <a16:colId xmlns:a16="http://schemas.microsoft.com/office/drawing/2014/main" val="2427110588"/>
+                      <a16:colId xmlns:a16="http://schemas.microsoft.com/office/drawing/2014/main" xmlns="" val="2427110588"/>
                     </a:ext>
                   </a:extLst>
                 </a:gridCol>
                 <a:gridCol w="1752313">
                   <a:extLst>
                     <a:ext uri="{9D8B030D-6E8A-4147-A177-3AD203B41FA5}">
-                      <a16:colId xmlns:a16="http://schemas.microsoft.com/office/drawing/2014/main" val="540293764"/>
+                      <a16:colId xmlns:a16="http://schemas.microsoft.com/office/drawing/2014/main" xmlns="" val="540293764"/>
                     </a:ext>
                   </a:extLst>
                 </a:gridCol>
@@ -31563,7 +31556,7 @@
                 </a:tc>
                 <a:extLst>
                   <a:ext uri="{0D108BD9-81ED-4DB2-BD59-A6C34878D82A}">
-                    <a16:rowId xmlns:a16="http://schemas.microsoft.com/office/drawing/2014/main" val="4091343898"/>
+                    <a16:rowId xmlns:a16="http://schemas.microsoft.com/office/drawing/2014/main" xmlns="" val="4091343898"/>
                   </a:ext>
                 </a:extLst>
               </a:tr>
@@ -31666,7 +31659,7 @@
                 </a:tc>
                 <a:extLst>
                   <a:ext uri="{0D108BD9-81ED-4DB2-BD59-A6C34878D82A}">
-                    <a16:rowId xmlns:a16="http://schemas.microsoft.com/office/drawing/2014/main" val="1971323667"/>
+                    <a16:rowId xmlns:a16="http://schemas.microsoft.com/office/drawing/2014/main" xmlns="" val="1971323667"/>
                   </a:ext>
                 </a:extLst>
               </a:tr>
@@ -31769,7 +31762,7 @@
                 </a:tc>
                 <a:extLst>
                   <a:ext uri="{0D108BD9-81ED-4DB2-BD59-A6C34878D82A}">
-                    <a16:rowId xmlns:a16="http://schemas.microsoft.com/office/drawing/2014/main" val="1421610180"/>
+                    <a16:rowId xmlns:a16="http://schemas.microsoft.com/office/drawing/2014/main" xmlns="" val="1421610180"/>
                   </a:ext>
                 </a:extLst>
               </a:tr>
@@ -31872,7 +31865,7 @@
                 </a:tc>
                 <a:extLst>
                   <a:ext uri="{0D108BD9-81ED-4DB2-BD59-A6C34878D82A}">
-                    <a16:rowId xmlns:a16="http://schemas.microsoft.com/office/drawing/2014/main" val="2678900981"/>
+                    <a16:rowId xmlns:a16="http://schemas.microsoft.com/office/drawing/2014/main" xmlns="" val="2678900981"/>
                   </a:ext>
                 </a:extLst>
               </a:tr>
@@ -31975,7 +31968,7 @@
                 </a:tc>
                 <a:extLst>
                   <a:ext uri="{0D108BD9-81ED-4DB2-BD59-A6C34878D82A}">
-                    <a16:rowId xmlns:a16="http://schemas.microsoft.com/office/drawing/2014/main" val="1005446612"/>
+                    <a16:rowId xmlns:a16="http://schemas.microsoft.com/office/drawing/2014/main" xmlns="" val="1005446612"/>
                   </a:ext>
                 </a:extLst>
               </a:tr>
@@ -32078,7 +32071,7 @@
                 </a:tc>
                 <a:extLst>
                   <a:ext uri="{0D108BD9-81ED-4DB2-BD59-A6C34878D82A}">
-                    <a16:rowId xmlns:a16="http://schemas.microsoft.com/office/drawing/2014/main" val="3738168754"/>
+                    <a16:rowId xmlns:a16="http://schemas.microsoft.com/office/drawing/2014/main" xmlns="" val="3738168754"/>
                   </a:ext>
                 </a:extLst>
               </a:tr>
@@ -32181,7 +32174,7 @@
                 </a:tc>
                 <a:extLst>
                   <a:ext uri="{0D108BD9-81ED-4DB2-BD59-A6C34878D82A}">
-                    <a16:rowId xmlns:a16="http://schemas.microsoft.com/office/drawing/2014/main" val="2811905765"/>
+                    <a16:rowId xmlns:a16="http://schemas.microsoft.com/office/drawing/2014/main" xmlns="" val="2811905765"/>
                   </a:ext>
                 </a:extLst>
               </a:tr>
@@ -32217,28 +32210,28 @@
                 <a:gridCol w="736951">
                   <a:extLst>
                     <a:ext uri="{9D8B030D-6E8A-4147-A177-3AD203B41FA5}">
-                      <a16:colId xmlns:a16="http://schemas.microsoft.com/office/drawing/2014/main" val="2865436962"/>
+                      <a16:colId xmlns:a16="http://schemas.microsoft.com/office/drawing/2014/main" xmlns="" val="2865436962"/>
                     </a:ext>
                   </a:extLst>
                 </a:gridCol>
                 <a:gridCol w="1515650">
                   <a:extLst>
                     <a:ext uri="{9D8B030D-6E8A-4147-A177-3AD203B41FA5}">
-                      <a16:colId xmlns:a16="http://schemas.microsoft.com/office/drawing/2014/main" val="2624557930"/>
+                      <a16:colId xmlns:a16="http://schemas.microsoft.com/office/drawing/2014/main" xmlns="" val="2624557930"/>
                     </a:ext>
                   </a:extLst>
                 </a:gridCol>
                 <a:gridCol w="1741117">
                   <a:extLst>
                     <a:ext uri="{9D8B030D-6E8A-4147-A177-3AD203B41FA5}">
-                      <a16:colId xmlns:a16="http://schemas.microsoft.com/office/drawing/2014/main" val="2031663030"/>
+                      <a16:colId xmlns:a16="http://schemas.microsoft.com/office/drawing/2014/main" xmlns="" val="2031663030"/>
                     </a:ext>
                   </a:extLst>
                 </a:gridCol>
                 <a:gridCol w="1716066">
                   <a:extLst>
                     <a:ext uri="{9D8B030D-6E8A-4147-A177-3AD203B41FA5}">
-                      <a16:colId xmlns:a16="http://schemas.microsoft.com/office/drawing/2014/main" val="3196237334"/>
+                      <a16:colId xmlns:a16="http://schemas.microsoft.com/office/drawing/2014/main" xmlns="" val="3196237334"/>
                     </a:ext>
                   </a:extLst>
                 </a:gridCol>
@@ -32342,7 +32335,7 @@
                 </a:tc>
                 <a:extLst>
                   <a:ext uri="{0D108BD9-81ED-4DB2-BD59-A6C34878D82A}">
-                    <a16:rowId xmlns:a16="http://schemas.microsoft.com/office/drawing/2014/main" val="2693530458"/>
+                    <a16:rowId xmlns:a16="http://schemas.microsoft.com/office/drawing/2014/main" xmlns="" val="2693530458"/>
                   </a:ext>
                 </a:extLst>
               </a:tr>
@@ -32445,7 +32438,7 @@
                 </a:tc>
                 <a:extLst>
                   <a:ext uri="{0D108BD9-81ED-4DB2-BD59-A6C34878D82A}">
-                    <a16:rowId xmlns:a16="http://schemas.microsoft.com/office/drawing/2014/main" val="761490487"/>
+                    <a16:rowId xmlns:a16="http://schemas.microsoft.com/office/drawing/2014/main" xmlns="" val="761490487"/>
                   </a:ext>
                 </a:extLst>
               </a:tr>
@@ -32548,7 +32541,7 @@
                 </a:tc>
                 <a:extLst>
                   <a:ext uri="{0D108BD9-81ED-4DB2-BD59-A6C34878D82A}">
-                    <a16:rowId xmlns:a16="http://schemas.microsoft.com/office/drawing/2014/main" val="2679852924"/>
+                    <a16:rowId xmlns:a16="http://schemas.microsoft.com/office/drawing/2014/main" xmlns="" val="2679852924"/>
                   </a:ext>
                 </a:extLst>
               </a:tr>
@@ -32651,7 +32644,7 @@
                 </a:tc>
                 <a:extLst>
                   <a:ext uri="{0D108BD9-81ED-4DB2-BD59-A6C34878D82A}">
-                    <a16:rowId xmlns:a16="http://schemas.microsoft.com/office/drawing/2014/main" val="4156879764"/>
+                    <a16:rowId xmlns:a16="http://schemas.microsoft.com/office/drawing/2014/main" xmlns="" val="4156879764"/>
                   </a:ext>
                 </a:extLst>
               </a:tr>
@@ -32754,7 +32747,7 @@
                 </a:tc>
                 <a:extLst>
                   <a:ext uri="{0D108BD9-81ED-4DB2-BD59-A6C34878D82A}">
-                    <a16:rowId xmlns:a16="http://schemas.microsoft.com/office/drawing/2014/main" val="882800095"/>
+                    <a16:rowId xmlns:a16="http://schemas.microsoft.com/office/drawing/2014/main" xmlns="" val="882800095"/>
                   </a:ext>
                 </a:extLst>
               </a:tr>
@@ -32857,7 +32850,7 @@
                 </a:tc>
                 <a:extLst>
                   <a:ext uri="{0D108BD9-81ED-4DB2-BD59-A6C34878D82A}">
-                    <a16:rowId xmlns:a16="http://schemas.microsoft.com/office/drawing/2014/main" val="41618416"/>
+                    <a16:rowId xmlns:a16="http://schemas.microsoft.com/office/drawing/2014/main" xmlns="" val="41618416"/>
                   </a:ext>
                 </a:extLst>
               </a:tr>
@@ -32960,7 +32953,7 @@
                 </a:tc>
                 <a:extLst>
                   <a:ext uri="{0D108BD9-81ED-4DB2-BD59-A6C34878D82A}">
-                    <a16:rowId xmlns:a16="http://schemas.microsoft.com/office/drawing/2014/main" val="3480712033"/>
+                    <a16:rowId xmlns:a16="http://schemas.microsoft.com/office/drawing/2014/main" xmlns="" val="3480712033"/>
                   </a:ext>
                 </a:extLst>
               </a:tr>
@@ -32996,28 +32989,28 @@
                 <a:gridCol w="951978">
                   <a:extLst>
                     <a:ext uri="{9D8B030D-6E8A-4147-A177-3AD203B41FA5}">
-                      <a16:colId xmlns:a16="http://schemas.microsoft.com/office/drawing/2014/main" val="3192777014"/>
+                      <a16:colId xmlns:a16="http://schemas.microsoft.com/office/drawing/2014/main" xmlns="" val="3192777014"/>
                     </a:ext>
                   </a:extLst>
                 </a:gridCol>
                 <a:gridCol w="1659698">
                   <a:extLst>
                     <a:ext uri="{9D8B030D-6E8A-4147-A177-3AD203B41FA5}">
-                      <a16:colId xmlns:a16="http://schemas.microsoft.com/office/drawing/2014/main" val="3117957848"/>
+                      <a16:colId xmlns:a16="http://schemas.microsoft.com/office/drawing/2014/main" xmlns="" val="3117957848"/>
                     </a:ext>
                   </a:extLst>
                 </a:gridCol>
                 <a:gridCol w="1305838">
                   <a:extLst>
                     <a:ext uri="{9D8B030D-6E8A-4147-A177-3AD203B41FA5}">
-                      <a16:colId xmlns:a16="http://schemas.microsoft.com/office/drawing/2014/main" val="2149430274"/>
+                      <a16:colId xmlns:a16="http://schemas.microsoft.com/office/drawing/2014/main" xmlns="" val="2149430274"/>
                     </a:ext>
                   </a:extLst>
                 </a:gridCol>
                 <a:gridCol w="1305838">
                   <a:extLst>
                     <a:ext uri="{9D8B030D-6E8A-4147-A177-3AD203B41FA5}">
-                      <a16:colId xmlns:a16="http://schemas.microsoft.com/office/drawing/2014/main" val="28558359"/>
+                      <a16:colId xmlns:a16="http://schemas.microsoft.com/office/drawing/2014/main" xmlns="" val="28558359"/>
                     </a:ext>
                   </a:extLst>
                 </a:gridCol>
@@ -33121,7 +33114,7 @@
                 </a:tc>
                 <a:extLst>
                   <a:ext uri="{0D108BD9-81ED-4DB2-BD59-A6C34878D82A}">
-                    <a16:rowId xmlns:a16="http://schemas.microsoft.com/office/drawing/2014/main" val="1686343781"/>
+                    <a16:rowId xmlns:a16="http://schemas.microsoft.com/office/drawing/2014/main" xmlns="" val="1686343781"/>
                   </a:ext>
                 </a:extLst>
               </a:tr>
@@ -33224,7 +33217,7 @@
                 </a:tc>
                 <a:extLst>
                   <a:ext uri="{0D108BD9-81ED-4DB2-BD59-A6C34878D82A}">
-                    <a16:rowId xmlns:a16="http://schemas.microsoft.com/office/drawing/2014/main" val="1109610062"/>
+                    <a16:rowId xmlns:a16="http://schemas.microsoft.com/office/drawing/2014/main" xmlns="" val="1109610062"/>
                   </a:ext>
                 </a:extLst>
               </a:tr>
@@ -33327,7 +33320,7 @@
                 </a:tc>
                 <a:extLst>
                   <a:ext uri="{0D108BD9-81ED-4DB2-BD59-A6C34878D82A}">
-                    <a16:rowId xmlns:a16="http://schemas.microsoft.com/office/drawing/2014/main" val="1415310624"/>
+                    <a16:rowId xmlns:a16="http://schemas.microsoft.com/office/drawing/2014/main" xmlns="" val="1415310624"/>
                   </a:ext>
                 </a:extLst>
               </a:tr>
@@ -33430,7 +33423,7 @@
                 </a:tc>
                 <a:extLst>
                   <a:ext uri="{0D108BD9-81ED-4DB2-BD59-A6C34878D82A}">
-                    <a16:rowId xmlns:a16="http://schemas.microsoft.com/office/drawing/2014/main" val="1229113680"/>
+                    <a16:rowId xmlns:a16="http://schemas.microsoft.com/office/drawing/2014/main" xmlns="" val="1229113680"/>
                   </a:ext>
                 </a:extLst>
               </a:tr>
@@ -33533,7 +33526,7 @@
                 </a:tc>
                 <a:extLst>
                   <a:ext uri="{0D108BD9-81ED-4DB2-BD59-A6C34878D82A}">
-                    <a16:rowId xmlns:a16="http://schemas.microsoft.com/office/drawing/2014/main" val="2118112253"/>
+                    <a16:rowId xmlns:a16="http://schemas.microsoft.com/office/drawing/2014/main" xmlns="" val="2118112253"/>
                   </a:ext>
                 </a:extLst>
               </a:tr>
@@ -33636,7 +33629,7 @@
                 </a:tc>
                 <a:extLst>
                   <a:ext uri="{0D108BD9-81ED-4DB2-BD59-A6C34878D82A}">
-                    <a16:rowId xmlns:a16="http://schemas.microsoft.com/office/drawing/2014/main" val="3717161208"/>
+                    <a16:rowId xmlns:a16="http://schemas.microsoft.com/office/drawing/2014/main" xmlns="" val="3717161208"/>
                   </a:ext>
                 </a:extLst>
               </a:tr>
@@ -33739,7 +33732,7 @@
                 </a:tc>
                 <a:extLst>
                   <a:ext uri="{0D108BD9-81ED-4DB2-BD59-A6C34878D82A}">
-                    <a16:rowId xmlns:a16="http://schemas.microsoft.com/office/drawing/2014/main" val="3143699921"/>
+                    <a16:rowId xmlns:a16="http://schemas.microsoft.com/office/drawing/2014/main" xmlns="" val="3143699921"/>
                   </a:ext>
                 </a:extLst>
               </a:tr>
@@ -33775,28 +33768,28 @@
                 <a:gridCol w="1002084">
                   <a:extLst>
                     <a:ext uri="{9D8B030D-6E8A-4147-A177-3AD203B41FA5}">
-                      <a16:colId xmlns:a16="http://schemas.microsoft.com/office/drawing/2014/main" val="3636479516"/>
+                      <a16:colId xmlns:a16="http://schemas.microsoft.com/office/drawing/2014/main" xmlns="" val="3636479516"/>
                     </a:ext>
                   </a:extLst>
                 </a:gridCol>
                 <a:gridCol w="1609594">
                   <a:extLst>
                     <a:ext uri="{9D8B030D-6E8A-4147-A177-3AD203B41FA5}">
-                      <a16:colId xmlns:a16="http://schemas.microsoft.com/office/drawing/2014/main" val="3930696928"/>
+                      <a16:colId xmlns:a16="http://schemas.microsoft.com/office/drawing/2014/main" xmlns="" val="3930696928"/>
                     </a:ext>
                   </a:extLst>
                 </a:gridCol>
                 <a:gridCol w="1305839">
                   <a:extLst>
                     <a:ext uri="{9D8B030D-6E8A-4147-A177-3AD203B41FA5}">
-                      <a16:colId xmlns:a16="http://schemas.microsoft.com/office/drawing/2014/main" val="2526604358"/>
+                      <a16:colId xmlns:a16="http://schemas.microsoft.com/office/drawing/2014/main" xmlns="" val="2526604358"/>
                     </a:ext>
                   </a:extLst>
                 </a:gridCol>
                 <a:gridCol w="1305839">
                   <a:extLst>
                     <a:ext uri="{9D8B030D-6E8A-4147-A177-3AD203B41FA5}">
-                      <a16:colId xmlns:a16="http://schemas.microsoft.com/office/drawing/2014/main" val="1594522424"/>
+                      <a16:colId xmlns:a16="http://schemas.microsoft.com/office/drawing/2014/main" xmlns="" val="1594522424"/>
                     </a:ext>
                   </a:extLst>
                 </a:gridCol>
@@ -33900,7 +33893,7 @@
                 </a:tc>
                 <a:extLst>
                   <a:ext uri="{0D108BD9-81ED-4DB2-BD59-A6C34878D82A}">
-                    <a16:rowId xmlns:a16="http://schemas.microsoft.com/office/drawing/2014/main" val="3304543187"/>
+                    <a16:rowId xmlns:a16="http://schemas.microsoft.com/office/drawing/2014/main" xmlns="" val="3304543187"/>
                   </a:ext>
                 </a:extLst>
               </a:tr>
@@ -34003,7 +33996,7 @@
                 </a:tc>
                 <a:extLst>
                   <a:ext uri="{0D108BD9-81ED-4DB2-BD59-A6C34878D82A}">
-                    <a16:rowId xmlns:a16="http://schemas.microsoft.com/office/drawing/2014/main" val="339650769"/>
+                    <a16:rowId xmlns:a16="http://schemas.microsoft.com/office/drawing/2014/main" xmlns="" val="339650769"/>
                   </a:ext>
                 </a:extLst>
               </a:tr>
@@ -34106,7 +34099,7 @@
                 </a:tc>
                 <a:extLst>
                   <a:ext uri="{0D108BD9-81ED-4DB2-BD59-A6C34878D82A}">
-                    <a16:rowId xmlns:a16="http://schemas.microsoft.com/office/drawing/2014/main" val="397434290"/>
+                    <a16:rowId xmlns:a16="http://schemas.microsoft.com/office/drawing/2014/main" xmlns="" val="397434290"/>
                   </a:ext>
                 </a:extLst>
               </a:tr>
@@ -34209,7 +34202,7 @@
                 </a:tc>
                 <a:extLst>
                   <a:ext uri="{0D108BD9-81ED-4DB2-BD59-A6C34878D82A}">
-                    <a16:rowId xmlns:a16="http://schemas.microsoft.com/office/drawing/2014/main" val="3012960520"/>
+                    <a16:rowId xmlns:a16="http://schemas.microsoft.com/office/drawing/2014/main" xmlns="" val="3012960520"/>
                   </a:ext>
                 </a:extLst>
               </a:tr>
@@ -34312,7 +34305,7 @@
                 </a:tc>
                 <a:extLst>
                   <a:ext uri="{0D108BD9-81ED-4DB2-BD59-A6C34878D82A}">
-                    <a16:rowId xmlns:a16="http://schemas.microsoft.com/office/drawing/2014/main" val="2002486224"/>
+                    <a16:rowId xmlns:a16="http://schemas.microsoft.com/office/drawing/2014/main" xmlns="" val="2002486224"/>
                   </a:ext>
                 </a:extLst>
               </a:tr>
@@ -34415,7 +34408,7 @@
                 </a:tc>
                 <a:extLst>
                   <a:ext uri="{0D108BD9-81ED-4DB2-BD59-A6C34878D82A}">
-                    <a16:rowId xmlns:a16="http://schemas.microsoft.com/office/drawing/2014/main" val="4250193819"/>
+                    <a16:rowId xmlns:a16="http://schemas.microsoft.com/office/drawing/2014/main" xmlns="" val="4250193819"/>
                   </a:ext>
                 </a:extLst>
               </a:tr>
@@ -34518,7 +34511,7 @@
                 </a:tc>
                 <a:extLst>
                   <a:ext uri="{0D108BD9-81ED-4DB2-BD59-A6C34878D82A}">
-                    <a16:rowId xmlns:a16="http://schemas.microsoft.com/office/drawing/2014/main" val="2130454778"/>
+                    <a16:rowId xmlns:a16="http://schemas.microsoft.com/office/drawing/2014/main" xmlns="" val="2130454778"/>
                   </a:ext>
                 </a:extLst>
               </a:tr>
@@ -36042,14 +36035,7 @@
                 <a:latin typeface="Book Antiqua" panose="02040602050305030304" pitchFamily="18" charset="0"/>
                 <a:ea typeface="標楷體" panose="03000509000000000000" pitchFamily="65" charset="-120"/>
               </a:rPr>
-              <a:t>最差，持有期間不論長短皆為負報酬</a:t>
-            </a:r>
-            <a:r>
-              <a:rPr lang="zh-TW" altLang="en-US" dirty="0" smtClean="0">
-                <a:latin typeface="Book Antiqua" panose="02040602050305030304" pitchFamily="18" charset="0"/>
-                <a:ea typeface="標楷體" panose="03000509000000000000" pitchFamily="65" charset="-120"/>
-              </a:rPr>
-              <a:t>，。</a:t>
+              <a:t>最差，持有期間不論長短皆為負報酬，。</a:t>
             </a:r>
             <a:endParaRPr lang="en-US" altLang="zh-TW" dirty="0" smtClean="0">
               <a:latin typeface="Book Antiqua" panose="02040602050305030304" pitchFamily="18" charset="0"/>
@@ -38748,140 +38734,63 @@
                 <a:latin typeface="Book Antiqua" panose="02040602050305030304" pitchFamily="18" charset="0"/>
                 <a:ea typeface="標楷體" panose="03000509000000000000" pitchFamily="65" charset="-120"/>
               </a:rPr>
-              <a:t>回</a:t>
+              <a:t>回測期間愈長如</a:t>
+            </a:r>
+            <a:r>
+              <a:rPr lang="en-US" altLang="zh-TW" sz="2200" dirty="0" smtClean="0">
+                <a:latin typeface="Book Antiqua" panose="02040602050305030304" pitchFamily="18" charset="0"/>
+                <a:ea typeface="標楷體" panose="03000509000000000000" pitchFamily="65" charset="-120"/>
+              </a:rPr>
+              <a:t>12</a:t>
             </a:r>
             <a:r>
               <a:rPr lang="zh-TW" altLang="en-US" sz="2200" dirty="0" smtClean="0">
                 <a:latin typeface="Book Antiqua" panose="02040602050305030304" pitchFamily="18" charset="0"/>
                 <a:ea typeface="標楷體" panose="03000509000000000000" pitchFamily="65" charset="-120"/>
               </a:rPr>
-              <a:t>測</a:t>
+              <a:t>個月，所篩出的強勢股與指數配對表現愈差，推測是強勢股持續強勢期約一年，所以若回測期</a:t>
+            </a:r>
+            <a:r>
+              <a:rPr lang="en-US" altLang="zh-TW" sz="2200" dirty="0" smtClean="0">
+                <a:latin typeface="Book Antiqua" panose="02040602050305030304" pitchFamily="18" charset="0"/>
+                <a:ea typeface="標楷體" panose="03000509000000000000" pitchFamily="65" charset="-120"/>
+              </a:rPr>
+              <a:t>12</a:t>
             </a:r>
             <a:r>
               <a:rPr lang="zh-TW" altLang="en-US" sz="2200" dirty="0" smtClean="0">
                 <a:latin typeface="Book Antiqua" panose="02040602050305030304" pitchFamily="18" charset="0"/>
                 <a:ea typeface="標楷體" panose="03000509000000000000" pitchFamily="65" charset="-120"/>
               </a:rPr>
-              <a:t>期間愈長</a:t>
+              <a:t>個月，容易在持有</a:t>
+            </a:r>
+            <a:r>
+              <a:rPr lang="zh-TW" altLang="en-US" sz="2200" dirty="0">
+                <a:latin typeface="Book Antiqua" panose="02040602050305030304" pitchFamily="18" charset="0"/>
+                <a:ea typeface="標楷體" panose="03000509000000000000" pitchFamily="65" charset="-120"/>
+              </a:rPr>
+              <a:t>期間</a:t>
             </a:r>
             <a:r>
               <a:rPr lang="zh-TW" altLang="en-US" sz="2200" dirty="0" smtClean="0">
                 <a:latin typeface="Book Antiqua" panose="02040602050305030304" pitchFamily="18" charset="0"/>
                 <a:ea typeface="標楷體" panose="03000509000000000000" pitchFamily="65" charset="-120"/>
               </a:rPr>
-              <a:t>如</a:t>
+              <a:t>反轉向下，導致投資組合績效不佳，回測過去</a:t>
             </a:r>
             <a:r>
               <a:rPr lang="en-US" altLang="zh-TW" sz="2200" dirty="0" smtClean="0">
                 <a:latin typeface="Book Antiqua" panose="02040602050305030304" pitchFamily="18" charset="0"/>
                 <a:ea typeface="標楷體" panose="03000509000000000000" pitchFamily="65" charset="-120"/>
               </a:rPr>
-              <a:t>12</a:t>
+              <a:t>6</a:t>
             </a:r>
             <a:r>
               <a:rPr lang="zh-TW" altLang="en-US" sz="2200" dirty="0" smtClean="0">
                 <a:latin typeface="Book Antiqua" panose="02040602050305030304" pitchFamily="18" charset="0"/>
                 <a:ea typeface="標楷體" panose="03000509000000000000" pitchFamily="65" charset="-120"/>
               </a:rPr>
-              <a:t>個月，所篩出的強勢</a:t>
-            </a:r>
-            <a:r>
-              <a:rPr lang="zh-TW" altLang="en-US" sz="2200" dirty="0" smtClean="0">
-                <a:latin typeface="Book Antiqua" panose="02040602050305030304" pitchFamily="18" charset="0"/>
-                <a:ea typeface="標楷體" panose="03000509000000000000" pitchFamily="65" charset="-120"/>
-              </a:rPr>
-              <a:t>股與指數配對表現愈差，推測是強勢股持續強勢期約一年，所以若回測期</a:t>
-            </a:r>
-            <a:r>
-              <a:rPr lang="en-US" altLang="zh-TW" sz="2200" dirty="0" smtClean="0">
-                <a:latin typeface="Book Antiqua" panose="02040602050305030304" pitchFamily="18" charset="0"/>
-                <a:ea typeface="標楷體" panose="03000509000000000000" pitchFamily="65" charset="-120"/>
-              </a:rPr>
-              <a:t>12</a:t>
-            </a:r>
-            <a:r>
-              <a:rPr lang="zh-TW" altLang="en-US" sz="2200" dirty="0" smtClean="0">
-                <a:latin typeface="Book Antiqua" panose="02040602050305030304" pitchFamily="18" charset="0"/>
-                <a:ea typeface="標楷體" panose="03000509000000000000" pitchFamily="65" charset="-120"/>
-              </a:rPr>
-              <a:t>個月，容易</a:t>
-            </a:r>
-            <a:r>
-              <a:rPr lang="zh-TW" altLang="en-US" sz="2200" dirty="0" smtClean="0">
-                <a:latin typeface="Book Antiqua" panose="02040602050305030304" pitchFamily="18" charset="0"/>
-                <a:ea typeface="標楷體" panose="03000509000000000000" pitchFamily="65" charset="-120"/>
-              </a:rPr>
-              <a:t>在持有</a:t>
-            </a:r>
-            <a:r>
-              <a:rPr lang="zh-TW" altLang="en-US" sz="2200" dirty="0">
-                <a:latin typeface="Book Antiqua" panose="02040602050305030304" pitchFamily="18" charset="0"/>
-                <a:ea typeface="標楷體" panose="03000509000000000000" pitchFamily="65" charset="-120"/>
-              </a:rPr>
-              <a:t>期間</a:t>
-            </a:r>
-            <a:r>
-              <a:rPr lang="zh-TW" altLang="en-US" sz="2200" dirty="0" smtClean="0">
-                <a:latin typeface="Book Antiqua" panose="02040602050305030304" pitchFamily="18" charset="0"/>
-                <a:ea typeface="標楷體" panose="03000509000000000000" pitchFamily="65" charset="-120"/>
-              </a:rPr>
-              <a:t>反轉</a:t>
-            </a:r>
-            <a:r>
-              <a:rPr lang="zh-TW" altLang="en-US" sz="2200" dirty="0" smtClean="0">
-                <a:latin typeface="Book Antiqua" panose="02040602050305030304" pitchFamily="18" charset="0"/>
-                <a:ea typeface="標楷體" panose="03000509000000000000" pitchFamily="65" charset="-120"/>
-              </a:rPr>
-              <a:t>向下</a:t>
-            </a:r>
-            <a:r>
-              <a:rPr lang="zh-TW" altLang="en-US" sz="2200" dirty="0" smtClean="0">
-                <a:latin typeface="Book Antiqua" panose="02040602050305030304" pitchFamily="18" charset="0"/>
-                <a:ea typeface="標楷體" panose="03000509000000000000" pitchFamily="65" charset="-120"/>
-              </a:rPr>
-              <a:t>，導致投資組合績效不佳，回</a:t>
-            </a:r>
-            <a:r>
-              <a:rPr lang="zh-TW" altLang="en-US" sz="2200" dirty="0" smtClean="0">
-                <a:latin typeface="Book Antiqua" panose="02040602050305030304" pitchFamily="18" charset="0"/>
-                <a:ea typeface="標楷體" panose="03000509000000000000" pitchFamily="65" charset="-120"/>
-              </a:rPr>
-              <a:t>測過去</a:t>
-            </a:r>
-            <a:r>
-              <a:rPr lang="en-US" altLang="zh-TW" sz="2200" dirty="0" smtClean="0">
-                <a:latin typeface="Book Antiqua" panose="02040602050305030304" pitchFamily="18" charset="0"/>
-                <a:ea typeface="標楷體" panose="03000509000000000000" pitchFamily="65" charset="-120"/>
-              </a:rPr>
-              <a:t>6</a:t>
-            </a:r>
-            <a:r>
-              <a:rPr lang="zh-TW" altLang="en-US" sz="2200" dirty="0" smtClean="0">
-                <a:latin typeface="Book Antiqua" panose="02040602050305030304" pitchFamily="18" charset="0"/>
-                <a:ea typeface="標楷體" panose="03000509000000000000" pitchFamily="65" charset="-120"/>
-              </a:rPr>
-              <a:t>個月所篩出的強勢</a:t>
-            </a:r>
-            <a:r>
-              <a:rPr lang="zh-TW" altLang="en-US" sz="2200" dirty="0" smtClean="0">
-                <a:latin typeface="Book Antiqua" panose="02040602050305030304" pitchFamily="18" charset="0"/>
-                <a:ea typeface="標楷體" panose="03000509000000000000" pitchFamily="65" charset="-120"/>
-              </a:rPr>
-              <a:t>股在接下來的表現</a:t>
-            </a:r>
-            <a:r>
-              <a:rPr lang="zh-TW" altLang="en-US" sz="2200" dirty="0" smtClean="0">
-                <a:latin typeface="Book Antiqua" panose="02040602050305030304" pitchFamily="18" charset="0"/>
-                <a:ea typeface="標楷體" panose="03000509000000000000" pitchFamily="65" charset="-120"/>
-              </a:rPr>
-              <a:t>較佳</a:t>
-            </a:r>
-            <a:r>
-              <a:rPr lang="zh-TW" altLang="en-US" sz="2200" dirty="0" smtClean="0">
-                <a:latin typeface="Book Antiqua" panose="02040602050305030304" pitchFamily="18" charset="0"/>
-                <a:ea typeface="標楷體" panose="03000509000000000000" pitchFamily="65" charset="-120"/>
-              </a:rPr>
-              <a:t>。</a:t>
+              <a:t>個月所篩出的強勢股在接下來的表現較佳。</a:t>
             </a:r>
             <a:endParaRPr lang="en-US" altLang="zh-TW" sz="2200" dirty="0">
               <a:latin typeface="Book Antiqua" panose="02040602050305030304" pitchFamily="18" charset="0"/>
@@ -38898,28 +38807,35 @@
                 <a:latin typeface="Book Antiqua" panose="02040602050305030304" pitchFamily="18" charset="0"/>
                 <a:ea typeface="標楷體" panose="03000509000000000000" pitchFamily="65" charset="-120"/>
               </a:rPr>
-              <a:t>第</a:t>
+              <a:t>第二層篩選月份落在</a:t>
+            </a:r>
+            <a:r>
+              <a:rPr lang="en-US" altLang="zh-TW" sz="2200" dirty="0" smtClean="0">
+                <a:latin typeface="Book Antiqua" panose="02040602050305030304" pitchFamily="18" charset="0"/>
+                <a:ea typeface="標楷體" panose="03000509000000000000" pitchFamily="65" charset="-120"/>
+              </a:rPr>
+              <a:t>1</a:t>
             </a:r>
             <a:r>
               <a:rPr lang="zh-TW" altLang="en-US" sz="2200" dirty="0" smtClean="0">
                 <a:latin typeface="Book Antiqua" panose="02040602050305030304" pitchFamily="18" charset="0"/>
                 <a:ea typeface="標楷體" panose="03000509000000000000" pitchFamily="65" charset="-120"/>
               </a:rPr>
-              <a:t>二層篩選月份落在</a:t>
+              <a:t>月與</a:t>
             </a:r>
             <a:r>
               <a:rPr lang="en-US" altLang="zh-TW" sz="2200" dirty="0" smtClean="0">
                 <a:latin typeface="Book Antiqua" panose="02040602050305030304" pitchFamily="18" charset="0"/>
                 <a:ea typeface="標楷體" panose="03000509000000000000" pitchFamily="65" charset="-120"/>
               </a:rPr>
-              <a:t>1</a:t>
+              <a:t>12</a:t>
             </a:r>
             <a:r>
               <a:rPr lang="zh-TW" altLang="en-US" sz="2200" dirty="0" smtClean="0">
                 <a:latin typeface="Book Antiqua" panose="02040602050305030304" pitchFamily="18" charset="0"/>
                 <a:ea typeface="標楷體" panose="03000509000000000000" pitchFamily="65" charset="-120"/>
               </a:rPr>
-              <a:t>月與</a:t>
+              <a:t>月的投資組合表現較佳，推測因</a:t>
             </a:r>
             <a:r>
               <a:rPr lang="en-US" altLang="zh-TW" sz="2200" dirty="0" smtClean="0">
@@ -38933,56 +38849,21 @@
                 <a:latin typeface="Book Antiqua" panose="02040602050305030304" pitchFamily="18" charset="0"/>
                 <a:ea typeface="標楷體" panose="03000509000000000000" pitchFamily="65" charset="-120"/>
               </a:rPr>
-              <a:t>月的投資組合表現較佳，推測因</a:t>
+              <a:t>月份與</a:t>
             </a:r>
             <a:r>
               <a:rPr lang="en-US" altLang="zh-TW" sz="2200" dirty="0" smtClean="0">
                 <a:latin typeface="Book Antiqua" panose="02040602050305030304" pitchFamily="18" charset="0"/>
                 <a:ea typeface="標楷體" panose="03000509000000000000" pitchFamily="65" charset="-120"/>
               </a:rPr>
-              <a:t>12</a:t>
+              <a:t>1</a:t>
             </a:r>
             <a:r>
               <a:rPr lang="zh-TW" altLang="en-US" sz="2200" dirty="0" smtClean="0">
                 <a:latin typeface="Book Antiqua" panose="02040602050305030304" pitchFamily="18" charset="0"/>
                 <a:ea typeface="標楷體" panose="03000509000000000000" pitchFamily="65" charset="-120"/>
               </a:rPr>
-              <a:t>月份與</a:t>
-            </a:r>
-            <a:r>
-              <a:rPr lang="en-US" altLang="zh-TW" sz="2200" dirty="0" smtClean="0">
-                <a:latin typeface="Book Antiqua" panose="02040602050305030304" pitchFamily="18" charset="0"/>
-                <a:ea typeface="標楷體" panose="03000509000000000000" pitchFamily="65" charset="-120"/>
-              </a:rPr>
-              <a:t>1</a:t>
-            </a:r>
-            <a:r>
-              <a:rPr lang="zh-TW" altLang="en-US" sz="2200" dirty="0" smtClean="0">
-                <a:latin typeface="Book Antiqua" panose="02040602050305030304" pitchFamily="18" charset="0"/>
-                <a:ea typeface="標楷體" panose="03000509000000000000" pitchFamily="65" charset="-120"/>
-              </a:rPr>
-              <a:t>月份小型股會較活躍，而被篩選出的個股有可能就是新的</a:t>
-            </a:r>
-            <a:r>
-              <a:rPr lang="zh-TW" altLang="en-US" sz="2200" dirty="0" smtClean="0">
-                <a:latin typeface="Book Antiqua" panose="02040602050305030304" pitchFamily="18" charset="0"/>
-                <a:ea typeface="標楷體" panose="03000509000000000000" pitchFamily="65" charset="-120"/>
-              </a:rPr>
-              <a:t>一年將</a:t>
-            </a:r>
-            <a:r>
-              <a:rPr lang="zh-TW" altLang="en-US" sz="2200" dirty="0" smtClean="0">
-                <a:latin typeface="Book Antiqua" panose="02040602050305030304" pitchFamily="18" charset="0"/>
-                <a:ea typeface="標楷體" panose="03000509000000000000" pitchFamily="65" charset="-120"/>
-              </a:rPr>
-              <a:t>表現較佳的個股</a:t>
-            </a:r>
-            <a:r>
-              <a:rPr lang="zh-TW" altLang="en-US" sz="2200" dirty="0" smtClean="0">
-                <a:latin typeface="Book Antiqua" panose="02040602050305030304" pitchFamily="18" charset="0"/>
-                <a:ea typeface="標楷體" panose="03000509000000000000" pitchFamily="65" charset="-120"/>
-              </a:rPr>
-              <a:t>。</a:t>
+              <a:t>月份小型股會較活躍，而被篩選出的個股有可能就是新的一年將表現較佳的個股。</a:t>
             </a:r>
             <a:endParaRPr lang="en-US" altLang="zh-TW" sz="2200" dirty="0" smtClean="0">
               <a:latin typeface="Book Antiqua" panose="02040602050305030304" pitchFamily="18" charset="0"/>
@@ -39097,7 +38978,21 @@
                 <a:latin typeface="Book Antiqua" panose="02040602050305030304" pitchFamily="18" charset="0"/>
                 <a:ea typeface="標楷體" panose="03000509000000000000" pitchFamily="65" charset="-120"/>
               </a:rPr>
-              <a:t>檔個股組合表現較佳，推測愈強勢個股表現反轉愈早，所以回測期間不能太長。</a:t>
+              <a:t>檔個股組合表現較佳，推測愈強勢個股表現反轉愈早，所以回</a:t>
+            </a:r>
+            <a:r>
+              <a:rPr lang="zh-TW" altLang="en-US" sz="2200" smtClean="0">
+                <a:latin typeface="Book Antiqua" panose="02040602050305030304" pitchFamily="18" charset="0"/>
+                <a:ea typeface="標楷體" panose="03000509000000000000" pitchFamily="65" charset="-120"/>
+              </a:rPr>
+              <a:t>測</a:t>
+            </a:r>
+            <a:r>
+              <a:rPr lang="zh-TW" altLang="en-US" sz="2200" smtClean="0">
+                <a:latin typeface="Book Antiqua" panose="02040602050305030304" pitchFamily="18" charset="0"/>
+                <a:ea typeface="標楷體" panose="03000509000000000000" pitchFamily="65" charset="-120"/>
+              </a:rPr>
+              <a:t>期間不能太長。</a:t>
             </a:r>
             <a:endParaRPr lang="en-US" altLang="zh-TW" sz="2200" dirty="0">
               <a:latin typeface="Book Antiqua" panose="02040602050305030304" pitchFamily="18" charset="0"/>
@@ -39114,84 +39009,42 @@
                 <a:latin typeface="Book Antiqua" panose="02040602050305030304" pitchFamily="18" charset="0"/>
                 <a:ea typeface="標楷體" panose="03000509000000000000" pitchFamily="65" charset="-120"/>
               </a:rPr>
-              <a:t>此策略在</a:t>
+              <a:t>此策略在金融海嘯前約一年表現較差，推測與股市崩盤前資金會先撤出中小型強勢股，而權值股相對較慢撤出有關，所以買強勢股</a:t>
+            </a:r>
+            <a:r>
+              <a:rPr lang="en-US" altLang="zh-TW" sz="2200" dirty="0" smtClean="0">
+                <a:latin typeface="Book Antiqua" panose="02040602050305030304" pitchFamily="18" charset="0"/>
+                <a:ea typeface="標楷體" panose="03000509000000000000" pitchFamily="65" charset="-120"/>
+              </a:rPr>
+              <a:t>&amp;</a:t>
             </a:r>
             <a:r>
               <a:rPr lang="zh-TW" altLang="en-US" sz="2200" dirty="0" smtClean="0">
                 <a:latin typeface="Book Antiqua" panose="02040602050305030304" pitchFamily="18" charset="0"/>
                 <a:ea typeface="標楷體" panose="03000509000000000000" pitchFamily="65" charset="-120"/>
               </a:rPr>
-              <a:t>金融海嘯前約一年表現較差，</a:t>
+              <a:t>空台指</a:t>
+            </a:r>
+            <a:r>
+              <a:rPr lang="en-US" altLang="zh-TW" sz="2200" dirty="0">
+                <a:latin typeface="Book Antiqua" panose="02040602050305030304" pitchFamily="18" charset="0"/>
+                <a:ea typeface="標楷體" panose="03000509000000000000" pitchFamily="65" charset="-120"/>
+              </a:rPr>
+              <a:t>/</a:t>
+            </a:r>
+            <a:r>
+              <a:rPr lang="en-US" altLang="zh-TW" sz="2200" dirty="0" smtClean="0">
+                <a:latin typeface="Book Antiqua" panose="02040602050305030304" pitchFamily="18" charset="0"/>
+                <a:ea typeface="標楷體" panose="03000509000000000000" pitchFamily="65" charset="-120"/>
+              </a:rPr>
+              <a:t>0050</a:t>
             </a:r>
             <a:r>
               <a:rPr lang="zh-TW" altLang="en-US" sz="2200" dirty="0" smtClean="0">
                 <a:latin typeface="Book Antiqua" panose="02040602050305030304" pitchFamily="18" charset="0"/>
                 <a:ea typeface="標楷體" panose="03000509000000000000" pitchFamily="65" charset="-120"/>
               </a:rPr>
-              <a:t>推測與股市</a:t>
-            </a:r>
-            <a:r>
-              <a:rPr lang="zh-TW" altLang="en-US" sz="2200" dirty="0" smtClean="0">
-                <a:latin typeface="Book Antiqua" panose="02040602050305030304" pitchFamily="18" charset="0"/>
-                <a:ea typeface="標楷體" panose="03000509000000000000" pitchFamily="65" charset="-120"/>
-              </a:rPr>
-              <a:t>崩盤前資金會</a:t>
-            </a:r>
-            <a:r>
-              <a:rPr lang="zh-TW" altLang="en-US" sz="2200" dirty="0" smtClean="0">
-                <a:latin typeface="Book Antiqua" panose="02040602050305030304" pitchFamily="18" charset="0"/>
-                <a:ea typeface="標楷體" panose="03000509000000000000" pitchFamily="65" charset="-120"/>
-              </a:rPr>
-              <a:t>先撤出</a:t>
-            </a:r>
-            <a:r>
-              <a:rPr lang="zh-TW" altLang="en-US" sz="2200" dirty="0" smtClean="0">
-                <a:latin typeface="Book Antiqua" panose="02040602050305030304" pitchFamily="18" charset="0"/>
-                <a:ea typeface="標楷體" panose="03000509000000000000" pitchFamily="65" charset="-120"/>
-              </a:rPr>
-              <a:t>中小型強勢股，而權值股相對較慢撤出有關，所以買強勢股</a:t>
-            </a:r>
-            <a:r>
-              <a:rPr lang="en-US" altLang="zh-TW" sz="2200" dirty="0" smtClean="0">
-                <a:latin typeface="Book Antiqua" panose="02040602050305030304" pitchFamily="18" charset="0"/>
-                <a:ea typeface="標楷體" panose="03000509000000000000" pitchFamily="65" charset="-120"/>
-              </a:rPr>
-              <a:t>&amp;</a:t>
-            </a:r>
-            <a:r>
-              <a:rPr lang="zh-TW" altLang="en-US" sz="2200" dirty="0" smtClean="0">
-                <a:latin typeface="Book Antiqua" panose="02040602050305030304" pitchFamily="18" charset="0"/>
-                <a:ea typeface="標楷體" panose="03000509000000000000" pitchFamily="65" charset="-120"/>
-              </a:rPr>
-              <a:t>空台指</a:t>
-            </a:r>
-            <a:r>
-              <a:rPr lang="en-US" altLang="zh-TW" sz="2200" dirty="0">
-                <a:latin typeface="Book Antiqua" panose="02040602050305030304" pitchFamily="18" charset="0"/>
-                <a:ea typeface="標楷體" panose="03000509000000000000" pitchFamily="65" charset="-120"/>
-              </a:rPr>
-              <a:t>/</a:t>
-            </a:r>
-            <a:r>
-              <a:rPr lang="en-US" altLang="zh-TW" sz="2200" dirty="0" smtClean="0">
-                <a:latin typeface="Book Antiqua" panose="02040602050305030304" pitchFamily="18" charset="0"/>
-                <a:ea typeface="標楷體" panose="03000509000000000000" pitchFamily="65" charset="-120"/>
-              </a:rPr>
-              <a:t>0050</a:t>
-            </a:r>
-            <a:r>
-              <a:rPr lang="zh-TW" altLang="en-US" sz="2200" dirty="0" smtClean="0">
-                <a:latin typeface="Book Antiqua" panose="02040602050305030304" pitchFamily="18" charset="0"/>
-                <a:ea typeface="標楷體" panose="03000509000000000000" pitchFamily="65" charset="-120"/>
-              </a:rPr>
-              <a:t>出現負報酬</a:t>
-            </a:r>
-            <a:r>
-              <a:rPr lang="zh-TW" altLang="en-US" sz="2200" dirty="0" smtClean="0">
-                <a:latin typeface="Book Antiqua" panose="02040602050305030304" pitchFamily="18" charset="0"/>
-                <a:ea typeface="標楷體" panose="03000509000000000000" pitchFamily="65" charset="-120"/>
-              </a:rPr>
-              <a:t>。</a:t>
+              <a:t>出現負報酬。</a:t>
             </a:r>
             <a:r>
               <a:rPr lang="en-US" altLang="zh-TW" sz="2200" dirty="0" smtClean="0">
@@ -39229,91 +39082,77 @@
                 <a:latin typeface="Book Antiqua" panose="02040602050305030304" pitchFamily="18" charset="0"/>
                 <a:ea typeface="標楷體" panose="03000509000000000000" pitchFamily="65" charset="-120"/>
               </a:rPr>
-              <a:t>無論</a:t>
+              <a:t>無論是對</a:t>
+            </a:r>
+            <a:r>
+              <a:rPr lang="en-US" altLang="zh-TW" sz="2200" dirty="0" smtClean="0">
+                <a:latin typeface="Book Antiqua" panose="02040602050305030304" pitchFamily="18" charset="0"/>
+                <a:ea typeface="標楷體" panose="03000509000000000000" pitchFamily="65" charset="-120"/>
+              </a:rPr>
+              <a:t>0050</a:t>
             </a:r>
             <a:r>
               <a:rPr lang="zh-TW" altLang="en-US" sz="2200" dirty="0" smtClean="0">
                 <a:latin typeface="Book Antiqua" panose="02040602050305030304" pitchFamily="18" charset="0"/>
                 <a:ea typeface="標楷體" panose="03000509000000000000" pitchFamily="65" charset="-120"/>
               </a:rPr>
-              <a:t>是對</a:t>
+              <a:t>或是台指，</a:t>
             </a:r>
             <a:r>
               <a:rPr lang="en-US" altLang="zh-TW" sz="2200" dirty="0" smtClean="0">
                 <a:latin typeface="Book Antiqua" panose="02040602050305030304" pitchFamily="18" charset="0"/>
                 <a:ea typeface="標楷體" panose="03000509000000000000" pitchFamily="65" charset="-120"/>
               </a:rPr>
-              <a:t>0050</a:t>
+              <a:t>10</a:t>
             </a:r>
             <a:r>
               <a:rPr lang="zh-TW" altLang="en-US" sz="2200" dirty="0" smtClean="0">
                 <a:latin typeface="Book Antiqua" panose="02040602050305030304" pitchFamily="18" charset="0"/>
                 <a:ea typeface="標楷體" panose="03000509000000000000" pitchFamily="65" charset="-120"/>
               </a:rPr>
-              <a:t>或是台指，</a:t>
+              <a:t>檔投資組合的報酬波動都比</a:t>
             </a:r>
             <a:r>
               <a:rPr lang="en-US" altLang="zh-TW" sz="2200" dirty="0" smtClean="0">
                 <a:latin typeface="Book Antiqua" panose="02040602050305030304" pitchFamily="18" charset="0"/>
                 <a:ea typeface="標楷體" panose="03000509000000000000" pitchFamily="65" charset="-120"/>
               </a:rPr>
-              <a:t>10</a:t>
+              <a:t>25</a:t>
             </a:r>
             <a:r>
               <a:rPr lang="zh-TW" altLang="en-US" sz="2200" dirty="0" smtClean="0">
                 <a:latin typeface="Book Antiqua" panose="02040602050305030304" pitchFamily="18" charset="0"/>
                 <a:ea typeface="標楷體" panose="03000509000000000000" pitchFamily="65" charset="-120"/>
               </a:rPr>
-              <a:t>檔投資組合的報酬波動都比</a:t>
+              <a:t>檔投資組合來的大，在表現最佳的回測</a:t>
             </a:r>
             <a:r>
               <a:rPr lang="en-US" altLang="zh-TW" sz="2200" dirty="0" smtClean="0">
                 <a:latin typeface="Book Antiqua" panose="02040602050305030304" pitchFamily="18" charset="0"/>
                 <a:ea typeface="標楷體" panose="03000509000000000000" pitchFamily="65" charset="-120"/>
               </a:rPr>
-              <a:t>25</a:t>
+              <a:t>6</a:t>
             </a:r>
             <a:r>
               <a:rPr lang="zh-TW" altLang="en-US" sz="2200" dirty="0" smtClean="0">
                 <a:latin typeface="Book Antiqua" panose="02040602050305030304" pitchFamily="18" charset="0"/>
                 <a:ea typeface="標楷體" panose="03000509000000000000" pitchFamily="65" charset="-120"/>
               </a:rPr>
-              <a:t>檔投資組合來的大，在表現最佳的回測</a:t>
+              <a:t>個月期間賺得比較多，在表現最差的回測</a:t>
             </a:r>
             <a:r>
               <a:rPr lang="en-US" altLang="zh-TW" sz="2200" dirty="0" smtClean="0">
                 <a:latin typeface="Book Antiqua" panose="02040602050305030304" pitchFamily="18" charset="0"/>
                 <a:ea typeface="標楷體" panose="03000509000000000000" pitchFamily="65" charset="-120"/>
               </a:rPr>
-              <a:t>6</a:t>
+              <a:t>12</a:t>
             </a:r>
             <a:r>
               <a:rPr lang="zh-TW" altLang="en-US" sz="2200" dirty="0" smtClean="0">
                 <a:latin typeface="Book Antiqua" panose="02040602050305030304" pitchFamily="18" charset="0"/>
                 <a:ea typeface="標楷體" panose="03000509000000000000" pitchFamily="65" charset="-120"/>
               </a:rPr>
-              <a:t>個月期間賺得比較多，在表現最差的回測</a:t>
-            </a:r>
-            <a:r>
-              <a:rPr lang="en-US" altLang="zh-TW" sz="2200" dirty="0" smtClean="0">
-                <a:latin typeface="Book Antiqua" panose="02040602050305030304" pitchFamily="18" charset="0"/>
-                <a:ea typeface="標楷體" panose="03000509000000000000" pitchFamily="65" charset="-120"/>
-              </a:rPr>
-              <a:t>12</a:t>
-            </a:r>
-            <a:r>
-              <a:rPr lang="zh-TW" altLang="en-US" sz="2200" dirty="0" smtClean="0">
-                <a:latin typeface="Book Antiqua" panose="02040602050305030304" pitchFamily="18" charset="0"/>
-                <a:ea typeface="標楷體" panose="03000509000000000000" pitchFamily="65" charset="-120"/>
-              </a:rPr>
-              <a:t>個月期間也賠得比較多</a:t>
-            </a:r>
-            <a:r>
-              <a:rPr lang="zh-TW" altLang="en-US" sz="2200" dirty="0" smtClean="0">
-                <a:latin typeface="Book Antiqua" panose="02040602050305030304" pitchFamily="18" charset="0"/>
-                <a:ea typeface="標楷體" panose="03000509000000000000" pitchFamily="65" charset="-120"/>
-              </a:rPr>
-              <a:t>。</a:t>
+              <a:t>個月期間也賠得比較多。</a:t>
             </a:r>
             <a:endParaRPr lang="en-US" altLang="zh-TW" sz="2200" dirty="0" smtClean="0">
               <a:latin typeface="Book Antiqua" panose="02040602050305030304" pitchFamily="18" charset="0"/>
@@ -39358,7 +39197,87 @@
                 <a:latin typeface="Book Antiqua" panose="02040602050305030304" pitchFamily="18" charset="0"/>
                 <a:ea typeface="標楷體" panose="03000509000000000000" pitchFamily="65" charset="-120"/>
               </a:rPr>
-              <a:t>的績效差。</a:t>
+              <a:t>的績效差</a:t>
+            </a:r>
+            <a:r>
+              <a:rPr lang="zh-TW" altLang="en-US" sz="2200" dirty="0" smtClean="0">
+                <a:latin typeface="Book Antiqua" panose="02040602050305030304" pitchFamily="18" charset="0"/>
+                <a:ea typeface="標楷體" panose="03000509000000000000" pitchFamily="65" charset="-120"/>
+              </a:rPr>
+              <a:t>。</a:t>
+            </a:r>
+            <a:endParaRPr lang="en-US" altLang="zh-TW" sz="2200" dirty="0" smtClean="0">
+              <a:latin typeface="Book Antiqua" panose="02040602050305030304" pitchFamily="18" charset="0"/>
+              <a:ea typeface="標楷體" panose="03000509000000000000" pitchFamily="65" charset="-120"/>
+            </a:endParaRPr>
+          </a:p>
+          <a:p>
+            <a:pPr marL="514350" indent="-514350">
+              <a:buFont typeface="+mj-ea"/>
+              <a:buAutoNum type="ea1ChtPeriod"/>
+            </a:pPr>
+            <a:r>
+              <a:rPr lang="zh-TW" altLang="en-US" sz="2200" dirty="0" smtClean="0">
+                <a:latin typeface="Book Antiqua" panose="02040602050305030304" pitchFamily="18" charset="0"/>
+                <a:ea typeface="標楷體" panose="03000509000000000000" pitchFamily="65" charset="-120"/>
+              </a:rPr>
+              <a:t>買</a:t>
+            </a:r>
+            <a:r>
+              <a:rPr lang="en-US" altLang="zh-TW" sz="2200" dirty="0" smtClean="0">
+                <a:latin typeface="Book Antiqua" panose="02040602050305030304" pitchFamily="18" charset="0"/>
+                <a:ea typeface="標楷體" panose="03000509000000000000" pitchFamily="65" charset="-120"/>
+              </a:rPr>
+              <a:t>10</a:t>
+            </a:r>
+            <a:r>
+              <a:rPr lang="zh-TW" altLang="en-US" sz="2200" dirty="0" smtClean="0">
+                <a:latin typeface="Book Antiqua" panose="02040602050305030304" pitchFamily="18" charset="0"/>
+                <a:ea typeface="標楷體" panose="03000509000000000000" pitchFamily="65" charset="-120"/>
+              </a:rPr>
+              <a:t>檔強勢股空</a:t>
+            </a:r>
+            <a:r>
+              <a:rPr lang="en-US" altLang="zh-TW" sz="2200" dirty="0" smtClean="0">
+                <a:latin typeface="Book Antiqua" panose="02040602050305030304" pitchFamily="18" charset="0"/>
+                <a:ea typeface="標楷體" panose="03000509000000000000" pitchFamily="65" charset="-120"/>
+              </a:rPr>
+              <a:t>0050</a:t>
+            </a:r>
+            <a:r>
+              <a:rPr lang="zh-TW" altLang="en-US" sz="2200" dirty="0" smtClean="0">
+                <a:latin typeface="Book Antiqua" panose="02040602050305030304" pitchFamily="18" charset="0"/>
+                <a:ea typeface="標楷體" panose="03000509000000000000" pitchFamily="65" charset="-120"/>
+              </a:rPr>
+              <a:t>，回測期</a:t>
+            </a:r>
+            <a:r>
+              <a:rPr lang="en-US" altLang="zh-TW" sz="2200" dirty="0" smtClean="0">
+                <a:latin typeface="Book Antiqua" panose="02040602050305030304" pitchFamily="18" charset="0"/>
+                <a:ea typeface="標楷體" panose="03000509000000000000" pitchFamily="65" charset="-120"/>
+              </a:rPr>
+              <a:t>6</a:t>
+            </a:r>
+            <a:r>
+              <a:rPr lang="zh-TW" altLang="en-US" sz="2200" dirty="0" smtClean="0">
+                <a:latin typeface="Book Antiqua" panose="02040602050305030304" pitchFamily="18" charset="0"/>
+                <a:ea typeface="標楷體" panose="03000509000000000000" pitchFamily="65" charset="-120"/>
+              </a:rPr>
+              <a:t>個月，持有期間</a:t>
+            </a:r>
+            <a:r>
+              <a:rPr lang="en-US" altLang="zh-TW" sz="2200" dirty="0" smtClean="0">
+                <a:latin typeface="Book Antiqua" panose="02040602050305030304" pitchFamily="18" charset="0"/>
+                <a:ea typeface="標楷體" panose="03000509000000000000" pitchFamily="65" charset="-120"/>
+              </a:rPr>
+              <a:t>2</a:t>
+            </a:r>
+            <a:r>
+              <a:rPr lang="zh-TW" altLang="en-US" sz="2200" dirty="0" smtClean="0">
+                <a:latin typeface="Book Antiqua" panose="02040602050305030304" pitchFamily="18" charset="0"/>
+                <a:ea typeface="標楷體" panose="03000509000000000000" pitchFamily="65" charset="-120"/>
+              </a:rPr>
+              <a:t>個月表現最好</a:t>
             </a:r>
             <a:endParaRPr lang="zh-TW" altLang="en-US" sz="2200" dirty="0">
               <a:latin typeface="Book Antiqua" panose="02040602050305030304" pitchFamily="18" charset="0"/>
@@ -40259,28 +40178,28 @@
                 <a:gridCol w="852154">
                   <a:extLst>
                     <a:ext uri="{9D8B030D-6E8A-4147-A177-3AD203B41FA5}">
-                      <a16:colId xmlns:a16="http://schemas.microsoft.com/office/drawing/2014/main" val="20000"/>
+                      <a16:colId xmlns:a16="http://schemas.microsoft.com/office/drawing/2014/main" xmlns="" val="20000"/>
                     </a:ext>
                   </a:extLst>
                 </a:gridCol>
                 <a:gridCol w="2046318">
                   <a:extLst>
                     <a:ext uri="{9D8B030D-6E8A-4147-A177-3AD203B41FA5}">
-                      <a16:colId xmlns:a16="http://schemas.microsoft.com/office/drawing/2014/main" val="20001"/>
+                      <a16:colId xmlns:a16="http://schemas.microsoft.com/office/drawing/2014/main" xmlns="" val="20001"/>
                     </a:ext>
                   </a:extLst>
                 </a:gridCol>
                 <a:gridCol w="1346490">
                   <a:extLst>
                     <a:ext uri="{9D8B030D-6E8A-4147-A177-3AD203B41FA5}">
-                      <a16:colId xmlns:a16="http://schemas.microsoft.com/office/drawing/2014/main" val="20002"/>
+                      <a16:colId xmlns:a16="http://schemas.microsoft.com/office/drawing/2014/main" xmlns="" val="20002"/>
                     </a:ext>
                   </a:extLst>
                 </a:gridCol>
                 <a:gridCol w="1168041">
                   <a:extLst>
                     <a:ext uri="{9D8B030D-6E8A-4147-A177-3AD203B41FA5}">
-                      <a16:colId xmlns:a16="http://schemas.microsoft.com/office/drawing/2014/main" val="20003"/>
+                      <a16:colId xmlns:a16="http://schemas.microsoft.com/office/drawing/2014/main" xmlns="" val="20003"/>
                     </a:ext>
                   </a:extLst>
                 </a:gridCol>
@@ -40384,7 +40303,7 @@
                 </a:tc>
                 <a:extLst>
                   <a:ext uri="{0D108BD9-81ED-4DB2-BD59-A6C34878D82A}">
-                    <a16:rowId xmlns:a16="http://schemas.microsoft.com/office/drawing/2014/main" val="10000"/>
+                    <a16:rowId xmlns:a16="http://schemas.microsoft.com/office/drawing/2014/main" xmlns="" val="10000"/>
                   </a:ext>
                 </a:extLst>
               </a:tr>
@@ -40487,7 +40406,7 @@
                 </a:tc>
                 <a:extLst>
                   <a:ext uri="{0D108BD9-81ED-4DB2-BD59-A6C34878D82A}">
-                    <a16:rowId xmlns:a16="http://schemas.microsoft.com/office/drawing/2014/main" val="10001"/>
+                    <a16:rowId xmlns:a16="http://schemas.microsoft.com/office/drawing/2014/main" xmlns="" val="10001"/>
                   </a:ext>
                 </a:extLst>
               </a:tr>
@@ -40590,7 +40509,7 @@
                 </a:tc>
                 <a:extLst>
                   <a:ext uri="{0D108BD9-81ED-4DB2-BD59-A6C34878D82A}">
-                    <a16:rowId xmlns:a16="http://schemas.microsoft.com/office/drawing/2014/main" val="10002"/>
+                    <a16:rowId xmlns:a16="http://schemas.microsoft.com/office/drawing/2014/main" xmlns="" val="10002"/>
                   </a:ext>
                 </a:extLst>
               </a:tr>
@@ -40693,7 +40612,7 @@
                 </a:tc>
                 <a:extLst>
                   <a:ext uri="{0D108BD9-81ED-4DB2-BD59-A6C34878D82A}">
-                    <a16:rowId xmlns:a16="http://schemas.microsoft.com/office/drawing/2014/main" val="10003"/>
+                    <a16:rowId xmlns:a16="http://schemas.microsoft.com/office/drawing/2014/main" xmlns="" val="10003"/>
                   </a:ext>
                 </a:extLst>
               </a:tr>
@@ -40796,7 +40715,7 @@
                 </a:tc>
                 <a:extLst>
                   <a:ext uri="{0D108BD9-81ED-4DB2-BD59-A6C34878D82A}">
-                    <a16:rowId xmlns:a16="http://schemas.microsoft.com/office/drawing/2014/main" val="10004"/>
+                    <a16:rowId xmlns:a16="http://schemas.microsoft.com/office/drawing/2014/main" xmlns="" val="10004"/>
                   </a:ext>
                 </a:extLst>
               </a:tr>
@@ -40899,7 +40818,7 @@
                 </a:tc>
                 <a:extLst>
                   <a:ext uri="{0D108BD9-81ED-4DB2-BD59-A6C34878D82A}">
-                    <a16:rowId xmlns:a16="http://schemas.microsoft.com/office/drawing/2014/main" val="10005"/>
+                    <a16:rowId xmlns:a16="http://schemas.microsoft.com/office/drawing/2014/main" xmlns="" val="10005"/>
                   </a:ext>
                 </a:extLst>
               </a:tr>
@@ -41002,7 +40921,7 @@
                 </a:tc>
                 <a:extLst>
                   <a:ext uri="{0D108BD9-81ED-4DB2-BD59-A6C34878D82A}">
-                    <a16:rowId xmlns:a16="http://schemas.microsoft.com/office/drawing/2014/main" val="10006"/>
+                    <a16:rowId xmlns:a16="http://schemas.microsoft.com/office/drawing/2014/main" xmlns="" val="10006"/>
                   </a:ext>
                 </a:extLst>
               </a:tr>
@@ -41038,28 +40957,28 @@
                 <a:gridCol w="863304">
                   <a:extLst>
                     <a:ext uri="{9D8B030D-6E8A-4147-A177-3AD203B41FA5}">
-                      <a16:colId xmlns:a16="http://schemas.microsoft.com/office/drawing/2014/main" val="20000"/>
+                      <a16:colId xmlns:a16="http://schemas.microsoft.com/office/drawing/2014/main" xmlns="" val="20000"/>
                     </a:ext>
                   </a:extLst>
                 </a:gridCol>
                 <a:gridCol w="2035167">
                   <a:extLst>
                     <a:ext uri="{9D8B030D-6E8A-4147-A177-3AD203B41FA5}">
-                      <a16:colId xmlns:a16="http://schemas.microsoft.com/office/drawing/2014/main" val="20001"/>
+                      <a16:colId xmlns:a16="http://schemas.microsoft.com/office/drawing/2014/main" xmlns="" val="20001"/>
                     </a:ext>
                   </a:extLst>
                 </a:gridCol>
                 <a:gridCol w="1346490">
                   <a:extLst>
                     <a:ext uri="{9D8B030D-6E8A-4147-A177-3AD203B41FA5}">
-                      <a16:colId xmlns:a16="http://schemas.microsoft.com/office/drawing/2014/main" val="20002"/>
+                      <a16:colId xmlns:a16="http://schemas.microsoft.com/office/drawing/2014/main" xmlns="" val="20002"/>
                     </a:ext>
                   </a:extLst>
                 </a:gridCol>
                 <a:gridCol w="1168040">
                   <a:extLst>
                     <a:ext uri="{9D8B030D-6E8A-4147-A177-3AD203B41FA5}">
-                      <a16:colId xmlns:a16="http://schemas.microsoft.com/office/drawing/2014/main" val="20003"/>
+                      <a16:colId xmlns:a16="http://schemas.microsoft.com/office/drawing/2014/main" xmlns="" val="20003"/>
                     </a:ext>
                   </a:extLst>
                 </a:gridCol>
@@ -41163,7 +41082,7 @@
                 </a:tc>
                 <a:extLst>
                   <a:ext uri="{0D108BD9-81ED-4DB2-BD59-A6C34878D82A}">
-                    <a16:rowId xmlns:a16="http://schemas.microsoft.com/office/drawing/2014/main" val="10000"/>
+                    <a16:rowId xmlns:a16="http://schemas.microsoft.com/office/drawing/2014/main" xmlns="" val="10000"/>
                   </a:ext>
                 </a:extLst>
               </a:tr>
@@ -41266,7 +41185,7 @@
                 </a:tc>
                 <a:extLst>
                   <a:ext uri="{0D108BD9-81ED-4DB2-BD59-A6C34878D82A}">
-                    <a16:rowId xmlns:a16="http://schemas.microsoft.com/office/drawing/2014/main" val="10001"/>
+                    <a16:rowId xmlns:a16="http://schemas.microsoft.com/office/drawing/2014/main" xmlns="" val="10001"/>
                   </a:ext>
                 </a:extLst>
               </a:tr>
@@ -41369,7 +41288,7 @@
                 </a:tc>
                 <a:extLst>
                   <a:ext uri="{0D108BD9-81ED-4DB2-BD59-A6C34878D82A}">
-                    <a16:rowId xmlns:a16="http://schemas.microsoft.com/office/drawing/2014/main" val="10002"/>
+                    <a16:rowId xmlns:a16="http://schemas.microsoft.com/office/drawing/2014/main" xmlns="" val="10002"/>
                   </a:ext>
                 </a:extLst>
               </a:tr>
@@ -41472,7 +41391,7 @@
                 </a:tc>
                 <a:extLst>
                   <a:ext uri="{0D108BD9-81ED-4DB2-BD59-A6C34878D82A}">
-                    <a16:rowId xmlns:a16="http://schemas.microsoft.com/office/drawing/2014/main" val="10003"/>
+                    <a16:rowId xmlns:a16="http://schemas.microsoft.com/office/drawing/2014/main" xmlns="" val="10003"/>
                   </a:ext>
                 </a:extLst>
               </a:tr>
@@ -41575,7 +41494,7 @@
                 </a:tc>
                 <a:extLst>
                   <a:ext uri="{0D108BD9-81ED-4DB2-BD59-A6C34878D82A}">
-                    <a16:rowId xmlns:a16="http://schemas.microsoft.com/office/drawing/2014/main" val="10004"/>
+                    <a16:rowId xmlns:a16="http://schemas.microsoft.com/office/drawing/2014/main" xmlns="" val="10004"/>
                   </a:ext>
                 </a:extLst>
               </a:tr>
@@ -41678,7 +41597,7 @@
                 </a:tc>
                 <a:extLst>
                   <a:ext uri="{0D108BD9-81ED-4DB2-BD59-A6C34878D82A}">
-                    <a16:rowId xmlns:a16="http://schemas.microsoft.com/office/drawing/2014/main" val="10005"/>
+                    <a16:rowId xmlns:a16="http://schemas.microsoft.com/office/drawing/2014/main" xmlns="" val="10005"/>
                   </a:ext>
                 </a:extLst>
               </a:tr>
@@ -41781,7 +41700,7 @@
                 </a:tc>
                 <a:extLst>
                   <a:ext uri="{0D108BD9-81ED-4DB2-BD59-A6C34878D82A}">
-                    <a16:rowId xmlns:a16="http://schemas.microsoft.com/office/drawing/2014/main" val="10006"/>
+                    <a16:rowId xmlns:a16="http://schemas.microsoft.com/office/drawing/2014/main" xmlns="" val="10006"/>
                   </a:ext>
                 </a:extLst>
               </a:tr>
@@ -41817,28 +41736,28 @@
                 <a:gridCol w="925551">
                   <a:extLst>
                     <a:ext uri="{9D8B030D-6E8A-4147-A177-3AD203B41FA5}">
-                      <a16:colId xmlns:a16="http://schemas.microsoft.com/office/drawing/2014/main" val="20000"/>
+                      <a16:colId xmlns:a16="http://schemas.microsoft.com/office/drawing/2014/main" xmlns="" val="20000"/>
                     </a:ext>
                   </a:extLst>
                 </a:gridCol>
                 <a:gridCol w="2239122">
                   <a:extLst>
                     <a:ext uri="{9D8B030D-6E8A-4147-A177-3AD203B41FA5}">
-                      <a16:colId xmlns:a16="http://schemas.microsoft.com/office/drawing/2014/main" val="20001"/>
+                      <a16:colId xmlns:a16="http://schemas.microsoft.com/office/drawing/2014/main" xmlns="" val="20001"/>
                     </a:ext>
                   </a:extLst>
                 </a:gridCol>
                 <a:gridCol w="1470156">
                   <a:extLst>
                     <a:ext uri="{9D8B030D-6E8A-4147-A177-3AD203B41FA5}">
-                      <a16:colId xmlns:a16="http://schemas.microsoft.com/office/drawing/2014/main" val="20002"/>
+                      <a16:colId xmlns:a16="http://schemas.microsoft.com/office/drawing/2014/main" xmlns="" val="20002"/>
                     </a:ext>
                   </a:extLst>
                 </a:gridCol>
                 <a:gridCol w="1275316">
                   <a:extLst>
                     <a:ext uri="{9D8B030D-6E8A-4147-A177-3AD203B41FA5}">
-                      <a16:colId xmlns:a16="http://schemas.microsoft.com/office/drawing/2014/main" val="20003"/>
+                      <a16:colId xmlns:a16="http://schemas.microsoft.com/office/drawing/2014/main" xmlns="" val="20003"/>
                     </a:ext>
                   </a:extLst>
                 </a:gridCol>
@@ -41942,7 +41861,7 @@
                 </a:tc>
                 <a:extLst>
                   <a:ext uri="{0D108BD9-81ED-4DB2-BD59-A6C34878D82A}">
-                    <a16:rowId xmlns:a16="http://schemas.microsoft.com/office/drawing/2014/main" val="10000"/>
+                    <a16:rowId xmlns:a16="http://schemas.microsoft.com/office/drawing/2014/main" xmlns="" val="10000"/>
                   </a:ext>
                 </a:extLst>
               </a:tr>
@@ -42045,7 +41964,7 @@
                 </a:tc>
                 <a:extLst>
                   <a:ext uri="{0D108BD9-81ED-4DB2-BD59-A6C34878D82A}">
-                    <a16:rowId xmlns:a16="http://schemas.microsoft.com/office/drawing/2014/main" val="10001"/>
+                    <a16:rowId xmlns:a16="http://schemas.microsoft.com/office/drawing/2014/main" xmlns="" val="10001"/>
                   </a:ext>
                 </a:extLst>
               </a:tr>
@@ -42148,7 +42067,7 @@
                 </a:tc>
                 <a:extLst>
                   <a:ext uri="{0D108BD9-81ED-4DB2-BD59-A6C34878D82A}">
-                    <a16:rowId xmlns:a16="http://schemas.microsoft.com/office/drawing/2014/main" val="10002"/>
+                    <a16:rowId xmlns:a16="http://schemas.microsoft.com/office/drawing/2014/main" xmlns="" val="10002"/>
                   </a:ext>
                 </a:extLst>
               </a:tr>
@@ -42251,7 +42170,7 @@
                 </a:tc>
                 <a:extLst>
                   <a:ext uri="{0D108BD9-81ED-4DB2-BD59-A6C34878D82A}">
-                    <a16:rowId xmlns:a16="http://schemas.microsoft.com/office/drawing/2014/main" val="10003"/>
+                    <a16:rowId xmlns:a16="http://schemas.microsoft.com/office/drawing/2014/main" xmlns="" val="10003"/>
                   </a:ext>
                 </a:extLst>
               </a:tr>
@@ -42354,7 +42273,7 @@
                 </a:tc>
                 <a:extLst>
                   <a:ext uri="{0D108BD9-81ED-4DB2-BD59-A6C34878D82A}">
-                    <a16:rowId xmlns:a16="http://schemas.microsoft.com/office/drawing/2014/main" val="10004"/>
+                    <a16:rowId xmlns:a16="http://schemas.microsoft.com/office/drawing/2014/main" xmlns="" val="10004"/>
                   </a:ext>
                 </a:extLst>
               </a:tr>
@@ -42457,7 +42376,7 @@
                 </a:tc>
                 <a:extLst>
                   <a:ext uri="{0D108BD9-81ED-4DB2-BD59-A6C34878D82A}">
-                    <a16:rowId xmlns:a16="http://schemas.microsoft.com/office/drawing/2014/main" val="10005"/>
+                    <a16:rowId xmlns:a16="http://schemas.microsoft.com/office/drawing/2014/main" xmlns="" val="10005"/>
                   </a:ext>
                 </a:extLst>
               </a:tr>
@@ -42560,7 +42479,7 @@
                 </a:tc>
                 <a:extLst>
                   <a:ext uri="{0D108BD9-81ED-4DB2-BD59-A6C34878D82A}">
-                    <a16:rowId xmlns:a16="http://schemas.microsoft.com/office/drawing/2014/main" val="10006"/>
+                    <a16:rowId xmlns:a16="http://schemas.microsoft.com/office/drawing/2014/main" xmlns="" val="10006"/>
                   </a:ext>
                 </a:extLst>
               </a:tr>
@@ -42596,28 +42515,28 @@
                 <a:gridCol w="936705">
                   <a:extLst>
                     <a:ext uri="{9D8B030D-6E8A-4147-A177-3AD203B41FA5}">
-                      <a16:colId xmlns:a16="http://schemas.microsoft.com/office/drawing/2014/main" val="20000"/>
+                      <a16:colId xmlns:a16="http://schemas.microsoft.com/office/drawing/2014/main" xmlns="" val="20000"/>
                     </a:ext>
                   </a:extLst>
                 </a:gridCol>
                 <a:gridCol w="2281710">
                   <a:extLst>
                     <a:ext uri="{9D8B030D-6E8A-4147-A177-3AD203B41FA5}">
-                      <a16:colId xmlns:a16="http://schemas.microsoft.com/office/drawing/2014/main" val="20001"/>
+                      <a16:colId xmlns:a16="http://schemas.microsoft.com/office/drawing/2014/main" xmlns="" val="20001"/>
                     </a:ext>
                   </a:extLst>
                 </a:gridCol>
                 <a:gridCol w="1495120">
                   <a:extLst>
                     <a:ext uri="{9D8B030D-6E8A-4147-A177-3AD203B41FA5}">
-                      <a16:colId xmlns:a16="http://schemas.microsoft.com/office/drawing/2014/main" val="20002"/>
+                      <a16:colId xmlns:a16="http://schemas.microsoft.com/office/drawing/2014/main" xmlns="" val="20002"/>
                     </a:ext>
                   </a:extLst>
                 </a:gridCol>
                 <a:gridCol w="1296974">
                   <a:extLst>
                     <a:ext uri="{9D8B030D-6E8A-4147-A177-3AD203B41FA5}">
-                      <a16:colId xmlns:a16="http://schemas.microsoft.com/office/drawing/2014/main" val="20003"/>
+                      <a16:colId xmlns:a16="http://schemas.microsoft.com/office/drawing/2014/main" xmlns="" val="20003"/>
                     </a:ext>
                   </a:extLst>
                 </a:gridCol>
@@ -42721,7 +42640,7 @@
                 </a:tc>
                 <a:extLst>
                   <a:ext uri="{0D108BD9-81ED-4DB2-BD59-A6C34878D82A}">
-                    <a16:rowId xmlns:a16="http://schemas.microsoft.com/office/drawing/2014/main" val="10000"/>
+                    <a16:rowId xmlns:a16="http://schemas.microsoft.com/office/drawing/2014/main" xmlns="" val="10000"/>
                   </a:ext>
                 </a:extLst>
               </a:tr>
@@ -42824,7 +42743,7 @@
                 </a:tc>
                 <a:extLst>
                   <a:ext uri="{0D108BD9-81ED-4DB2-BD59-A6C34878D82A}">
-                    <a16:rowId xmlns:a16="http://schemas.microsoft.com/office/drawing/2014/main" val="10001"/>
+                    <a16:rowId xmlns:a16="http://schemas.microsoft.com/office/drawing/2014/main" xmlns="" val="10001"/>
                   </a:ext>
                 </a:extLst>
               </a:tr>
@@ -42927,7 +42846,7 @@
                 </a:tc>
                 <a:extLst>
                   <a:ext uri="{0D108BD9-81ED-4DB2-BD59-A6C34878D82A}">
-                    <a16:rowId xmlns:a16="http://schemas.microsoft.com/office/drawing/2014/main" val="10002"/>
+                    <a16:rowId xmlns:a16="http://schemas.microsoft.com/office/drawing/2014/main" xmlns="" val="10002"/>
                   </a:ext>
                 </a:extLst>
               </a:tr>
@@ -43030,7 +42949,7 @@
                 </a:tc>
                 <a:extLst>
                   <a:ext uri="{0D108BD9-81ED-4DB2-BD59-A6C34878D82A}">
-                    <a16:rowId xmlns:a16="http://schemas.microsoft.com/office/drawing/2014/main" val="10003"/>
+                    <a16:rowId xmlns:a16="http://schemas.microsoft.com/office/drawing/2014/main" xmlns="" val="10003"/>
                   </a:ext>
                 </a:extLst>
               </a:tr>
@@ -43133,7 +43052,7 @@
                 </a:tc>
                 <a:extLst>
                   <a:ext uri="{0D108BD9-81ED-4DB2-BD59-A6C34878D82A}">
-                    <a16:rowId xmlns:a16="http://schemas.microsoft.com/office/drawing/2014/main" val="10004"/>
+                    <a16:rowId xmlns:a16="http://schemas.microsoft.com/office/drawing/2014/main" xmlns="" val="10004"/>
                   </a:ext>
                 </a:extLst>
               </a:tr>
@@ -43236,7 +43155,7 @@
                 </a:tc>
                 <a:extLst>
                   <a:ext uri="{0D108BD9-81ED-4DB2-BD59-A6C34878D82A}">
-                    <a16:rowId xmlns:a16="http://schemas.microsoft.com/office/drawing/2014/main" val="10005"/>
+                    <a16:rowId xmlns:a16="http://schemas.microsoft.com/office/drawing/2014/main" xmlns="" val="10005"/>
                   </a:ext>
                 </a:extLst>
               </a:tr>
@@ -43339,7 +43258,7 @@
                 </a:tc>
                 <a:extLst>
                   <a:ext uri="{0D108BD9-81ED-4DB2-BD59-A6C34878D82A}">
-                    <a16:rowId xmlns:a16="http://schemas.microsoft.com/office/drawing/2014/main" val="10006"/>
+                    <a16:rowId xmlns:a16="http://schemas.microsoft.com/office/drawing/2014/main" xmlns="" val="10006"/>
                   </a:ext>
                 </a:extLst>
               </a:tr>

--- a/強勢股vs.pptx
+++ b/強勢股vs.pptx
@@ -660,11 +660,11 @@
           <c:showBubbleSize val="0"/>
         </c:dLbls>
         <c:smooth val="0"/>
-        <c:axId val="428682616"/>
-        <c:axId val="428683008"/>
+        <c:axId val="421304472"/>
+        <c:axId val="421304864"/>
       </c:lineChart>
       <c:catAx>
-        <c:axId val="428682616"/>
+        <c:axId val="421304472"/>
         <c:scaling>
           <c:orientation val="minMax"/>
         </c:scaling>
@@ -674,7 +674,7 @@
         <c:majorTickMark val="out"/>
         <c:minorTickMark val="none"/>
         <c:tickLblPos val="nextTo"/>
-        <c:crossAx val="428683008"/>
+        <c:crossAx val="421304864"/>
         <c:crosses val="autoZero"/>
         <c:auto val="1"/>
         <c:lblAlgn val="ctr"/>
@@ -682,7 +682,7 @@
         <c:noMultiLvlLbl val="0"/>
       </c:catAx>
       <c:valAx>
-        <c:axId val="428683008"/>
+        <c:axId val="421304864"/>
         <c:scaling>
           <c:orientation val="minMax"/>
         </c:scaling>
@@ -693,7 +693,7 @@
         <c:majorTickMark val="out"/>
         <c:minorTickMark val="none"/>
         <c:tickLblPos val="nextTo"/>
-        <c:crossAx val="428682616"/>
+        <c:crossAx val="421304472"/>
         <c:crosses val="autoZero"/>
         <c:crossBetween val="between"/>
       </c:valAx>
@@ -1077,11 +1077,11 @@
           <c:showBubbleSize val="0"/>
         </c:dLbls>
         <c:smooth val="0"/>
-        <c:axId val="363576328"/>
-        <c:axId val="363576720"/>
+        <c:axId val="354993264"/>
+        <c:axId val="354993656"/>
       </c:lineChart>
       <c:catAx>
-        <c:axId val="363576328"/>
+        <c:axId val="354993264"/>
         <c:scaling>
           <c:orientation val="minMax"/>
         </c:scaling>
@@ -1091,7 +1091,7 @@
         <c:majorTickMark val="out"/>
         <c:minorTickMark val="none"/>
         <c:tickLblPos val="nextTo"/>
-        <c:crossAx val="363576720"/>
+        <c:crossAx val="354993656"/>
         <c:crosses val="autoZero"/>
         <c:auto val="1"/>
         <c:lblAlgn val="ctr"/>
@@ -1099,7 +1099,7 @@
         <c:noMultiLvlLbl val="0"/>
       </c:catAx>
       <c:valAx>
-        <c:axId val="363576720"/>
+        <c:axId val="354993656"/>
         <c:scaling>
           <c:orientation val="minMax"/>
         </c:scaling>
@@ -1110,7 +1110,7 @@
         <c:majorTickMark val="out"/>
         <c:minorTickMark val="none"/>
         <c:tickLblPos val="nextTo"/>
-        <c:crossAx val="363576328"/>
+        <c:crossAx val="354993264"/>
         <c:crosses val="autoZero"/>
         <c:crossBetween val="between"/>
       </c:valAx>
@@ -1282,11 +1282,11 @@
         </c:dLbls>
         <c:gapWidth val="150"/>
         <c:overlap val="100"/>
-        <c:axId val="363577504"/>
-        <c:axId val="363577896"/>
+        <c:axId val="354994440"/>
+        <c:axId val="355160328"/>
       </c:barChart>
       <c:catAx>
-        <c:axId val="363577504"/>
+        <c:axId val="354994440"/>
         <c:scaling>
           <c:orientation val="minMax"/>
         </c:scaling>
@@ -1325,7 +1325,7 @@
             <a:endParaRPr lang="zh-TW"/>
           </a:p>
         </c:txPr>
-        <c:crossAx val="363577896"/>
+        <c:crossAx val="355160328"/>
         <c:crosses val="autoZero"/>
         <c:auto val="1"/>
         <c:lblAlgn val="ctr"/>
@@ -1333,7 +1333,7 @@
         <c:noMultiLvlLbl val="0"/>
       </c:catAx>
       <c:valAx>
-        <c:axId val="363577896"/>
+        <c:axId val="355160328"/>
         <c:scaling>
           <c:orientation val="minMax"/>
         </c:scaling>
@@ -1387,7 +1387,7 @@
             <a:endParaRPr lang="zh-TW"/>
           </a:p>
         </c:txPr>
-        <c:crossAx val="363577504"/>
+        <c:crossAx val="354994440"/>
         <c:crosses val="autoZero"/>
         <c:crossBetween val="between"/>
       </c:valAx>
@@ -1588,11 +1588,11 @@
         </c:dLbls>
         <c:gapWidth val="150"/>
         <c:overlap val="100"/>
-        <c:axId val="363578680"/>
-        <c:axId val="363579072"/>
+        <c:axId val="355161112"/>
+        <c:axId val="355161504"/>
       </c:barChart>
       <c:catAx>
-        <c:axId val="363578680"/>
+        <c:axId val="355161112"/>
         <c:scaling>
           <c:orientation val="minMax"/>
         </c:scaling>
@@ -1601,7 +1601,7 @@
         <c:majorTickMark val="out"/>
         <c:minorTickMark val="none"/>
         <c:tickLblPos val="nextTo"/>
-        <c:crossAx val="363579072"/>
+        <c:crossAx val="355161504"/>
         <c:crosses val="autoZero"/>
         <c:auto val="1"/>
         <c:lblAlgn val="ctr"/>
@@ -1609,7 +1609,7 @@
         <c:noMultiLvlLbl val="0"/>
       </c:catAx>
       <c:valAx>
-        <c:axId val="363579072"/>
+        <c:axId val="355161504"/>
         <c:scaling>
           <c:orientation val="minMax"/>
         </c:scaling>
@@ -1620,7 +1620,7 @@
         <c:majorTickMark val="out"/>
         <c:minorTickMark val="none"/>
         <c:tickLblPos val="nextTo"/>
-        <c:crossAx val="363578680"/>
+        <c:crossAx val="355161112"/>
         <c:crosses val="autoZero"/>
         <c:crossBetween val="between"/>
       </c:valAx>
@@ -1885,11 +1885,11 @@
         </c:dLbls>
         <c:gapWidth val="100"/>
         <c:overlap val="-24"/>
-        <c:axId val="363579856"/>
-        <c:axId val="364770856"/>
+        <c:axId val="355162288"/>
+        <c:axId val="355162680"/>
       </c:barChart>
       <c:catAx>
-        <c:axId val="363579856"/>
+        <c:axId val="355162288"/>
         <c:scaling>
           <c:orientation val="minMax"/>
         </c:scaling>
@@ -1980,7 +1980,7 @@
             <a:endParaRPr lang="zh-TW"/>
           </a:p>
         </c:txPr>
-        <c:crossAx val="364770856"/>
+        <c:crossAx val="355162680"/>
         <c:crosses val="autoZero"/>
         <c:auto val="1"/>
         <c:lblAlgn val="ctr"/>
@@ -1988,7 +1988,7 @@
         <c:noMultiLvlLbl val="0"/>
       </c:catAx>
       <c:valAx>
-        <c:axId val="364770856"/>
+        <c:axId val="355162680"/>
         <c:scaling>
           <c:orientation val="minMax"/>
         </c:scaling>
@@ -2087,7 +2087,7 @@
             <a:endParaRPr lang="zh-TW"/>
           </a:p>
         </c:txPr>
-        <c:crossAx val="363579856"/>
+        <c:crossAx val="355162288"/>
         <c:crosses val="autoZero"/>
         <c:crossBetween val="between"/>
       </c:valAx>
@@ -2358,11 +2358,11 @@
         </c:dLbls>
         <c:gapWidth val="100"/>
         <c:overlap val="-24"/>
-        <c:axId val="364771640"/>
-        <c:axId val="364772032"/>
+        <c:axId val="355163464"/>
+        <c:axId val="355163856"/>
       </c:barChart>
       <c:catAx>
-        <c:axId val="364771640"/>
+        <c:axId val="355163464"/>
         <c:scaling>
           <c:orientation val="minMax"/>
         </c:scaling>
@@ -2453,7 +2453,7 @@
             <a:endParaRPr lang="zh-TW"/>
           </a:p>
         </c:txPr>
-        <c:crossAx val="364772032"/>
+        <c:crossAx val="355163856"/>
         <c:crosses val="autoZero"/>
         <c:auto val="1"/>
         <c:lblAlgn val="ctr"/>
@@ -2461,7 +2461,7 @@
         <c:noMultiLvlLbl val="0"/>
       </c:catAx>
       <c:valAx>
-        <c:axId val="364772032"/>
+        <c:axId val="355163856"/>
         <c:scaling>
           <c:orientation val="minMax"/>
         </c:scaling>
@@ -2560,7 +2560,7 @@
             <a:endParaRPr lang="zh-TW"/>
           </a:p>
         </c:txPr>
-        <c:crossAx val="364771640"/>
+        <c:crossAx val="355163464"/>
         <c:crosses val="autoZero"/>
         <c:crossBetween val="between"/>
       </c:valAx>
@@ -2838,11 +2838,11 @@
         </c:dLbls>
         <c:gapWidth val="100"/>
         <c:overlap val="-24"/>
-        <c:axId val="364772816"/>
-        <c:axId val="364773208"/>
+        <c:axId val="356242608"/>
+        <c:axId val="356243000"/>
       </c:barChart>
       <c:catAx>
-        <c:axId val="364772816"/>
+        <c:axId val="356242608"/>
         <c:scaling>
           <c:orientation val="minMax"/>
         </c:scaling>
@@ -2940,7 +2940,7 @@
             <a:endParaRPr lang="zh-TW"/>
           </a:p>
         </c:txPr>
-        <c:crossAx val="364773208"/>
+        <c:crossAx val="356243000"/>
         <c:crosses val="autoZero"/>
         <c:auto val="1"/>
         <c:lblAlgn val="ctr"/>
@@ -2948,7 +2948,7 @@
         <c:noMultiLvlLbl val="0"/>
       </c:catAx>
       <c:valAx>
-        <c:axId val="364773208"/>
+        <c:axId val="356243000"/>
         <c:scaling>
           <c:orientation val="minMax"/>
         </c:scaling>
@@ -3047,7 +3047,7 @@
             <a:endParaRPr lang="zh-TW"/>
           </a:p>
         </c:txPr>
-        <c:crossAx val="364772816"/>
+        <c:crossAx val="356242608"/>
         <c:crosses val="autoZero"/>
         <c:crossBetween val="between"/>
       </c:valAx>
@@ -3325,11 +3325,11 @@
         </c:dLbls>
         <c:gapWidth val="100"/>
         <c:overlap val="-24"/>
-        <c:axId val="364773992"/>
-        <c:axId val="364774384"/>
+        <c:axId val="356243784"/>
+        <c:axId val="356244176"/>
       </c:barChart>
       <c:catAx>
-        <c:axId val="364773992"/>
+        <c:axId val="356243784"/>
         <c:scaling>
           <c:orientation val="minMax"/>
         </c:scaling>
@@ -3420,7 +3420,7 @@
             <a:endParaRPr lang="zh-TW"/>
           </a:p>
         </c:txPr>
-        <c:crossAx val="364774384"/>
+        <c:crossAx val="356244176"/>
         <c:crosses val="autoZero"/>
         <c:auto val="1"/>
         <c:lblAlgn val="ctr"/>
@@ -3428,7 +3428,7 @@
         <c:noMultiLvlLbl val="0"/>
       </c:catAx>
       <c:valAx>
-        <c:axId val="364774384"/>
+        <c:axId val="356244176"/>
         <c:scaling>
           <c:orientation val="minMax"/>
         </c:scaling>
@@ -3527,7 +3527,7 @@
             <a:endParaRPr lang="zh-TW"/>
           </a:p>
         </c:txPr>
-        <c:crossAx val="364773992"/>
+        <c:crossAx val="356243784"/>
         <c:crosses val="autoZero"/>
         <c:crossBetween val="between"/>
       </c:valAx>
@@ -3866,11 +3866,11 @@
         </c:dLbls>
         <c:gapWidth val="100"/>
         <c:overlap val="100"/>
-        <c:axId val="365363528"/>
-        <c:axId val="365363920"/>
+        <c:axId val="356244960"/>
+        <c:axId val="356245352"/>
       </c:barChart>
       <c:catAx>
-        <c:axId val="365363528"/>
+        <c:axId val="356244960"/>
         <c:scaling>
           <c:orientation val="minMax"/>
         </c:scaling>
@@ -3944,7 +3944,7 @@
             <a:endParaRPr lang="zh-TW"/>
           </a:p>
         </c:txPr>
-        <c:crossAx val="365363920"/>
+        <c:crossAx val="356245352"/>
         <c:crosses val="autoZero"/>
         <c:auto val="1"/>
         <c:lblAlgn val="ctr"/>
@@ -3952,7 +3952,7 @@
         <c:noMultiLvlLbl val="0"/>
       </c:catAx>
       <c:valAx>
-        <c:axId val="365363920"/>
+        <c:axId val="356245352"/>
         <c:scaling>
           <c:orientation val="minMax"/>
         </c:scaling>
@@ -4034,7 +4034,7 @@
             <a:endParaRPr lang="zh-TW"/>
           </a:p>
         </c:txPr>
-        <c:crossAx val="365363528"/>
+        <c:crossAx val="356244960"/>
         <c:crosses val="autoZero"/>
         <c:crossBetween val="between"/>
       </c:valAx>
@@ -4382,11 +4382,11 @@
         </c:dLbls>
         <c:gapWidth val="100"/>
         <c:overlap val="100"/>
-        <c:axId val="365364704"/>
-        <c:axId val="365365096"/>
+        <c:axId val="357042176"/>
+        <c:axId val="357042568"/>
       </c:barChart>
       <c:catAx>
-        <c:axId val="365364704"/>
+        <c:axId val="357042176"/>
         <c:scaling>
           <c:orientation val="minMax"/>
         </c:scaling>
@@ -4460,7 +4460,7 @@
             <a:endParaRPr lang="zh-TW"/>
           </a:p>
         </c:txPr>
-        <c:crossAx val="365365096"/>
+        <c:crossAx val="357042568"/>
         <c:crosses val="autoZero"/>
         <c:auto val="1"/>
         <c:lblAlgn val="ctr"/>
@@ -4468,7 +4468,7 @@
         <c:noMultiLvlLbl val="0"/>
       </c:catAx>
       <c:valAx>
-        <c:axId val="365365096"/>
+        <c:axId val="357042568"/>
         <c:scaling>
           <c:orientation val="minMax"/>
         </c:scaling>
@@ -4550,7 +4550,7 @@
             <a:endParaRPr lang="zh-TW"/>
           </a:p>
         </c:txPr>
-        <c:crossAx val="365364704"/>
+        <c:crossAx val="357042176"/>
         <c:crosses val="autoZero"/>
         <c:crossBetween val="between"/>
       </c:valAx>
@@ -4830,11 +4830,11 @@
         </c:dLbls>
         <c:gapWidth val="100"/>
         <c:overlap val="-24"/>
-        <c:axId val="365365880"/>
-        <c:axId val="365366272"/>
+        <c:axId val="357043352"/>
+        <c:axId val="357043744"/>
       </c:barChart>
       <c:catAx>
-        <c:axId val="365365880"/>
+        <c:axId val="357043352"/>
         <c:scaling>
           <c:orientation val="minMax"/>
         </c:scaling>
@@ -4925,7 +4925,7 @@
             <a:endParaRPr lang="zh-TW"/>
           </a:p>
         </c:txPr>
-        <c:crossAx val="365366272"/>
+        <c:crossAx val="357043744"/>
         <c:crosses val="autoZero"/>
         <c:auto val="1"/>
         <c:lblAlgn val="ctr"/>
@@ -4933,7 +4933,7 @@
         <c:noMultiLvlLbl val="0"/>
       </c:catAx>
       <c:valAx>
-        <c:axId val="365366272"/>
+        <c:axId val="357043744"/>
         <c:scaling>
           <c:orientation val="minMax"/>
         </c:scaling>
@@ -5032,7 +5032,7 @@
             <a:endParaRPr lang="zh-TW"/>
           </a:p>
         </c:txPr>
-        <c:crossAx val="365365880"/>
+        <c:crossAx val="357043352"/>
         <c:crosses val="autoZero"/>
         <c:crossBetween val="between"/>
       </c:valAx>
@@ -5182,11 +5182,11 @@
         </c:dLbls>
         <c:gapWidth val="150"/>
         <c:overlap val="100"/>
-        <c:axId val="363738272"/>
-        <c:axId val="363738656"/>
+        <c:axId val="354696704"/>
+        <c:axId val="354697096"/>
       </c:barChart>
       <c:catAx>
-        <c:axId val="363738272"/>
+        <c:axId val="354696704"/>
         <c:scaling>
           <c:orientation val="minMax"/>
         </c:scaling>
@@ -5195,7 +5195,7 @@
         <c:majorTickMark val="out"/>
         <c:minorTickMark val="none"/>
         <c:tickLblPos val="nextTo"/>
-        <c:crossAx val="363738656"/>
+        <c:crossAx val="354697096"/>
         <c:crosses val="autoZero"/>
         <c:auto val="1"/>
         <c:lblAlgn val="ctr"/>
@@ -5203,7 +5203,7 @@
         <c:noMultiLvlLbl val="0"/>
       </c:catAx>
       <c:valAx>
-        <c:axId val="363738656"/>
+        <c:axId val="354697096"/>
         <c:scaling>
           <c:orientation val="minMax"/>
         </c:scaling>
@@ -5214,7 +5214,7 @@
         <c:majorTickMark val="out"/>
         <c:minorTickMark val="none"/>
         <c:tickLblPos val="nextTo"/>
-        <c:crossAx val="363738272"/>
+        <c:crossAx val="354696704"/>
         <c:crosses val="autoZero"/>
         <c:crossBetween val="between"/>
       </c:valAx>
@@ -5467,11 +5467,11 @@
         </c:dLbls>
         <c:gapWidth val="100"/>
         <c:overlap val="-24"/>
-        <c:axId val="365295000"/>
-        <c:axId val="365295392"/>
+        <c:axId val="357044528"/>
+        <c:axId val="357044920"/>
       </c:barChart>
       <c:catAx>
-        <c:axId val="365295000"/>
+        <c:axId val="357044528"/>
         <c:scaling>
           <c:orientation val="minMax"/>
         </c:scaling>
@@ -5562,7 +5562,7 @@
             <a:endParaRPr lang="zh-TW"/>
           </a:p>
         </c:txPr>
-        <c:crossAx val="365295392"/>
+        <c:crossAx val="357044920"/>
         <c:crosses val="autoZero"/>
         <c:auto val="1"/>
         <c:lblAlgn val="ctr"/>
@@ -5570,7 +5570,7 @@
         <c:noMultiLvlLbl val="0"/>
       </c:catAx>
       <c:valAx>
-        <c:axId val="365295392"/>
+        <c:axId val="357044920"/>
         <c:scaling>
           <c:orientation val="minMax"/>
         </c:scaling>
@@ -5669,7 +5669,7 @@
             <a:endParaRPr lang="zh-TW"/>
           </a:p>
         </c:txPr>
-        <c:crossAx val="365295000"/>
+        <c:crossAx val="357044528"/>
         <c:crosses val="autoZero"/>
         <c:crossBetween val="between"/>
       </c:valAx>
@@ -6009,11 +6009,11 @@
         </c:dLbls>
         <c:gapWidth val="100"/>
         <c:overlap val="100"/>
-        <c:axId val="365296176"/>
-        <c:axId val="365296568"/>
+        <c:axId val="357045704"/>
+        <c:axId val="357242088"/>
       </c:barChart>
       <c:catAx>
-        <c:axId val="365296176"/>
+        <c:axId val="357045704"/>
         <c:scaling>
           <c:orientation val="minMax"/>
         </c:scaling>
@@ -6087,7 +6087,7 @@
             <a:endParaRPr lang="zh-TW"/>
           </a:p>
         </c:txPr>
-        <c:crossAx val="365296568"/>
+        <c:crossAx val="357242088"/>
         <c:crosses val="autoZero"/>
         <c:auto val="1"/>
         <c:lblAlgn val="ctr"/>
@@ -6095,7 +6095,7 @@
         <c:noMultiLvlLbl val="0"/>
       </c:catAx>
       <c:valAx>
-        <c:axId val="365296568"/>
+        <c:axId val="357242088"/>
         <c:scaling>
           <c:orientation val="minMax"/>
         </c:scaling>
@@ -6177,7 +6177,7 @@
             <a:endParaRPr lang="zh-TW"/>
           </a:p>
         </c:txPr>
-        <c:crossAx val="365296176"/>
+        <c:crossAx val="357045704"/>
         <c:crosses val="autoZero"/>
         <c:crossBetween val="between"/>
       </c:valAx>
@@ -6525,11 +6525,11 @@
         </c:dLbls>
         <c:gapWidth val="100"/>
         <c:overlap val="100"/>
-        <c:axId val="365297352"/>
-        <c:axId val="365297744"/>
+        <c:axId val="357242872"/>
+        <c:axId val="357243264"/>
       </c:barChart>
       <c:catAx>
-        <c:axId val="365297352"/>
+        <c:axId val="357242872"/>
         <c:scaling>
           <c:orientation val="minMax"/>
         </c:scaling>
@@ -6603,7 +6603,7 @@
             <a:endParaRPr lang="zh-TW"/>
           </a:p>
         </c:txPr>
-        <c:crossAx val="365297744"/>
+        <c:crossAx val="357243264"/>
         <c:crosses val="autoZero"/>
         <c:auto val="1"/>
         <c:lblAlgn val="ctr"/>
@@ -6611,7 +6611,7 @@
         <c:noMultiLvlLbl val="0"/>
       </c:catAx>
       <c:valAx>
-        <c:axId val="365297744"/>
+        <c:axId val="357243264"/>
         <c:scaling>
           <c:orientation val="minMax"/>
         </c:scaling>
@@ -6693,7 +6693,7 @@
             <a:endParaRPr lang="zh-TW"/>
           </a:p>
         </c:txPr>
-        <c:crossAx val="365297352"/>
+        <c:crossAx val="357242872"/>
         <c:crosses val="autoZero"/>
         <c:crossBetween val="between"/>
       </c:valAx>
@@ -6973,11 +6973,11 @@
         </c:dLbls>
         <c:gapWidth val="100"/>
         <c:overlap val="-24"/>
-        <c:axId val="365298528"/>
-        <c:axId val="365824360"/>
+        <c:axId val="357244048"/>
+        <c:axId val="357244440"/>
       </c:barChart>
       <c:catAx>
-        <c:axId val="365298528"/>
+        <c:axId val="357244048"/>
         <c:scaling>
           <c:orientation val="minMax"/>
         </c:scaling>
@@ -7068,7 +7068,7 @@
             <a:endParaRPr lang="zh-TW"/>
           </a:p>
         </c:txPr>
-        <c:crossAx val="365824360"/>
+        <c:crossAx val="357244440"/>
         <c:crosses val="autoZero"/>
         <c:auto val="1"/>
         <c:lblAlgn val="ctr"/>
@@ -7076,7 +7076,7 @@
         <c:noMultiLvlLbl val="0"/>
       </c:catAx>
       <c:valAx>
-        <c:axId val="365824360"/>
+        <c:axId val="357244440"/>
         <c:scaling>
           <c:orientation val="minMax"/>
         </c:scaling>
@@ -7175,7 +7175,7 @@
             <a:endParaRPr lang="zh-TW"/>
           </a:p>
         </c:txPr>
-        <c:crossAx val="365298528"/>
+        <c:crossAx val="357244048"/>
         <c:crosses val="autoZero"/>
         <c:crossBetween val="between"/>
       </c:valAx>
@@ -7447,11 +7447,11 @@
         </c:dLbls>
         <c:gapWidth val="100"/>
         <c:overlap val="-24"/>
-        <c:axId val="365825144"/>
-        <c:axId val="365825536"/>
+        <c:axId val="357245224"/>
+        <c:axId val="357245616"/>
       </c:barChart>
       <c:catAx>
-        <c:axId val="365825144"/>
+        <c:axId val="357245224"/>
         <c:scaling>
           <c:orientation val="minMax"/>
         </c:scaling>
@@ -7542,7 +7542,7 @@
             <a:endParaRPr lang="zh-TW"/>
           </a:p>
         </c:txPr>
-        <c:crossAx val="365825536"/>
+        <c:crossAx val="357245616"/>
         <c:crosses val="autoZero"/>
         <c:auto val="1"/>
         <c:lblAlgn val="ctr"/>
@@ -7550,7 +7550,7 @@
         <c:noMultiLvlLbl val="0"/>
       </c:catAx>
       <c:valAx>
-        <c:axId val="365825536"/>
+        <c:axId val="357245616"/>
         <c:scaling>
           <c:orientation val="minMax"/>
         </c:scaling>
@@ -7649,7 +7649,7 @@
             <a:endParaRPr lang="zh-TW"/>
           </a:p>
         </c:txPr>
-        <c:crossAx val="365825144"/>
+        <c:crossAx val="357245224"/>
         <c:crosses val="autoZero"/>
         <c:crossBetween val="between"/>
       </c:valAx>
@@ -7839,11 +7839,11 @@
         </c:dLbls>
         <c:gapWidth val="150"/>
         <c:overlap val="100"/>
-        <c:axId val="364080600"/>
-        <c:axId val="364080984"/>
+        <c:axId val="354697880"/>
+        <c:axId val="354698272"/>
       </c:barChart>
       <c:catAx>
-        <c:axId val="364080600"/>
+        <c:axId val="354697880"/>
         <c:scaling>
           <c:orientation val="minMax"/>
         </c:scaling>
@@ -7882,7 +7882,7 @@
             <a:endParaRPr lang="zh-TW"/>
           </a:p>
         </c:txPr>
-        <c:crossAx val="364080984"/>
+        <c:crossAx val="354698272"/>
         <c:crosses val="autoZero"/>
         <c:auto val="1"/>
         <c:lblAlgn val="ctr"/>
@@ -7890,7 +7890,7 @@
         <c:noMultiLvlLbl val="0"/>
       </c:catAx>
       <c:valAx>
-        <c:axId val="364080984"/>
+        <c:axId val="354698272"/>
         <c:scaling>
           <c:orientation val="minMax"/>
         </c:scaling>
@@ -7944,7 +7944,7 @@
             <a:endParaRPr lang="zh-TW"/>
           </a:p>
         </c:txPr>
-        <c:crossAx val="364080600"/>
+        <c:crossAx val="354697880"/>
         <c:crosses val="autoZero"/>
         <c:crossBetween val="between"/>
       </c:valAx>
@@ -8377,11 +8377,11 @@
           <c:showBubbleSize val="0"/>
         </c:dLbls>
         <c:smooth val="0"/>
-        <c:axId val="428111424"/>
-        <c:axId val="430918400"/>
+        <c:axId val="421306432"/>
+        <c:axId val="421306824"/>
       </c:lineChart>
       <c:catAx>
-        <c:axId val="428111424"/>
+        <c:axId val="421306432"/>
         <c:scaling>
           <c:orientation val="minMax"/>
         </c:scaling>
@@ -8391,7 +8391,7 @@
         <c:majorTickMark val="out"/>
         <c:minorTickMark val="none"/>
         <c:tickLblPos val="nextTo"/>
-        <c:crossAx val="430918400"/>
+        <c:crossAx val="421306824"/>
         <c:crosses val="autoZero"/>
         <c:auto val="1"/>
         <c:lblAlgn val="ctr"/>
@@ -8399,7 +8399,7 @@
         <c:noMultiLvlLbl val="0"/>
       </c:catAx>
       <c:valAx>
-        <c:axId val="430918400"/>
+        <c:axId val="421306824"/>
         <c:scaling>
           <c:orientation val="minMax"/>
         </c:scaling>
@@ -8410,7 +8410,7 @@
         <c:majorTickMark val="out"/>
         <c:minorTickMark val="none"/>
         <c:tickLblPos val="nextTo"/>
-        <c:crossAx val="428111424"/>
+        <c:crossAx val="421306432"/>
         <c:crosses val="autoZero"/>
         <c:crossBetween val="between"/>
       </c:valAx>
@@ -8542,11 +8542,11 @@
         </c:dLbls>
         <c:gapWidth val="150"/>
         <c:overlap val="100"/>
-        <c:axId val="363195680"/>
-        <c:axId val="363196072"/>
+        <c:axId val="354990912"/>
+        <c:axId val="354991304"/>
       </c:barChart>
       <c:catAx>
-        <c:axId val="363195680"/>
+        <c:axId val="354990912"/>
         <c:scaling>
           <c:orientation val="minMax"/>
         </c:scaling>
@@ -8555,7 +8555,7 @@
         <c:majorTickMark val="out"/>
         <c:minorTickMark val="none"/>
         <c:tickLblPos val="nextTo"/>
-        <c:crossAx val="363196072"/>
+        <c:crossAx val="354991304"/>
         <c:crosses val="autoZero"/>
         <c:auto val="1"/>
         <c:lblAlgn val="ctr"/>
@@ -8563,7 +8563,7 @@
         <c:noMultiLvlLbl val="0"/>
       </c:catAx>
       <c:valAx>
-        <c:axId val="363196072"/>
+        <c:axId val="354991304"/>
         <c:scaling>
           <c:orientation val="minMax"/>
         </c:scaling>
@@ -8574,7 +8574,7 @@
         <c:majorTickMark val="out"/>
         <c:minorTickMark val="none"/>
         <c:tickLblPos val="nextTo"/>
-        <c:crossAx val="363195680"/>
+        <c:crossAx val="354990912"/>
         <c:crosses val="autoZero"/>
         <c:crossBetween val="between"/>
       </c:valAx>
@@ -8745,11 +8745,11 @@
         </c:dLbls>
         <c:gapWidth val="150"/>
         <c:overlap val="100"/>
-        <c:axId val="363196856"/>
-        <c:axId val="363197248"/>
+        <c:axId val="354992088"/>
+        <c:axId val="354992480"/>
       </c:barChart>
       <c:catAx>
-        <c:axId val="363196856"/>
+        <c:axId val="354992088"/>
         <c:scaling>
           <c:orientation val="minMax"/>
         </c:scaling>
@@ -8788,7 +8788,7 @@
             <a:endParaRPr lang="zh-TW"/>
           </a:p>
         </c:txPr>
-        <c:crossAx val="363197248"/>
+        <c:crossAx val="354992480"/>
         <c:crosses val="autoZero"/>
         <c:auto val="1"/>
         <c:lblAlgn val="ctr"/>
@@ -8796,7 +8796,7 @@
         <c:noMultiLvlLbl val="0"/>
       </c:catAx>
       <c:valAx>
-        <c:axId val="363197248"/>
+        <c:axId val="354992480"/>
         <c:scaling>
           <c:orientation val="minMax"/>
         </c:scaling>
@@ -8850,7 +8850,7 @@
             <a:endParaRPr lang="zh-TW"/>
           </a:p>
         </c:txPr>
-        <c:crossAx val="363196856"/>
+        <c:crossAx val="354992088"/>
         <c:crosses val="autoZero"/>
         <c:crossBetween val="between"/>
       </c:valAx>
@@ -9435,11 +9435,11 @@
           <c:showBubbleSize val="0"/>
         </c:dLbls>
         <c:smooth val="0"/>
-        <c:axId val="430919576"/>
-        <c:axId val="430919968"/>
+        <c:axId val="421231504"/>
+        <c:axId val="421231896"/>
       </c:lineChart>
       <c:catAx>
-        <c:axId val="430919576"/>
+        <c:axId val="421231504"/>
         <c:scaling>
           <c:orientation val="minMax"/>
         </c:scaling>
@@ -9449,7 +9449,7 @@
         <c:majorTickMark val="out"/>
         <c:minorTickMark val="none"/>
         <c:tickLblPos val="nextTo"/>
-        <c:crossAx val="430919968"/>
+        <c:crossAx val="421231896"/>
         <c:crosses val="autoZero"/>
         <c:auto val="1"/>
         <c:lblAlgn val="ctr"/>
@@ -9457,7 +9457,7 @@
         <c:noMultiLvlLbl val="0"/>
       </c:catAx>
       <c:valAx>
-        <c:axId val="430919968"/>
+        <c:axId val="421231896"/>
         <c:scaling>
           <c:orientation val="minMax"/>
         </c:scaling>
@@ -9468,7 +9468,7 @@
         <c:majorTickMark val="out"/>
         <c:minorTickMark val="none"/>
         <c:tickLblPos val="nextTo"/>
-        <c:crossAx val="430919576"/>
+        <c:crossAx val="421231504"/>
         <c:crosses val="autoZero"/>
         <c:crossBetween val="between"/>
       </c:valAx>
@@ -9640,11 +9640,11 @@
         </c:dLbls>
         <c:gapWidth val="150"/>
         <c:overlap val="100"/>
-        <c:axId val="430920752"/>
-        <c:axId val="430921144"/>
+        <c:axId val="421307216"/>
+        <c:axId val="425382704"/>
       </c:barChart>
       <c:catAx>
-        <c:axId val="430920752"/>
+        <c:axId val="421307216"/>
         <c:scaling>
           <c:orientation val="minMax"/>
         </c:scaling>
@@ -9683,7 +9683,7 @@
             <a:endParaRPr lang="zh-TW"/>
           </a:p>
         </c:txPr>
-        <c:crossAx val="430921144"/>
+        <c:crossAx val="425382704"/>
         <c:crosses val="autoZero"/>
         <c:auto val="1"/>
         <c:lblAlgn val="ctr"/>
@@ -9691,7 +9691,7 @@
         <c:noMultiLvlLbl val="0"/>
       </c:catAx>
       <c:valAx>
-        <c:axId val="430921144"/>
+        <c:axId val="425382704"/>
         <c:scaling>
           <c:orientation val="minMax"/>
         </c:scaling>
@@ -9745,7 +9745,7 @@
             <a:endParaRPr lang="zh-TW"/>
           </a:p>
         </c:txPr>
-        <c:crossAx val="430920752"/>
+        <c:crossAx val="421307216"/>
         <c:crosses val="autoZero"/>
         <c:crossBetween val="between"/>
       </c:valAx>
@@ -9946,11 +9946,11 @@
         </c:dLbls>
         <c:gapWidth val="150"/>
         <c:overlap val="100"/>
-        <c:axId val="430921928"/>
-        <c:axId val="432765352"/>
+        <c:axId val="425383488"/>
+        <c:axId val="425383880"/>
       </c:barChart>
       <c:catAx>
-        <c:axId val="430921928"/>
+        <c:axId val="425383488"/>
         <c:scaling>
           <c:orientation val="minMax"/>
         </c:scaling>
@@ -9959,7 +9959,7 @@
         <c:majorTickMark val="out"/>
         <c:minorTickMark val="none"/>
         <c:tickLblPos val="nextTo"/>
-        <c:crossAx val="432765352"/>
+        <c:crossAx val="425383880"/>
         <c:crosses val="autoZero"/>
         <c:auto val="1"/>
         <c:lblAlgn val="ctr"/>
@@ -9967,7 +9967,7 @@
         <c:noMultiLvlLbl val="0"/>
       </c:catAx>
       <c:valAx>
-        <c:axId val="432765352"/>
+        <c:axId val="425383880"/>
         <c:scaling>
           <c:orientation val="minMax"/>
         </c:scaling>
@@ -9978,7 +9978,7 @@
         <c:majorTickMark val="out"/>
         <c:minorTickMark val="none"/>
         <c:tickLblPos val="nextTo"/>
-        <c:crossAx val="430921928"/>
+        <c:crossAx val="425383488"/>
         <c:crosses val="autoZero"/>
         <c:crossBetween val="between"/>
       </c:valAx>
@@ -17390,7 +17390,7 @@
           <a:p>
             <a:fld id="{E243AB4B-C002-4A57-A121-23696A289C89}" type="datetimeFigureOut">
               <a:rPr lang="zh-TW" altLang="en-US" smtClean="0"/>
-              <a:t>2018/7/9</a:t>
+              <a:t>2018/7/10</a:t>
             </a:fld>
             <a:endParaRPr lang="zh-TW" altLang="en-US"/>
           </a:p>
@@ -17789,7 +17789,7 @@
           <a:p>
             <a:fld id="{D7305CD7-4FAB-4D77-944A-0FC8E0CEA242}" type="datetimeFigureOut">
               <a:rPr lang="zh-TW" altLang="en-US" smtClean="0"/>
-              <a:t>2018/7/9</a:t>
+              <a:t>2018/7/10</a:t>
             </a:fld>
             <a:endParaRPr lang="zh-TW" altLang="en-US"/>
           </a:p>
@@ -17959,7 +17959,7 @@
           <a:p>
             <a:fld id="{D7305CD7-4FAB-4D77-944A-0FC8E0CEA242}" type="datetimeFigureOut">
               <a:rPr lang="zh-TW" altLang="en-US" smtClean="0"/>
-              <a:t>2018/7/9</a:t>
+              <a:t>2018/7/10</a:t>
             </a:fld>
             <a:endParaRPr lang="zh-TW" altLang="en-US"/>
           </a:p>
@@ -18139,7 +18139,7 @@
           <a:p>
             <a:fld id="{D7305CD7-4FAB-4D77-944A-0FC8E0CEA242}" type="datetimeFigureOut">
               <a:rPr lang="zh-TW" altLang="en-US" smtClean="0"/>
-              <a:t>2018/7/9</a:t>
+              <a:t>2018/7/10</a:t>
             </a:fld>
             <a:endParaRPr lang="zh-TW" altLang="en-US"/>
           </a:p>
@@ -18309,7 +18309,7 @@
           <a:p>
             <a:fld id="{D7305CD7-4FAB-4D77-944A-0FC8E0CEA242}" type="datetimeFigureOut">
               <a:rPr lang="zh-TW" altLang="en-US" smtClean="0"/>
-              <a:t>2018/7/9</a:t>
+              <a:t>2018/7/10</a:t>
             </a:fld>
             <a:endParaRPr lang="zh-TW" altLang="en-US"/>
           </a:p>
@@ -18555,7 +18555,7 @@
           <a:p>
             <a:fld id="{D7305CD7-4FAB-4D77-944A-0FC8E0CEA242}" type="datetimeFigureOut">
               <a:rPr lang="zh-TW" altLang="en-US" smtClean="0"/>
-              <a:t>2018/7/9</a:t>
+              <a:t>2018/7/10</a:t>
             </a:fld>
             <a:endParaRPr lang="zh-TW" altLang="en-US"/>
           </a:p>
@@ -18787,7 +18787,7 @@
           <a:p>
             <a:fld id="{D7305CD7-4FAB-4D77-944A-0FC8E0CEA242}" type="datetimeFigureOut">
               <a:rPr lang="zh-TW" altLang="en-US" smtClean="0"/>
-              <a:t>2018/7/9</a:t>
+              <a:t>2018/7/10</a:t>
             </a:fld>
             <a:endParaRPr lang="zh-TW" altLang="en-US"/>
           </a:p>
@@ -19154,7 +19154,7 @@
           <a:p>
             <a:fld id="{D7305CD7-4FAB-4D77-944A-0FC8E0CEA242}" type="datetimeFigureOut">
               <a:rPr lang="zh-TW" altLang="en-US" smtClean="0"/>
-              <a:t>2018/7/9</a:t>
+              <a:t>2018/7/10</a:t>
             </a:fld>
             <a:endParaRPr lang="zh-TW" altLang="en-US"/>
           </a:p>
@@ -19272,7 +19272,7 @@
           <a:p>
             <a:fld id="{D7305CD7-4FAB-4D77-944A-0FC8E0CEA242}" type="datetimeFigureOut">
               <a:rPr lang="zh-TW" altLang="en-US" smtClean="0"/>
-              <a:t>2018/7/9</a:t>
+              <a:t>2018/7/10</a:t>
             </a:fld>
             <a:endParaRPr lang="zh-TW" altLang="en-US"/>
           </a:p>
@@ -19367,7 +19367,7 @@
           <a:p>
             <a:fld id="{D7305CD7-4FAB-4D77-944A-0FC8E0CEA242}" type="datetimeFigureOut">
               <a:rPr lang="zh-TW" altLang="en-US" smtClean="0"/>
-              <a:t>2018/7/9</a:t>
+              <a:t>2018/7/10</a:t>
             </a:fld>
             <a:endParaRPr lang="zh-TW" altLang="en-US"/>
           </a:p>
@@ -19644,7 +19644,7 @@
           <a:p>
             <a:fld id="{D7305CD7-4FAB-4D77-944A-0FC8E0CEA242}" type="datetimeFigureOut">
               <a:rPr lang="zh-TW" altLang="en-US" smtClean="0"/>
-              <a:t>2018/7/9</a:t>
+              <a:t>2018/7/10</a:t>
             </a:fld>
             <a:endParaRPr lang="zh-TW" altLang="en-US"/>
           </a:p>
@@ -19897,7 +19897,7 @@
           <a:p>
             <a:fld id="{D7305CD7-4FAB-4D77-944A-0FC8E0CEA242}" type="datetimeFigureOut">
               <a:rPr lang="zh-TW" altLang="en-US" smtClean="0"/>
-              <a:t>2018/7/9</a:t>
+              <a:t>2018/7/10</a:t>
             </a:fld>
             <a:endParaRPr lang="zh-TW" altLang="en-US"/>
           </a:p>
@@ -20110,7 +20110,7 @@
           <a:p>
             <a:fld id="{D7305CD7-4FAB-4D77-944A-0FC8E0CEA242}" type="datetimeFigureOut">
               <a:rPr lang="zh-TW" altLang="en-US" smtClean="0"/>
-              <a:t>2018/7/9</a:t>
+              <a:t>2018/7/10</a:t>
             </a:fld>
             <a:endParaRPr lang="zh-TW" altLang="en-US"/>
           </a:p>
@@ -20978,28 +20978,28 @@
                 <a:gridCol w="846161">
                   <a:extLst>
                     <a:ext uri="{9D8B030D-6E8A-4147-A177-3AD203B41FA5}">
-                      <a16:colId xmlns:a16="http://schemas.microsoft.com/office/drawing/2014/main" xmlns="" val="3908055891"/>
+                      <a16:colId xmlns="" xmlns:a16="http://schemas.microsoft.com/office/drawing/2014/main" val="3908055891"/>
                     </a:ext>
                   </a:extLst>
                 </a:gridCol>
                 <a:gridCol w="1867982">
                   <a:extLst>
                     <a:ext uri="{9D8B030D-6E8A-4147-A177-3AD203B41FA5}">
-                      <a16:colId xmlns:a16="http://schemas.microsoft.com/office/drawing/2014/main" xmlns="" val="206535301"/>
+                      <a16:colId xmlns="" xmlns:a16="http://schemas.microsoft.com/office/drawing/2014/main" val="206535301"/>
                     </a:ext>
                   </a:extLst>
                 </a:gridCol>
                 <a:gridCol w="1447544">
                   <a:extLst>
                     <a:ext uri="{9D8B030D-6E8A-4147-A177-3AD203B41FA5}">
-                      <a16:colId xmlns:a16="http://schemas.microsoft.com/office/drawing/2014/main" xmlns="" val="3145146282"/>
+                      <a16:colId xmlns="" xmlns:a16="http://schemas.microsoft.com/office/drawing/2014/main" val="3145146282"/>
                     </a:ext>
                   </a:extLst>
                 </a:gridCol>
                 <a:gridCol w="1447544">
                   <a:extLst>
                     <a:ext uri="{9D8B030D-6E8A-4147-A177-3AD203B41FA5}">
-                      <a16:colId xmlns:a16="http://schemas.microsoft.com/office/drawing/2014/main" xmlns="" val="3111837773"/>
+                      <a16:colId xmlns="" xmlns:a16="http://schemas.microsoft.com/office/drawing/2014/main" val="3111837773"/>
                     </a:ext>
                   </a:extLst>
                 </a:gridCol>
@@ -21103,7 +21103,7 @@
                 </a:tc>
                 <a:extLst>
                   <a:ext uri="{0D108BD9-81ED-4DB2-BD59-A6C34878D82A}">
-                    <a16:rowId xmlns:a16="http://schemas.microsoft.com/office/drawing/2014/main" xmlns="" val="3225729227"/>
+                    <a16:rowId xmlns="" xmlns:a16="http://schemas.microsoft.com/office/drawing/2014/main" val="3225729227"/>
                   </a:ext>
                 </a:extLst>
               </a:tr>
@@ -21206,7 +21206,7 @@
                 </a:tc>
                 <a:extLst>
                   <a:ext uri="{0D108BD9-81ED-4DB2-BD59-A6C34878D82A}">
-                    <a16:rowId xmlns:a16="http://schemas.microsoft.com/office/drawing/2014/main" xmlns="" val="931046079"/>
+                    <a16:rowId xmlns="" xmlns:a16="http://schemas.microsoft.com/office/drawing/2014/main" val="931046079"/>
                   </a:ext>
                 </a:extLst>
               </a:tr>
@@ -21309,7 +21309,7 @@
                 </a:tc>
                 <a:extLst>
                   <a:ext uri="{0D108BD9-81ED-4DB2-BD59-A6C34878D82A}">
-                    <a16:rowId xmlns:a16="http://schemas.microsoft.com/office/drawing/2014/main" xmlns="" val="2324298029"/>
+                    <a16:rowId xmlns="" xmlns:a16="http://schemas.microsoft.com/office/drawing/2014/main" val="2324298029"/>
                   </a:ext>
                 </a:extLst>
               </a:tr>
@@ -21412,7 +21412,7 @@
                 </a:tc>
                 <a:extLst>
                   <a:ext uri="{0D108BD9-81ED-4DB2-BD59-A6C34878D82A}">
-                    <a16:rowId xmlns:a16="http://schemas.microsoft.com/office/drawing/2014/main" xmlns="" val="3218504096"/>
+                    <a16:rowId xmlns="" xmlns:a16="http://schemas.microsoft.com/office/drawing/2014/main" val="3218504096"/>
                   </a:ext>
                 </a:extLst>
               </a:tr>
@@ -21515,7 +21515,7 @@
                 </a:tc>
                 <a:extLst>
                   <a:ext uri="{0D108BD9-81ED-4DB2-BD59-A6C34878D82A}">
-                    <a16:rowId xmlns:a16="http://schemas.microsoft.com/office/drawing/2014/main" xmlns="" val="1086652510"/>
+                    <a16:rowId xmlns="" xmlns:a16="http://schemas.microsoft.com/office/drawing/2014/main" val="1086652510"/>
                   </a:ext>
                 </a:extLst>
               </a:tr>
@@ -21618,7 +21618,7 @@
                 </a:tc>
                 <a:extLst>
                   <a:ext uri="{0D108BD9-81ED-4DB2-BD59-A6C34878D82A}">
-                    <a16:rowId xmlns:a16="http://schemas.microsoft.com/office/drawing/2014/main" xmlns="" val="3789800555"/>
+                    <a16:rowId xmlns="" xmlns:a16="http://schemas.microsoft.com/office/drawing/2014/main" val="3789800555"/>
                   </a:ext>
                 </a:extLst>
               </a:tr>
@@ -21721,7 +21721,7 @@
                 </a:tc>
                 <a:extLst>
                   <a:ext uri="{0D108BD9-81ED-4DB2-BD59-A6C34878D82A}">
-                    <a16:rowId xmlns:a16="http://schemas.microsoft.com/office/drawing/2014/main" xmlns="" val="1970985695"/>
+                    <a16:rowId xmlns="" xmlns:a16="http://schemas.microsoft.com/office/drawing/2014/main" val="1970985695"/>
                   </a:ext>
                 </a:extLst>
               </a:tr>
@@ -21757,28 +21757,28 @@
                 <a:gridCol w="859808">
                   <a:extLst>
                     <a:ext uri="{9D8B030D-6E8A-4147-A177-3AD203B41FA5}">
-                      <a16:colId xmlns:a16="http://schemas.microsoft.com/office/drawing/2014/main" xmlns="" val="1888037183"/>
+                      <a16:colId xmlns="" xmlns:a16="http://schemas.microsoft.com/office/drawing/2014/main" val="1888037183"/>
                     </a:ext>
                   </a:extLst>
                 </a:gridCol>
                 <a:gridCol w="1854336">
                   <a:extLst>
                     <a:ext uri="{9D8B030D-6E8A-4147-A177-3AD203B41FA5}">
-                      <a16:colId xmlns:a16="http://schemas.microsoft.com/office/drawing/2014/main" xmlns="" val="2394711862"/>
+                      <a16:colId xmlns="" xmlns:a16="http://schemas.microsoft.com/office/drawing/2014/main" val="2394711862"/>
                     </a:ext>
                   </a:extLst>
                 </a:gridCol>
                 <a:gridCol w="1447543">
                   <a:extLst>
                     <a:ext uri="{9D8B030D-6E8A-4147-A177-3AD203B41FA5}">
-                      <a16:colId xmlns:a16="http://schemas.microsoft.com/office/drawing/2014/main" xmlns="" val="2184169689"/>
+                      <a16:colId xmlns="" xmlns:a16="http://schemas.microsoft.com/office/drawing/2014/main" val="2184169689"/>
                     </a:ext>
                   </a:extLst>
                 </a:gridCol>
                 <a:gridCol w="1447543">
                   <a:extLst>
                     <a:ext uri="{9D8B030D-6E8A-4147-A177-3AD203B41FA5}">
-                      <a16:colId xmlns:a16="http://schemas.microsoft.com/office/drawing/2014/main" xmlns="" val="1835597278"/>
+                      <a16:colId xmlns="" xmlns:a16="http://schemas.microsoft.com/office/drawing/2014/main" val="1835597278"/>
                     </a:ext>
                   </a:extLst>
                 </a:gridCol>
@@ -21882,7 +21882,7 @@
                 </a:tc>
                 <a:extLst>
                   <a:ext uri="{0D108BD9-81ED-4DB2-BD59-A6C34878D82A}">
-                    <a16:rowId xmlns:a16="http://schemas.microsoft.com/office/drawing/2014/main" xmlns="" val="227494321"/>
+                    <a16:rowId xmlns="" xmlns:a16="http://schemas.microsoft.com/office/drawing/2014/main" val="227494321"/>
                   </a:ext>
                 </a:extLst>
               </a:tr>
@@ -21985,7 +21985,7 @@
                 </a:tc>
                 <a:extLst>
                   <a:ext uri="{0D108BD9-81ED-4DB2-BD59-A6C34878D82A}">
-                    <a16:rowId xmlns:a16="http://schemas.microsoft.com/office/drawing/2014/main" xmlns="" val="178013904"/>
+                    <a16:rowId xmlns="" xmlns:a16="http://schemas.microsoft.com/office/drawing/2014/main" val="178013904"/>
                   </a:ext>
                 </a:extLst>
               </a:tr>
@@ -22088,7 +22088,7 @@
                 </a:tc>
                 <a:extLst>
                   <a:ext uri="{0D108BD9-81ED-4DB2-BD59-A6C34878D82A}">
-                    <a16:rowId xmlns:a16="http://schemas.microsoft.com/office/drawing/2014/main" xmlns="" val="885210616"/>
+                    <a16:rowId xmlns="" xmlns:a16="http://schemas.microsoft.com/office/drawing/2014/main" val="885210616"/>
                   </a:ext>
                 </a:extLst>
               </a:tr>
@@ -22191,7 +22191,7 @@
                 </a:tc>
                 <a:extLst>
                   <a:ext uri="{0D108BD9-81ED-4DB2-BD59-A6C34878D82A}">
-                    <a16:rowId xmlns:a16="http://schemas.microsoft.com/office/drawing/2014/main" xmlns="" val="3853489847"/>
+                    <a16:rowId xmlns="" xmlns:a16="http://schemas.microsoft.com/office/drawing/2014/main" val="3853489847"/>
                   </a:ext>
                 </a:extLst>
               </a:tr>
@@ -22294,7 +22294,7 @@
                 </a:tc>
                 <a:extLst>
                   <a:ext uri="{0D108BD9-81ED-4DB2-BD59-A6C34878D82A}">
-                    <a16:rowId xmlns:a16="http://schemas.microsoft.com/office/drawing/2014/main" xmlns="" val="2705185472"/>
+                    <a16:rowId xmlns="" xmlns:a16="http://schemas.microsoft.com/office/drawing/2014/main" val="2705185472"/>
                   </a:ext>
                 </a:extLst>
               </a:tr>
@@ -22397,7 +22397,7 @@
                 </a:tc>
                 <a:extLst>
                   <a:ext uri="{0D108BD9-81ED-4DB2-BD59-A6C34878D82A}">
-                    <a16:rowId xmlns:a16="http://schemas.microsoft.com/office/drawing/2014/main" xmlns="" val="3807339643"/>
+                    <a16:rowId xmlns="" xmlns:a16="http://schemas.microsoft.com/office/drawing/2014/main" val="3807339643"/>
                   </a:ext>
                 </a:extLst>
               </a:tr>
@@ -22500,7 +22500,7 @@
                 </a:tc>
                 <a:extLst>
                   <a:ext uri="{0D108BD9-81ED-4DB2-BD59-A6C34878D82A}">
-                    <a16:rowId xmlns:a16="http://schemas.microsoft.com/office/drawing/2014/main" xmlns="" val="1899626398"/>
+                    <a16:rowId xmlns="" xmlns:a16="http://schemas.microsoft.com/office/drawing/2014/main" val="1899626398"/>
                   </a:ext>
                 </a:extLst>
               </a:tr>
@@ -22536,28 +22536,28 @@
                 <a:gridCol w="852891">
                   <a:extLst>
                     <a:ext uri="{9D8B030D-6E8A-4147-A177-3AD203B41FA5}">
-                      <a16:colId xmlns:a16="http://schemas.microsoft.com/office/drawing/2014/main" xmlns="" val="2415816988"/>
+                      <a16:colId xmlns="" xmlns:a16="http://schemas.microsoft.com/office/drawing/2014/main" val="2415816988"/>
                     </a:ext>
                   </a:extLst>
                 </a:gridCol>
                 <a:gridCol w="1910734">
                   <a:extLst>
                     <a:ext uri="{9D8B030D-6E8A-4147-A177-3AD203B41FA5}">
-                      <a16:colId xmlns:a16="http://schemas.microsoft.com/office/drawing/2014/main" xmlns="" val="1951874993"/>
+                      <a16:colId xmlns="" xmlns:a16="http://schemas.microsoft.com/office/drawing/2014/main" val="1951874993"/>
                     </a:ext>
                   </a:extLst>
                 </a:gridCol>
                 <a:gridCol w="1473934">
                   <a:extLst>
                     <a:ext uri="{9D8B030D-6E8A-4147-A177-3AD203B41FA5}">
-                      <a16:colId xmlns:a16="http://schemas.microsoft.com/office/drawing/2014/main" xmlns="" val="723790218"/>
+                      <a16:colId xmlns="" xmlns:a16="http://schemas.microsoft.com/office/drawing/2014/main" val="723790218"/>
                     </a:ext>
                   </a:extLst>
                 </a:gridCol>
                 <a:gridCol w="1473934">
                   <a:extLst>
                     <a:ext uri="{9D8B030D-6E8A-4147-A177-3AD203B41FA5}">
-                      <a16:colId xmlns:a16="http://schemas.microsoft.com/office/drawing/2014/main" xmlns="" val="776132826"/>
+                      <a16:colId xmlns="" xmlns:a16="http://schemas.microsoft.com/office/drawing/2014/main" val="776132826"/>
                     </a:ext>
                   </a:extLst>
                 </a:gridCol>
@@ -22661,7 +22661,7 @@
                 </a:tc>
                 <a:extLst>
                   <a:ext uri="{0D108BD9-81ED-4DB2-BD59-A6C34878D82A}">
-                    <a16:rowId xmlns:a16="http://schemas.microsoft.com/office/drawing/2014/main" xmlns="" val="896298176"/>
+                    <a16:rowId xmlns="" xmlns:a16="http://schemas.microsoft.com/office/drawing/2014/main" val="896298176"/>
                   </a:ext>
                 </a:extLst>
               </a:tr>
@@ -22764,7 +22764,7 @@
                 </a:tc>
                 <a:extLst>
                   <a:ext uri="{0D108BD9-81ED-4DB2-BD59-A6C34878D82A}">
-                    <a16:rowId xmlns:a16="http://schemas.microsoft.com/office/drawing/2014/main" xmlns="" val="93657621"/>
+                    <a16:rowId xmlns="" xmlns:a16="http://schemas.microsoft.com/office/drawing/2014/main" val="93657621"/>
                   </a:ext>
                 </a:extLst>
               </a:tr>
@@ -22867,7 +22867,7 @@
                 </a:tc>
                 <a:extLst>
                   <a:ext uri="{0D108BD9-81ED-4DB2-BD59-A6C34878D82A}">
-                    <a16:rowId xmlns:a16="http://schemas.microsoft.com/office/drawing/2014/main" xmlns="" val="2226186151"/>
+                    <a16:rowId xmlns="" xmlns:a16="http://schemas.microsoft.com/office/drawing/2014/main" val="2226186151"/>
                   </a:ext>
                 </a:extLst>
               </a:tr>
@@ -22970,7 +22970,7 @@
                 </a:tc>
                 <a:extLst>
                   <a:ext uri="{0D108BD9-81ED-4DB2-BD59-A6C34878D82A}">
-                    <a16:rowId xmlns:a16="http://schemas.microsoft.com/office/drawing/2014/main" xmlns="" val="262573146"/>
+                    <a16:rowId xmlns="" xmlns:a16="http://schemas.microsoft.com/office/drawing/2014/main" val="262573146"/>
                   </a:ext>
                 </a:extLst>
               </a:tr>
@@ -23073,7 +23073,7 @@
                 </a:tc>
                 <a:extLst>
                   <a:ext uri="{0D108BD9-81ED-4DB2-BD59-A6C34878D82A}">
-                    <a16:rowId xmlns:a16="http://schemas.microsoft.com/office/drawing/2014/main" xmlns="" val="3323147282"/>
+                    <a16:rowId xmlns="" xmlns:a16="http://schemas.microsoft.com/office/drawing/2014/main" val="3323147282"/>
                   </a:ext>
                 </a:extLst>
               </a:tr>
@@ -23176,7 +23176,7 @@
                 </a:tc>
                 <a:extLst>
                   <a:ext uri="{0D108BD9-81ED-4DB2-BD59-A6C34878D82A}">
-                    <a16:rowId xmlns:a16="http://schemas.microsoft.com/office/drawing/2014/main" xmlns="" val="631755839"/>
+                    <a16:rowId xmlns="" xmlns:a16="http://schemas.microsoft.com/office/drawing/2014/main" val="631755839"/>
                   </a:ext>
                 </a:extLst>
               </a:tr>
@@ -23279,7 +23279,7 @@
                 </a:tc>
                 <a:extLst>
                   <a:ext uri="{0D108BD9-81ED-4DB2-BD59-A6C34878D82A}">
-                    <a16:rowId xmlns:a16="http://schemas.microsoft.com/office/drawing/2014/main" xmlns="" val="1818447293"/>
+                    <a16:rowId xmlns="" xmlns:a16="http://schemas.microsoft.com/office/drawing/2014/main" val="1818447293"/>
                   </a:ext>
                 </a:extLst>
               </a:tr>
@@ -23315,28 +23315,28 @@
                 <a:gridCol w="852891">
                   <a:extLst>
                     <a:ext uri="{9D8B030D-6E8A-4147-A177-3AD203B41FA5}">
-                      <a16:colId xmlns:a16="http://schemas.microsoft.com/office/drawing/2014/main" xmlns="" val="3086676789"/>
+                      <a16:colId xmlns="" xmlns:a16="http://schemas.microsoft.com/office/drawing/2014/main" val="3086676789"/>
                     </a:ext>
                   </a:extLst>
                 </a:gridCol>
                 <a:gridCol w="1910735">
                   <a:extLst>
                     <a:ext uri="{9D8B030D-6E8A-4147-A177-3AD203B41FA5}">
-                      <a16:colId xmlns:a16="http://schemas.microsoft.com/office/drawing/2014/main" xmlns="" val="3286496496"/>
+                      <a16:colId xmlns="" xmlns:a16="http://schemas.microsoft.com/office/drawing/2014/main" val="3286496496"/>
                     </a:ext>
                   </a:extLst>
                 </a:gridCol>
                 <a:gridCol w="1473934">
                   <a:extLst>
                     <a:ext uri="{9D8B030D-6E8A-4147-A177-3AD203B41FA5}">
-                      <a16:colId xmlns:a16="http://schemas.microsoft.com/office/drawing/2014/main" xmlns="" val="2328386466"/>
+                      <a16:colId xmlns="" xmlns:a16="http://schemas.microsoft.com/office/drawing/2014/main" val="2328386466"/>
                     </a:ext>
                   </a:extLst>
                 </a:gridCol>
                 <a:gridCol w="1473934">
                   <a:extLst>
                     <a:ext uri="{9D8B030D-6E8A-4147-A177-3AD203B41FA5}">
-                      <a16:colId xmlns:a16="http://schemas.microsoft.com/office/drawing/2014/main" xmlns="" val="3560455161"/>
+                      <a16:colId xmlns="" xmlns:a16="http://schemas.microsoft.com/office/drawing/2014/main" val="3560455161"/>
                     </a:ext>
                   </a:extLst>
                 </a:gridCol>
@@ -23440,7 +23440,7 @@
                 </a:tc>
                 <a:extLst>
                   <a:ext uri="{0D108BD9-81ED-4DB2-BD59-A6C34878D82A}">
-                    <a16:rowId xmlns:a16="http://schemas.microsoft.com/office/drawing/2014/main" xmlns="" val="3009685609"/>
+                    <a16:rowId xmlns="" xmlns:a16="http://schemas.microsoft.com/office/drawing/2014/main" val="3009685609"/>
                   </a:ext>
                 </a:extLst>
               </a:tr>
@@ -23543,7 +23543,7 @@
                 </a:tc>
                 <a:extLst>
                   <a:ext uri="{0D108BD9-81ED-4DB2-BD59-A6C34878D82A}">
-                    <a16:rowId xmlns:a16="http://schemas.microsoft.com/office/drawing/2014/main" xmlns="" val="452812577"/>
+                    <a16:rowId xmlns="" xmlns:a16="http://schemas.microsoft.com/office/drawing/2014/main" val="452812577"/>
                   </a:ext>
                 </a:extLst>
               </a:tr>
@@ -23646,7 +23646,7 @@
                 </a:tc>
                 <a:extLst>
                   <a:ext uri="{0D108BD9-81ED-4DB2-BD59-A6C34878D82A}">
-                    <a16:rowId xmlns:a16="http://schemas.microsoft.com/office/drawing/2014/main" xmlns="" val="1903660180"/>
+                    <a16:rowId xmlns="" xmlns:a16="http://schemas.microsoft.com/office/drawing/2014/main" val="1903660180"/>
                   </a:ext>
                 </a:extLst>
               </a:tr>
@@ -23749,7 +23749,7 @@
                 </a:tc>
                 <a:extLst>
                   <a:ext uri="{0D108BD9-81ED-4DB2-BD59-A6C34878D82A}">
-                    <a16:rowId xmlns:a16="http://schemas.microsoft.com/office/drawing/2014/main" xmlns="" val="3997584255"/>
+                    <a16:rowId xmlns="" xmlns:a16="http://schemas.microsoft.com/office/drawing/2014/main" val="3997584255"/>
                   </a:ext>
                 </a:extLst>
               </a:tr>
@@ -23852,7 +23852,7 @@
                 </a:tc>
                 <a:extLst>
                   <a:ext uri="{0D108BD9-81ED-4DB2-BD59-A6C34878D82A}">
-                    <a16:rowId xmlns:a16="http://schemas.microsoft.com/office/drawing/2014/main" xmlns="" val="4130059379"/>
+                    <a16:rowId xmlns="" xmlns:a16="http://schemas.microsoft.com/office/drawing/2014/main" val="4130059379"/>
                   </a:ext>
                 </a:extLst>
               </a:tr>
@@ -23955,7 +23955,7 @@
                 </a:tc>
                 <a:extLst>
                   <a:ext uri="{0D108BD9-81ED-4DB2-BD59-A6C34878D82A}">
-                    <a16:rowId xmlns:a16="http://schemas.microsoft.com/office/drawing/2014/main" xmlns="" val="1219916940"/>
+                    <a16:rowId xmlns="" xmlns:a16="http://schemas.microsoft.com/office/drawing/2014/main" val="1219916940"/>
                   </a:ext>
                 </a:extLst>
               </a:tr>
@@ -24058,7 +24058,7 @@
                 </a:tc>
                 <a:extLst>
                   <a:ext uri="{0D108BD9-81ED-4DB2-BD59-A6C34878D82A}">
-                    <a16:rowId xmlns:a16="http://schemas.microsoft.com/office/drawing/2014/main" xmlns="" val="597544964"/>
+                    <a16:rowId xmlns="" xmlns:a16="http://schemas.microsoft.com/office/drawing/2014/main" val="597544964"/>
                   </a:ext>
                 </a:extLst>
               </a:tr>
@@ -24307,21 +24307,21 @@
                 <a:latin typeface="Book Antiqua" panose="02040602050305030304" pitchFamily="18" charset="0"/>
                 <a:ea typeface="標楷體" panose="03000509000000000000" pitchFamily="65" charset="-120"/>
               </a:rPr>
-              <a:t>檔股票，以同一筆資金</a:t>
-            </a:r>
-            <a:r>
-              <a:rPr lang="en-US" altLang="zh-TW" sz="2000" dirty="0" smtClean="0">
-                <a:latin typeface="Book Antiqua" panose="02040602050305030304" pitchFamily="18" charset="0"/>
-                <a:ea typeface="標楷體" panose="03000509000000000000" pitchFamily="65" charset="-120"/>
-              </a:rPr>
-              <a:t>rolling</a:t>
+              <a:t>檔股票，以同一筆</a:t>
             </a:r>
             <a:r>
               <a:rPr lang="zh-TW" altLang="en-US" sz="2000" dirty="0" smtClean="0">
                 <a:latin typeface="Book Antiqua" panose="02040602050305030304" pitchFamily="18" charset="0"/>
                 <a:ea typeface="標楷體" panose="03000509000000000000" pitchFamily="65" charset="-120"/>
               </a:rPr>
-              <a:t>，在持有期間到期後再繼續投資，並計算每次投資平均報酬</a:t>
+              <a:t>資金進場，</a:t>
+            </a:r>
+            <a:r>
+              <a:rPr lang="zh-TW" altLang="en-US" sz="2000" dirty="0" smtClean="0">
+                <a:latin typeface="Book Antiqua" panose="02040602050305030304" pitchFamily="18" charset="0"/>
+                <a:ea typeface="標楷體" panose="03000509000000000000" pitchFamily="65" charset="-120"/>
+              </a:rPr>
+              <a:t>在持有期間到期後再繼續投資，並計算每次投資平均報酬</a:t>
             </a:r>
             <a:r>
               <a:rPr lang="zh-TW" altLang="en-US" sz="2000" dirty="0">
@@ -25829,21 +25829,21 @@
                 <a:latin typeface="Book Antiqua" panose="02040602050305030304" pitchFamily="18" charset="0"/>
                 <a:ea typeface="標楷體" panose="03000509000000000000" pitchFamily="65" charset="-120"/>
               </a:rPr>
-              <a:t>的資金</a:t>
-            </a:r>
-            <a:r>
-              <a:rPr lang="en-US" altLang="zh-TW" sz="2400" dirty="0">
+              <a:t>的</a:t>
+            </a:r>
+            <a:r>
+              <a:rPr lang="zh-TW" altLang="en-US" sz="2400" dirty="0" smtClean="0">
                 <a:latin typeface="Book Antiqua" panose="02040602050305030304" pitchFamily="18" charset="0"/>
                 <a:ea typeface="標楷體" panose="03000509000000000000" pitchFamily="65" charset="-120"/>
               </a:rPr>
-              <a:t>rolling</a:t>
+              <a:t>資金進場，</a:t>
             </a:r>
             <a:r>
               <a:rPr lang="zh-TW" altLang="en-US" sz="2400" dirty="0">
                 <a:latin typeface="Book Antiqua" panose="02040602050305030304" pitchFamily="18" charset="0"/>
                 <a:ea typeface="標楷體" panose="03000509000000000000" pitchFamily="65" charset="-120"/>
               </a:rPr>
-              <a:t>，在持有期間到期</a:t>
+              <a:t>在持有期間到期</a:t>
             </a:r>
             <a:r>
               <a:rPr lang="zh-TW" altLang="en-US" sz="2400" dirty="0" smtClean="0">
@@ -26804,28 +26804,28 @@
                 <a:gridCol w="736948">
                   <a:extLst>
                     <a:ext uri="{9D8B030D-6E8A-4147-A177-3AD203B41FA5}">
-                      <a16:colId xmlns:a16="http://schemas.microsoft.com/office/drawing/2014/main" xmlns="" val="1566779113"/>
+                      <a16:colId xmlns="" xmlns:a16="http://schemas.microsoft.com/office/drawing/2014/main" val="1566779113"/>
                     </a:ext>
                   </a:extLst>
                 </a:gridCol>
                 <a:gridCol w="1361034">
                   <a:extLst>
                     <a:ext uri="{9D8B030D-6E8A-4147-A177-3AD203B41FA5}">
-                      <a16:colId xmlns:a16="http://schemas.microsoft.com/office/drawing/2014/main" xmlns="" val="1361483255"/>
+                      <a16:colId xmlns="" xmlns:a16="http://schemas.microsoft.com/office/drawing/2014/main" val="1361483255"/>
                     </a:ext>
                   </a:extLst>
                 </a:gridCol>
                 <a:gridCol w="1665503">
                   <a:extLst>
                     <a:ext uri="{9D8B030D-6E8A-4147-A177-3AD203B41FA5}">
-                      <a16:colId xmlns:a16="http://schemas.microsoft.com/office/drawing/2014/main" xmlns="" val="2331088464"/>
+                      <a16:colId xmlns="" xmlns:a16="http://schemas.microsoft.com/office/drawing/2014/main" val="2331088464"/>
                     </a:ext>
                   </a:extLst>
                 </a:gridCol>
                 <a:gridCol w="1665503">
                   <a:extLst>
                     <a:ext uri="{9D8B030D-6E8A-4147-A177-3AD203B41FA5}">
-                      <a16:colId xmlns:a16="http://schemas.microsoft.com/office/drawing/2014/main" xmlns="" val="400509397"/>
+                      <a16:colId xmlns="" xmlns:a16="http://schemas.microsoft.com/office/drawing/2014/main" val="400509397"/>
                     </a:ext>
                   </a:extLst>
                 </a:gridCol>
@@ -26929,7 +26929,7 @@
                 </a:tc>
                 <a:extLst>
                   <a:ext uri="{0D108BD9-81ED-4DB2-BD59-A6C34878D82A}">
-                    <a16:rowId xmlns:a16="http://schemas.microsoft.com/office/drawing/2014/main" xmlns="" val="3083642062"/>
+                    <a16:rowId xmlns="" xmlns:a16="http://schemas.microsoft.com/office/drawing/2014/main" val="3083642062"/>
                   </a:ext>
                 </a:extLst>
               </a:tr>
@@ -27032,7 +27032,7 @@
                 </a:tc>
                 <a:extLst>
                   <a:ext uri="{0D108BD9-81ED-4DB2-BD59-A6C34878D82A}">
-                    <a16:rowId xmlns:a16="http://schemas.microsoft.com/office/drawing/2014/main" xmlns="" val="437582834"/>
+                    <a16:rowId xmlns="" xmlns:a16="http://schemas.microsoft.com/office/drawing/2014/main" val="437582834"/>
                   </a:ext>
                 </a:extLst>
               </a:tr>
@@ -27135,7 +27135,7 @@
                 </a:tc>
                 <a:extLst>
                   <a:ext uri="{0D108BD9-81ED-4DB2-BD59-A6C34878D82A}">
-                    <a16:rowId xmlns:a16="http://schemas.microsoft.com/office/drawing/2014/main" xmlns="" val="4083898570"/>
+                    <a16:rowId xmlns="" xmlns:a16="http://schemas.microsoft.com/office/drawing/2014/main" val="4083898570"/>
                   </a:ext>
                 </a:extLst>
               </a:tr>
@@ -27238,7 +27238,7 @@
                 </a:tc>
                 <a:extLst>
                   <a:ext uri="{0D108BD9-81ED-4DB2-BD59-A6C34878D82A}">
-                    <a16:rowId xmlns:a16="http://schemas.microsoft.com/office/drawing/2014/main" xmlns="" val="3747906298"/>
+                    <a16:rowId xmlns="" xmlns:a16="http://schemas.microsoft.com/office/drawing/2014/main" val="3747906298"/>
                   </a:ext>
                 </a:extLst>
               </a:tr>
@@ -27341,7 +27341,7 @@
                 </a:tc>
                 <a:extLst>
                   <a:ext uri="{0D108BD9-81ED-4DB2-BD59-A6C34878D82A}">
-                    <a16:rowId xmlns:a16="http://schemas.microsoft.com/office/drawing/2014/main" xmlns="" val="1641924754"/>
+                    <a16:rowId xmlns="" xmlns:a16="http://schemas.microsoft.com/office/drawing/2014/main" val="1641924754"/>
                   </a:ext>
                 </a:extLst>
               </a:tr>
@@ -27444,7 +27444,7 @@
                 </a:tc>
                 <a:extLst>
                   <a:ext uri="{0D108BD9-81ED-4DB2-BD59-A6C34878D82A}">
-                    <a16:rowId xmlns:a16="http://schemas.microsoft.com/office/drawing/2014/main" xmlns="" val="2870552492"/>
+                    <a16:rowId xmlns="" xmlns:a16="http://schemas.microsoft.com/office/drawing/2014/main" val="2870552492"/>
                   </a:ext>
                 </a:extLst>
               </a:tr>
@@ -27547,7 +27547,7 @@
                 </a:tc>
                 <a:extLst>
                   <a:ext uri="{0D108BD9-81ED-4DB2-BD59-A6C34878D82A}">
-                    <a16:rowId xmlns:a16="http://schemas.microsoft.com/office/drawing/2014/main" xmlns="" val="3491432878"/>
+                    <a16:rowId xmlns="" xmlns:a16="http://schemas.microsoft.com/office/drawing/2014/main" val="3491432878"/>
                   </a:ext>
                 </a:extLst>
               </a:tr>
@@ -27583,28 +27583,28 @@
                 <a:gridCol w="736948">
                   <a:extLst>
                     <a:ext uri="{9D8B030D-6E8A-4147-A177-3AD203B41FA5}">
-                      <a16:colId xmlns:a16="http://schemas.microsoft.com/office/drawing/2014/main" xmlns="" val="4264518737"/>
+                      <a16:colId xmlns="" xmlns:a16="http://schemas.microsoft.com/office/drawing/2014/main" val="4264518737"/>
                     </a:ext>
                   </a:extLst>
                 </a:gridCol>
                 <a:gridCol w="1377863">
                   <a:extLst>
                     <a:ext uri="{9D8B030D-6E8A-4147-A177-3AD203B41FA5}">
-                      <a16:colId xmlns:a16="http://schemas.microsoft.com/office/drawing/2014/main" xmlns="" val="417320934"/>
+                      <a16:colId xmlns="" xmlns:a16="http://schemas.microsoft.com/office/drawing/2014/main" val="417320934"/>
                     </a:ext>
                   </a:extLst>
                 </a:gridCol>
                 <a:gridCol w="1678488">
                   <a:extLst>
                     <a:ext uri="{9D8B030D-6E8A-4147-A177-3AD203B41FA5}">
-                      <a16:colId xmlns:a16="http://schemas.microsoft.com/office/drawing/2014/main" xmlns="" val="211988347"/>
+                      <a16:colId xmlns="" xmlns:a16="http://schemas.microsoft.com/office/drawing/2014/main" val="211988347"/>
                     </a:ext>
                   </a:extLst>
                 </a:gridCol>
                 <a:gridCol w="1635689">
                   <a:extLst>
                     <a:ext uri="{9D8B030D-6E8A-4147-A177-3AD203B41FA5}">
-                      <a16:colId xmlns:a16="http://schemas.microsoft.com/office/drawing/2014/main" xmlns="" val="3553808772"/>
+                      <a16:colId xmlns="" xmlns:a16="http://schemas.microsoft.com/office/drawing/2014/main" val="3553808772"/>
                     </a:ext>
                   </a:extLst>
                 </a:gridCol>
@@ -27708,7 +27708,7 @@
                 </a:tc>
                 <a:extLst>
                   <a:ext uri="{0D108BD9-81ED-4DB2-BD59-A6C34878D82A}">
-                    <a16:rowId xmlns:a16="http://schemas.microsoft.com/office/drawing/2014/main" xmlns="" val="1495233619"/>
+                    <a16:rowId xmlns="" xmlns:a16="http://schemas.microsoft.com/office/drawing/2014/main" val="1495233619"/>
                   </a:ext>
                 </a:extLst>
               </a:tr>
@@ -27811,7 +27811,7 @@
                 </a:tc>
                 <a:extLst>
                   <a:ext uri="{0D108BD9-81ED-4DB2-BD59-A6C34878D82A}">
-                    <a16:rowId xmlns:a16="http://schemas.microsoft.com/office/drawing/2014/main" xmlns="" val="3193569931"/>
+                    <a16:rowId xmlns="" xmlns:a16="http://schemas.microsoft.com/office/drawing/2014/main" val="3193569931"/>
                   </a:ext>
                 </a:extLst>
               </a:tr>
@@ -27914,7 +27914,7 @@
                 </a:tc>
                 <a:extLst>
                   <a:ext uri="{0D108BD9-81ED-4DB2-BD59-A6C34878D82A}">
-                    <a16:rowId xmlns:a16="http://schemas.microsoft.com/office/drawing/2014/main" xmlns="" val="2519745106"/>
+                    <a16:rowId xmlns="" xmlns:a16="http://schemas.microsoft.com/office/drawing/2014/main" val="2519745106"/>
                   </a:ext>
                 </a:extLst>
               </a:tr>
@@ -28017,7 +28017,7 @@
                 </a:tc>
                 <a:extLst>
                   <a:ext uri="{0D108BD9-81ED-4DB2-BD59-A6C34878D82A}">
-                    <a16:rowId xmlns:a16="http://schemas.microsoft.com/office/drawing/2014/main" xmlns="" val="850835728"/>
+                    <a16:rowId xmlns="" xmlns:a16="http://schemas.microsoft.com/office/drawing/2014/main" val="850835728"/>
                   </a:ext>
                 </a:extLst>
               </a:tr>
@@ -28120,7 +28120,7 @@
                 </a:tc>
                 <a:extLst>
                   <a:ext uri="{0D108BD9-81ED-4DB2-BD59-A6C34878D82A}">
-                    <a16:rowId xmlns:a16="http://schemas.microsoft.com/office/drawing/2014/main" xmlns="" val="1557938797"/>
+                    <a16:rowId xmlns="" xmlns:a16="http://schemas.microsoft.com/office/drawing/2014/main" val="1557938797"/>
                   </a:ext>
                 </a:extLst>
               </a:tr>
@@ -28223,7 +28223,7 @@
                 </a:tc>
                 <a:extLst>
                   <a:ext uri="{0D108BD9-81ED-4DB2-BD59-A6C34878D82A}">
-                    <a16:rowId xmlns:a16="http://schemas.microsoft.com/office/drawing/2014/main" xmlns="" val="3321629860"/>
+                    <a16:rowId xmlns="" xmlns:a16="http://schemas.microsoft.com/office/drawing/2014/main" val="3321629860"/>
                   </a:ext>
                 </a:extLst>
               </a:tr>
@@ -28326,7 +28326,7 @@
                 </a:tc>
                 <a:extLst>
                   <a:ext uri="{0D108BD9-81ED-4DB2-BD59-A6C34878D82A}">
-                    <a16:rowId xmlns:a16="http://schemas.microsoft.com/office/drawing/2014/main" xmlns="" val="390569538"/>
+                    <a16:rowId xmlns="" xmlns:a16="http://schemas.microsoft.com/office/drawing/2014/main" val="390569538"/>
                   </a:ext>
                 </a:extLst>
               </a:tr>
@@ -28362,28 +28362,28 @@
                 <a:gridCol w="762001">
                   <a:extLst>
                     <a:ext uri="{9D8B030D-6E8A-4147-A177-3AD203B41FA5}">
-                      <a16:colId xmlns:a16="http://schemas.microsoft.com/office/drawing/2014/main" xmlns="" val="1689517758"/>
+                      <a16:colId xmlns="" xmlns:a16="http://schemas.microsoft.com/office/drawing/2014/main" val="1689517758"/>
                     </a:ext>
                   </a:extLst>
                 </a:gridCol>
                 <a:gridCol w="2086626">
                   <a:extLst>
                     <a:ext uri="{9D8B030D-6E8A-4147-A177-3AD203B41FA5}">
-                      <a16:colId xmlns:a16="http://schemas.microsoft.com/office/drawing/2014/main" xmlns="" val="3817093601"/>
+                      <a16:colId xmlns="" xmlns:a16="http://schemas.microsoft.com/office/drawing/2014/main" val="3817093601"/>
                     </a:ext>
                   </a:extLst>
                 </a:gridCol>
                 <a:gridCol w="1424314">
                   <a:extLst>
                     <a:ext uri="{9D8B030D-6E8A-4147-A177-3AD203B41FA5}">
-                      <a16:colId xmlns:a16="http://schemas.microsoft.com/office/drawing/2014/main" xmlns="" val="598238925"/>
+                      <a16:colId xmlns="" xmlns:a16="http://schemas.microsoft.com/office/drawing/2014/main" val="598238925"/>
                     </a:ext>
                   </a:extLst>
                 </a:gridCol>
                 <a:gridCol w="1424314">
                   <a:extLst>
                     <a:ext uri="{9D8B030D-6E8A-4147-A177-3AD203B41FA5}">
-                      <a16:colId xmlns:a16="http://schemas.microsoft.com/office/drawing/2014/main" xmlns="" val="3557936418"/>
+                      <a16:colId xmlns="" xmlns:a16="http://schemas.microsoft.com/office/drawing/2014/main" val="3557936418"/>
                     </a:ext>
                   </a:extLst>
                 </a:gridCol>
@@ -28487,7 +28487,7 @@
                 </a:tc>
                 <a:extLst>
                   <a:ext uri="{0D108BD9-81ED-4DB2-BD59-A6C34878D82A}">
-                    <a16:rowId xmlns:a16="http://schemas.microsoft.com/office/drawing/2014/main" xmlns="" val="2142428080"/>
+                    <a16:rowId xmlns="" xmlns:a16="http://schemas.microsoft.com/office/drawing/2014/main" val="2142428080"/>
                   </a:ext>
                 </a:extLst>
               </a:tr>
@@ -28590,7 +28590,7 @@
                 </a:tc>
                 <a:extLst>
                   <a:ext uri="{0D108BD9-81ED-4DB2-BD59-A6C34878D82A}">
-                    <a16:rowId xmlns:a16="http://schemas.microsoft.com/office/drawing/2014/main" xmlns="" val="3319284310"/>
+                    <a16:rowId xmlns="" xmlns:a16="http://schemas.microsoft.com/office/drawing/2014/main" val="3319284310"/>
                   </a:ext>
                 </a:extLst>
               </a:tr>
@@ -28693,7 +28693,7 @@
                 </a:tc>
                 <a:extLst>
                   <a:ext uri="{0D108BD9-81ED-4DB2-BD59-A6C34878D82A}">
-                    <a16:rowId xmlns:a16="http://schemas.microsoft.com/office/drawing/2014/main" xmlns="" val="302323178"/>
+                    <a16:rowId xmlns="" xmlns:a16="http://schemas.microsoft.com/office/drawing/2014/main" val="302323178"/>
                   </a:ext>
                 </a:extLst>
               </a:tr>
@@ -28796,7 +28796,7 @@
                 </a:tc>
                 <a:extLst>
                   <a:ext uri="{0D108BD9-81ED-4DB2-BD59-A6C34878D82A}">
-                    <a16:rowId xmlns:a16="http://schemas.microsoft.com/office/drawing/2014/main" xmlns="" val="139626380"/>
+                    <a16:rowId xmlns="" xmlns:a16="http://schemas.microsoft.com/office/drawing/2014/main" val="139626380"/>
                   </a:ext>
                 </a:extLst>
               </a:tr>
@@ -28899,7 +28899,7 @@
                 </a:tc>
                 <a:extLst>
                   <a:ext uri="{0D108BD9-81ED-4DB2-BD59-A6C34878D82A}">
-                    <a16:rowId xmlns:a16="http://schemas.microsoft.com/office/drawing/2014/main" xmlns="" val="3373125816"/>
+                    <a16:rowId xmlns="" xmlns:a16="http://schemas.microsoft.com/office/drawing/2014/main" val="3373125816"/>
                   </a:ext>
                 </a:extLst>
               </a:tr>
@@ -29002,7 +29002,7 @@
                 </a:tc>
                 <a:extLst>
                   <a:ext uri="{0D108BD9-81ED-4DB2-BD59-A6C34878D82A}">
-                    <a16:rowId xmlns:a16="http://schemas.microsoft.com/office/drawing/2014/main" xmlns="" val="3921264198"/>
+                    <a16:rowId xmlns="" xmlns:a16="http://schemas.microsoft.com/office/drawing/2014/main" val="3921264198"/>
                   </a:ext>
                 </a:extLst>
               </a:tr>
@@ -29105,7 +29105,7 @@
                 </a:tc>
                 <a:extLst>
                   <a:ext uri="{0D108BD9-81ED-4DB2-BD59-A6C34878D82A}">
-                    <a16:rowId xmlns:a16="http://schemas.microsoft.com/office/drawing/2014/main" xmlns="" val="4004877180"/>
+                    <a16:rowId xmlns="" xmlns:a16="http://schemas.microsoft.com/office/drawing/2014/main" val="4004877180"/>
                   </a:ext>
                 </a:extLst>
               </a:tr>
@@ -29141,28 +29141,28 @@
                 <a:gridCol w="799582">
                   <a:extLst>
                     <a:ext uri="{9D8B030D-6E8A-4147-A177-3AD203B41FA5}">
-                      <a16:colId xmlns:a16="http://schemas.microsoft.com/office/drawing/2014/main" xmlns="" val="3228640564"/>
+                      <a16:colId xmlns="" xmlns:a16="http://schemas.microsoft.com/office/drawing/2014/main" val="3228640564"/>
                     </a:ext>
                   </a:extLst>
                 </a:gridCol>
                 <a:gridCol w="2049046">
                   <a:extLst>
                     <a:ext uri="{9D8B030D-6E8A-4147-A177-3AD203B41FA5}">
-                      <a16:colId xmlns:a16="http://schemas.microsoft.com/office/drawing/2014/main" xmlns="" val="2937437018"/>
+                      <a16:colId xmlns="" xmlns:a16="http://schemas.microsoft.com/office/drawing/2014/main" val="2937437018"/>
                     </a:ext>
                   </a:extLst>
                 </a:gridCol>
                 <a:gridCol w="1424314">
                   <a:extLst>
                     <a:ext uri="{9D8B030D-6E8A-4147-A177-3AD203B41FA5}">
-                      <a16:colId xmlns:a16="http://schemas.microsoft.com/office/drawing/2014/main" xmlns="" val="2366682717"/>
+                      <a16:colId xmlns="" xmlns:a16="http://schemas.microsoft.com/office/drawing/2014/main" val="2366682717"/>
                     </a:ext>
                   </a:extLst>
                 </a:gridCol>
                 <a:gridCol w="1424314">
                   <a:extLst>
                     <a:ext uri="{9D8B030D-6E8A-4147-A177-3AD203B41FA5}">
-                      <a16:colId xmlns:a16="http://schemas.microsoft.com/office/drawing/2014/main" xmlns="" val="729240223"/>
+                      <a16:colId xmlns="" xmlns:a16="http://schemas.microsoft.com/office/drawing/2014/main" val="729240223"/>
                     </a:ext>
                   </a:extLst>
                 </a:gridCol>
@@ -29266,7 +29266,7 @@
                 </a:tc>
                 <a:extLst>
                   <a:ext uri="{0D108BD9-81ED-4DB2-BD59-A6C34878D82A}">
-                    <a16:rowId xmlns:a16="http://schemas.microsoft.com/office/drawing/2014/main" xmlns="" val="2346809453"/>
+                    <a16:rowId xmlns="" xmlns:a16="http://schemas.microsoft.com/office/drawing/2014/main" val="2346809453"/>
                   </a:ext>
                 </a:extLst>
               </a:tr>
@@ -29369,7 +29369,7 @@
                 </a:tc>
                 <a:extLst>
                   <a:ext uri="{0D108BD9-81ED-4DB2-BD59-A6C34878D82A}">
-                    <a16:rowId xmlns:a16="http://schemas.microsoft.com/office/drawing/2014/main" xmlns="" val="1867306570"/>
+                    <a16:rowId xmlns="" xmlns:a16="http://schemas.microsoft.com/office/drawing/2014/main" val="1867306570"/>
                   </a:ext>
                 </a:extLst>
               </a:tr>
@@ -29472,7 +29472,7 @@
                 </a:tc>
                 <a:extLst>
                   <a:ext uri="{0D108BD9-81ED-4DB2-BD59-A6C34878D82A}">
-                    <a16:rowId xmlns:a16="http://schemas.microsoft.com/office/drawing/2014/main" xmlns="" val="3388028145"/>
+                    <a16:rowId xmlns="" xmlns:a16="http://schemas.microsoft.com/office/drawing/2014/main" val="3388028145"/>
                   </a:ext>
                 </a:extLst>
               </a:tr>
@@ -29575,7 +29575,7 @@
                 </a:tc>
                 <a:extLst>
                   <a:ext uri="{0D108BD9-81ED-4DB2-BD59-A6C34878D82A}">
-                    <a16:rowId xmlns:a16="http://schemas.microsoft.com/office/drawing/2014/main" xmlns="" val="1396848958"/>
+                    <a16:rowId xmlns="" xmlns:a16="http://schemas.microsoft.com/office/drawing/2014/main" val="1396848958"/>
                   </a:ext>
                 </a:extLst>
               </a:tr>
@@ -29678,7 +29678,7 @@
                 </a:tc>
                 <a:extLst>
                   <a:ext uri="{0D108BD9-81ED-4DB2-BD59-A6C34878D82A}">
-                    <a16:rowId xmlns:a16="http://schemas.microsoft.com/office/drawing/2014/main" xmlns="" val="107940758"/>
+                    <a16:rowId xmlns="" xmlns:a16="http://schemas.microsoft.com/office/drawing/2014/main" val="107940758"/>
                   </a:ext>
                 </a:extLst>
               </a:tr>
@@ -29781,7 +29781,7 @@
                 </a:tc>
                 <a:extLst>
                   <a:ext uri="{0D108BD9-81ED-4DB2-BD59-A6C34878D82A}">
-                    <a16:rowId xmlns:a16="http://schemas.microsoft.com/office/drawing/2014/main" xmlns="" val="1626190536"/>
+                    <a16:rowId xmlns="" xmlns:a16="http://schemas.microsoft.com/office/drawing/2014/main" val="1626190536"/>
                   </a:ext>
                 </a:extLst>
               </a:tr>
@@ -29884,7 +29884,7 @@
                 </a:tc>
                 <a:extLst>
                   <a:ext uri="{0D108BD9-81ED-4DB2-BD59-A6C34878D82A}">
-                    <a16:rowId xmlns:a16="http://schemas.microsoft.com/office/drawing/2014/main" xmlns="" val="3503796845"/>
+                    <a16:rowId xmlns="" xmlns:a16="http://schemas.microsoft.com/office/drawing/2014/main" val="3503796845"/>
                   </a:ext>
                 </a:extLst>
               </a:tr>
@@ -30048,21 +30048,21 @@
                 <a:latin typeface="Book Antiqua" panose="02040602050305030304" pitchFamily="18" charset="0"/>
                 <a:ea typeface="標楷體" panose="03000509000000000000" pitchFamily="65" charset="-120"/>
               </a:rPr>
-              <a:t>檔股票，以同一筆資金</a:t>
-            </a:r>
-            <a:r>
-              <a:rPr lang="en-US" altLang="zh-TW" sz="2000" dirty="0" smtClean="0">
-                <a:latin typeface="Book Antiqua" panose="02040602050305030304" pitchFamily="18" charset="0"/>
-                <a:ea typeface="標楷體" panose="03000509000000000000" pitchFamily="65" charset="-120"/>
-              </a:rPr>
-              <a:t>rolling</a:t>
+              <a:t>檔股票，以同一筆</a:t>
             </a:r>
             <a:r>
               <a:rPr lang="zh-TW" altLang="en-US" sz="2000" dirty="0" smtClean="0">
                 <a:latin typeface="Book Antiqua" panose="02040602050305030304" pitchFamily="18" charset="0"/>
                 <a:ea typeface="標楷體" panose="03000509000000000000" pitchFamily="65" charset="-120"/>
               </a:rPr>
-              <a:t>，在持有期間到期後再繼續投資，並計算每次投資平均報酬</a:t>
+              <a:t>資金進場，</a:t>
+            </a:r>
+            <a:r>
+              <a:rPr lang="zh-TW" altLang="en-US" sz="2000" dirty="0" smtClean="0">
+                <a:latin typeface="Book Antiqua" panose="02040602050305030304" pitchFamily="18" charset="0"/>
+                <a:ea typeface="標楷體" panose="03000509000000000000" pitchFamily="65" charset="-120"/>
+              </a:rPr>
+              <a:t>在持有期間到期後再繼續投資，並計算每次投資平均報酬</a:t>
             </a:r>
             <a:r>
               <a:rPr lang="zh-TW" altLang="en-US" sz="2000" dirty="0">
@@ -30580,21 +30580,42 @@
                 <a:latin typeface="Book Antiqua" panose="02040602050305030304" pitchFamily="18" charset="0"/>
                 <a:ea typeface="標楷體" panose="03000509000000000000" pitchFamily="65" charset="-120"/>
               </a:rPr>
-              <a:t>股票，以同一筆資金</a:t>
-            </a:r>
-            <a:r>
-              <a:rPr lang="en-US" altLang="zh-TW" sz="2400" dirty="0">
+              <a:t>股票，</a:t>
+            </a:r>
+            <a:r>
+              <a:rPr lang="zh-TW" altLang="en-US" sz="2400" dirty="0" smtClean="0">
                 <a:latin typeface="Book Antiqua" panose="02040602050305030304" pitchFamily="18" charset="0"/>
                 <a:ea typeface="標楷體" panose="03000509000000000000" pitchFamily="65" charset="-120"/>
               </a:rPr>
-              <a:t>rolling</a:t>
+              <a:t>以一億資金</a:t>
+            </a:r>
+            <a:r>
+              <a:rPr lang="zh-TW" altLang="en-US" sz="2400" dirty="0" smtClean="0">
+                <a:latin typeface="Book Antiqua" panose="02040602050305030304" pitchFamily="18" charset="0"/>
+                <a:ea typeface="標楷體" panose="03000509000000000000" pitchFamily="65" charset="-120"/>
+              </a:rPr>
+              <a:t>進</a:t>
             </a:r>
             <a:r>
               <a:rPr lang="zh-TW" altLang="en-US" sz="2400" dirty="0">
                 <a:latin typeface="Book Antiqua" panose="02040602050305030304" pitchFamily="18" charset="0"/>
                 <a:ea typeface="標楷體" panose="03000509000000000000" pitchFamily="65" charset="-120"/>
               </a:rPr>
-              <a:t>，在持有期間到期</a:t>
+              <a:t>場</a:t>
+            </a:r>
+            <a:r>
+              <a:rPr lang="zh-TW" altLang="en-US" sz="2400" dirty="0" smtClean="0">
+                <a:latin typeface="Book Antiqua" panose="02040602050305030304" pitchFamily="18" charset="0"/>
+                <a:ea typeface="標楷體" panose="03000509000000000000" pitchFamily="65" charset="-120"/>
+              </a:rPr>
+              <a:t>，</a:t>
+            </a:r>
+            <a:r>
+              <a:rPr lang="zh-TW" altLang="en-US" sz="2400" dirty="0">
+                <a:latin typeface="Book Antiqua" panose="02040602050305030304" pitchFamily="18" charset="0"/>
+                <a:ea typeface="標楷體" panose="03000509000000000000" pitchFamily="65" charset="-120"/>
+              </a:rPr>
+              <a:t>在持有期間到期</a:t>
             </a:r>
             <a:r>
               <a:rPr lang="zh-TW" altLang="en-US" sz="2400" dirty="0" smtClean="0">
@@ -31431,28 +31452,28 @@
                 <a:gridCol w="711896">
                   <a:extLst>
                     <a:ext uri="{9D8B030D-6E8A-4147-A177-3AD203B41FA5}">
-                      <a16:colId xmlns:a16="http://schemas.microsoft.com/office/drawing/2014/main" xmlns="" val="3560839808"/>
+                      <a16:colId xmlns="" xmlns:a16="http://schemas.microsoft.com/office/drawing/2014/main" val="3560839808"/>
                     </a:ext>
                   </a:extLst>
                 </a:gridCol>
                 <a:gridCol w="1493260">
                   <a:extLst>
                     <a:ext uri="{9D8B030D-6E8A-4147-A177-3AD203B41FA5}">
-                      <a16:colId xmlns:a16="http://schemas.microsoft.com/office/drawing/2014/main" xmlns="" val="1110065860"/>
+                      <a16:colId xmlns="" xmlns:a16="http://schemas.microsoft.com/office/drawing/2014/main" val="1110065860"/>
                     </a:ext>
                   </a:extLst>
                 </a:gridCol>
                 <a:gridCol w="1752313">
                   <a:extLst>
                     <a:ext uri="{9D8B030D-6E8A-4147-A177-3AD203B41FA5}">
-                      <a16:colId xmlns:a16="http://schemas.microsoft.com/office/drawing/2014/main" xmlns="" val="2427110588"/>
+                      <a16:colId xmlns="" xmlns:a16="http://schemas.microsoft.com/office/drawing/2014/main" val="2427110588"/>
                     </a:ext>
                   </a:extLst>
                 </a:gridCol>
                 <a:gridCol w="1752313">
                   <a:extLst>
                     <a:ext uri="{9D8B030D-6E8A-4147-A177-3AD203B41FA5}">
-                      <a16:colId xmlns:a16="http://schemas.microsoft.com/office/drawing/2014/main" xmlns="" val="540293764"/>
+                      <a16:colId xmlns="" xmlns:a16="http://schemas.microsoft.com/office/drawing/2014/main" val="540293764"/>
                     </a:ext>
                   </a:extLst>
                 </a:gridCol>
@@ -31556,7 +31577,7 @@
                 </a:tc>
                 <a:extLst>
                   <a:ext uri="{0D108BD9-81ED-4DB2-BD59-A6C34878D82A}">
-                    <a16:rowId xmlns:a16="http://schemas.microsoft.com/office/drawing/2014/main" xmlns="" val="4091343898"/>
+                    <a16:rowId xmlns="" xmlns:a16="http://schemas.microsoft.com/office/drawing/2014/main" val="4091343898"/>
                   </a:ext>
                 </a:extLst>
               </a:tr>
@@ -31659,7 +31680,7 @@
                 </a:tc>
                 <a:extLst>
                   <a:ext uri="{0D108BD9-81ED-4DB2-BD59-A6C34878D82A}">
-                    <a16:rowId xmlns:a16="http://schemas.microsoft.com/office/drawing/2014/main" xmlns="" val="1971323667"/>
+                    <a16:rowId xmlns="" xmlns:a16="http://schemas.microsoft.com/office/drawing/2014/main" val="1971323667"/>
                   </a:ext>
                 </a:extLst>
               </a:tr>
@@ -31762,7 +31783,7 @@
                 </a:tc>
                 <a:extLst>
                   <a:ext uri="{0D108BD9-81ED-4DB2-BD59-A6C34878D82A}">
-                    <a16:rowId xmlns:a16="http://schemas.microsoft.com/office/drawing/2014/main" xmlns="" val="1421610180"/>
+                    <a16:rowId xmlns="" xmlns:a16="http://schemas.microsoft.com/office/drawing/2014/main" val="1421610180"/>
                   </a:ext>
                 </a:extLst>
               </a:tr>
@@ -31865,7 +31886,7 @@
                 </a:tc>
                 <a:extLst>
                   <a:ext uri="{0D108BD9-81ED-4DB2-BD59-A6C34878D82A}">
-                    <a16:rowId xmlns:a16="http://schemas.microsoft.com/office/drawing/2014/main" xmlns="" val="2678900981"/>
+                    <a16:rowId xmlns="" xmlns:a16="http://schemas.microsoft.com/office/drawing/2014/main" val="2678900981"/>
                   </a:ext>
                 </a:extLst>
               </a:tr>
@@ -31968,7 +31989,7 @@
                 </a:tc>
                 <a:extLst>
                   <a:ext uri="{0D108BD9-81ED-4DB2-BD59-A6C34878D82A}">
-                    <a16:rowId xmlns:a16="http://schemas.microsoft.com/office/drawing/2014/main" xmlns="" val="1005446612"/>
+                    <a16:rowId xmlns="" xmlns:a16="http://schemas.microsoft.com/office/drawing/2014/main" val="1005446612"/>
                   </a:ext>
                 </a:extLst>
               </a:tr>
@@ -32071,7 +32092,7 @@
                 </a:tc>
                 <a:extLst>
                   <a:ext uri="{0D108BD9-81ED-4DB2-BD59-A6C34878D82A}">
-                    <a16:rowId xmlns:a16="http://schemas.microsoft.com/office/drawing/2014/main" xmlns="" val="3738168754"/>
+                    <a16:rowId xmlns="" xmlns:a16="http://schemas.microsoft.com/office/drawing/2014/main" val="3738168754"/>
                   </a:ext>
                 </a:extLst>
               </a:tr>
@@ -32174,7 +32195,7 @@
                 </a:tc>
                 <a:extLst>
                   <a:ext uri="{0D108BD9-81ED-4DB2-BD59-A6C34878D82A}">
-                    <a16:rowId xmlns:a16="http://schemas.microsoft.com/office/drawing/2014/main" xmlns="" val="2811905765"/>
+                    <a16:rowId xmlns="" xmlns:a16="http://schemas.microsoft.com/office/drawing/2014/main" val="2811905765"/>
                   </a:ext>
                 </a:extLst>
               </a:tr>
@@ -32210,28 +32231,28 @@
                 <a:gridCol w="736951">
                   <a:extLst>
                     <a:ext uri="{9D8B030D-6E8A-4147-A177-3AD203B41FA5}">
-                      <a16:colId xmlns:a16="http://schemas.microsoft.com/office/drawing/2014/main" xmlns="" val="2865436962"/>
+                      <a16:colId xmlns="" xmlns:a16="http://schemas.microsoft.com/office/drawing/2014/main" val="2865436962"/>
                     </a:ext>
                   </a:extLst>
                 </a:gridCol>
                 <a:gridCol w="1515650">
                   <a:extLst>
                     <a:ext uri="{9D8B030D-6E8A-4147-A177-3AD203B41FA5}">
-                      <a16:colId xmlns:a16="http://schemas.microsoft.com/office/drawing/2014/main" xmlns="" val="2624557930"/>
+                      <a16:colId xmlns="" xmlns:a16="http://schemas.microsoft.com/office/drawing/2014/main" val="2624557930"/>
                     </a:ext>
                   </a:extLst>
                 </a:gridCol>
                 <a:gridCol w="1741117">
                   <a:extLst>
                     <a:ext uri="{9D8B030D-6E8A-4147-A177-3AD203B41FA5}">
-                      <a16:colId xmlns:a16="http://schemas.microsoft.com/office/drawing/2014/main" xmlns="" val="2031663030"/>
+                      <a16:colId xmlns="" xmlns:a16="http://schemas.microsoft.com/office/drawing/2014/main" val="2031663030"/>
                     </a:ext>
                   </a:extLst>
                 </a:gridCol>
                 <a:gridCol w="1716066">
                   <a:extLst>
                     <a:ext uri="{9D8B030D-6E8A-4147-A177-3AD203B41FA5}">
-                      <a16:colId xmlns:a16="http://schemas.microsoft.com/office/drawing/2014/main" xmlns="" val="3196237334"/>
+                      <a16:colId xmlns="" xmlns:a16="http://schemas.microsoft.com/office/drawing/2014/main" val="3196237334"/>
                     </a:ext>
                   </a:extLst>
                 </a:gridCol>
@@ -32335,7 +32356,7 @@
                 </a:tc>
                 <a:extLst>
                   <a:ext uri="{0D108BD9-81ED-4DB2-BD59-A6C34878D82A}">
-                    <a16:rowId xmlns:a16="http://schemas.microsoft.com/office/drawing/2014/main" xmlns="" val="2693530458"/>
+                    <a16:rowId xmlns="" xmlns:a16="http://schemas.microsoft.com/office/drawing/2014/main" val="2693530458"/>
                   </a:ext>
                 </a:extLst>
               </a:tr>
@@ -32438,7 +32459,7 @@
                 </a:tc>
                 <a:extLst>
                   <a:ext uri="{0D108BD9-81ED-4DB2-BD59-A6C34878D82A}">
-                    <a16:rowId xmlns:a16="http://schemas.microsoft.com/office/drawing/2014/main" xmlns="" val="761490487"/>
+                    <a16:rowId xmlns="" xmlns:a16="http://schemas.microsoft.com/office/drawing/2014/main" val="761490487"/>
                   </a:ext>
                 </a:extLst>
               </a:tr>
@@ -32541,7 +32562,7 @@
                 </a:tc>
                 <a:extLst>
                   <a:ext uri="{0D108BD9-81ED-4DB2-BD59-A6C34878D82A}">
-                    <a16:rowId xmlns:a16="http://schemas.microsoft.com/office/drawing/2014/main" xmlns="" val="2679852924"/>
+                    <a16:rowId xmlns="" xmlns:a16="http://schemas.microsoft.com/office/drawing/2014/main" val="2679852924"/>
                   </a:ext>
                 </a:extLst>
               </a:tr>
@@ -32644,7 +32665,7 @@
                 </a:tc>
                 <a:extLst>
                   <a:ext uri="{0D108BD9-81ED-4DB2-BD59-A6C34878D82A}">
-                    <a16:rowId xmlns:a16="http://schemas.microsoft.com/office/drawing/2014/main" xmlns="" val="4156879764"/>
+                    <a16:rowId xmlns="" xmlns:a16="http://schemas.microsoft.com/office/drawing/2014/main" val="4156879764"/>
                   </a:ext>
                 </a:extLst>
               </a:tr>
@@ -32747,7 +32768,7 @@
                 </a:tc>
                 <a:extLst>
                   <a:ext uri="{0D108BD9-81ED-4DB2-BD59-A6C34878D82A}">
-                    <a16:rowId xmlns:a16="http://schemas.microsoft.com/office/drawing/2014/main" xmlns="" val="882800095"/>
+                    <a16:rowId xmlns="" xmlns:a16="http://schemas.microsoft.com/office/drawing/2014/main" val="882800095"/>
                   </a:ext>
                 </a:extLst>
               </a:tr>
@@ -32850,7 +32871,7 @@
                 </a:tc>
                 <a:extLst>
                   <a:ext uri="{0D108BD9-81ED-4DB2-BD59-A6C34878D82A}">
-                    <a16:rowId xmlns:a16="http://schemas.microsoft.com/office/drawing/2014/main" xmlns="" val="41618416"/>
+                    <a16:rowId xmlns="" xmlns:a16="http://schemas.microsoft.com/office/drawing/2014/main" val="41618416"/>
                   </a:ext>
                 </a:extLst>
               </a:tr>
@@ -32953,7 +32974,7 @@
                 </a:tc>
                 <a:extLst>
                   <a:ext uri="{0D108BD9-81ED-4DB2-BD59-A6C34878D82A}">
-                    <a16:rowId xmlns:a16="http://schemas.microsoft.com/office/drawing/2014/main" xmlns="" val="3480712033"/>
+                    <a16:rowId xmlns="" xmlns:a16="http://schemas.microsoft.com/office/drawing/2014/main" val="3480712033"/>
                   </a:ext>
                 </a:extLst>
               </a:tr>
@@ -32989,28 +33010,28 @@
                 <a:gridCol w="951978">
                   <a:extLst>
                     <a:ext uri="{9D8B030D-6E8A-4147-A177-3AD203B41FA5}">
-                      <a16:colId xmlns:a16="http://schemas.microsoft.com/office/drawing/2014/main" xmlns="" val="3192777014"/>
+                      <a16:colId xmlns="" xmlns:a16="http://schemas.microsoft.com/office/drawing/2014/main" val="3192777014"/>
                     </a:ext>
                   </a:extLst>
                 </a:gridCol>
                 <a:gridCol w="1659698">
                   <a:extLst>
                     <a:ext uri="{9D8B030D-6E8A-4147-A177-3AD203B41FA5}">
-                      <a16:colId xmlns:a16="http://schemas.microsoft.com/office/drawing/2014/main" xmlns="" val="3117957848"/>
+                      <a16:colId xmlns="" xmlns:a16="http://schemas.microsoft.com/office/drawing/2014/main" val="3117957848"/>
                     </a:ext>
                   </a:extLst>
                 </a:gridCol>
                 <a:gridCol w="1305838">
                   <a:extLst>
                     <a:ext uri="{9D8B030D-6E8A-4147-A177-3AD203B41FA5}">
-                      <a16:colId xmlns:a16="http://schemas.microsoft.com/office/drawing/2014/main" xmlns="" val="2149430274"/>
+                      <a16:colId xmlns="" xmlns:a16="http://schemas.microsoft.com/office/drawing/2014/main" val="2149430274"/>
                     </a:ext>
                   </a:extLst>
                 </a:gridCol>
                 <a:gridCol w="1305838">
                   <a:extLst>
                     <a:ext uri="{9D8B030D-6E8A-4147-A177-3AD203B41FA5}">
-                      <a16:colId xmlns:a16="http://schemas.microsoft.com/office/drawing/2014/main" xmlns="" val="28558359"/>
+                      <a16:colId xmlns="" xmlns:a16="http://schemas.microsoft.com/office/drawing/2014/main" val="28558359"/>
                     </a:ext>
                   </a:extLst>
                 </a:gridCol>
@@ -33114,7 +33135,7 @@
                 </a:tc>
                 <a:extLst>
                   <a:ext uri="{0D108BD9-81ED-4DB2-BD59-A6C34878D82A}">
-                    <a16:rowId xmlns:a16="http://schemas.microsoft.com/office/drawing/2014/main" xmlns="" val="1686343781"/>
+                    <a16:rowId xmlns="" xmlns:a16="http://schemas.microsoft.com/office/drawing/2014/main" val="1686343781"/>
                   </a:ext>
                 </a:extLst>
               </a:tr>
@@ -33217,7 +33238,7 @@
                 </a:tc>
                 <a:extLst>
                   <a:ext uri="{0D108BD9-81ED-4DB2-BD59-A6C34878D82A}">
-                    <a16:rowId xmlns:a16="http://schemas.microsoft.com/office/drawing/2014/main" xmlns="" val="1109610062"/>
+                    <a16:rowId xmlns="" xmlns:a16="http://schemas.microsoft.com/office/drawing/2014/main" val="1109610062"/>
                   </a:ext>
                 </a:extLst>
               </a:tr>
@@ -33320,7 +33341,7 @@
                 </a:tc>
                 <a:extLst>
                   <a:ext uri="{0D108BD9-81ED-4DB2-BD59-A6C34878D82A}">
-                    <a16:rowId xmlns:a16="http://schemas.microsoft.com/office/drawing/2014/main" xmlns="" val="1415310624"/>
+                    <a16:rowId xmlns="" xmlns:a16="http://schemas.microsoft.com/office/drawing/2014/main" val="1415310624"/>
                   </a:ext>
                 </a:extLst>
               </a:tr>
@@ -33423,7 +33444,7 @@
                 </a:tc>
                 <a:extLst>
                   <a:ext uri="{0D108BD9-81ED-4DB2-BD59-A6C34878D82A}">
-                    <a16:rowId xmlns:a16="http://schemas.microsoft.com/office/drawing/2014/main" xmlns="" val="1229113680"/>
+                    <a16:rowId xmlns="" xmlns:a16="http://schemas.microsoft.com/office/drawing/2014/main" val="1229113680"/>
                   </a:ext>
                 </a:extLst>
               </a:tr>
@@ -33526,7 +33547,7 @@
                 </a:tc>
                 <a:extLst>
                   <a:ext uri="{0D108BD9-81ED-4DB2-BD59-A6C34878D82A}">
-                    <a16:rowId xmlns:a16="http://schemas.microsoft.com/office/drawing/2014/main" xmlns="" val="2118112253"/>
+                    <a16:rowId xmlns="" xmlns:a16="http://schemas.microsoft.com/office/drawing/2014/main" val="2118112253"/>
                   </a:ext>
                 </a:extLst>
               </a:tr>
@@ -33629,7 +33650,7 @@
                 </a:tc>
                 <a:extLst>
                   <a:ext uri="{0D108BD9-81ED-4DB2-BD59-A6C34878D82A}">
-                    <a16:rowId xmlns:a16="http://schemas.microsoft.com/office/drawing/2014/main" xmlns="" val="3717161208"/>
+                    <a16:rowId xmlns="" xmlns:a16="http://schemas.microsoft.com/office/drawing/2014/main" val="3717161208"/>
                   </a:ext>
                 </a:extLst>
               </a:tr>
@@ -33732,7 +33753,7 @@
                 </a:tc>
                 <a:extLst>
                   <a:ext uri="{0D108BD9-81ED-4DB2-BD59-A6C34878D82A}">
-                    <a16:rowId xmlns:a16="http://schemas.microsoft.com/office/drawing/2014/main" xmlns="" val="3143699921"/>
+                    <a16:rowId xmlns="" xmlns:a16="http://schemas.microsoft.com/office/drawing/2014/main" val="3143699921"/>
                   </a:ext>
                 </a:extLst>
               </a:tr>
@@ -33768,28 +33789,28 @@
                 <a:gridCol w="1002084">
                   <a:extLst>
                     <a:ext uri="{9D8B030D-6E8A-4147-A177-3AD203B41FA5}">
-                      <a16:colId xmlns:a16="http://schemas.microsoft.com/office/drawing/2014/main" xmlns="" val="3636479516"/>
+                      <a16:colId xmlns="" xmlns:a16="http://schemas.microsoft.com/office/drawing/2014/main" val="3636479516"/>
                     </a:ext>
                   </a:extLst>
                 </a:gridCol>
                 <a:gridCol w="1609594">
                   <a:extLst>
                     <a:ext uri="{9D8B030D-6E8A-4147-A177-3AD203B41FA5}">
-                      <a16:colId xmlns:a16="http://schemas.microsoft.com/office/drawing/2014/main" xmlns="" val="3930696928"/>
+                      <a16:colId xmlns="" xmlns:a16="http://schemas.microsoft.com/office/drawing/2014/main" val="3930696928"/>
                     </a:ext>
                   </a:extLst>
                 </a:gridCol>
                 <a:gridCol w="1305839">
                   <a:extLst>
                     <a:ext uri="{9D8B030D-6E8A-4147-A177-3AD203B41FA5}">
-                      <a16:colId xmlns:a16="http://schemas.microsoft.com/office/drawing/2014/main" xmlns="" val="2526604358"/>
+                      <a16:colId xmlns="" xmlns:a16="http://schemas.microsoft.com/office/drawing/2014/main" val="2526604358"/>
                     </a:ext>
                   </a:extLst>
                 </a:gridCol>
                 <a:gridCol w="1305839">
                   <a:extLst>
                     <a:ext uri="{9D8B030D-6E8A-4147-A177-3AD203B41FA5}">
-                      <a16:colId xmlns:a16="http://schemas.microsoft.com/office/drawing/2014/main" xmlns="" val="1594522424"/>
+                      <a16:colId xmlns="" xmlns:a16="http://schemas.microsoft.com/office/drawing/2014/main" val="1594522424"/>
                     </a:ext>
                   </a:extLst>
                 </a:gridCol>
@@ -33893,7 +33914,7 @@
                 </a:tc>
                 <a:extLst>
                   <a:ext uri="{0D108BD9-81ED-4DB2-BD59-A6C34878D82A}">
-                    <a16:rowId xmlns:a16="http://schemas.microsoft.com/office/drawing/2014/main" xmlns="" val="3304543187"/>
+                    <a16:rowId xmlns="" xmlns:a16="http://schemas.microsoft.com/office/drawing/2014/main" val="3304543187"/>
                   </a:ext>
                 </a:extLst>
               </a:tr>
@@ -33996,7 +34017,7 @@
                 </a:tc>
                 <a:extLst>
                   <a:ext uri="{0D108BD9-81ED-4DB2-BD59-A6C34878D82A}">
-                    <a16:rowId xmlns:a16="http://schemas.microsoft.com/office/drawing/2014/main" xmlns="" val="339650769"/>
+                    <a16:rowId xmlns="" xmlns:a16="http://schemas.microsoft.com/office/drawing/2014/main" val="339650769"/>
                   </a:ext>
                 </a:extLst>
               </a:tr>
@@ -34099,7 +34120,7 @@
                 </a:tc>
                 <a:extLst>
                   <a:ext uri="{0D108BD9-81ED-4DB2-BD59-A6C34878D82A}">
-                    <a16:rowId xmlns:a16="http://schemas.microsoft.com/office/drawing/2014/main" xmlns="" val="397434290"/>
+                    <a16:rowId xmlns="" xmlns:a16="http://schemas.microsoft.com/office/drawing/2014/main" val="397434290"/>
                   </a:ext>
                 </a:extLst>
               </a:tr>
@@ -34202,7 +34223,7 @@
                 </a:tc>
                 <a:extLst>
                   <a:ext uri="{0D108BD9-81ED-4DB2-BD59-A6C34878D82A}">
-                    <a16:rowId xmlns:a16="http://schemas.microsoft.com/office/drawing/2014/main" xmlns="" val="3012960520"/>
+                    <a16:rowId xmlns="" xmlns:a16="http://schemas.microsoft.com/office/drawing/2014/main" val="3012960520"/>
                   </a:ext>
                 </a:extLst>
               </a:tr>
@@ -34305,7 +34326,7 @@
                 </a:tc>
                 <a:extLst>
                   <a:ext uri="{0D108BD9-81ED-4DB2-BD59-A6C34878D82A}">
-                    <a16:rowId xmlns:a16="http://schemas.microsoft.com/office/drawing/2014/main" xmlns="" val="2002486224"/>
+                    <a16:rowId xmlns="" xmlns:a16="http://schemas.microsoft.com/office/drawing/2014/main" val="2002486224"/>
                   </a:ext>
                 </a:extLst>
               </a:tr>
@@ -34408,7 +34429,7 @@
                 </a:tc>
                 <a:extLst>
                   <a:ext uri="{0D108BD9-81ED-4DB2-BD59-A6C34878D82A}">
-                    <a16:rowId xmlns:a16="http://schemas.microsoft.com/office/drawing/2014/main" xmlns="" val="4250193819"/>
+                    <a16:rowId xmlns="" xmlns:a16="http://schemas.microsoft.com/office/drawing/2014/main" val="4250193819"/>
                   </a:ext>
                 </a:extLst>
               </a:tr>
@@ -34511,7 +34532,7 @@
                 </a:tc>
                 <a:extLst>
                   <a:ext uri="{0D108BD9-81ED-4DB2-BD59-A6C34878D82A}">
-                    <a16:rowId xmlns:a16="http://schemas.microsoft.com/office/drawing/2014/main" xmlns="" val="2130454778"/>
+                    <a16:rowId xmlns="" xmlns:a16="http://schemas.microsoft.com/office/drawing/2014/main" val="2130454778"/>
                   </a:ext>
                 </a:extLst>
               </a:tr>
@@ -34597,21 +34618,21 @@
                 <a:latin typeface="Book Antiqua" panose="02040602050305030304" pitchFamily="18" charset="0"/>
                 <a:ea typeface="標楷體" panose="03000509000000000000" pitchFamily="65" charset="-120"/>
               </a:rPr>
-              <a:t>檔股票，以同一筆資金</a:t>
-            </a:r>
-            <a:r>
-              <a:rPr lang="en-US" altLang="zh-TW" sz="2000" dirty="0" smtClean="0">
-                <a:latin typeface="Book Antiqua" panose="02040602050305030304" pitchFamily="18" charset="0"/>
-                <a:ea typeface="標楷體" panose="03000509000000000000" pitchFamily="65" charset="-120"/>
-              </a:rPr>
-              <a:t>rolling</a:t>
+              <a:t>檔股票，以同一筆</a:t>
             </a:r>
             <a:r>
               <a:rPr lang="zh-TW" altLang="en-US" sz="2000" dirty="0" smtClean="0">
                 <a:latin typeface="Book Antiqua" panose="02040602050305030304" pitchFamily="18" charset="0"/>
                 <a:ea typeface="標楷體" panose="03000509000000000000" pitchFamily="65" charset="-120"/>
               </a:rPr>
-              <a:t>，在持有期間到期後再繼續投資，並計算每次投資平均報酬</a:t>
+              <a:t>資金進場，</a:t>
+            </a:r>
+            <a:r>
+              <a:rPr lang="zh-TW" altLang="en-US" sz="2000" dirty="0" smtClean="0">
+                <a:latin typeface="Book Antiqua" panose="02040602050305030304" pitchFamily="18" charset="0"/>
+                <a:ea typeface="標楷體" panose="03000509000000000000" pitchFamily="65" charset="-120"/>
+              </a:rPr>
+              <a:t>在持有期間到期後再繼續投資，並計算每次投資平均報酬</a:t>
             </a:r>
             <a:r>
               <a:rPr lang="zh-TW" altLang="en-US" sz="2000" dirty="0">
@@ -35488,21 +35509,21 @@
                 <a:latin typeface="Book Antiqua" panose="02040602050305030304" pitchFamily="18" charset="0"/>
                 <a:ea typeface="標楷體" panose="03000509000000000000" pitchFamily="65" charset="-120"/>
               </a:rPr>
-              <a:t>的資金</a:t>
-            </a:r>
-            <a:r>
-              <a:rPr lang="en-US" altLang="zh-TW" sz="2400" dirty="0">
+              <a:t>的</a:t>
+            </a:r>
+            <a:r>
+              <a:rPr lang="zh-TW" altLang="en-US" sz="2400" dirty="0" smtClean="0">
                 <a:latin typeface="Book Antiqua" panose="02040602050305030304" pitchFamily="18" charset="0"/>
                 <a:ea typeface="標楷體" panose="03000509000000000000" pitchFamily="65" charset="-120"/>
               </a:rPr>
-              <a:t>rolling</a:t>
+              <a:t>資金進場，</a:t>
             </a:r>
             <a:r>
               <a:rPr lang="zh-TW" altLang="en-US" sz="2400" dirty="0">
                 <a:latin typeface="Book Antiqua" panose="02040602050305030304" pitchFamily="18" charset="0"/>
                 <a:ea typeface="標楷體" panose="03000509000000000000" pitchFamily="65" charset="-120"/>
               </a:rPr>
-              <a:t>，在持有期間到期</a:t>
+              <a:t>在持有期間到期</a:t>
             </a:r>
             <a:r>
               <a:rPr lang="zh-TW" altLang="en-US" sz="2400" dirty="0" smtClean="0">
@@ -38715,7 +38736,7 @@
         </p:nvSpPr>
         <p:spPr>
           <a:xfrm>
-            <a:off x="419559" y="1065462"/>
+            <a:off x="353657" y="810089"/>
             <a:ext cx="11412558" cy="4351338"/>
           </a:xfrm>
         </p:spPr>
@@ -38730,69 +38751,111 @@
               <a:buAutoNum type="ea1ChtPeriod"/>
             </a:pPr>
             <a:r>
-              <a:rPr lang="zh-TW" altLang="en-US" sz="2200" dirty="0" smtClean="0">
+              <a:rPr lang="zh-TW" altLang="en-US" sz="2100" dirty="0" smtClean="0">
                 <a:latin typeface="Book Antiqua" panose="02040602050305030304" pitchFamily="18" charset="0"/>
                 <a:ea typeface="標楷體" panose="03000509000000000000" pitchFamily="65" charset="-120"/>
               </a:rPr>
               <a:t>回測期間愈長如</a:t>
             </a:r>
             <a:r>
-              <a:rPr lang="en-US" altLang="zh-TW" sz="2200" dirty="0" smtClean="0">
+              <a:rPr lang="en-US" altLang="zh-TW" sz="2100" dirty="0" smtClean="0">
                 <a:latin typeface="Book Antiqua" panose="02040602050305030304" pitchFamily="18" charset="0"/>
                 <a:ea typeface="標楷體" panose="03000509000000000000" pitchFamily="65" charset="-120"/>
               </a:rPr>
               <a:t>12</a:t>
             </a:r>
             <a:r>
-              <a:rPr lang="zh-TW" altLang="en-US" sz="2200" dirty="0" smtClean="0">
+              <a:rPr lang="zh-TW" altLang="en-US" sz="2100" dirty="0" smtClean="0">
                 <a:latin typeface="Book Antiqua" panose="02040602050305030304" pitchFamily="18" charset="0"/>
                 <a:ea typeface="標楷體" panose="03000509000000000000" pitchFamily="65" charset="-120"/>
               </a:rPr>
               <a:t>個月，所篩出的強勢股與指數配對表現愈差，推測是強勢股持續強勢期約一年，所以若回測期</a:t>
             </a:r>
             <a:r>
-              <a:rPr lang="en-US" altLang="zh-TW" sz="2200" dirty="0" smtClean="0">
+              <a:rPr lang="en-US" altLang="zh-TW" sz="2100" dirty="0" smtClean="0">
                 <a:latin typeface="Book Antiqua" panose="02040602050305030304" pitchFamily="18" charset="0"/>
                 <a:ea typeface="標楷體" panose="03000509000000000000" pitchFamily="65" charset="-120"/>
               </a:rPr>
               <a:t>12</a:t>
             </a:r>
             <a:r>
-              <a:rPr lang="zh-TW" altLang="en-US" sz="2200" dirty="0" smtClean="0">
+              <a:rPr lang="zh-TW" altLang="en-US" sz="2100" dirty="0" smtClean="0">
                 <a:latin typeface="Book Antiqua" panose="02040602050305030304" pitchFamily="18" charset="0"/>
                 <a:ea typeface="標楷體" panose="03000509000000000000" pitchFamily="65" charset="-120"/>
               </a:rPr>
-              <a:t>個月，容易在持有</a:t>
-            </a:r>
-            <a:r>
-              <a:rPr lang="zh-TW" altLang="en-US" sz="2200" dirty="0">
+              <a:t>個</a:t>
+            </a:r>
+            <a:r>
+              <a:rPr lang="zh-TW" altLang="en-US" sz="2100" smtClean="0">
                 <a:latin typeface="Book Antiqua" panose="02040602050305030304" pitchFamily="18" charset="0"/>
                 <a:ea typeface="標楷體" panose="03000509000000000000" pitchFamily="65" charset="-120"/>
               </a:rPr>
+              <a:t>月</a:t>
+            </a:r>
+            <a:r>
+              <a:rPr lang="zh-TW" altLang="en-US" sz="2100" smtClean="0">
+                <a:latin typeface="Book Antiqua" panose="02040602050305030304" pitchFamily="18" charset="0"/>
+                <a:ea typeface="標楷體" panose="03000509000000000000" pitchFamily="65" charset="-120"/>
+              </a:rPr>
+              <a:t>，投資組合容易</a:t>
+            </a:r>
+            <a:r>
+              <a:rPr lang="zh-TW" altLang="en-US" sz="2100" dirty="0" smtClean="0">
+                <a:latin typeface="Book Antiqua" panose="02040602050305030304" pitchFamily="18" charset="0"/>
+                <a:ea typeface="標楷體" panose="03000509000000000000" pitchFamily="65" charset="-120"/>
+              </a:rPr>
+              <a:t>在持有</a:t>
+            </a:r>
+            <a:r>
+              <a:rPr lang="zh-TW" altLang="en-US" sz="2100" dirty="0">
+                <a:latin typeface="Book Antiqua" panose="02040602050305030304" pitchFamily="18" charset="0"/>
+                <a:ea typeface="標楷體" panose="03000509000000000000" pitchFamily="65" charset="-120"/>
+              </a:rPr>
               <a:t>期間</a:t>
             </a:r>
             <a:r>
-              <a:rPr lang="zh-TW" altLang="en-US" sz="2200" dirty="0" smtClean="0">
+              <a:rPr lang="zh-TW" altLang="en-US" sz="2100" dirty="0" smtClean="0">
                 <a:latin typeface="Book Antiqua" panose="02040602050305030304" pitchFamily="18" charset="0"/>
                 <a:ea typeface="標楷體" panose="03000509000000000000" pitchFamily="65" charset="-120"/>
               </a:rPr>
-              <a:t>反轉向下，導致投資組合績效不佳，回測過去</a:t>
-            </a:r>
-            <a:r>
-              <a:rPr lang="en-US" altLang="zh-TW" sz="2200" dirty="0" smtClean="0">
+              <a:t>反轉向下</a:t>
+            </a:r>
+            <a:r>
+              <a:rPr lang="zh-TW" altLang="en-US" sz="2100" smtClean="0">
                 <a:latin typeface="Book Antiqua" panose="02040602050305030304" pitchFamily="18" charset="0"/>
                 <a:ea typeface="標楷體" panose="03000509000000000000" pitchFamily="65" charset="-120"/>
               </a:rPr>
+              <a:t>，</a:t>
+            </a:r>
+            <a:r>
+              <a:rPr lang="zh-TW" altLang="en-US" sz="2100" smtClean="0">
+                <a:latin typeface="Book Antiqua" panose="02040602050305030304" pitchFamily="18" charset="0"/>
+                <a:ea typeface="標楷體" panose="03000509000000000000" pitchFamily="65" charset="-120"/>
+              </a:rPr>
+              <a:t>導致績效</a:t>
+            </a:r>
+            <a:r>
+              <a:rPr lang="zh-TW" altLang="en-US" sz="2100" dirty="0" smtClean="0">
+                <a:latin typeface="Book Antiqua" panose="02040602050305030304" pitchFamily="18" charset="0"/>
+                <a:ea typeface="標楷體" panose="03000509000000000000" pitchFamily="65" charset="-120"/>
+              </a:rPr>
+              <a:t>不佳，回測過去</a:t>
+            </a:r>
+            <a:r>
+              <a:rPr lang="en-US" altLang="zh-TW" sz="2100" dirty="0" smtClean="0">
+                <a:latin typeface="Book Antiqua" panose="02040602050305030304" pitchFamily="18" charset="0"/>
+                <a:ea typeface="標楷體" panose="03000509000000000000" pitchFamily="65" charset="-120"/>
+              </a:rPr>
               <a:t>6</a:t>
             </a:r>
             <a:r>
-              <a:rPr lang="zh-TW" altLang="en-US" sz="2200" dirty="0" smtClean="0">
+              <a:rPr lang="zh-TW" altLang="en-US" sz="2100" dirty="0" smtClean="0">
                 <a:latin typeface="Book Antiqua" panose="02040602050305030304" pitchFamily="18" charset="0"/>
                 <a:ea typeface="標楷體" panose="03000509000000000000" pitchFamily="65" charset="-120"/>
               </a:rPr>
               <a:t>個月所篩出的強勢股在接下來的表現較佳。</a:t>
             </a:r>
-            <a:endParaRPr lang="en-US" altLang="zh-TW" sz="2200" dirty="0">
+            <a:endParaRPr lang="en-US" altLang="zh-TW" sz="2100" dirty="0">
               <a:latin typeface="Book Antiqua" panose="02040602050305030304" pitchFamily="18" charset="0"/>
               <a:ea typeface="標楷體" panose="03000509000000000000" pitchFamily="65" charset="-120"/>
             </a:endParaRPr>
@@ -38803,69 +38866,97 @@
               <a:buAutoNum type="ea1ChtPeriod"/>
             </a:pPr>
             <a:r>
-              <a:rPr lang="zh-TW" altLang="en-US" sz="2200" dirty="0" smtClean="0">
+              <a:rPr lang="zh-TW" altLang="en-US" sz="2100" dirty="0" smtClean="0">
                 <a:latin typeface="Book Antiqua" panose="02040602050305030304" pitchFamily="18" charset="0"/>
                 <a:ea typeface="標楷體" panose="03000509000000000000" pitchFamily="65" charset="-120"/>
               </a:rPr>
               <a:t>第二層篩選月份落在</a:t>
             </a:r>
             <a:r>
-              <a:rPr lang="en-US" altLang="zh-TW" sz="2200" dirty="0" smtClean="0">
+              <a:rPr lang="en-US" altLang="zh-TW" sz="2100" dirty="0" smtClean="0">
                 <a:latin typeface="Book Antiqua" panose="02040602050305030304" pitchFamily="18" charset="0"/>
                 <a:ea typeface="標楷體" panose="03000509000000000000" pitchFamily="65" charset="-120"/>
               </a:rPr>
               <a:t>1</a:t>
             </a:r>
             <a:r>
-              <a:rPr lang="zh-TW" altLang="en-US" sz="2200" dirty="0" smtClean="0">
+              <a:rPr lang="zh-TW" altLang="en-US" sz="2100" dirty="0" smtClean="0">
                 <a:latin typeface="Book Antiqua" panose="02040602050305030304" pitchFamily="18" charset="0"/>
                 <a:ea typeface="標楷體" panose="03000509000000000000" pitchFamily="65" charset="-120"/>
               </a:rPr>
               <a:t>月與</a:t>
             </a:r>
             <a:r>
-              <a:rPr lang="en-US" altLang="zh-TW" sz="2200" dirty="0" smtClean="0">
+              <a:rPr lang="en-US" altLang="zh-TW" sz="2100" dirty="0" smtClean="0">
                 <a:latin typeface="Book Antiqua" panose="02040602050305030304" pitchFamily="18" charset="0"/>
                 <a:ea typeface="標楷體" panose="03000509000000000000" pitchFamily="65" charset="-120"/>
               </a:rPr>
               <a:t>12</a:t>
             </a:r>
             <a:r>
-              <a:rPr lang="zh-TW" altLang="en-US" sz="2200" dirty="0" smtClean="0">
+              <a:rPr lang="zh-TW" altLang="en-US" sz="2100" dirty="0" smtClean="0">
                 <a:latin typeface="Book Antiqua" panose="02040602050305030304" pitchFamily="18" charset="0"/>
                 <a:ea typeface="標楷體" panose="03000509000000000000" pitchFamily="65" charset="-120"/>
               </a:rPr>
-              <a:t>月的投資組合表現較佳，推測因</a:t>
-            </a:r>
-            <a:r>
-              <a:rPr lang="en-US" altLang="zh-TW" sz="2200" dirty="0" smtClean="0">
+              <a:t>月的投資組合表現較佳，</a:t>
+            </a:r>
+            <a:r>
+              <a:rPr lang="zh-TW" altLang="en-US" sz="2100" dirty="0" smtClean="0">
                 <a:latin typeface="Book Antiqua" panose="02040602050305030304" pitchFamily="18" charset="0"/>
                 <a:ea typeface="標楷體" panose="03000509000000000000" pitchFamily="65" charset="-120"/>
               </a:rPr>
+              <a:t>推測每年都有不同的強勢股輪動，因</a:t>
+            </a:r>
+            <a:r>
+              <a:rPr lang="en-US" altLang="zh-TW" sz="2100" dirty="0" smtClean="0">
+                <a:latin typeface="Book Antiqua" panose="02040602050305030304" pitchFamily="18" charset="0"/>
+                <a:ea typeface="標楷體" panose="03000509000000000000" pitchFamily="65" charset="-120"/>
+              </a:rPr>
               <a:t>12</a:t>
             </a:r>
             <a:r>
-              <a:rPr lang="zh-TW" altLang="en-US" sz="2200" dirty="0" smtClean="0">
+              <a:rPr lang="zh-TW" altLang="en-US" sz="2100" dirty="0" smtClean="0">
                 <a:latin typeface="Book Antiqua" panose="02040602050305030304" pitchFamily="18" charset="0"/>
                 <a:ea typeface="標楷體" panose="03000509000000000000" pitchFamily="65" charset="-120"/>
               </a:rPr>
               <a:t>月份與</a:t>
             </a:r>
             <a:r>
-              <a:rPr lang="en-US" altLang="zh-TW" sz="2200" dirty="0" smtClean="0">
+              <a:rPr lang="en-US" altLang="zh-TW" sz="2100" dirty="0" smtClean="0">
                 <a:latin typeface="Book Antiqua" panose="02040602050305030304" pitchFamily="18" charset="0"/>
                 <a:ea typeface="標楷體" panose="03000509000000000000" pitchFamily="65" charset="-120"/>
               </a:rPr>
               <a:t>1</a:t>
             </a:r>
             <a:r>
-              <a:rPr lang="zh-TW" altLang="en-US" sz="2200" dirty="0" smtClean="0">
+              <a:rPr lang="zh-TW" altLang="en-US" sz="2100" dirty="0" smtClean="0">
                 <a:latin typeface="Book Antiqua" panose="02040602050305030304" pitchFamily="18" charset="0"/>
                 <a:ea typeface="標楷體" panose="03000509000000000000" pitchFamily="65" charset="-120"/>
               </a:rPr>
-              <a:t>月份小型股會較活躍，而被篩選出的個股有可能就是新的一年將表現較佳的個股。</a:t>
-            </a:r>
-            <a:endParaRPr lang="en-US" altLang="zh-TW" sz="2200" dirty="0" smtClean="0">
+              <a:t>月份接近新的一年，被</a:t>
+            </a:r>
+            <a:r>
+              <a:rPr lang="zh-TW" altLang="en-US" sz="2100" dirty="0" smtClean="0">
+                <a:latin typeface="Book Antiqua" panose="02040602050305030304" pitchFamily="18" charset="0"/>
+                <a:ea typeface="標楷體" panose="03000509000000000000" pitchFamily="65" charset="-120"/>
+              </a:rPr>
+              <a:t>篩選出的個股有可能就是新的</a:t>
+            </a:r>
+            <a:r>
+              <a:rPr lang="zh-TW" altLang="en-US" sz="2100" dirty="0" smtClean="0">
+                <a:latin typeface="Book Antiqua" panose="02040602050305030304" pitchFamily="18" charset="0"/>
+                <a:ea typeface="標楷體" panose="03000509000000000000" pitchFamily="65" charset="-120"/>
+              </a:rPr>
+              <a:t>一年即將</a:t>
+            </a:r>
+            <a:r>
+              <a:rPr lang="zh-TW" altLang="en-US" sz="2100" dirty="0" smtClean="0">
+                <a:latin typeface="Book Antiqua" panose="02040602050305030304" pitchFamily="18" charset="0"/>
+                <a:ea typeface="標楷體" panose="03000509000000000000" pitchFamily="65" charset="-120"/>
+              </a:rPr>
+              <a:t>表現較佳的個股。</a:t>
+            </a:r>
+            <a:endParaRPr lang="en-US" altLang="zh-TW" sz="2100" dirty="0" smtClean="0">
               <a:latin typeface="Book Antiqua" panose="02040602050305030304" pitchFamily="18" charset="0"/>
               <a:ea typeface="標楷體" panose="03000509000000000000" pitchFamily="65" charset="-120"/>
             </a:endParaRPr>
@@ -38876,125 +38967,111 @@
               <a:buAutoNum type="ea1ChtPeriod"/>
             </a:pPr>
             <a:r>
-              <a:rPr lang="zh-TW" altLang="en-US" sz="2200" dirty="0">
+              <a:rPr lang="zh-TW" altLang="en-US" sz="2100" dirty="0">
                 <a:latin typeface="Book Antiqua" panose="02040602050305030304" pitchFamily="18" charset="0"/>
                 <a:ea typeface="標楷體" panose="03000509000000000000" pitchFamily="65" charset="-120"/>
               </a:rPr>
               <a:t>第二層濾網落在</a:t>
             </a:r>
             <a:r>
-              <a:rPr lang="en-US" altLang="zh-TW" sz="2200" dirty="0">
+              <a:rPr lang="en-US" altLang="zh-TW" sz="2100" dirty="0">
                 <a:latin typeface="Book Antiqua" panose="02040602050305030304" pitchFamily="18" charset="0"/>
                 <a:ea typeface="標楷體" panose="03000509000000000000" pitchFamily="65" charset="-120"/>
               </a:rPr>
               <a:t>1</a:t>
             </a:r>
             <a:r>
-              <a:rPr lang="zh-TW" altLang="en-US" sz="2200" dirty="0" smtClean="0">
+              <a:rPr lang="zh-TW" altLang="en-US" sz="2100" dirty="0" smtClean="0">
                 <a:latin typeface="Book Antiqua" panose="02040602050305030304" pitchFamily="18" charset="0"/>
                 <a:ea typeface="標楷體" panose="03000509000000000000" pitchFamily="65" charset="-120"/>
               </a:rPr>
               <a:t>月份，</a:t>
             </a:r>
             <a:r>
-              <a:rPr lang="zh-TW" altLang="en-US" sz="2200" dirty="0">
+              <a:rPr lang="zh-TW" altLang="en-US" sz="2100" dirty="0">
                 <a:latin typeface="Book Antiqua" panose="02040602050305030304" pitchFamily="18" charset="0"/>
                 <a:ea typeface="標楷體" panose="03000509000000000000" pitchFamily="65" charset="-120"/>
               </a:rPr>
               <a:t>以</a:t>
             </a:r>
             <a:r>
-              <a:rPr lang="zh-TW" altLang="en-US" sz="2200" dirty="0" smtClean="0">
+              <a:rPr lang="zh-TW" altLang="en-US" sz="2100" dirty="0" smtClean="0">
                 <a:latin typeface="Book Antiqua" panose="02040602050305030304" pitchFamily="18" charset="0"/>
                 <a:ea typeface="標楷體" panose="03000509000000000000" pitchFamily="65" charset="-120"/>
               </a:rPr>
               <a:t>回</a:t>
             </a:r>
             <a:r>
-              <a:rPr lang="zh-TW" altLang="en-US" sz="2200" dirty="0">
+              <a:rPr lang="zh-TW" altLang="en-US" sz="2100" dirty="0">
                 <a:latin typeface="Book Antiqua" panose="02040602050305030304" pitchFamily="18" charset="0"/>
                 <a:ea typeface="標楷體" panose="03000509000000000000" pitchFamily="65" charset="-120"/>
               </a:rPr>
               <a:t>測期間</a:t>
             </a:r>
             <a:r>
-              <a:rPr lang="en-US" altLang="zh-TW" sz="2200" dirty="0">
+              <a:rPr lang="en-US" altLang="zh-TW" sz="2100" dirty="0">
                 <a:latin typeface="Book Antiqua" panose="02040602050305030304" pitchFamily="18" charset="0"/>
                 <a:ea typeface="標楷體" panose="03000509000000000000" pitchFamily="65" charset="-120"/>
               </a:rPr>
               <a:t>3</a:t>
             </a:r>
             <a:r>
-              <a:rPr lang="zh-TW" altLang="en-US" sz="2200" dirty="0">
+              <a:rPr lang="zh-TW" altLang="en-US" sz="2100" dirty="0">
                 <a:latin typeface="Book Antiqua" panose="02040602050305030304" pitchFamily="18" charset="0"/>
                 <a:ea typeface="標楷體" panose="03000509000000000000" pitchFamily="65" charset="-120"/>
               </a:rPr>
               <a:t>個</a:t>
             </a:r>
             <a:r>
-              <a:rPr lang="zh-TW" altLang="en-US" sz="2200" dirty="0" smtClean="0">
+              <a:rPr lang="zh-TW" altLang="en-US" sz="2100" dirty="0" smtClean="0">
                 <a:latin typeface="Book Antiqua" panose="02040602050305030304" pitchFamily="18" charset="0"/>
                 <a:ea typeface="標楷體" panose="03000509000000000000" pitchFamily="65" charset="-120"/>
               </a:rPr>
               <a:t>月的</a:t>
             </a:r>
             <a:r>
-              <a:rPr lang="en-US" altLang="zh-TW" sz="2200" dirty="0" smtClean="0">
+              <a:rPr lang="en-US" altLang="zh-TW" sz="2100" dirty="0" smtClean="0">
                 <a:latin typeface="Book Antiqua" panose="02040602050305030304" pitchFamily="18" charset="0"/>
                 <a:ea typeface="標楷體" panose="03000509000000000000" pitchFamily="65" charset="-120"/>
               </a:rPr>
               <a:t>10</a:t>
             </a:r>
             <a:r>
-              <a:rPr lang="zh-TW" altLang="en-US" sz="2200" dirty="0" smtClean="0">
+              <a:rPr lang="zh-TW" altLang="en-US" sz="2100" dirty="0" smtClean="0">
                 <a:latin typeface="Book Antiqua" panose="02040602050305030304" pitchFamily="18" charset="0"/>
                 <a:ea typeface="標楷體" panose="03000509000000000000" pitchFamily="65" charset="-120"/>
               </a:rPr>
               <a:t>檔投資組合表現較佳，回測期間</a:t>
             </a:r>
             <a:r>
-              <a:rPr lang="en-US" altLang="zh-TW" sz="2200" dirty="0" smtClean="0">
+              <a:rPr lang="en-US" altLang="zh-TW" sz="2100" dirty="0" smtClean="0">
                 <a:latin typeface="Book Antiqua" panose="02040602050305030304" pitchFamily="18" charset="0"/>
                 <a:ea typeface="標楷體" panose="03000509000000000000" pitchFamily="65" charset="-120"/>
               </a:rPr>
               <a:t>6</a:t>
             </a:r>
             <a:r>
-              <a:rPr lang="zh-TW" altLang="en-US" sz="2200" dirty="0" smtClean="0">
+              <a:rPr lang="zh-TW" altLang="en-US" sz="2100" dirty="0" smtClean="0">
                 <a:latin typeface="Book Antiqua" panose="02040602050305030304" pitchFamily="18" charset="0"/>
                 <a:ea typeface="標楷體" panose="03000509000000000000" pitchFamily="65" charset="-120"/>
               </a:rPr>
               <a:t>個月的</a:t>
             </a:r>
             <a:r>
-              <a:rPr lang="en-US" altLang="zh-TW" sz="2200" dirty="0" smtClean="0">
+              <a:rPr lang="en-US" altLang="zh-TW" sz="2100" dirty="0" smtClean="0">
                 <a:latin typeface="Book Antiqua" panose="02040602050305030304" pitchFamily="18" charset="0"/>
                 <a:ea typeface="標楷體" panose="03000509000000000000" pitchFamily="65" charset="-120"/>
               </a:rPr>
               <a:t>25</a:t>
             </a:r>
             <a:r>
-              <a:rPr lang="zh-TW" altLang="en-US" sz="2200" dirty="0" smtClean="0">
+              <a:rPr lang="zh-TW" altLang="en-US" sz="2100" dirty="0" smtClean="0">
                 <a:latin typeface="Book Antiqua" panose="02040602050305030304" pitchFamily="18" charset="0"/>
                 <a:ea typeface="標楷體" panose="03000509000000000000" pitchFamily="65" charset="-120"/>
               </a:rPr>
-              <a:t>檔個股組合表現較佳，推測愈強勢個股表現反轉愈早，所以回</a:t>
-            </a:r>
-            <a:r>
-              <a:rPr lang="zh-TW" altLang="en-US" sz="2200" smtClean="0">
-                <a:latin typeface="Book Antiqua" panose="02040602050305030304" pitchFamily="18" charset="0"/>
-                <a:ea typeface="標楷體" panose="03000509000000000000" pitchFamily="65" charset="-120"/>
-              </a:rPr>
-              <a:t>測</a:t>
-            </a:r>
-            <a:r>
-              <a:rPr lang="zh-TW" altLang="en-US" sz="2200" smtClean="0">
-                <a:latin typeface="Book Antiqua" panose="02040602050305030304" pitchFamily="18" charset="0"/>
-                <a:ea typeface="標楷體" panose="03000509000000000000" pitchFamily="65" charset="-120"/>
-              </a:rPr>
-              <a:t>期間不能太長。</a:t>
-            </a:r>
-            <a:endParaRPr lang="en-US" altLang="zh-TW" sz="2200" dirty="0">
+              <a:t>檔個股組合表現較佳，推測愈強勢個股表現反轉愈早，所以回測期間不能太長。</a:t>
+            </a:r>
+            <a:endParaRPr lang="en-US" altLang="zh-TW" sz="2100" dirty="0">
               <a:latin typeface="Book Antiqua" panose="02040602050305030304" pitchFamily="18" charset="0"/>
               <a:ea typeface="標楷體" panose="03000509000000000000" pitchFamily="65" charset="-120"/>
             </a:endParaRPr>
@@ -39005,69 +39082,69 @@
               <a:buAutoNum type="ea1ChtPeriod"/>
             </a:pPr>
             <a:r>
-              <a:rPr lang="zh-TW" altLang="en-US" sz="2200" dirty="0" smtClean="0">
+              <a:rPr lang="zh-TW" altLang="en-US" sz="2100" dirty="0" smtClean="0">
                 <a:latin typeface="Book Antiqua" panose="02040602050305030304" pitchFamily="18" charset="0"/>
                 <a:ea typeface="標楷體" panose="03000509000000000000" pitchFamily="65" charset="-120"/>
               </a:rPr>
               <a:t>此策略在金融海嘯前約一年表現較差，推測與股市崩盤前資金會先撤出中小型強勢股，而權值股相對較慢撤出有關，所以買強勢股</a:t>
             </a:r>
             <a:r>
-              <a:rPr lang="en-US" altLang="zh-TW" sz="2200" dirty="0" smtClean="0">
+              <a:rPr lang="en-US" altLang="zh-TW" sz="2100" dirty="0" smtClean="0">
                 <a:latin typeface="Book Antiqua" panose="02040602050305030304" pitchFamily="18" charset="0"/>
                 <a:ea typeface="標楷體" panose="03000509000000000000" pitchFamily="65" charset="-120"/>
               </a:rPr>
               <a:t>&amp;</a:t>
             </a:r>
             <a:r>
-              <a:rPr lang="zh-TW" altLang="en-US" sz="2200" dirty="0" smtClean="0">
+              <a:rPr lang="zh-TW" altLang="en-US" sz="2100" dirty="0" smtClean="0">
                 <a:latin typeface="Book Antiqua" panose="02040602050305030304" pitchFamily="18" charset="0"/>
                 <a:ea typeface="標楷體" panose="03000509000000000000" pitchFamily="65" charset="-120"/>
               </a:rPr>
               <a:t>空台指</a:t>
             </a:r>
             <a:r>
-              <a:rPr lang="en-US" altLang="zh-TW" sz="2200" dirty="0">
+              <a:rPr lang="en-US" altLang="zh-TW" sz="2100" dirty="0">
                 <a:latin typeface="Book Antiqua" panose="02040602050305030304" pitchFamily="18" charset="0"/>
                 <a:ea typeface="標楷體" panose="03000509000000000000" pitchFamily="65" charset="-120"/>
               </a:rPr>
               <a:t>/</a:t>
             </a:r>
             <a:r>
-              <a:rPr lang="en-US" altLang="zh-TW" sz="2200" dirty="0" smtClean="0">
+              <a:rPr lang="en-US" altLang="zh-TW" sz="2100" dirty="0" smtClean="0">
                 <a:latin typeface="Book Antiqua" panose="02040602050305030304" pitchFamily="18" charset="0"/>
                 <a:ea typeface="標楷體" panose="03000509000000000000" pitchFamily="65" charset="-120"/>
               </a:rPr>
               <a:t>0050</a:t>
             </a:r>
             <a:r>
-              <a:rPr lang="zh-TW" altLang="en-US" sz="2200" dirty="0" smtClean="0">
+              <a:rPr lang="zh-TW" altLang="en-US" sz="2100" dirty="0" smtClean="0">
                 <a:latin typeface="Book Antiqua" panose="02040602050305030304" pitchFamily="18" charset="0"/>
                 <a:ea typeface="標楷體" panose="03000509000000000000" pitchFamily="65" charset="-120"/>
               </a:rPr>
               <a:t>出現負報酬。</a:t>
             </a:r>
             <a:r>
-              <a:rPr lang="en-US" altLang="zh-TW" sz="2200" dirty="0" smtClean="0">
+              <a:rPr lang="en-US" altLang="zh-TW" sz="2100" dirty="0" smtClean="0">
                 <a:latin typeface="Book Antiqua" panose="02040602050305030304" pitchFamily="18" charset="0"/>
                 <a:ea typeface="標楷體" panose="03000509000000000000" pitchFamily="65" charset="-120"/>
               </a:rPr>
               <a:t>(</a:t>
             </a:r>
             <a:r>
-              <a:rPr lang="zh-TW" altLang="en-US" sz="2200" dirty="0" smtClean="0">
+              <a:rPr lang="zh-TW" altLang="en-US" sz="2100" dirty="0" smtClean="0">
                 <a:latin typeface="Book Antiqua" panose="02040602050305030304" pitchFamily="18" charset="0"/>
                 <a:ea typeface="標楷體" panose="03000509000000000000" pitchFamily="65" charset="-120"/>
               </a:rPr>
               <a:t>可以當作股市崩盤預測</a:t>
             </a:r>
             <a:r>
-              <a:rPr lang="en-US" altLang="zh-TW" sz="2200" dirty="0" smtClean="0">
+              <a:rPr lang="en-US" altLang="zh-TW" sz="2100" dirty="0" smtClean="0">
                 <a:latin typeface="Book Antiqua" panose="02040602050305030304" pitchFamily="18" charset="0"/>
                 <a:ea typeface="標楷體" panose="03000509000000000000" pitchFamily="65" charset="-120"/>
               </a:rPr>
               <a:t>?)</a:t>
             </a:r>
-            <a:endParaRPr lang="en-US" altLang="zh-TW" sz="2200" dirty="0">
+            <a:endParaRPr lang="en-US" altLang="zh-TW" sz="2100" dirty="0">
               <a:latin typeface="Book Antiqua" panose="02040602050305030304" pitchFamily="18" charset="0"/>
               <a:ea typeface="標楷體" panose="03000509000000000000" pitchFamily="65" charset="-120"/>
             </a:endParaRPr>
@@ -39078,83 +39155,83 @@
               <a:buAutoNum type="ea1ChtPeriod"/>
             </a:pPr>
             <a:r>
-              <a:rPr lang="zh-TW" altLang="en-US" sz="2200" dirty="0" smtClean="0">
+              <a:rPr lang="zh-TW" altLang="en-US" sz="2100" dirty="0" smtClean="0">
                 <a:latin typeface="Book Antiqua" panose="02040602050305030304" pitchFamily="18" charset="0"/>
                 <a:ea typeface="標楷體" panose="03000509000000000000" pitchFamily="65" charset="-120"/>
               </a:rPr>
               <a:t>無論是對</a:t>
             </a:r>
             <a:r>
-              <a:rPr lang="en-US" altLang="zh-TW" sz="2200" dirty="0" smtClean="0">
+              <a:rPr lang="en-US" altLang="zh-TW" sz="2100" dirty="0" smtClean="0">
                 <a:latin typeface="Book Antiqua" panose="02040602050305030304" pitchFamily="18" charset="0"/>
                 <a:ea typeface="標楷體" panose="03000509000000000000" pitchFamily="65" charset="-120"/>
               </a:rPr>
               <a:t>0050</a:t>
             </a:r>
             <a:r>
-              <a:rPr lang="zh-TW" altLang="en-US" sz="2200" dirty="0" smtClean="0">
+              <a:rPr lang="zh-TW" altLang="en-US" sz="2100" dirty="0" smtClean="0">
                 <a:latin typeface="Book Antiqua" panose="02040602050305030304" pitchFamily="18" charset="0"/>
                 <a:ea typeface="標楷體" panose="03000509000000000000" pitchFamily="65" charset="-120"/>
               </a:rPr>
               <a:t>或是台指，</a:t>
             </a:r>
             <a:r>
-              <a:rPr lang="en-US" altLang="zh-TW" sz="2200" dirty="0" smtClean="0">
+              <a:rPr lang="en-US" altLang="zh-TW" sz="2100" dirty="0" smtClean="0">
                 <a:latin typeface="Book Antiqua" panose="02040602050305030304" pitchFamily="18" charset="0"/>
                 <a:ea typeface="標楷體" panose="03000509000000000000" pitchFamily="65" charset="-120"/>
               </a:rPr>
               <a:t>10</a:t>
             </a:r>
             <a:r>
-              <a:rPr lang="zh-TW" altLang="en-US" sz="2200" dirty="0" smtClean="0">
+              <a:rPr lang="zh-TW" altLang="en-US" sz="2100" dirty="0" smtClean="0">
                 <a:latin typeface="Book Antiqua" panose="02040602050305030304" pitchFamily="18" charset="0"/>
                 <a:ea typeface="標楷體" panose="03000509000000000000" pitchFamily="65" charset="-120"/>
               </a:rPr>
               <a:t>檔投資組合的報酬波動都比</a:t>
             </a:r>
             <a:r>
-              <a:rPr lang="en-US" altLang="zh-TW" sz="2200" dirty="0" smtClean="0">
+              <a:rPr lang="en-US" altLang="zh-TW" sz="2100" dirty="0" smtClean="0">
                 <a:latin typeface="Book Antiqua" panose="02040602050305030304" pitchFamily="18" charset="0"/>
                 <a:ea typeface="標楷體" panose="03000509000000000000" pitchFamily="65" charset="-120"/>
               </a:rPr>
               <a:t>25</a:t>
             </a:r>
             <a:r>
-              <a:rPr lang="zh-TW" altLang="en-US" sz="2200" dirty="0" smtClean="0">
+              <a:rPr lang="zh-TW" altLang="en-US" sz="2100" dirty="0" smtClean="0">
                 <a:latin typeface="Book Antiqua" panose="02040602050305030304" pitchFamily="18" charset="0"/>
                 <a:ea typeface="標楷體" panose="03000509000000000000" pitchFamily="65" charset="-120"/>
               </a:rPr>
               <a:t>檔投資組合來的大，在表現最佳的回測</a:t>
             </a:r>
             <a:r>
-              <a:rPr lang="en-US" altLang="zh-TW" sz="2200" dirty="0" smtClean="0">
+              <a:rPr lang="en-US" altLang="zh-TW" sz="2100" dirty="0" smtClean="0">
                 <a:latin typeface="Book Antiqua" panose="02040602050305030304" pitchFamily="18" charset="0"/>
                 <a:ea typeface="標楷體" panose="03000509000000000000" pitchFamily="65" charset="-120"/>
               </a:rPr>
               <a:t>6</a:t>
             </a:r>
             <a:r>
-              <a:rPr lang="zh-TW" altLang="en-US" sz="2200" dirty="0" smtClean="0">
+              <a:rPr lang="zh-TW" altLang="en-US" sz="2100" dirty="0" smtClean="0">
                 <a:latin typeface="Book Antiqua" panose="02040602050305030304" pitchFamily="18" charset="0"/>
                 <a:ea typeface="標楷體" panose="03000509000000000000" pitchFamily="65" charset="-120"/>
               </a:rPr>
               <a:t>個月期間賺得比較多，在表現最差的回測</a:t>
             </a:r>
             <a:r>
-              <a:rPr lang="en-US" altLang="zh-TW" sz="2200" dirty="0" smtClean="0">
+              <a:rPr lang="en-US" altLang="zh-TW" sz="2100" dirty="0" smtClean="0">
                 <a:latin typeface="Book Antiqua" panose="02040602050305030304" pitchFamily="18" charset="0"/>
                 <a:ea typeface="標楷體" panose="03000509000000000000" pitchFamily="65" charset="-120"/>
               </a:rPr>
               <a:t>12</a:t>
             </a:r>
             <a:r>
-              <a:rPr lang="zh-TW" altLang="en-US" sz="2200" dirty="0" smtClean="0">
+              <a:rPr lang="zh-TW" altLang="en-US" sz="2100" dirty="0" smtClean="0">
                 <a:latin typeface="Book Antiqua" panose="02040602050305030304" pitchFamily="18" charset="0"/>
                 <a:ea typeface="標楷體" panose="03000509000000000000" pitchFamily="65" charset="-120"/>
               </a:rPr>
               <a:t>個月期間也賠得比較多。</a:t>
             </a:r>
-            <a:endParaRPr lang="en-US" altLang="zh-TW" sz="2200" dirty="0" smtClean="0">
+            <a:endParaRPr lang="en-US" altLang="zh-TW" sz="2100" dirty="0" smtClean="0">
               <a:latin typeface="Book Antiqua" panose="02040602050305030304" pitchFamily="18" charset="0"/>
               <a:ea typeface="標楷體" panose="03000509000000000000" pitchFamily="65" charset="-120"/>
             </a:endParaRPr>
@@ -39165,48 +39242,41 @@
               <a:buAutoNum type="ea1ChtPeriod"/>
             </a:pPr>
             <a:r>
-              <a:rPr lang="zh-TW" altLang="en-US" sz="2200" dirty="0">
+              <a:rPr lang="zh-TW" altLang="en-US" sz="2100" dirty="0">
                 <a:latin typeface="Book Antiqua" panose="02040602050305030304" pitchFamily="18" charset="0"/>
                 <a:ea typeface="標楷體" panose="03000509000000000000" pitchFamily="65" charset="-120"/>
               </a:rPr>
               <a:t>空</a:t>
             </a:r>
             <a:r>
-              <a:rPr lang="en-US" altLang="zh-TW" sz="2200" dirty="0" smtClean="0">
+              <a:rPr lang="en-US" altLang="zh-TW" sz="2100" dirty="0" smtClean="0">
                 <a:latin typeface="Book Antiqua" panose="02040602050305030304" pitchFamily="18" charset="0"/>
                 <a:ea typeface="標楷體" panose="03000509000000000000" pitchFamily="65" charset="-120"/>
               </a:rPr>
               <a:t>0050</a:t>
             </a:r>
             <a:r>
-              <a:rPr lang="zh-TW" altLang="en-US" sz="2200" dirty="0" smtClean="0">
+              <a:rPr lang="zh-TW" altLang="en-US" sz="2100" dirty="0" smtClean="0">
                 <a:latin typeface="Book Antiqua" panose="02040602050305030304" pitchFamily="18" charset="0"/>
                 <a:ea typeface="標楷體" panose="03000509000000000000" pitchFamily="65" charset="-120"/>
               </a:rPr>
               <a:t>的投資組合表現普遍較空台指來的好，推測台指裡有包含很多中小型股，可能有些中小型股在我們持有的期間表現變亮眼，強化台指表現，所以空台指的績效比空</a:t>
             </a:r>
             <a:r>
-              <a:rPr lang="en-US" altLang="zh-TW" sz="2200" dirty="0" smtClean="0">
+              <a:rPr lang="en-US" altLang="zh-TW" sz="2100" dirty="0" smtClean="0">
                 <a:latin typeface="Book Antiqua" panose="02040602050305030304" pitchFamily="18" charset="0"/>
                 <a:ea typeface="標楷體" panose="03000509000000000000" pitchFamily="65" charset="-120"/>
               </a:rPr>
               <a:t>0050</a:t>
             </a:r>
             <a:r>
-              <a:rPr lang="zh-TW" altLang="en-US" sz="2200" dirty="0" smtClean="0">
+              <a:rPr lang="zh-TW" altLang="en-US" sz="2100" dirty="0" smtClean="0">
                 <a:latin typeface="Book Antiqua" panose="02040602050305030304" pitchFamily="18" charset="0"/>
                 <a:ea typeface="標楷體" panose="03000509000000000000" pitchFamily="65" charset="-120"/>
               </a:rPr>
-              <a:t>的績效差</a:t>
-            </a:r>
-            <a:r>
-              <a:rPr lang="zh-TW" altLang="en-US" sz="2200" dirty="0" smtClean="0">
-                <a:latin typeface="Book Antiqua" panose="02040602050305030304" pitchFamily="18" charset="0"/>
-                <a:ea typeface="標楷體" panose="03000509000000000000" pitchFamily="65" charset="-120"/>
-              </a:rPr>
-              <a:t>。</a:t>
-            </a:r>
-            <a:endParaRPr lang="en-US" altLang="zh-TW" sz="2200" dirty="0" smtClean="0">
+              <a:t>的績效差。</a:t>
+            </a:r>
+            <a:endParaRPr lang="en-US" altLang="zh-TW" sz="2100" dirty="0" smtClean="0">
               <a:latin typeface="Book Antiqua" panose="02040602050305030304" pitchFamily="18" charset="0"/>
               <a:ea typeface="標楷體" panose="03000509000000000000" pitchFamily="65" charset="-120"/>
             </a:endParaRPr>
@@ -39217,69 +39287,83 @@
               <a:buAutoNum type="ea1ChtPeriod"/>
             </a:pPr>
             <a:r>
-              <a:rPr lang="zh-TW" altLang="en-US" sz="2200" dirty="0" smtClean="0">
+              <a:rPr lang="zh-TW" altLang="en-US" sz="2100" dirty="0">
                 <a:latin typeface="Book Antiqua" panose="02040602050305030304" pitchFamily="18" charset="0"/>
                 <a:ea typeface="標楷體" panose="03000509000000000000" pitchFamily="65" charset="-120"/>
               </a:rPr>
-              <a:t>買</a:t>
-            </a:r>
-            <a:r>
-              <a:rPr lang="en-US" altLang="zh-TW" sz="2200" dirty="0" smtClean="0">
+              <a:t>回測期</a:t>
+            </a:r>
+            <a:r>
+              <a:rPr lang="en-US" altLang="zh-TW" sz="2100" dirty="0">
                 <a:latin typeface="Book Antiqua" panose="02040602050305030304" pitchFamily="18" charset="0"/>
                 <a:ea typeface="標楷體" panose="03000509000000000000" pitchFamily="65" charset="-120"/>
               </a:rPr>
+              <a:t>6</a:t>
+            </a:r>
+            <a:r>
+              <a:rPr lang="zh-TW" altLang="en-US" sz="2100" dirty="0">
+                <a:latin typeface="Book Antiqua" panose="02040602050305030304" pitchFamily="18" charset="0"/>
+                <a:ea typeface="標楷體" panose="03000509000000000000" pitchFamily="65" charset="-120"/>
+              </a:rPr>
+              <a:t>個月，持有期間</a:t>
+            </a:r>
+            <a:r>
+              <a:rPr lang="en-US" altLang="zh-TW" sz="2100" dirty="0">
+                <a:latin typeface="Book Antiqua" panose="02040602050305030304" pitchFamily="18" charset="0"/>
+                <a:ea typeface="標楷體" panose="03000509000000000000" pitchFamily="65" charset="-120"/>
+              </a:rPr>
+              <a:t>2</a:t>
+            </a:r>
+            <a:r>
+              <a:rPr lang="zh-TW" altLang="en-US" sz="2100" dirty="0">
+                <a:latin typeface="Book Antiqua" panose="02040602050305030304" pitchFamily="18" charset="0"/>
+                <a:ea typeface="標楷體" panose="03000509000000000000" pitchFamily="65" charset="-120"/>
+              </a:rPr>
+              <a:t>個</a:t>
+            </a:r>
+            <a:r>
+              <a:rPr lang="zh-TW" altLang="en-US" sz="2100" dirty="0" smtClean="0">
+                <a:latin typeface="Book Antiqua" panose="02040602050305030304" pitchFamily="18" charset="0"/>
+                <a:ea typeface="標楷體" panose="03000509000000000000" pitchFamily="65" charset="-120"/>
+              </a:rPr>
+              <a:t>月篩出的</a:t>
+            </a:r>
+            <a:r>
+              <a:rPr lang="en-US" altLang="zh-TW" sz="2100" dirty="0" smtClean="0">
+                <a:latin typeface="Book Antiqua" panose="02040602050305030304" pitchFamily="18" charset="0"/>
+                <a:ea typeface="標楷體" panose="03000509000000000000" pitchFamily="65" charset="-120"/>
+              </a:rPr>
               <a:t>10</a:t>
             </a:r>
             <a:r>
-              <a:rPr lang="zh-TW" altLang="en-US" sz="2200" dirty="0" smtClean="0">
+              <a:rPr lang="zh-TW" altLang="en-US" sz="2100" dirty="0" smtClean="0">
                 <a:latin typeface="Book Antiqua" panose="02040602050305030304" pitchFamily="18" charset="0"/>
                 <a:ea typeface="標楷體" panose="03000509000000000000" pitchFamily="65" charset="-120"/>
               </a:rPr>
-              <a:t>檔強勢股空</a:t>
-            </a:r>
-            <a:r>
-              <a:rPr lang="en-US" altLang="zh-TW" sz="2200" dirty="0" smtClean="0">
+              <a:t>檔強勢</a:t>
+            </a:r>
+            <a:r>
+              <a:rPr lang="zh-TW" altLang="en-US" sz="2100" dirty="0" smtClean="0">
                 <a:latin typeface="Book Antiqua" panose="02040602050305030304" pitchFamily="18" charset="0"/>
                 <a:ea typeface="標楷體" panose="03000509000000000000" pitchFamily="65" charset="-120"/>
               </a:rPr>
+              <a:t>股與空</a:t>
+            </a:r>
+            <a:r>
+              <a:rPr lang="en-US" altLang="zh-TW" sz="2100" dirty="0" smtClean="0">
+                <a:latin typeface="Book Antiqua" panose="02040602050305030304" pitchFamily="18" charset="0"/>
+                <a:ea typeface="標楷體" panose="03000509000000000000" pitchFamily="65" charset="-120"/>
+              </a:rPr>
               <a:t>0050</a:t>
             </a:r>
             <a:r>
-              <a:rPr lang="zh-TW" altLang="en-US" sz="2200" dirty="0" smtClean="0">
+              <a:rPr lang="zh-TW" altLang="en-US" sz="2100" dirty="0" smtClean="0">
                 <a:latin typeface="Book Antiqua" panose="02040602050305030304" pitchFamily="18" charset="0"/>
                 <a:ea typeface="標楷體" panose="03000509000000000000" pitchFamily="65" charset="-120"/>
               </a:rPr>
-              <a:t>，回測期</a:t>
-            </a:r>
-            <a:r>
-              <a:rPr lang="en-US" altLang="zh-TW" sz="2200" dirty="0" smtClean="0">
-                <a:latin typeface="Book Antiqua" panose="02040602050305030304" pitchFamily="18" charset="0"/>
-                <a:ea typeface="標楷體" panose="03000509000000000000" pitchFamily="65" charset="-120"/>
-              </a:rPr>
-              <a:t>6</a:t>
-            </a:r>
-            <a:r>
-              <a:rPr lang="zh-TW" altLang="en-US" sz="2200" dirty="0" smtClean="0">
-                <a:latin typeface="Book Antiqua" panose="02040602050305030304" pitchFamily="18" charset="0"/>
-                <a:ea typeface="標楷體" panose="03000509000000000000" pitchFamily="65" charset="-120"/>
-              </a:rPr>
-              <a:t>個月，持有期間</a:t>
-            </a:r>
-            <a:r>
-              <a:rPr lang="en-US" altLang="zh-TW" sz="2200" dirty="0" smtClean="0">
-                <a:latin typeface="Book Antiqua" panose="02040602050305030304" pitchFamily="18" charset="0"/>
-                <a:ea typeface="標楷體" panose="03000509000000000000" pitchFamily="65" charset="-120"/>
-              </a:rPr>
-              <a:t>2</a:t>
-            </a:r>
-            <a:r>
-              <a:rPr lang="zh-TW" altLang="en-US" sz="2200" dirty="0" smtClean="0">
-                <a:latin typeface="Book Antiqua" panose="02040602050305030304" pitchFamily="18" charset="0"/>
-                <a:ea typeface="標楷體" panose="03000509000000000000" pitchFamily="65" charset="-120"/>
-              </a:rPr>
-              <a:t>個月表現最好</a:t>
-            </a:r>
-            <a:endParaRPr lang="zh-TW" altLang="en-US" sz="2200" dirty="0">
+              <a:t>組合表現最好。單次投資的話，以第二層濾網落在一月篩出的投資組合最佳。</a:t>
+            </a:r>
+            <a:endParaRPr lang="zh-TW" altLang="en-US" sz="2100" dirty="0">
               <a:latin typeface="Book Antiqua" panose="02040602050305030304" pitchFamily="18" charset="0"/>
               <a:ea typeface="標楷體" panose="03000509000000000000" pitchFamily="65" charset="-120"/>
             </a:endParaRPr>
@@ -40178,28 +40262,28 @@
                 <a:gridCol w="852154">
                   <a:extLst>
                     <a:ext uri="{9D8B030D-6E8A-4147-A177-3AD203B41FA5}">
-                      <a16:colId xmlns:a16="http://schemas.microsoft.com/office/drawing/2014/main" xmlns="" val="20000"/>
+                      <a16:colId xmlns="" xmlns:a16="http://schemas.microsoft.com/office/drawing/2014/main" val="20000"/>
                     </a:ext>
                   </a:extLst>
                 </a:gridCol>
                 <a:gridCol w="2046318">
                   <a:extLst>
                     <a:ext uri="{9D8B030D-6E8A-4147-A177-3AD203B41FA5}">
-                      <a16:colId xmlns:a16="http://schemas.microsoft.com/office/drawing/2014/main" xmlns="" val="20001"/>
+                      <a16:colId xmlns="" xmlns:a16="http://schemas.microsoft.com/office/drawing/2014/main" val="20001"/>
                     </a:ext>
                   </a:extLst>
                 </a:gridCol>
                 <a:gridCol w="1346490">
                   <a:extLst>
                     <a:ext uri="{9D8B030D-6E8A-4147-A177-3AD203B41FA5}">
-                      <a16:colId xmlns:a16="http://schemas.microsoft.com/office/drawing/2014/main" xmlns="" val="20002"/>
+                      <a16:colId xmlns="" xmlns:a16="http://schemas.microsoft.com/office/drawing/2014/main" val="20002"/>
                     </a:ext>
                   </a:extLst>
                 </a:gridCol>
                 <a:gridCol w="1168041">
                   <a:extLst>
                     <a:ext uri="{9D8B030D-6E8A-4147-A177-3AD203B41FA5}">
-                      <a16:colId xmlns:a16="http://schemas.microsoft.com/office/drawing/2014/main" xmlns="" val="20003"/>
+                      <a16:colId xmlns="" xmlns:a16="http://schemas.microsoft.com/office/drawing/2014/main" val="20003"/>
                     </a:ext>
                   </a:extLst>
                 </a:gridCol>
@@ -40303,7 +40387,7 @@
                 </a:tc>
                 <a:extLst>
                   <a:ext uri="{0D108BD9-81ED-4DB2-BD59-A6C34878D82A}">
-                    <a16:rowId xmlns:a16="http://schemas.microsoft.com/office/drawing/2014/main" xmlns="" val="10000"/>
+                    <a16:rowId xmlns="" xmlns:a16="http://schemas.microsoft.com/office/drawing/2014/main" val="10000"/>
                   </a:ext>
                 </a:extLst>
               </a:tr>
@@ -40406,7 +40490,7 @@
                 </a:tc>
                 <a:extLst>
                   <a:ext uri="{0D108BD9-81ED-4DB2-BD59-A6C34878D82A}">
-                    <a16:rowId xmlns:a16="http://schemas.microsoft.com/office/drawing/2014/main" xmlns="" val="10001"/>
+                    <a16:rowId xmlns="" xmlns:a16="http://schemas.microsoft.com/office/drawing/2014/main" val="10001"/>
                   </a:ext>
                 </a:extLst>
               </a:tr>
@@ -40509,7 +40593,7 @@
                 </a:tc>
                 <a:extLst>
                   <a:ext uri="{0D108BD9-81ED-4DB2-BD59-A6C34878D82A}">
-                    <a16:rowId xmlns:a16="http://schemas.microsoft.com/office/drawing/2014/main" xmlns="" val="10002"/>
+                    <a16:rowId xmlns="" xmlns:a16="http://schemas.microsoft.com/office/drawing/2014/main" val="10002"/>
                   </a:ext>
                 </a:extLst>
               </a:tr>
@@ -40612,7 +40696,7 @@
                 </a:tc>
                 <a:extLst>
                   <a:ext uri="{0D108BD9-81ED-4DB2-BD59-A6C34878D82A}">
-                    <a16:rowId xmlns:a16="http://schemas.microsoft.com/office/drawing/2014/main" xmlns="" val="10003"/>
+                    <a16:rowId xmlns="" xmlns:a16="http://schemas.microsoft.com/office/drawing/2014/main" val="10003"/>
                   </a:ext>
                 </a:extLst>
               </a:tr>
@@ -40715,7 +40799,7 @@
                 </a:tc>
                 <a:extLst>
                   <a:ext uri="{0D108BD9-81ED-4DB2-BD59-A6C34878D82A}">
-                    <a16:rowId xmlns:a16="http://schemas.microsoft.com/office/drawing/2014/main" xmlns="" val="10004"/>
+                    <a16:rowId xmlns="" xmlns:a16="http://schemas.microsoft.com/office/drawing/2014/main" val="10004"/>
                   </a:ext>
                 </a:extLst>
               </a:tr>
@@ -40818,7 +40902,7 @@
                 </a:tc>
                 <a:extLst>
                   <a:ext uri="{0D108BD9-81ED-4DB2-BD59-A6C34878D82A}">
-                    <a16:rowId xmlns:a16="http://schemas.microsoft.com/office/drawing/2014/main" xmlns="" val="10005"/>
+                    <a16:rowId xmlns="" xmlns:a16="http://schemas.microsoft.com/office/drawing/2014/main" val="10005"/>
                   </a:ext>
                 </a:extLst>
               </a:tr>
@@ -40921,7 +41005,7 @@
                 </a:tc>
                 <a:extLst>
                   <a:ext uri="{0D108BD9-81ED-4DB2-BD59-A6C34878D82A}">
-                    <a16:rowId xmlns:a16="http://schemas.microsoft.com/office/drawing/2014/main" xmlns="" val="10006"/>
+                    <a16:rowId xmlns="" xmlns:a16="http://schemas.microsoft.com/office/drawing/2014/main" val="10006"/>
                   </a:ext>
                 </a:extLst>
               </a:tr>
@@ -40957,28 +41041,28 @@
                 <a:gridCol w="863304">
                   <a:extLst>
                     <a:ext uri="{9D8B030D-6E8A-4147-A177-3AD203B41FA5}">
-                      <a16:colId xmlns:a16="http://schemas.microsoft.com/office/drawing/2014/main" xmlns="" val="20000"/>
+                      <a16:colId xmlns="" xmlns:a16="http://schemas.microsoft.com/office/drawing/2014/main" val="20000"/>
                     </a:ext>
                   </a:extLst>
                 </a:gridCol>
                 <a:gridCol w="2035167">
                   <a:extLst>
                     <a:ext uri="{9D8B030D-6E8A-4147-A177-3AD203B41FA5}">
-                      <a16:colId xmlns:a16="http://schemas.microsoft.com/office/drawing/2014/main" xmlns="" val="20001"/>
+                      <a16:colId xmlns="" xmlns:a16="http://schemas.microsoft.com/office/drawing/2014/main" val="20001"/>
                     </a:ext>
                   </a:extLst>
                 </a:gridCol>
                 <a:gridCol w="1346490">
                   <a:extLst>
                     <a:ext uri="{9D8B030D-6E8A-4147-A177-3AD203B41FA5}">
-                      <a16:colId xmlns:a16="http://schemas.microsoft.com/office/drawing/2014/main" xmlns="" val="20002"/>
+                      <a16:colId xmlns="" xmlns:a16="http://schemas.microsoft.com/office/drawing/2014/main" val="20002"/>
                     </a:ext>
                   </a:extLst>
                 </a:gridCol>
                 <a:gridCol w="1168040">
                   <a:extLst>
                     <a:ext uri="{9D8B030D-6E8A-4147-A177-3AD203B41FA5}">
-                      <a16:colId xmlns:a16="http://schemas.microsoft.com/office/drawing/2014/main" xmlns="" val="20003"/>
+                      <a16:colId xmlns="" xmlns:a16="http://schemas.microsoft.com/office/drawing/2014/main" val="20003"/>
                     </a:ext>
                   </a:extLst>
                 </a:gridCol>
@@ -41082,7 +41166,7 @@
                 </a:tc>
                 <a:extLst>
                   <a:ext uri="{0D108BD9-81ED-4DB2-BD59-A6C34878D82A}">
-                    <a16:rowId xmlns:a16="http://schemas.microsoft.com/office/drawing/2014/main" xmlns="" val="10000"/>
+                    <a16:rowId xmlns="" xmlns:a16="http://schemas.microsoft.com/office/drawing/2014/main" val="10000"/>
                   </a:ext>
                 </a:extLst>
               </a:tr>
@@ -41185,7 +41269,7 @@
                 </a:tc>
                 <a:extLst>
                   <a:ext uri="{0D108BD9-81ED-4DB2-BD59-A6C34878D82A}">
-                    <a16:rowId xmlns:a16="http://schemas.microsoft.com/office/drawing/2014/main" xmlns="" val="10001"/>
+                    <a16:rowId xmlns="" xmlns:a16="http://schemas.microsoft.com/office/drawing/2014/main" val="10001"/>
                   </a:ext>
                 </a:extLst>
               </a:tr>
@@ -41288,7 +41372,7 @@
                 </a:tc>
                 <a:extLst>
                   <a:ext uri="{0D108BD9-81ED-4DB2-BD59-A6C34878D82A}">
-                    <a16:rowId xmlns:a16="http://schemas.microsoft.com/office/drawing/2014/main" xmlns="" val="10002"/>
+                    <a16:rowId xmlns="" xmlns:a16="http://schemas.microsoft.com/office/drawing/2014/main" val="10002"/>
                   </a:ext>
                 </a:extLst>
               </a:tr>
@@ -41391,7 +41475,7 @@
                 </a:tc>
                 <a:extLst>
                   <a:ext uri="{0D108BD9-81ED-4DB2-BD59-A6C34878D82A}">
-                    <a16:rowId xmlns:a16="http://schemas.microsoft.com/office/drawing/2014/main" xmlns="" val="10003"/>
+                    <a16:rowId xmlns="" xmlns:a16="http://schemas.microsoft.com/office/drawing/2014/main" val="10003"/>
                   </a:ext>
                 </a:extLst>
               </a:tr>
@@ -41494,7 +41578,7 @@
                 </a:tc>
                 <a:extLst>
                   <a:ext uri="{0D108BD9-81ED-4DB2-BD59-A6C34878D82A}">
-                    <a16:rowId xmlns:a16="http://schemas.microsoft.com/office/drawing/2014/main" xmlns="" val="10004"/>
+                    <a16:rowId xmlns="" xmlns:a16="http://schemas.microsoft.com/office/drawing/2014/main" val="10004"/>
                   </a:ext>
                 </a:extLst>
               </a:tr>
@@ -41597,7 +41681,7 @@
                 </a:tc>
                 <a:extLst>
                   <a:ext uri="{0D108BD9-81ED-4DB2-BD59-A6C34878D82A}">
-                    <a16:rowId xmlns:a16="http://schemas.microsoft.com/office/drawing/2014/main" xmlns="" val="10005"/>
+                    <a16:rowId xmlns="" xmlns:a16="http://schemas.microsoft.com/office/drawing/2014/main" val="10005"/>
                   </a:ext>
                 </a:extLst>
               </a:tr>
@@ -41700,7 +41784,7 @@
                 </a:tc>
                 <a:extLst>
                   <a:ext uri="{0D108BD9-81ED-4DB2-BD59-A6C34878D82A}">
-                    <a16:rowId xmlns:a16="http://schemas.microsoft.com/office/drawing/2014/main" xmlns="" val="10006"/>
+                    <a16:rowId xmlns="" xmlns:a16="http://schemas.microsoft.com/office/drawing/2014/main" val="10006"/>
                   </a:ext>
                 </a:extLst>
               </a:tr>
@@ -41736,28 +41820,28 @@
                 <a:gridCol w="925551">
                   <a:extLst>
                     <a:ext uri="{9D8B030D-6E8A-4147-A177-3AD203B41FA5}">
-                      <a16:colId xmlns:a16="http://schemas.microsoft.com/office/drawing/2014/main" xmlns="" val="20000"/>
+                      <a16:colId xmlns="" xmlns:a16="http://schemas.microsoft.com/office/drawing/2014/main" val="20000"/>
                     </a:ext>
                   </a:extLst>
                 </a:gridCol>
                 <a:gridCol w="2239122">
                   <a:extLst>
                     <a:ext uri="{9D8B030D-6E8A-4147-A177-3AD203B41FA5}">
-                      <a16:colId xmlns:a16="http://schemas.microsoft.com/office/drawing/2014/main" xmlns="" val="20001"/>
+                      <a16:colId xmlns="" xmlns:a16="http://schemas.microsoft.com/office/drawing/2014/main" val="20001"/>
                     </a:ext>
                   </a:extLst>
                 </a:gridCol>
                 <a:gridCol w="1470156">
                   <a:extLst>
                     <a:ext uri="{9D8B030D-6E8A-4147-A177-3AD203B41FA5}">
-                      <a16:colId xmlns:a16="http://schemas.microsoft.com/office/drawing/2014/main" xmlns="" val="20002"/>
+                      <a16:colId xmlns="" xmlns:a16="http://schemas.microsoft.com/office/drawing/2014/main" val="20002"/>
                     </a:ext>
                   </a:extLst>
                 </a:gridCol>
                 <a:gridCol w="1275316">
                   <a:extLst>
                     <a:ext uri="{9D8B030D-6E8A-4147-A177-3AD203B41FA5}">
-                      <a16:colId xmlns:a16="http://schemas.microsoft.com/office/drawing/2014/main" xmlns="" val="20003"/>
+                      <a16:colId xmlns="" xmlns:a16="http://schemas.microsoft.com/office/drawing/2014/main" val="20003"/>
                     </a:ext>
                   </a:extLst>
                 </a:gridCol>
@@ -41861,7 +41945,7 @@
                 </a:tc>
                 <a:extLst>
                   <a:ext uri="{0D108BD9-81ED-4DB2-BD59-A6C34878D82A}">
-                    <a16:rowId xmlns:a16="http://schemas.microsoft.com/office/drawing/2014/main" xmlns="" val="10000"/>
+                    <a16:rowId xmlns="" xmlns:a16="http://schemas.microsoft.com/office/drawing/2014/main" val="10000"/>
                   </a:ext>
                 </a:extLst>
               </a:tr>
@@ -41964,7 +42048,7 @@
                 </a:tc>
                 <a:extLst>
                   <a:ext uri="{0D108BD9-81ED-4DB2-BD59-A6C34878D82A}">
-                    <a16:rowId xmlns:a16="http://schemas.microsoft.com/office/drawing/2014/main" xmlns="" val="10001"/>
+                    <a16:rowId xmlns="" xmlns:a16="http://schemas.microsoft.com/office/drawing/2014/main" val="10001"/>
                   </a:ext>
                 </a:extLst>
               </a:tr>
@@ -42067,7 +42151,7 @@
                 </a:tc>
                 <a:extLst>
                   <a:ext uri="{0D108BD9-81ED-4DB2-BD59-A6C34878D82A}">
-                    <a16:rowId xmlns:a16="http://schemas.microsoft.com/office/drawing/2014/main" xmlns="" val="10002"/>
+                    <a16:rowId xmlns="" xmlns:a16="http://schemas.microsoft.com/office/drawing/2014/main" val="10002"/>
                   </a:ext>
                 </a:extLst>
               </a:tr>
@@ -42170,7 +42254,7 @@
                 </a:tc>
                 <a:extLst>
                   <a:ext uri="{0D108BD9-81ED-4DB2-BD59-A6C34878D82A}">
-                    <a16:rowId xmlns:a16="http://schemas.microsoft.com/office/drawing/2014/main" xmlns="" val="10003"/>
+                    <a16:rowId xmlns="" xmlns:a16="http://schemas.microsoft.com/office/drawing/2014/main" val="10003"/>
                   </a:ext>
                 </a:extLst>
               </a:tr>
@@ -42273,7 +42357,7 @@
                 </a:tc>
                 <a:extLst>
                   <a:ext uri="{0D108BD9-81ED-4DB2-BD59-A6C34878D82A}">
-                    <a16:rowId xmlns:a16="http://schemas.microsoft.com/office/drawing/2014/main" xmlns="" val="10004"/>
+                    <a16:rowId xmlns="" xmlns:a16="http://schemas.microsoft.com/office/drawing/2014/main" val="10004"/>
                   </a:ext>
                 </a:extLst>
               </a:tr>
@@ -42376,7 +42460,7 @@
                 </a:tc>
                 <a:extLst>
                   <a:ext uri="{0D108BD9-81ED-4DB2-BD59-A6C34878D82A}">
-                    <a16:rowId xmlns:a16="http://schemas.microsoft.com/office/drawing/2014/main" xmlns="" val="10005"/>
+                    <a16:rowId xmlns="" xmlns:a16="http://schemas.microsoft.com/office/drawing/2014/main" val="10005"/>
                   </a:ext>
                 </a:extLst>
               </a:tr>
@@ -42479,7 +42563,7 @@
                 </a:tc>
                 <a:extLst>
                   <a:ext uri="{0D108BD9-81ED-4DB2-BD59-A6C34878D82A}">
-                    <a16:rowId xmlns:a16="http://schemas.microsoft.com/office/drawing/2014/main" xmlns="" val="10006"/>
+                    <a16:rowId xmlns="" xmlns:a16="http://schemas.microsoft.com/office/drawing/2014/main" val="10006"/>
                   </a:ext>
                 </a:extLst>
               </a:tr>
@@ -42515,28 +42599,28 @@
                 <a:gridCol w="936705">
                   <a:extLst>
                     <a:ext uri="{9D8B030D-6E8A-4147-A177-3AD203B41FA5}">
-                      <a16:colId xmlns:a16="http://schemas.microsoft.com/office/drawing/2014/main" xmlns="" val="20000"/>
+                      <a16:colId xmlns="" xmlns:a16="http://schemas.microsoft.com/office/drawing/2014/main" val="20000"/>
                     </a:ext>
                   </a:extLst>
                 </a:gridCol>
                 <a:gridCol w="2281710">
                   <a:extLst>
                     <a:ext uri="{9D8B030D-6E8A-4147-A177-3AD203B41FA5}">
-                      <a16:colId xmlns:a16="http://schemas.microsoft.com/office/drawing/2014/main" xmlns="" val="20001"/>
+                      <a16:colId xmlns="" xmlns:a16="http://schemas.microsoft.com/office/drawing/2014/main" val="20001"/>
                     </a:ext>
                   </a:extLst>
                 </a:gridCol>
                 <a:gridCol w="1495120">
                   <a:extLst>
                     <a:ext uri="{9D8B030D-6E8A-4147-A177-3AD203B41FA5}">
-                      <a16:colId xmlns:a16="http://schemas.microsoft.com/office/drawing/2014/main" xmlns="" val="20002"/>
+                      <a16:colId xmlns="" xmlns:a16="http://schemas.microsoft.com/office/drawing/2014/main" val="20002"/>
                     </a:ext>
                   </a:extLst>
                 </a:gridCol>
                 <a:gridCol w="1296974">
                   <a:extLst>
                     <a:ext uri="{9D8B030D-6E8A-4147-A177-3AD203B41FA5}">
-                      <a16:colId xmlns:a16="http://schemas.microsoft.com/office/drawing/2014/main" xmlns="" val="20003"/>
+                      <a16:colId xmlns="" xmlns:a16="http://schemas.microsoft.com/office/drawing/2014/main" val="20003"/>
                     </a:ext>
                   </a:extLst>
                 </a:gridCol>
@@ -42640,7 +42724,7 @@
                 </a:tc>
                 <a:extLst>
                   <a:ext uri="{0D108BD9-81ED-4DB2-BD59-A6C34878D82A}">
-                    <a16:rowId xmlns:a16="http://schemas.microsoft.com/office/drawing/2014/main" xmlns="" val="10000"/>
+                    <a16:rowId xmlns="" xmlns:a16="http://schemas.microsoft.com/office/drawing/2014/main" val="10000"/>
                   </a:ext>
                 </a:extLst>
               </a:tr>
@@ -42743,7 +42827,7 @@
                 </a:tc>
                 <a:extLst>
                   <a:ext uri="{0D108BD9-81ED-4DB2-BD59-A6C34878D82A}">
-                    <a16:rowId xmlns:a16="http://schemas.microsoft.com/office/drawing/2014/main" xmlns="" val="10001"/>
+                    <a16:rowId xmlns="" xmlns:a16="http://schemas.microsoft.com/office/drawing/2014/main" val="10001"/>
                   </a:ext>
                 </a:extLst>
               </a:tr>
@@ -42846,7 +42930,7 @@
                 </a:tc>
                 <a:extLst>
                   <a:ext uri="{0D108BD9-81ED-4DB2-BD59-A6C34878D82A}">
-                    <a16:rowId xmlns:a16="http://schemas.microsoft.com/office/drawing/2014/main" xmlns="" val="10002"/>
+                    <a16:rowId xmlns="" xmlns:a16="http://schemas.microsoft.com/office/drawing/2014/main" val="10002"/>
                   </a:ext>
                 </a:extLst>
               </a:tr>
@@ -42949,7 +43033,7 @@
                 </a:tc>
                 <a:extLst>
                   <a:ext uri="{0D108BD9-81ED-4DB2-BD59-A6C34878D82A}">
-                    <a16:rowId xmlns:a16="http://schemas.microsoft.com/office/drawing/2014/main" xmlns="" val="10003"/>
+                    <a16:rowId xmlns="" xmlns:a16="http://schemas.microsoft.com/office/drawing/2014/main" val="10003"/>
                   </a:ext>
                 </a:extLst>
               </a:tr>
@@ -43052,7 +43136,7 @@
                 </a:tc>
                 <a:extLst>
                   <a:ext uri="{0D108BD9-81ED-4DB2-BD59-A6C34878D82A}">
-                    <a16:rowId xmlns:a16="http://schemas.microsoft.com/office/drawing/2014/main" xmlns="" val="10004"/>
+                    <a16:rowId xmlns="" xmlns:a16="http://schemas.microsoft.com/office/drawing/2014/main" val="10004"/>
                   </a:ext>
                 </a:extLst>
               </a:tr>
@@ -43155,7 +43239,7 @@
                 </a:tc>
                 <a:extLst>
                   <a:ext uri="{0D108BD9-81ED-4DB2-BD59-A6C34878D82A}">
-                    <a16:rowId xmlns:a16="http://schemas.microsoft.com/office/drawing/2014/main" xmlns="" val="10005"/>
+                    <a16:rowId xmlns="" xmlns:a16="http://schemas.microsoft.com/office/drawing/2014/main" val="10005"/>
                   </a:ext>
                 </a:extLst>
               </a:tr>
@@ -43258,7 +43342,7 @@
                 </a:tc>
                 <a:extLst>
                   <a:ext uri="{0D108BD9-81ED-4DB2-BD59-A6C34878D82A}">
-                    <a16:rowId xmlns:a16="http://schemas.microsoft.com/office/drawing/2014/main" xmlns="" val="10006"/>
+                    <a16:rowId xmlns="" xmlns:a16="http://schemas.microsoft.com/office/drawing/2014/main" val="10006"/>
                   </a:ext>
                 </a:extLst>
               </a:tr>
@@ -43627,21 +43711,21 @@
                 <a:latin typeface="Book Antiqua" panose="02040602050305030304" pitchFamily="18" charset="0"/>
                 <a:ea typeface="標楷體" panose="03000509000000000000" pitchFamily="65" charset="-120"/>
               </a:rPr>
-              <a:t>檔股票，以同一筆資金</a:t>
-            </a:r>
-            <a:r>
-              <a:rPr lang="en-US" altLang="zh-TW" sz="2000" dirty="0" smtClean="0">
-                <a:latin typeface="Book Antiqua" panose="02040602050305030304" pitchFamily="18" charset="0"/>
-                <a:ea typeface="標楷體" panose="03000509000000000000" pitchFamily="65" charset="-120"/>
-              </a:rPr>
-              <a:t>rolling</a:t>
+              <a:t>檔股票，以同一筆</a:t>
             </a:r>
             <a:r>
               <a:rPr lang="zh-TW" altLang="en-US" sz="2000" dirty="0" smtClean="0">
                 <a:latin typeface="Book Antiqua" panose="02040602050305030304" pitchFamily="18" charset="0"/>
                 <a:ea typeface="標楷體" panose="03000509000000000000" pitchFamily="65" charset="-120"/>
               </a:rPr>
-              <a:t>，在持有期間到期後再繼續投資，並計算每次投資平均報酬</a:t>
+              <a:t>資金進場，在</a:t>
+            </a:r>
+            <a:r>
+              <a:rPr lang="zh-TW" altLang="en-US" sz="2000" dirty="0" smtClean="0">
+                <a:latin typeface="Book Antiqua" panose="02040602050305030304" pitchFamily="18" charset="0"/>
+                <a:ea typeface="標楷體" panose="03000509000000000000" pitchFamily="65" charset="-120"/>
+              </a:rPr>
+              <a:t>持有期間到期後再繼續投資，並計算每次投資平均報酬</a:t>
             </a:r>
             <a:r>
               <a:rPr lang="zh-TW" altLang="en-US" sz="2000" dirty="0">
@@ -44156,21 +44240,14 @@
                 <a:latin typeface="Book Antiqua" panose="02040602050305030304" pitchFamily="18" charset="0"/>
                 <a:ea typeface="標楷體" panose="03000509000000000000" pitchFamily="65" charset="-120"/>
               </a:rPr>
-              <a:t>資金</a:t>
-            </a:r>
-            <a:r>
-              <a:rPr lang="en-US" altLang="zh-TW" sz="2400" dirty="0">
-                <a:latin typeface="Book Antiqua" panose="02040602050305030304" pitchFamily="18" charset="0"/>
-                <a:ea typeface="標楷體" panose="03000509000000000000" pitchFamily="65" charset="-120"/>
-              </a:rPr>
-              <a:t>rolling</a:t>
+              <a:t>資金進場，</a:t>
             </a:r>
             <a:r>
               <a:rPr lang="zh-TW" altLang="en-US" sz="2400" dirty="0">
                 <a:latin typeface="Book Antiqua" panose="02040602050305030304" pitchFamily="18" charset="0"/>
                 <a:ea typeface="標楷體" panose="03000509000000000000" pitchFamily="65" charset="-120"/>
               </a:rPr>
-              <a:t>，在持有期間到期</a:t>
+              <a:t>在持有期間到期</a:t>
             </a:r>
             <a:r>
               <a:rPr lang="zh-TW" altLang="en-US" sz="2400" dirty="0" smtClean="0">
